--- a/AprendizadoMaquina/Tópico 02 - Aprendizado Supervisionado/KNN/Tópico 02 - Aprendizado-Supervisionado - KNN.pptx
+++ b/AprendizadoMaquina/Tópico 02 - Aprendizado Supervisionado/KNN/Tópico 02 - Aprendizado-Supervisionado - KNN.pptx
@@ -84,78 +84,12 @@
               <a:buNone/>
             </a:pPr>
             <a:r>
-              <a:rPr b="0" lang="pt-BR" sz="4400" spc="-1" strike="noStrike">
+              <a:rPr b="0" lang="en-US" sz="4400" spc="-1" strike="noStrike">
                 <a:latin typeface="Arial"/>
               </a:rPr>
-              <a:t>Cl</a:t>
+              <a:t>Click to move the slide</a:t>
             </a:r>
-            <a:r>
-              <a:rPr b="0" lang="pt-BR" sz="4400" spc="-1" strike="noStrike">
-                <a:latin typeface="Arial"/>
-              </a:rPr>
-              <a:t>ic</a:t>
-            </a:r>
-            <a:r>
-              <a:rPr b="0" lang="pt-BR" sz="4400" spc="-1" strike="noStrike">
-                <a:latin typeface="Arial"/>
-              </a:rPr>
-              <a:t>k </a:t>
-            </a:r>
-            <a:r>
-              <a:rPr b="0" lang="pt-BR" sz="4400" spc="-1" strike="noStrike">
-                <a:latin typeface="Arial"/>
-              </a:rPr>
-              <a:t>to </a:t>
-            </a:r>
-            <a:r>
-              <a:rPr b="0" lang="pt-BR" sz="4400" spc="-1" strike="noStrike">
-                <a:latin typeface="Arial"/>
-              </a:rPr>
-              <a:t>m</a:t>
-            </a:r>
-            <a:r>
-              <a:rPr b="0" lang="pt-BR" sz="4400" spc="-1" strike="noStrike">
-                <a:latin typeface="Arial"/>
-              </a:rPr>
-              <a:t>ov</a:t>
-            </a:r>
-            <a:r>
-              <a:rPr b="0" lang="pt-BR" sz="4400" spc="-1" strike="noStrike">
-                <a:latin typeface="Arial"/>
-              </a:rPr>
-              <a:t>e </a:t>
-            </a:r>
-            <a:r>
-              <a:rPr b="0" lang="pt-BR" sz="4400" spc="-1" strike="noStrike">
-                <a:latin typeface="Arial"/>
-              </a:rPr>
-              <a:t>th</a:t>
-            </a:r>
-            <a:r>
-              <a:rPr b="0" lang="pt-BR" sz="4400" spc="-1" strike="noStrike">
-                <a:latin typeface="Arial"/>
-              </a:rPr>
-              <a:t>e </a:t>
-            </a:r>
-            <a:r>
-              <a:rPr b="0" lang="pt-BR" sz="4400" spc="-1" strike="noStrike">
-                <a:latin typeface="Arial"/>
-              </a:rPr>
-              <a:t>sli</a:t>
-            </a:r>
-            <a:r>
-              <a:rPr b="0" lang="pt-BR" sz="4400" spc="-1" strike="noStrike">
-                <a:latin typeface="Arial"/>
-              </a:rPr>
-              <a:t>d</a:t>
-            </a:r>
-            <a:r>
-              <a:rPr b="0" lang="pt-BR" sz="4400" spc="-1" strike="noStrike">
-                <a:latin typeface="Arial"/>
-              </a:rPr>
-              <a:t>e</a:t>
-            </a:r>
-            <a:endParaRPr b="0" lang="pt-BR" sz="4400" spc="-1" strike="noStrike">
+            <a:endParaRPr b="0" lang="en-US" sz="4400" spc="-1" strike="noStrike">
               <a:latin typeface="Arial"/>
             </a:endParaRPr>
           </a:p>
@@ -190,66 +124,12 @@
           </a:bodyPr>
           <a:p>
             <a:r>
-              <a:rPr b="0" lang="pt-BR" sz="2000" spc="-1" strike="noStrike">
+              <a:rPr b="0" lang="en-US" sz="2000" spc="-1" strike="noStrike">
                 <a:latin typeface="Arial"/>
               </a:rPr>
-              <a:t>Click </a:t>
+              <a:t>Click to edit the notes format</a:t>
             </a:r>
-            <a:r>
-              <a:rPr b="0" lang="pt-BR" sz="2000" spc="-1" strike="noStrike">
-                <a:latin typeface="Arial"/>
-              </a:rPr>
-              <a:t>to </a:t>
-            </a:r>
-            <a:r>
-              <a:rPr b="0" lang="pt-BR" sz="2000" spc="-1" strike="noStrike">
-                <a:latin typeface="Arial"/>
-              </a:rPr>
-              <a:t>edi</a:t>
-            </a:r>
-            <a:r>
-              <a:rPr b="0" lang="pt-BR" sz="2000" spc="-1" strike="noStrike">
-                <a:latin typeface="Arial"/>
-              </a:rPr>
-              <a:t>t </a:t>
-            </a:r>
-            <a:r>
-              <a:rPr b="0" lang="pt-BR" sz="2000" spc="-1" strike="noStrike">
-                <a:latin typeface="Arial"/>
-              </a:rPr>
-              <a:t>the </a:t>
-            </a:r>
-            <a:r>
-              <a:rPr b="0" lang="pt-BR" sz="2000" spc="-1" strike="noStrike">
-                <a:latin typeface="Arial"/>
-              </a:rPr>
-              <a:t>not</a:t>
-            </a:r>
-            <a:r>
-              <a:rPr b="0" lang="pt-BR" sz="2000" spc="-1" strike="noStrike">
-                <a:latin typeface="Arial"/>
-              </a:rPr>
-              <a:t>es </a:t>
-            </a:r>
-            <a:r>
-              <a:rPr b="0" lang="pt-BR" sz="2000" spc="-1" strike="noStrike">
-                <a:latin typeface="Arial"/>
-              </a:rPr>
-              <a:t>for</a:t>
-            </a:r>
-            <a:r>
-              <a:rPr b="0" lang="pt-BR" sz="2000" spc="-1" strike="noStrike">
-                <a:latin typeface="Arial"/>
-              </a:rPr>
-              <a:t>ma</a:t>
-            </a:r>
-            <a:r>
-              <a:rPr b="0" lang="pt-BR" sz="2000" spc="-1" strike="noStrike">
-                <a:latin typeface="Arial"/>
-              </a:rPr>
-              <a:t>t</a:t>
-            </a:r>
-            <a:endParaRPr b="0" lang="pt-BR" sz="2000" spc="-1" strike="noStrike">
+            <a:endParaRPr b="0" lang="en-US" sz="2000" spc="-1" strike="noStrike">
               <a:latin typeface="Arial"/>
             </a:endParaRPr>
           </a:p>
@@ -284,12 +164,12 @@
           </a:bodyPr>
           <a:p>
             <a:r>
-              <a:rPr b="0" lang="pt-BR" sz="1400" spc="-1" strike="noStrike">
+              <a:rPr b="0" lang="en-US" sz="1400" spc="-1" strike="noStrike">
                 <a:latin typeface="Times New Roman"/>
               </a:rPr>
               <a:t>&lt;header&gt;</a:t>
             </a:r>
-            <a:endParaRPr b="0" lang="pt-BR" sz="1400" spc="-1" strike="noStrike">
+            <a:endParaRPr b="0" lang="en-US" sz="1400" spc="-1" strike="noStrike">
               <a:latin typeface="Times New Roman"/>
             </a:endParaRPr>
           </a:p>
@@ -325,7 +205,7 @@
           <a:lstStyle>
             <a:lvl1pPr algn="r">
               <a:buNone/>
-              <a:defRPr b="0" lang="pt-BR" sz="1400" spc="-1" strike="noStrike">
+              <a:defRPr b="0" lang="en-US" sz="1400" spc="-1" strike="noStrike">
                 <a:latin typeface="Times New Roman"/>
               </a:defRPr>
             </a:lvl1pPr>
@@ -335,12 +215,12 @@
               <a:buNone/>
             </a:pPr>
             <a:r>
-              <a:rPr b="0" lang="pt-BR" sz="1400" spc="-1" strike="noStrike">
+              <a:rPr b="0" lang="en-US" sz="1400" spc="-1" strike="noStrike">
                 <a:latin typeface="Times New Roman"/>
               </a:rPr>
               <a:t>&lt;date/time&gt;</a:t>
             </a:r>
-            <a:endParaRPr b="0" lang="pt-BR" sz="1400" spc="-1" strike="noStrike">
+            <a:endParaRPr b="0" lang="en-US" sz="1400" spc="-1" strike="noStrike">
               <a:latin typeface="Times New Roman"/>
             </a:endParaRPr>
           </a:p>
@@ -375,19 +255,19 @@
           </a:bodyPr>
           <a:lstStyle>
             <a:lvl1pPr>
-              <a:defRPr b="0" lang="pt-BR" sz="1400" spc="-1" strike="noStrike">
+              <a:defRPr b="0" lang="en-US" sz="1400" spc="-1" strike="noStrike">
                 <a:latin typeface="Times New Roman"/>
               </a:defRPr>
             </a:lvl1pPr>
           </a:lstStyle>
           <a:p>
             <a:r>
-              <a:rPr b="0" lang="pt-BR" sz="1400" spc="-1" strike="noStrike">
+              <a:rPr b="0" lang="en-US" sz="1400" spc="-1" strike="noStrike">
                 <a:latin typeface="Times New Roman"/>
               </a:rPr>
               <a:t>&lt;footer&gt;</a:t>
             </a:r>
-            <a:endParaRPr b="0" lang="pt-BR" sz="1400" spc="-1" strike="noStrike">
+            <a:endParaRPr b="0" lang="en-US" sz="1400" spc="-1" strike="noStrike">
               <a:latin typeface="Times New Roman"/>
             </a:endParaRPr>
           </a:p>
@@ -423,7 +303,7 @@
           <a:lstStyle>
             <a:lvl1pPr algn="r">
               <a:buNone/>
-              <a:defRPr b="0" lang="pt-BR" sz="1400" spc="-1" strike="noStrike">
+              <a:defRPr b="0" lang="en-US" sz="1400" spc="-1" strike="noStrike">
                 <a:latin typeface="Times New Roman"/>
               </a:defRPr>
             </a:lvl1pPr>
@@ -432,13 +312,13 @@
             <a:pPr algn="r">
               <a:buNone/>
             </a:pPr>
-            <a:fld id="{B00203E9-3740-4CD3-877C-BEF7B3BEA2B4}" type="slidenum">
-              <a:rPr b="0" lang="pt-BR" sz="1400" spc="-1" strike="noStrike">
+            <a:fld id="{6A74441E-1584-4BAF-8AD2-DAEBF26E3D7A}" type="slidenum">
+              <a:rPr b="0" lang="en-US" sz="1400" spc="-1" strike="noStrike">
                 <a:latin typeface="Times New Roman"/>
               </a:rPr>
               <a:t>&lt;number&gt;</a:t>
             </a:fld>
-            <a:endParaRPr b="0" lang="pt-BR" sz="1400" spc="-1" strike="noStrike">
+            <a:endParaRPr b="0" lang="en-US" sz="1400" spc="-1" strike="noStrike">
               <a:latin typeface="Times New Roman"/>
             </a:endParaRPr>
           </a:p>
@@ -469,7 +349,7 @@
       </p:grpSpPr>
       <p:sp>
         <p:nvSpPr>
-          <p:cNvPr id="349" name="PlaceHolder 1"/>
+          <p:cNvPr id="350" name="PlaceHolder 1"/>
           <p:cNvSpPr>
             <a:spLocks noGrp="1"/>
           </p:cNvSpPr>
@@ -480,19 +360,19 @@
         <p:spPr>
           <a:xfrm>
             <a:off x="1376280" y="1336680"/>
-            <a:ext cx="4801680" cy="3601440"/>
-          </a:xfrm>
-          <a:prstGeom prst="rect">
-            <a:avLst/>
-          </a:prstGeom>
-          <a:ln w="0">
-            <a:noFill/>
-          </a:ln>
-        </p:spPr>
-      </p:sp>
-      <p:sp>
-        <p:nvSpPr>
-          <p:cNvPr id="350" name="PlaceHolder 2"/>
+            <a:ext cx="4801320" cy="3601080"/>
+          </a:xfrm>
+          <a:prstGeom prst="rect">
+            <a:avLst/>
+          </a:prstGeom>
+          <a:ln w="0">
+            <a:noFill/>
+          </a:ln>
+        </p:spPr>
+      </p:sp>
+      <p:sp>
+        <p:nvSpPr>
+          <p:cNvPr id="351" name="PlaceHolder 2"/>
           <p:cNvSpPr>
             <a:spLocks noGrp="1"/>
           </p:cNvSpPr>
@@ -503,7 +383,7 @@
         <p:spPr>
           <a:xfrm>
             <a:off x="756000" y="5145120"/>
-            <a:ext cx="6041880" cy="4204080"/>
+            <a:ext cx="6041520" cy="4203720"/>
           </a:xfrm>
           <a:prstGeom prst="rect">
             <a:avLst/>
@@ -518,22 +398,22 @@
             <a:noAutofit/>
           </a:bodyPr>
           <a:p>
-            <a:endParaRPr b="0" lang="pt-BR" sz="2000" spc="-1" strike="noStrike">
-              <a:latin typeface="Arial"/>
-            </a:endParaRPr>
-          </a:p>
-        </p:txBody>
-      </p:sp>
-      <p:sp>
-        <p:nvSpPr>
-          <p:cNvPr id="351" name="CustomShape 3"/>
+            <a:endParaRPr b="0" lang="en-US" sz="2000" spc="-1" strike="noStrike">
+              <a:latin typeface="Arial"/>
+            </a:endParaRPr>
+          </a:p>
+        </p:txBody>
+      </p:sp>
+      <p:sp>
+        <p:nvSpPr>
+          <p:cNvPr id="352" name="CustomShape 3"/>
           <p:cNvSpPr/>
           <p:nvPr/>
         </p:nvSpPr>
         <p:spPr>
           <a:xfrm>
             <a:off x="0" y="10155240"/>
-            <a:ext cx="3270240" cy="530640"/>
+            <a:ext cx="3269880" cy="530280"/>
           </a:xfrm>
           <a:prstGeom prst="rect">
             <a:avLst/>
@@ -570,7 +450,7 @@
               </a:rPr>
               <a:t>Prof. André Hochuli</a:t>
             </a:r>
-            <a:endParaRPr b="0" lang="pt-BR" sz="1200" spc="-1" strike="noStrike">
+            <a:endParaRPr b="0" lang="en-US" sz="1200" spc="-1" strike="noStrike">
               <a:latin typeface="Arial"/>
             </a:endParaRPr>
           </a:p>
@@ -600,7 +480,7 @@
       </p:grpSpPr>
       <p:sp>
         <p:nvSpPr>
-          <p:cNvPr id="376" name="PlaceHolder 1"/>
+          <p:cNvPr id="377" name="PlaceHolder 1"/>
           <p:cNvSpPr>
             <a:spLocks noGrp="1"/>
           </p:cNvSpPr>
@@ -611,19 +491,19 @@
         <p:spPr>
           <a:xfrm>
             <a:off x="1376280" y="1336680"/>
-            <a:ext cx="4795920" cy="3595680"/>
-          </a:xfrm>
-          <a:prstGeom prst="rect">
-            <a:avLst/>
-          </a:prstGeom>
-          <a:ln w="0">
-            <a:noFill/>
-          </a:ln>
-        </p:spPr>
-      </p:sp>
-      <p:sp>
-        <p:nvSpPr>
-          <p:cNvPr id="377" name="PlaceHolder 2"/>
+            <a:ext cx="4795560" cy="3595320"/>
+          </a:xfrm>
+          <a:prstGeom prst="rect">
+            <a:avLst/>
+          </a:prstGeom>
+          <a:ln w="0">
+            <a:noFill/>
+          </a:ln>
+        </p:spPr>
+      </p:sp>
+      <p:sp>
+        <p:nvSpPr>
+          <p:cNvPr id="378" name="PlaceHolder 2"/>
           <p:cNvSpPr>
             <a:spLocks noGrp="1"/>
           </p:cNvSpPr>
@@ -634,7 +514,7 @@
         <p:spPr>
           <a:xfrm>
             <a:off x="756000" y="5145120"/>
-            <a:ext cx="6035400" cy="4197600"/>
+            <a:ext cx="6035040" cy="4197240"/>
           </a:xfrm>
           <a:prstGeom prst="rect">
             <a:avLst/>
@@ -649,22 +529,22 @@
             <a:noAutofit/>
           </a:bodyPr>
           <a:p>
-            <a:endParaRPr b="0" lang="pt-BR" sz="2000" spc="-1" strike="noStrike">
-              <a:latin typeface="Arial"/>
-            </a:endParaRPr>
-          </a:p>
-        </p:txBody>
-      </p:sp>
-      <p:sp>
-        <p:nvSpPr>
-          <p:cNvPr id="378" name="CustomShape 54"/>
+            <a:endParaRPr b="0" lang="en-US" sz="2000" spc="-1" strike="noStrike">
+              <a:latin typeface="Arial"/>
+            </a:endParaRPr>
+          </a:p>
+        </p:txBody>
+      </p:sp>
+      <p:sp>
+        <p:nvSpPr>
+          <p:cNvPr id="379" name="CustomShape 54"/>
           <p:cNvSpPr/>
           <p:nvPr/>
         </p:nvSpPr>
         <p:spPr>
           <a:xfrm>
             <a:off x="0" y="10155240"/>
-            <a:ext cx="3263760" cy="524160"/>
+            <a:ext cx="3263400" cy="523800"/>
           </a:xfrm>
           <a:prstGeom prst="rect">
             <a:avLst/>
@@ -701,7 +581,7 @@
               </a:rPr>
               <a:t>Prof. André Hochuli</a:t>
             </a:r>
-            <a:endParaRPr b="0" lang="pt-BR" sz="1200" spc="-1" strike="noStrike">
+            <a:endParaRPr b="0" lang="en-US" sz="1200" spc="-1" strike="noStrike">
               <a:latin typeface="Arial"/>
             </a:endParaRPr>
           </a:p>
@@ -731,7 +611,7 @@
       </p:grpSpPr>
       <p:sp>
         <p:nvSpPr>
-          <p:cNvPr id="379" name="PlaceHolder 1"/>
+          <p:cNvPr id="380" name="PlaceHolder 1"/>
           <p:cNvSpPr>
             <a:spLocks noGrp="1"/>
           </p:cNvSpPr>
@@ -742,19 +622,19 @@
         <p:spPr>
           <a:xfrm>
             <a:off x="1376280" y="1336680"/>
-            <a:ext cx="4795920" cy="3595680"/>
-          </a:xfrm>
-          <a:prstGeom prst="rect">
-            <a:avLst/>
-          </a:prstGeom>
-          <a:ln w="0">
-            <a:noFill/>
-          </a:ln>
-        </p:spPr>
-      </p:sp>
-      <p:sp>
-        <p:nvSpPr>
-          <p:cNvPr id="380" name="PlaceHolder 2"/>
+            <a:ext cx="4795560" cy="3595320"/>
+          </a:xfrm>
+          <a:prstGeom prst="rect">
+            <a:avLst/>
+          </a:prstGeom>
+          <a:ln w="0">
+            <a:noFill/>
+          </a:ln>
+        </p:spPr>
+      </p:sp>
+      <p:sp>
+        <p:nvSpPr>
+          <p:cNvPr id="381" name="PlaceHolder 2"/>
           <p:cNvSpPr>
             <a:spLocks noGrp="1"/>
           </p:cNvSpPr>
@@ -765,7 +645,7 @@
         <p:spPr>
           <a:xfrm>
             <a:off x="756000" y="5145120"/>
-            <a:ext cx="6035400" cy="4197600"/>
+            <a:ext cx="6035040" cy="4197240"/>
           </a:xfrm>
           <a:prstGeom prst="rect">
             <a:avLst/>
@@ -780,22 +660,22 @@
             <a:noAutofit/>
           </a:bodyPr>
           <a:p>
-            <a:endParaRPr b="0" lang="pt-BR" sz="2000" spc="-1" strike="noStrike">
-              <a:latin typeface="Arial"/>
-            </a:endParaRPr>
-          </a:p>
-        </p:txBody>
-      </p:sp>
-      <p:sp>
-        <p:nvSpPr>
-          <p:cNvPr id="381" name="CustomShape 37"/>
+            <a:endParaRPr b="0" lang="en-US" sz="2000" spc="-1" strike="noStrike">
+              <a:latin typeface="Arial"/>
+            </a:endParaRPr>
+          </a:p>
+        </p:txBody>
+      </p:sp>
+      <p:sp>
+        <p:nvSpPr>
+          <p:cNvPr id="382" name="CustomShape 37"/>
           <p:cNvSpPr/>
           <p:nvPr/>
         </p:nvSpPr>
         <p:spPr>
           <a:xfrm>
             <a:off x="0" y="10155240"/>
-            <a:ext cx="3263760" cy="524160"/>
+            <a:ext cx="3263400" cy="523800"/>
           </a:xfrm>
           <a:prstGeom prst="rect">
             <a:avLst/>
@@ -832,7 +712,7 @@
               </a:rPr>
               <a:t>Prof. André Hochuli</a:t>
             </a:r>
-            <a:endParaRPr b="0" lang="pt-BR" sz="1200" spc="-1" strike="noStrike">
+            <a:endParaRPr b="0" lang="en-US" sz="1200" spc="-1" strike="noStrike">
               <a:latin typeface="Arial"/>
             </a:endParaRPr>
           </a:p>
@@ -862,7 +742,7 @@
       </p:grpSpPr>
       <p:sp>
         <p:nvSpPr>
-          <p:cNvPr id="382" name="PlaceHolder 1"/>
+          <p:cNvPr id="383" name="PlaceHolder 1"/>
           <p:cNvSpPr>
             <a:spLocks noGrp="1"/>
           </p:cNvSpPr>
@@ -873,19 +753,19 @@
         <p:spPr>
           <a:xfrm>
             <a:off x="1376280" y="1336680"/>
-            <a:ext cx="4803120" cy="3602880"/>
-          </a:xfrm>
-          <a:prstGeom prst="rect">
-            <a:avLst/>
-          </a:prstGeom>
-          <a:ln w="0">
-            <a:noFill/>
-          </a:ln>
-        </p:spPr>
-      </p:sp>
-      <p:sp>
-        <p:nvSpPr>
-          <p:cNvPr id="383" name="PlaceHolder 2"/>
+            <a:ext cx="4802760" cy="3602520"/>
+          </a:xfrm>
+          <a:prstGeom prst="rect">
+            <a:avLst/>
+          </a:prstGeom>
+          <a:ln w="0">
+            <a:noFill/>
+          </a:ln>
+        </p:spPr>
+      </p:sp>
+      <p:sp>
+        <p:nvSpPr>
+          <p:cNvPr id="384" name="PlaceHolder 2"/>
           <p:cNvSpPr>
             <a:spLocks noGrp="1"/>
           </p:cNvSpPr>
@@ -896,7 +776,7 @@
         <p:spPr>
           <a:xfrm>
             <a:off x="756000" y="5145120"/>
-            <a:ext cx="6043320" cy="4205520"/>
+            <a:ext cx="6042960" cy="4205160"/>
           </a:xfrm>
           <a:prstGeom prst="rect">
             <a:avLst/>
@@ -911,22 +791,22 @@
             <a:noAutofit/>
           </a:bodyPr>
           <a:p>
-            <a:endParaRPr b="0" lang="pt-BR" sz="2000" spc="-1" strike="noStrike">
-              <a:latin typeface="Arial"/>
-            </a:endParaRPr>
-          </a:p>
-        </p:txBody>
-      </p:sp>
-      <p:sp>
-        <p:nvSpPr>
-          <p:cNvPr id="384" name="CustomShape 66"/>
+            <a:endParaRPr b="0" lang="en-US" sz="2000" spc="-1" strike="noStrike">
+              <a:latin typeface="Arial"/>
+            </a:endParaRPr>
+          </a:p>
+        </p:txBody>
+      </p:sp>
+      <p:sp>
+        <p:nvSpPr>
+          <p:cNvPr id="385" name="CustomShape 66"/>
           <p:cNvSpPr/>
           <p:nvPr/>
         </p:nvSpPr>
         <p:spPr>
           <a:xfrm>
             <a:off x="0" y="10155240"/>
-            <a:ext cx="3271680" cy="532080"/>
+            <a:ext cx="3271320" cy="531720"/>
           </a:xfrm>
           <a:prstGeom prst="rect">
             <a:avLst/>
@@ -963,7 +843,7 @@
               </a:rPr>
               <a:t>Prof. André Hochuli</a:t>
             </a:r>
-            <a:endParaRPr b="0" lang="pt-BR" sz="1200" spc="-1" strike="noStrike">
+            <a:endParaRPr b="0" lang="en-US" sz="1200" spc="-1" strike="noStrike">
               <a:latin typeface="Arial"/>
             </a:endParaRPr>
           </a:p>
@@ -993,7 +873,7 @@
       </p:grpSpPr>
       <p:sp>
         <p:nvSpPr>
-          <p:cNvPr id="385" name="PlaceHolder 1"/>
+          <p:cNvPr id="386" name="PlaceHolder 1"/>
           <p:cNvSpPr>
             <a:spLocks noGrp="1"/>
           </p:cNvSpPr>
@@ -1004,19 +884,19 @@
         <p:spPr>
           <a:xfrm>
             <a:off x="1376280" y="1336680"/>
-            <a:ext cx="4803120" cy="3602880"/>
-          </a:xfrm>
-          <a:prstGeom prst="rect">
-            <a:avLst/>
-          </a:prstGeom>
-          <a:ln w="0">
-            <a:noFill/>
-          </a:ln>
-        </p:spPr>
-      </p:sp>
-      <p:sp>
-        <p:nvSpPr>
-          <p:cNvPr id="386" name="PlaceHolder 2"/>
+            <a:ext cx="4802760" cy="3602520"/>
+          </a:xfrm>
+          <a:prstGeom prst="rect">
+            <a:avLst/>
+          </a:prstGeom>
+          <a:ln w="0">
+            <a:noFill/>
+          </a:ln>
+        </p:spPr>
+      </p:sp>
+      <p:sp>
+        <p:nvSpPr>
+          <p:cNvPr id="387" name="PlaceHolder 2"/>
           <p:cNvSpPr>
             <a:spLocks noGrp="1"/>
           </p:cNvSpPr>
@@ -1027,7 +907,7 @@
         <p:spPr>
           <a:xfrm>
             <a:off x="756000" y="5145120"/>
-            <a:ext cx="6043320" cy="4205520"/>
+            <a:ext cx="6042960" cy="4205160"/>
           </a:xfrm>
           <a:prstGeom prst="rect">
             <a:avLst/>
@@ -1042,22 +922,22 @@
             <a:noAutofit/>
           </a:bodyPr>
           <a:p>
-            <a:endParaRPr b="0" lang="pt-BR" sz="2000" spc="-1" strike="noStrike">
-              <a:latin typeface="Arial"/>
-            </a:endParaRPr>
-          </a:p>
-        </p:txBody>
-      </p:sp>
-      <p:sp>
-        <p:nvSpPr>
-          <p:cNvPr id="387" name="CustomShape 41"/>
+            <a:endParaRPr b="0" lang="en-US" sz="2000" spc="-1" strike="noStrike">
+              <a:latin typeface="Arial"/>
+            </a:endParaRPr>
+          </a:p>
+        </p:txBody>
+      </p:sp>
+      <p:sp>
+        <p:nvSpPr>
+          <p:cNvPr id="388" name="CustomShape 41"/>
           <p:cNvSpPr/>
           <p:nvPr/>
         </p:nvSpPr>
         <p:spPr>
           <a:xfrm>
             <a:off x="0" y="10155240"/>
-            <a:ext cx="3271680" cy="532080"/>
+            <a:ext cx="3271320" cy="531720"/>
           </a:xfrm>
           <a:prstGeom prst="rect">
             <a:avLst/>
@@ -1094,7 +974,7 @@
               </a:rPr>
               <a:t>Prof. André Hochuli</a:t>
             </a:r>
-            <a:endParaRPr b="0" lang="pt-BR" sz="1200" spc="-1" strike="noStrike">
+            <a:endParaRPr b="0" lang="en-US" sz="1200" spc="-1" strike="noStrike">
               <a:latin typeface="Arial"/>
             </a:endParaRPr>
           </a:p>
@@ -1124,7 +1004,7 @@
       </p:grpSpPr>
       <p:sp>
         <p:nvSpPr>
-          <p:cNvPr id="388" name="PlaceHolder 1"/>
+          <p:cNvPr id="389" name="PlaceHolder 1"/>
           <p:cNvSpPr>
             <a:spLocks noGrp="1"/>
           </p:cNvSpPr>
@@ -1135,19 +1015,19 @@
         <p:spPr>
           <a:xfrm>
             <a:off x="1376280" y="1336680"/>
-            <a:ext cx="4803120" cy="3602880"/>
-          </a:xfrm>
-          <a:prstGeom prst="rect">
-            <a:avLst/>
-          </a:prstGeom>
-          <a:ln w="0">
-            <a:noFill/>
-          </a:ln>
-        </p:spPr>
-      </p:sp>
-      <p:sp>
-        <p:nvSpPr>
-          <p:cNvPr id="389" name="PlaceHolder 2"/>
+            <a:ext cx="4802760" cy="3602520"/>
+          </a:xfrm>
+          <a:prstGeom prst="rect">
+            <a:avLst/>
+          </a:prstGeom>
+          <a:ln w="0">
+            <a:noFill/>
+          </a:ln>
+        </p:spPr>
+      </p:sp>
+      <p:sp>
+        <p:nvSpPr>
+          <p:cNvPr id="390" name="PlaceHolder 2"/>
           <p:cNvSpPr>
             <a:spLocks noGrp="1"/>
           </p:cNvSpPr>
@@ -1158,7 +1038,7 @@
         <p:spPr>
           <a:xfrm>
             <a:off x="756000" y="5145120"/>
-            <a:ext cx="6043320" cy="4205520"/>
+            <a:ext cx="6042960" cy="4205160"/>
           </a:xfrm>
           <a:prstGeom prst="rect">
             <a:avLst/>
@@ -1173,22 +1053,22 @@
             <a:noAutofit/>
           </a:bodyPr>
           <a:p>
-            <a:endParaRPr b="0" lang="pt-BR" sz="2000" spc="-1" strike="noStrike">
-              <a:latin typeface="Arial"/>
-            </a:endParaRPr>
-          </a:p>
-        </p:txBody>
-      </p:sp>
-      <p:sp>
-        <p:nvSpPr>
-          <p:cNvPr id="390" name="CustomShape 58"/>
+            <a:endParaRPr b="0" lang="en-US" sz="2000" spc="-1" strike="noStrike">
+              <a:latin typeface="Arial"/>
+            </a:endParaRPr>
+          </a:p>
+        </p:txBody>
+      </p:sp>
+      <p:sp>
+        <p:nvSpPr>
+          <p:cNvPr id="391" name="CustomShape 58"/>
           <p:cNvSpPr/>
           <p:nvPr/>
         </p:nvSpPr>
         <p:spPr>
           <a:xfrm>
             <a:off x="0" y="10155240"/>
-            <a:ext cx="3271680" cy="532080"/>
+            <a:ext cx="3271320" cy="531720"/>
           </a:xfrm>
           <a:prstGeom prst="rect">
             <a:avLst/>
@@ -1225,7 +1105,7 @@
               </a:rPr>
               <a:t>Prof. André Hochuli</a:t>
             </a:r>
-            <a:endParaRPr b="0" lang="pt-BR" sz="1200" spc="-1" strike="noStrike">
+            <a:endParaRPr b="0" lang="en-US" sz="1200" spc="-1" strike="noStrike">
               <a:latin typeface="Arial"/>
             </a:endParaRPr>
           </a:p>
@@ -1255,7 +1135,7 @@
       </p:grpSpPr>
       <p:sp>
         <p:nvSpPr>
-          <p:cNvPr id="391" name="PlaceHolder 1"/>
+          <p:cNvPr id="392" name="PlaceHolder 1"/>
           <p:cNvSpPr>
             <a:spLocks noGrp="1"/>
           </p:cNvSpPr>
@@ -1266,19 +1146,19 @@
         <p:spPr>
           <a:xfrm>
             <a:off x="1376280" y="1336680"/>
-            <a:ext cx="4803120" cy="3602880"/>
-          </a:xfrm>
-          <a:prstGeom prst="rect">
-            <a:avLst/>
-          </a:prstGeom>
-          <a:ln w="0">
-            <a:noFill/>
-          </a:ln>
-        </p:spPr>
-      </p:sp>
-      <p:sp>
-        <p:nvSpPr>
-          <p:cNvPr id="392" name="PlaceHolder 2"/>
+            <a:ext cx="4802760" cy="3602520"/>
+          </a:xfrm>
+          <a:prstGeom prst="rect">
+            <a:avLst/>
+          </a:prstGeom>
+          <a:ln w="0">
+            <a:noFill/>
+          </a:ln>
+        </p:spPr>
+      </p:sp>
+      <p:sp>
+        <p:nvSpPr>
+          <p:cNvPr id="393" name="PlaceHolder 2"/>
           <p:cNvSpPr>
             <a:spLocks noGrp="1"/>
           </p:cNvSpPr>
@@ -1289,7 +1169,7 @@
         <p:spPr>
           <a:xfrm>
             <a:off x="756000" y="5145120"/>
-            <a:ext cx="6043320" cy="4205520"/>
+            <a:ext cx="6042960" cy="4205160"/>
           </a:xfrm>
           <a:prstGeom prst="rect">
             <a:avLst/>
@@ -1304,22 +1184,22 @@
             <a:noAutofit/>
           </a:bodyPr>
           <a:p>
-            <a:endParaRPr b="0" lang="pt-BR" sz="2000" spc="-1" strike="noStrike">
-              <a:latin typeface="Arial"/>
-            </a:endParaRPr>
-          </a:p>
-        </p:txBody>
-      </p:sp>
-      <p:sp>
-        <p:nvSpPr>
-          <p:cNvPr id="393" name="CustomShape 62"/>
+            <a:endParaRPr b="0" lang="en-US" sz="2000" spc="-1" strike="noStrike">
+              <a:latin typeface="Arial"/>
+            </a:endParaRPr>
+          </a:p>
+        </p:txBody>
+      </p:sp>
+      <p:sp>
+        <p:nvSpPr>
+          <p:cNvPr id="394" name="CustomShape 62"/>
           <p:cNvSpPr/>
           <p:nvPr/>
         </p:nvSpPr>
         <p:spPr>
           <a:xfrm>
             <a:off x="0" y="10155240"/>
-            <a:ext cx="3271680" cy="532080"/>
+            <a:ext cx="3271320" cy="531720"/>
           </a:xfrm>
           <a:prstGeom prst="rect">
             <a:avLst/>
@@ -1356,7 +1236,7 @@
               </a:rPr>
               <a:t>Prof. André Hochuli</a:t>
             </a:r>
-            <a:endParaRPr b="0" lang="pt-BR" sz="1200" spc="-1" strike="noStrike">
+            <a:endParaRPr b="0" lang="en-US" sz="1200" spc="-1" strike="noStrike">
               <a:latin typeface="Arial"/>
             </a:endParaRPr>
           </a:p>
@@ -1386,7 +1266,7 @@
       </p:grpSpPr>
       <p:sp>
         <p:nvSpPr>
-          <p:cNvPr id="394" name="PlaceHolder 1"/>
+          <p:cNvPr id="395" name="PlaceHolder 1"/>
           <p:cNvSpPr>
             <a:spLocks noGrp="1"/>
           </p:cNvSpPr>
@@ -1397,19 +1277,19 @@
         <p:spPr>
           <a:xfrm>
             <a:off x="1376280" y="1336680"/>
-            <a:ext cx="4803120" cy="3602880"/>
-          </a:xfrm>
-          <a:prstGeom prst="rect">
-            <a:avLst/>
-          </a:prstGeom>
-          <a:ln w="0">
-            <a:noFill/>
-          </a:ln>
-        </p:spPr>
-      </p:sp>
-      <p:sp>
-        <p:nvSpPr>
-          <p:cNvPr id="395" name="PlaceHolder 2"/>
+            <a:ext cx="4802760" cy="3602520"/>
+          </a:xfrm>
+          <a:prstGeom prst="rect">
+            <a:avLst/>
+          </a:prstGeom>
+          <a:ln w="0">
+            <a:noFill/>
+          </a:ln>
+        </p:spPr>
+      </p:sp>
+      <p:sp>
+        <p:nvSpPr>
+          <p:cNvPr id="396" name="PlaceHolder 2"/>
           <p:cNvSpPr>
             <a:spLocks noGrp="1"/>
           </p:cNvSpPr>
@@ -1420,7 +1300,7 @@
         <p:spPr>
           <a:xfrm>
             <a:off x="756000" y="5145120"/>
-            <a:ext cx="6043320" cy="4205520"/>
+            <a:ext cx="6042960" cy="4205160"/>
           </a:xfrm>
           <a:prstGeom prst="rect">
             <a:avLst/>
@@ -1435,22 +1315,22 @@
             <a:noAutofit/>
           </a:bodyPr>
           <a:p>
-            <a:endParaRPr b="0" lang="pt-BR" sz="2000" spc="-1" strike="noStrike">
-              <a:latin typeface="Arial"/>
-            </a:endParaRPr>
-          </a:p>
-        </p:txBody>
-      </p:sp>
-      <p:sp>
-        <p:nvSpPr>
-          <p:cNvPr id="396" name="CustomShape 70"/>
+            <a:endParaRPr b="0" lang="en-US" sz="2000" spc="-1" strike="noStrike">
+              <a:latin typeface="Arial"/>
+            </a:endParaRPr>
+          </a:p>
+        </p:txBody>
+      </p:sp>
+      <p:sp>
+        <p:nvSpPr>
+          <p:cNvPr id="397" name="CustomShape 70"/>
           <p:cNvSpPr/>
           <p:nvPr/>
         </p:nvSpPr>
         <p:spPr>
           <a:xfrm>
             <a:off x="0" y="10155240"/>
-            <a:ext cx="3271680" cy="532080"/>
+            <a:ext cx="3271320" cy="531720"/>
           </a:xfrm>
           <a:prstGeom prst="rect">
             <a:avLst/>
@@ -1487,7 +1367,7 @@
               </a:rPr>
               <a:t>Prof. André Hochuli</a:t>
             </a:r>
-            <a:endParaRPr b="0" lang="pt-BR" sz="1200" spc="-1" strike="noStrike">
+            <a:endParaRPr b="0" lang="en-US" sz="1200" spc="-1" strike="noStrike">
               <a:latin typeface="Arial"/>
             </a:endParaRPr>
           </a:p>
@@ -1517,7 +1397,7 @@
       </p:grpSpPr>
       <p:sp>
         <p:nvSpPr>
-          <p:cNvPr id="397" name="PlaceHolder 1"/>
+          <p:cNvPr id="398" name="PlaceHolder 1"/>
           <p:cNvSpPr>
             <a:spLocks noGrp="1"/>
           </p:cNvSpPr>
@@ -1528,19 +1408,19 @@
         <p:spPr>
           <a:xfrm>
             <a:off x="1376280" y="1336680"/>
-            <a:ext cx="4803120" cy="3602880"/>
-          </a:xfrm>
-          <a:prstGeom prst="rect">
-            <a:avLst/>
-          </a:prstGeom>
-          <a:ln w="0">
-            <a:noFill/>
-          </a:ln>
-        </p:spPr>
-      </p:sp>
-      <p:sp>
-        <p:nvSpPr>
-          <p:cNvPr id="398" name="PlaceHolder 2"/>
+            <a:ext cx="4802760" cy="3602520"/>
+          </a:xfrm>
+          <a:prstGeom prst="rect">
+            <a:avLst/>
+          </a:prstGeom>
+          <a:ln w="0">
+            <a:noFill/>
+          </a:ln>
+        </p:spPr>
+      </p:sp>
+      <p:sp>
+        <p:nvSpPr>
+          <p:cNvPr id="399" name="PlaceHolder 2"/>
           <p:cNvSpPr>
             <a:spLocks noGrp="1"/>
           </p:cNvSpPr>
@@ -1551,7 +1431,7 @@
         <p:spPr>
           <a:xfrm>
             <a:off x="756000" y="5145120"/>
-            <a:ext cx="6043320" cy="4205520"/>
+            <a:ext cx="6042960" cy="4205160"/>
           </a:xfrm>
           <a:prstGeom prst="rect">
             <a:avLst/>
@@ -1566,22 +1446,22 @@
             <a:noAutofit/>
           </a:bodyPr>
           <a:p>
-            <a:endParaRPr b="0" lang="pt-BR" sz="2000" spc="-1" strike="noStrike">
-              <a:latin typeface="Arial"/>
-            </a:endParaRPr>
-          </a:p>
-        </p:txBody>
-      </p:sp>
-      <p:sp>
-        <p:nvSpPr>
-          <p:cNvPr id="399" name="CustomShape 74"/>
+            <a:endParaRPr b="0" lang="en-US" sz="2000" spc="-1" strike="noStrike">
+              <a:latin typeface="Arial"/>
+            </a:endParaRPr>
+          </a:p>
+        </p:txBody>
+      </p:sp>
+      <p:sp>
+        <p:nvSpPr>
+          <p:cNvPr id="400" name="CustomShape 74"/>
           <p:cNvSpPr/>
           <p:nvPr/>
         </p:nvSpPr>
         <p:spPr>
           <a:xfrm>
             <a:off x="0" y="10155240"/>
-            <a:ext cx="3271680" cy="532080"/>
+            <a:ext cx="3271320" cy="531720"/>
           </a:xfrm>
           <a:prstGeom prst="rect">
             <a:avLst/>
@@ -1618,7 +1498,7 @@
               </a:rPr>
               <a:t>Prof. André Hochuli</a:t>
             </a:r>
-            <a:endParaRPr b="0" lang="pt-BR" sz="1200" spc="-1" strike="noStrike">
+            <a:endParaRPr b="0" lang="en-US" sz="1200" spc="-1" strike="noStrike">
               <a:latin typeface="Arial"/>
             </a:endParaRPr>
           </a:p>
@@ -1648,7 +1528,7 @@
       </p:grpSpPr>
       <p:sp>
         <p:nvSpPr>
-          <p:cNvPr id="352" name="PlaceHolder 1"/>
+          <p:cNvPr id="353" name="PlaceHolder 1"/>
           <p:cNvSpPr>
             <a:spLocks noGrp="1"/>
           </p:cNvSpPr>
@@ -1659,19 +1539,19 @@
         <p:spPr>
           <a:xfrm>
             <a:off x="1376280" y="1336680"/>
-            <a:ext cx="4801680" cy="3601440"/>
-          </a:xfrm>
-          <a:prstGeom prst="rect">
-            <a:avLst/>
-          </a:prstGeom>
-          <a:ln w="0">
-            <a:noFill/>
-          </a:ln>
-        </p:spPr>
-      </p:sp>
-      <p:sp>
-        <p:nvSpPr>
-          <p:cNvPr id="353" name="PlaceHolder 2"/>
+            <a:ext cx="4801320" cy="3601080"/>
+          </a:xfrm>
+          <a:prstGeom prst="rect">
+            <a:avLst/>
+          </a:prstGeom>
+          <a:ln w="0">
+            <a:noFill/>
+          </a:ln>
+        </p:spPr>
+      </p:sp>
+      <p:sp>
+        <p:nvSpPr>
+          <p:cNvPr id="354" name="PlaceHolder 2"/>
           <p:cNvSpPr>
             <a:spLocks noGrp="1"/>
           </p:cNvSpPr>
@@ -1682,7 +1562,7 @@
         <p:spPr>
           <a:xfrm>
             <a:off x="756000" y="5145120"/>
-            <a:ext cx="6041880" cy="4204080"/>
+            <a:ext cx="6041520" cy="4203720"/>
           </a:xfrm>
           <a:prstGeom prst="rect">
             <a:avLst/>
@@ -1697,22 +1577,22 @@
             <a:noAutofit/>
           </a:bodyPr>
           <a:p>
-            <a:endParaRPr b="0" lang="pt-BR" sz="2000" spc="-1" strike="noStrike">
-              <a:latin typeface="Arial"/>
-            </a:endParaRPr>
-          </a:p>
-        </p:txBody>
-      </p:sp>
-      <p:sp>
-        <p:nvSpPr>
-          <p:cNvPr id="354" name="CustomShape 3"/>
+            <a:endParaRPr b="0" lang="en-US" sz="2000" spc="-1" strike="noStrike">
+              <a:latin typeface="Arial"/>
+            </a:endParaRPr>
+          </a:p>
+        </p:txBody>
+      </p:sp>
+      <p:sp>
+        <p:nvSpPr>
+          <p:cNvPr id="355" name="CustomShape 3"/>
           <p:cNvSpPr/>
           <p:nvPr/>
         </p:nvSpPr>
         <p:spPr>
           <a:xfrm>
             <a:off x="0" y="10155240"/>
-            <a:ext cx="3270240" cy="530640"/>
+            <a:ext cx="3269880" cy="530280"/>
           </a:xfrm>
           <a:prstGeom prst="rect">
             <a:avLst/>
@@ -1749,7 +1629,7 @@
               </a:rPr>
               <a:t>Prof. André Hochuli</a:t>
             </a:r>
-            <a:endParaRPr b="0" lang="pt-BR" sz="1200" spc="-1" strike="noStrike">
+            <a:endParaRPr b="0" lang="en-US" sz="1200" spc="-1" strike="noStrike">
               <a:latin typeface="Arial"/>
             </a:endParaRPr>
           </a:p>
@@ -1779,7 +1659,7 @@
       </p:grpSpPr>
       <p:sp>
         <p:nvSpPr>
-          <p:cNvPr id="355" name="PlaceHolder 1"/>
+          <p:cNvPr id="356" name="PlaceHolder 1"/>
           <p:cNvSpPr>
             <a:spLocks noGrp="1"/>
           </p:cNvSpPr>
@@ -1790,19 +1670,19 @@
         <p:spPr>
           <a:xfrm>
             <a:off x="1376280" y="1336680"/>
-            <a:ext cx="4795920" cy="3595680"/>
-          </a:xfrm>
-          <a:prstGeom prst="rect">
-            <a:avLst/>
-          </a:prstGeom>
-          <a:ln w="0">
-            <a:noFill/>
-          </a:ln>
-        </p:spPr>
-      </p:sp>
-      <p:sp>
-        <p:nvSpPr>
-          <p:cNvPr id="356" name="PlaceHolder 2"/>
+            <a:ext cx="4795560" cy="3595320"/>
+          </a:xfrm>
+          <a:prstGeom prst="rect">
+            <a:avLst/>
+          </a:prstGeom>
+          <a:ln w="0">
+            <a:noFill/>
+          </a:ln>
+        </p:spPr>
+      </p:sp>
+      <p:sp>
+        <p:nvSpPr>
+          <p:cNvPr id="357" name="PlaceHolder 2"/>
           <p:cNvSpPr>
             <a:spLocks noGrp="1"/>
           </p:cNvSpPr>
@@ -1813,7 +1693,7 @@
         <p:spPr>
           <a:xfrm>
             <a:off x="756000" y="5145120"/>
-            <a:ext cx="6035400" cy="4197600"/>
+            <a:ext cx="6035040" cy="4197240"/>
           </a:xfrm>
           <a:prstGeom prst="rect">
             <a:avLst/>
@@ -1828,22 +1708,22 @@
             <a:noAutofit/>
           </a:bodyPr>
           <a:p>
-            <a:endParaRPr b="0" lang="pt-BR" sz="2000" spc="-1" strike="noStrike">
-              <a:latin typeface="Arial"/>
-            </a:endParaRPr>
-          </a:p>
-        </p:txBody>
-      </p:sp>
-      <p:sp>
-        <p:nvSpPr>
-          <p:cNvPr id="357" name="CustomShape 6"/>
+            <a:endParaRPr b="0" lang="en-US" sz="2000" spc="-1" strike="noStrike">
+              <a:latin typeface="Arial"/>
+            </a:endParaRPr>
+          </a:p>
+        </p:txBody>
+      </p:sp>
+      <p:sp>
+        <p:nvSpPr>
+          <p:cNvPr id="358" name="CustomShape 6"/>
           <p:cNvSpPr/>
           <p:nvPr/>
         </p:nvSpPr>
         <p:spPr>
           <a:xfrm>
             <a:off x="0" y="10155240"/>
-            <a:ext cx="3263760" cy="524160"/>
+            <a:ext cx="3263400" cy="523800"/>
           </a:xfrm>
           <a:prstGeom prst="rect">
             <a:avLst/>
@@ -1880,7 +1760,7 @@
               </a:rPr>
               <a:t>Prof. André Hochuli</a:t>
             </a:r>
-            <a:endParaRPr b="0" lang="pt-BR" sz="1200" spc="-1" strike="noStrike">
+            <a:endParaRPr b="0" lang="en-US" sz="1200" spc="-1" strike="noStrike">
               <a:latin typeface="Arial"/>
             </a:endParaRPr>
           </a:p>
@@ -1910,7 +1790,7 @@
       </p:grpSpPr>
       <p:sp>
         <p:nvSpPr>
-          <p:cNvPr id="358" name="PlaceHolder 1"/>
+          <p:cNvPr id="359" name="PlaceHolder 1"/>
           <p:cNvSpPr>
             <a:spLocks noGrp="1"/>
           </p:cNvSpPr>
@@ -1921,19 +1801,19 @@
         <p:spPr>
           <a:xfrm>
             <a:off x="1376280" y="1336680"/>
-            <a:ext cx="4795920" cy="3595680"/>
-          </a:xfrm>
-          <a:prstGeom prst="rect">
-            <a:avLst/>
-          </a:prstGeom>
-          <a:ln w="0">
-            <a:noFill/>
-          </a:ln>
-        </p:spPr>
-      </p:sp>
-      <p:sp>
-        <p:nvSpPr>
-          <p:cNvPr id="359" name="PlaceHolder 2"/>
+            <a:ext cx="4795560" cy="3595320"/>
+          </a:xfrm>
+          <a:prstGeom prst="rect">
+            <a:avLst/>
+          </a:prstGeom>
+          <a:ln w="0">
+            <a:noFill/>
+          </a:ln>
+        </p:spPr>
+      </p:sp>
+      <p:sp>
+        <p:nvSpPr>
+          <p:cNvPr id="360" name="PlaceHolder 2"/>
           <p:cNvSpPr>
             <a:spLocks noGrp="1"/>
           </p:cNvSpPr>
@@ -1944,7 +1824,7 @@
         <p:spPr>
           <a:xfrm>
             <a:off x="756000" y="5145120"/>
-            <a:ext cx="6035400" cy="4197600"/>
+            <a:ext cx="6035040" cy="4197240"/>
           </a:xfrm>
           <a:prstGeom prst="rect">
             <a:avLst/>
@@ -1959,22 +1839,22 @@
             <a:noAutofit/>
           </a:bodyPr>
           <a:p>
-            <a:endParaRPr b="0" lang="pt-BR" sz="2000" spc="-1" strike="noStrike">
-              <a:latin typeface="Arial"/>
-            </a:endParaRPr>
-          </a:p>
-        </p:txBody>
-      </p:sp>
-      <p:sp>
-        <p:nvSpPr>
-          <p:cNvPr id="360" name="CustomShape 18"/>
+            <a:endParaRPr b="0" lang="en-US" sz="2000" spc="-1" strike="noStrike">
+              <a:latin typeface="Arial"/>
+            </a:endParaRPr>
+          </a:p>
+        </p:txBody>
+      </p:sp>
+      <p:sp>
+        <p:nvSpPr>
+          <p:cNvPr id="361" name="CustomShape 18"/>
           <p:cNvSpPr/>
           <p:nvPr/>
         </p:nvSpPr>
         <p:spPr>
           <a:xfrm>
             <a:off x="0" y="10155240"/>
-            <a:ext cx="3263760" cy="524160"/>
+            <a:ext cx="3263400" cy="523800"/>
           </a:xfrm>
           <a:prstGeom prst="rect">
             <a:avLst/>
@@ -2011,7 +1891,7 @@
               </a:rPr>
               <a:t>Prof. André Hochuli</a:t>
             </a:r>
-            <a:endParaRPr b="0" lang="pt-BR" sz="1200" spc="-1" strike="noStrike">
+            <a:endParaRPr b="0" lang="en-US" sz="1200" spc="-1" strike="noStrike">
               <a:latin typeface="Arial"/>
             </a:endParaRPr>
           </a:p>
@@ -2041,7 +1921,7 @@
       </p:grpSpPr>
       <p:sp>
         <p:nvSpPr>
-          <p:cNvPr id="361" name="PlaceHolder 1"/>
+          <p:cNvPr id="362" name="PlaceHolder 1"/>
           <p:cNvSpPr>
             <a:spLocks noGrp="1"/>
           </p:cNvSpPr>
@@ -2052,19 +1932,19 @@
         <p:spPr>
           <a:xfrm>
             <a:off x="1376280" y="1336680"/>
-            <a:ext cx="4795920" cy="3595680"/>
-          </a:xfrm>
-          <a:prstGeom prst="rect">
-            <a:avLst/>
-          </a:prstGeom>
-          <a:ln w="0">
-            <a:noFill/>
-          </a:ln>
-        </p:spPr>
-      </p:sp>
-      <p:sp>
-        <p:nvSpPr>
-          <p:cNvPr id="362" name="PlaceHolder 2"/>
+            <a:ext cx="4795560" cy="3595320"/>
+          </a:xfrm>
+          <a:prstGeom prst="rect">
+            <a:avLst/>
+          </a:prstGeom>
+          <a:ln w="0">
+            <a:noFill/>
+          </a:ln>
+        </p:spPr>
+      </p:sp>
+      <p:sp>
+        <p:nvSpPr>
+          <p:cNvPr id="363" name="PlaceHolder 2"/>
           <p:cNvSpPr>
             <a:spLocks noGrp="1"/>
           </p:cNvSpPr>
@@ -2075,7 +1955,7 @@
         <p:spPr>
           <a:xfrm>
             <a:off x="756000" y="5145120"/>
-            <a:ext cx="6035400" cy="4197600"/>
+            <a:ext cx="6035040" cy="4197240"/>
           </a:xfrm>
           <a:prstGeom prst="rect">
             <a:avLst/>
@@ -2090,22 +1970,22 @@
             <a:noAutofit/>
           </a:bodyPr>
           <a:p>
-            <a:endParaRPr b="0" lang="pt-BR" sz="2000" spc="-1" strike="noStrike">
-              <a:latin typeface="Arial"/>
-            </a:endParaRPr>
-          </a:p>
-        </p:txBody>
-      </p:sp>
-      <p:sp>
-        <p:nvSpPr>
-          <p:cNvPr id="363" name="CustomShape 16"/>
+            <a:endParaRPr b="0" lang="en-US" sz="2000" spc="-1" strike="noStrike">
+              <a:latin typeface="Arial"/>
+            </a:endParaRPr>
+          </a:p>
+        </p:txBody>
+      </p:sp>
+      <p:sp>
+        <p:nvSpPr>
+          <p:cNvPr id="364" name="CustomShape 16"/>
           <p:cNvSpPr/>
           <p:nvPr/>
         </p:nvSpPr>
         <p:spPr>
           <a:xfrm>
             <a:off x="0" y="10155240"/>
-            <a:ext cx="3263760" cy="524160"/>
+            <a:ext cx="3263400" cy="523800"/>
           </a:xfrm>
           <a:prstGeom prst="rect">
             <a:avLst/>
@@ -2142,7 +2022,7 @@
               </a:rPr>
               <a:t>Prof. André Hochuli</a:t>
             </a:r>
-            <a:endParaRPr b="0" lang="pt-BR" sz="1200" spc="-1" strike="noStrike">
+            <a:endParaRPr b="0" lang="en-US" sz="1200" spc="-1" strike="noStrike">
               <a:latin typeface="Arial"/>
             </a:endParaRPr>
           </a:p>
@@ -2172,7 +2052,7 @@
       </p:grpSpPr>
       <p:sp>
         <p:nvSpPr>
-          <p:cNvPr id="364" name="PlaceHolder 1"/>
+          <p:cNvPr id="365" name="PlaceHolder 1"/>
           <p:cNvSpPr>
             <a:spLocks noGrp="1"/>
           </p:cNvSpPr>
@@ -2183,19 +2063,19 @@
         <p:spPr>
           <a:xfrm>
             <a:off x="1376280" y="1336680"/>
-            <a:ext cx="4795920" cy="3595680"/>
-          </a:xfrm>
-          <a:prstGeom prst="rect">
-            <a:avLst/>
-          </a:prstGeom>
-          <a:ln w="0">
-            <a:noFill/>
-          </a:ln>
-        </p:spPr>
-      </p:sp>
-      <p:sp>
-        <p:nvSpPr>
-          <p:cNvPr id="365" name="PlaceHolder 2"/>
+            <a:ext cx="4795560" cy="3595320"/>
+          </a:xfrm>
+          <a:prstGeom prst="rect">
+            <a:avLst/>
+          </a:prstGeom>
+          <a:ln w="0">
+            <a:noFill/>
+          </a:ln>
+        </p:spPr>
+      </p:sp>
+      <p:sp>
+        <p:nvSpPr>
+          <p:cNvPr id="366" name="PlaceHolder 2"/>
           <p:cNvSpPr>
             <a:spLocks noGrp="1"/>
           </p:cNvSpPr>
@@ -2206,7 +2086,7 @@
         <p:spPr>
           <a:xfrm>
             <a:off x="756000" y="5145120"/>
-            <a:ext cx="6035400" cy="4197600"/>
+            <a:ext cx="6035040" cy="4197240"/>
           </a:xfrm>
           <a:prstGeom prst="rect">
             <a:avLst/>
@@ -2221,22 +2101,22 @@
             <a:noAutofit/>
           </a:bodyPr>
           <a:p>
-            <a:endParaRPr b="0" lang="pt-BR" sz="2000" spc="-1" strike="noStrike">
-              <a:latin typeface="Arial"/>
-            </a:endParaRPr>
-          </a:p>
-        </p:txBody>
-      </p:sp>
-      <p:sp>
-        <p:nvSpPr>
-          <p:cNvPr id="366" name="CustomShape 22"/>
+            <a:endParaRPr b="0" lang="en-US" sz="2000" spc="-1" strike="noStrike">
+              <a:latin typeface="Arial"/>
+            </a:endParaRPr>
+          </a:p>
+        </p:txBody>
+      </p:sp>
+      <p:sp>
+        <p:nvSpPr>
+          <p:cNvPr id="367" name="CustomShape 22"/>
           <p:cNvSpPr/>
           <p:nvPr/>
         </p:nvSpPr>
         <p:spPr>
           <a:xfrm>
             <a:off x="0" y="10155240"/>
-            <a:ext cx="3263760" cy="524160"/>
+            <a:ext cx="3263400" cy="523800"/>
           </a:xfrm>
           <a:prstGeom prst="rect">
             <a:avLst/>
@@ -2273,7 +2153,7 @@
               </a:rPr>
               <a:t>Prof. André Hochuli</a:t>
             </a:r>
-            <a:endParaRPr b="0" lang="pt-BR" sz="1200" spc="-1" strike="noStrike">
+            <a:endParaRPr b="0" lang="en-US" sz="1200" spc="-1" strike="noStrike">
               <a:latin typeface="Arial"/>
             </a:endParaRPr>
           </a:p>
@@ -2303,7 +2183,7 @@
       </p:grpSpPr>
       <p:sp>
         <p:nvSpPr>
-          <p:cNvPr id="367" name="PlaceHolder 1"/>
+          <p:cNvPr id="368" name="PlaceHolder 1"/>
           <p:cNvSpPr>
             <a:spLocks noGrp="1"/>
           </p:cNvSpPr>
@@ -2314,19 +2194,19 @@
         <p:spPr>
           <a:xfrm>
             <a:off x="1376280" y="1336680"/>
-            <a:ext cx="4795920" cy="3595680"/>
-          </a:xfrm>
-          <a:prstGeom prst="rect">
-            <a:avLst/>
-          </a:prstGeom>
-          <a:ln w="0">
-            <a:noFill/>
-          </a:ln>
-        </p:spPr>
-      </p:sp>
-      <p:sp>
-        <p:nvSpPr>
-          <p:cNvPr id="368" name="PlaceHolder 2"/>
+            <a:ext cx="4795560" cy="3595320"/>
+          </a:xfrm>
+          <a:prstGeom prst="rect">
+            <a:avLst/>
+          </a:prstGeom>
+          <a:ln w="0">
+            <a:noFill/>
+          </a:ln>
+        </p:spPr>
+      </p:sp>
+      <p:sp>
+        <p:nvSpPr>
+          <p:cNvPr id="369" name="PlaceHolder 2"/>
           <p:cNvSpPr>
             <a:spLocks noGrp="1"/>
           </p:cNvSpPr>
@@ -2337,7 +2217,7 @@
         <p:spPr>
           <a:xfrm>
             <a:off x="756000" y="5145120"/>
-            <a:ext cx="6035400" cy="4197600"/>
+            <a:ext cx="6035040" cy="4197240"/>
           </a:xfrm>
           <a:prstGeom prst="rect">
             <a:avLst/>
@@ -2352,22 +2232,22 @@
             <a:noAutofit/>
           </a:bodyPr>
           <a:p>
-            <a:endParaRPr b="0" lang="pt-BR" sz="2000" spc="-1" strike="noStrike">
-              <a:latin typeface="Arial"/>
-            </a:endParaRPr>
-          </a:p>
-        </p:txBody>
-      </p:sp>
-      <p:sp>
-        <p:nvSpPr>
-          <p:cNvPr id="369" name="CustomShape 27"/>
+            <a:endParaRPr b="0" lang="en-US" sz="2000" spc="-1" strike="noStrike">
+              <a:latin typeface="Arial"/>
+            </a:endParaRPr>
+          </a:p>
+        </p:txBody>
+      </p:sp>
+      <p:sp>
+        <p:nvSpPr>
+          <p:cNvPr id="370" name="CustomShape 27"/>
           <p:cNvSpPr/>
           <p:nvPr/>
         </p:nvSpPr>
         <p:spPr>
           <a:xfrm>
             <a:off x="0" y="10155240"/>
-            <a:ext cx="3263760" cy="524160"/>
+            <a:ext cx="3263400" cy="523800"/>
           </a:xfrm>
           <a:prstGeom prst="rect">
             <a:avLst/>
@@ -2404,7 +2284,7 @@
               </a:rPr>
               <a:t>Prof. André Hochuli</a:t>
             </a:r>
-            <a:endParaRPr b="0" lang="pt-BR" sz="1200" spc="-1" strike="noStrike">
+            <a:endParaRPr b="0" lang="en-US" sz="1200" spc="-1" strike="noStrike">
               <a:latin typeface="Arial"/>
             </a:endParaRPr>
           </a:p>
@@ -2434,7 +2314,7 @@
       </p:grpSpPr>
       <p:sp>
         <p:nvSpPr>
-          <p:cNvPr id="370" name="PlaceHolder 1"/>
+          <p:cNvPr id="371" name="PlaceHolder 1"/>
           <p:cNvSpPr>
             <a:spLocks noGrp="1"/>
           </p:cNvSpPr>
@@ -2445,19 +2325,19 @@
         <p:spPr>
           <a:xfrm>
             <a:off x="1376280" y="1336680"/>
-            <a:ext cx="4795920" cy="3595680"/>
-          </a:xfrm>
-          <a:prstGeom prst="rect">
-            <a:avLst/>
-          </a:prstGeom>
-          <a:ln w="0">
-            <a:noFill/>
-          </a:ln>
-        </p:spPr>
-      </p:sp>
-      <p:sp>
-        <p:nvSpPr>
-          <p:cNvPr id="371" name="PlaceHolder 2"/>
+            <a:ext cx="4795560" cy="3595320"/>
+          </a:xfrm>
+          <a:prstGeom prst="rect">
+            <a:avLst/>
+          </a:prstGeom>
+          <a:ln w="0">
+            <a:noFill/>
+          </a:ln>
+        </p:spPr>
+      </p:sp>
+      <p:sp>
+        <p:nvSpPr>
+          <p:cNvPr id="372" name="PlaceHolder 2"/>
           <p:cNvSpPr>
             <a:spLocks noGrp="1"/>
           </p:cNvSpPr>
@@ -2468,7 +2348,7 @@
         <p:spPr>
           <a:xfrm>
             <a:off x="756000" y="5145120"/>
-            <a:ext cx="6035400" cy="4197600"/>
+            <a:ext cx="6035040" cy="4197240"/>
           </a:xfrm>
           <a:prstGeom prst="rect">
             <a:avLst/>
@@ -2483,22 +2363,22 @@
             <a:noAutofit/>
           </a:bodyPr>
           <a:p>
-            <a:endParaRPr b="0" lang="pt-BR" sz="2000" spc="-1" strike="noStrike">
-              <a:latin typeface="Arial"/>
-            </a:endParaRPr>
-          </a:p>
-        </p:txBody>
-      </p:sp>
-      <p:sp>
-        <p:nvSpPr>
-          <p:cNvPr id="372" name="CustomShape 47"/>
+            <a:endParaRPr b="0" lang="en-US" sz="2000" spc="-1" strike="noStrike">
+              <a:latin typeface="Arial"/>
+            </a:endParaRPr>
+          </a:p>
+        </p:txBody>
+      </p:sp>
+      <p:sp>
+        <p:nvSpPr>
+          <p:cNvPr id="373" name="CustomShape 47"/>
           <p:cNvSpPr/>
           <p:nvPr/>
         </p:nvSpPr>
         <p:spPr>
           <a:xfrm>
             <a:off x="0" y="10155240"/>
-            <a:ext cx="3263760" cy="524160"/>
+            <a:ext cx="3263400" cy="523800"/>
           </a:xfrm>
           <a:prstGeom prst="rect">
             <a:avLst/>
@@ -2535,7 +2415,7 @@
               </a:rPr>
               <a:t>Prof. André Hochuli</a:t>
             </a:r>
-            <a:endParaRPr b="0" lang="pt-BR" sz="1200" spc="-1" strike="noStrike">
+            <a:endParaRPr b="0" lang="en-US" sz="1200" spc="-1" strike="noStrike">
               <a:latin typeface="Arial"/>
             </a:endParaRPr>
           </a:p>
@@ -2565,7 +2445,7 @@
       </p:grpSpPr>
       <p:sp>
         <p:nvSpPr>
-          <p:cNvPr id="373" name="PlaceHolder 1"/>
+          <p:cNvPr id="374" name="PlaceHolder 1"/>
           <p:cNvSpPr>
             <a:spLocks noGrp="1"/>
           </p:cNvSpPr>
@@ -2576,19 +2456,19 @@
         <p:spPr>
           <a:xfrm>
             <a:off x="1376280" y="1336680"/>
-            <a:ext cx="4795920" cy="3595680"/>
-          </a:xfrm>
-          <a:prstGeom prst="rect">
-            <a:avLst/>
-          </a:prstGeom>
-          <a:ln w="0">
-            <a:noFill/>
-          </a:ln>
-        </p:spPr>
-      </p:sp>
-      <p:sp>
-        <p:nvSpPr>
-          <p:cNvPr id="374" name="PlaceHolder 2"/>
+            <a:ext cx="4795560" cy="3595320"/>
+          </a:xfrm>
+          <a:prstGeom prst="rect">
+            <a:avLst/>
+          </a:prstGeom>
+          <a:ln w="0">
+            <a:noFill/>
+          </a:ln>
+        </p:spPr>
+      </p:sp>
+      <p:sp>
+        <p:nvSpPr>
+          <p:cNvPr id="375" name="PlaceHolder 2"/>
           <p:cNvSpPr>
             <a:spLocks noGrp="1"/>
           </p:cNvSpPr>
@@ -2599,7 +2479,7 @@
         <p:spPr>
           <a:xfrm>
             <a:off x="756000" y="5145120"/>
-            <a:ext cx="6035400" cy="4197600"/>
+            <a:ext cx="6035040" cy="4197240"/>
           </a:xfrm>
           <a:prstGeom prst="rect">
             <a:avLst/>
@@ -2614,22 +2494,22 @@
             <a:noAutofit/>
           </a:bodyPr>
           <a:p>
-            <a:endParaRPr b="0" lang="pt-BR" sz="2000" spc="-1" strike="noStrike">
-              <a:latin typeface="Arial"/>
-            </a:endParaRPr>
-          </a:p>
-        </p:txBody>
-      </p:sp>
-      <p:sp>
-        <p:nvSpPr>
-          <p:cNvPr id="375" name="CustomShape 32"/>
+            <a:endParaRPr b="0" lang="en-US" sz="2000" spc="-1" strike="noStrike">
+              <a:latin typeface="Arial"/>
+            </a:endParaRPr>
+          </a:p>
+        </p:txBody>
+      </p:sp>
+      <p:sp>
+        <p:nvSpPr>
+          <p:cNvPr id="376" name="CustomShape 32"/>
           <p:cNvSpPr/>
           <p:nvPr/>
         </p:nvSpPr>
         <p:spPr>
           <a:xfrm>
             <a:off x="0" y="10155240"/>
-            <a:ext cx="3263760" cy="524160"/>
+            <a:ext cx="3263400" cy="523800"/>
           </a:xfrm>
           <a:prstGeom prst="rect">
             <a:avLst/>
@@ -2666,7 +2546,7 @@
               </a:rPr>
               <a:t>Prof. André Hochuli</a:t>
             </a:r>
-            <a:endParaRPr b="0" lang="pt-BR" sz="1200" spc="-1" strike="noStrike">
+            <a:endParaRPr b="0" lang="en-US" sz="1200" spc="-1" strike="noStrike">
               <a:latin typeface="Arial"/>
             </a:endParaRPr>
           </a:p>
@@ -2747,7 +2627,7 @@
             <a:pPr algn="ctr">
               <a:buNone/>
             </a:pPr>
-            <a:endParaRPr b="0" lang="pt-BR" sz="4400" spc="-1" strike="noStrike">
+            <a:endParaRPr b="0" lang="en-US" sz="4400" spc="-1" strike="noStrike">
               <a:latin typeface="Arial"/>
             </a:endParaRPr>
           </a:p>
@@ -2781,7 +2661,7 @@
             <a:normAutofit/>
           </a:bodyPr>
           <a:p>
-            <a:endParaRPr b="0" lang="pt-BR" sz="3200" spc="-1" strike="noStrike">
+            <a:endParaRPr b="0" lang="en-US" sz="3200" spc="-1" strike="noStrike">
               <a:latin typeface="Arial"/>
             </a:endParaRPr>
           </a:p>
@@ -2815,7 +2695,7 @@
             <a:normAutofit/>
           </a:bodyPr>
           <a:p>
-            <a:endParaRPr b="0" lang="pt-BR" sz="3200" spc="-1" strike="noStrike">
+            <a:endParaRPr b="0" lang="en-US" sz="3200" spc="-1" strike="noStrike">
               <a:latin typeface="Arial"/>
             </a:endParaRPr>
           </a:p>
@@ -2874,7 +2754,7 @@
             <a:pPr algn="ctr">
               <a:buNone/>
             </a:pPr>
-            <a:endParaRPr b="0" lang="pt-BR" sz="4400" spc="-1" strike="noStrike">
+            <a:endParaRPr b="0" lang="en-US" sz="4400" spc="-1" strike="noStrike">
               <a:latin typeface="Arial"/>
             </a:endParaRPr>
           </a:p>
@@ -2908,7 +2788,7 @@
             <a:normAutofit/>
           </a:bodyPr>
           <a:p>
-            <a:endParaRPr b="0" lang="pt-BR" sz="3200" spc="-1" strike="noStrike">
+            <a:endParaRPr b="0" lang="en-US" sz="3200" spc="-1" strike="noStrike">
               <a:latin typeface="Arial"/>
             </a:endParaRPr>
           </a:p>
@@ -2942,7 +2822,7 @@
             <a:normAutofit/>
           </a:bodyPr>
           <a:p>
-            <a:endParaRPr b="0" lang="pt-BR" sz="3200" spc="-1" strike="noStrike">
+            <a:endParaRPr b="0" lang="en-US" sz="3200" spc="-1" strike="noStrike">
               <a:latin typeface="Arial"/>
             </a:endParaRPr>
           </a:p>
@@ -2976,7 +2856,7 @@
             <a:normAutofit/>
           </a:bodyPr>
           <a:p>
-            <a:endParaRPr b="0" lang="pt-BR" sz="3200" spc="-1" strike="noStrike">
+            <a:endParaRPr b="0" lang="en-US" sz="3200" spc="-1" strike="noStrike">
               <a:latin typeface="Arial"/>
             </a:endParaRPr>
           </a:p>
@@ -3010,7 +2890,7 @@
             <a:normAutofit/>
           </a:bodyPr>
           <a:p>
-            <a:endParaRPr b="0" lang="pt-BR" sz="3200" spc="-1" strike="noStrike">
+            <a:endParaRPr b="0" lang="en-US" sz="3200" spc="-1" strike="noStrike">
               <a:latin typeface="Arial"/>
             </a:endParaRPr>
           </a:p>
@@ -3069,7 +2949,7 @@
             <a:pPr algn="ctr">
               <a:buNone/>
             </a:pPr>
-            <a:endParaRPr b="0" lang="pt-BR" sz="4400" spc="-1" strike="noStrike">
+            <a:endParaRPr b="0" lang="en-US" sz="4400" spc="-1" strike="noStrike">
               <a:latin typeface="Arial"/>
             </a:endParaRPr>
           </a:p>
@@ -3103,7 +2983,7 @@
             <a:normAutofit/>
           </a:bodyPr>
           <a:p>
-            <a:endParaRPr b="0" lang="pt-BR" sz="3200" spc="-1" strike="noStrike">
+            <a:endParaRPr b="0" lang="en-US" sz="3200" spc="-1" strike="noStrike">
               <a:latin typeface="Arial"/>
             </a:endParaRPr>
           </a:p>
@@ -3137,7 +3017,7 @@
             <a:normAutofit/>
           </a:bodyPr>
           <a:p>
-            <a:endParaRPr b="0" lang="pt-BR" sz="3200" spc="-1" strike="noStrike">
+            <a:endParaRPr b="0" lang="en-US" sz="3200" spc="-1" strike="noStrike">
               <a:latin typeface="Arial"/>
             </a:endParaRPr>
           </a:p>
@@ -3171,7 +3051,7 @@
             <a:normAutofit/>
           </a:bodyPr>
           <a:p>
-            <a:endParaRPr b="0" lang="pt-BR" sz="3200" spc="-1" strike="noStrike">
+            <a:endParaRPr b="0" lang="en-US" sz="3200" spc="-1" strike="noStrike">
               <a:latin typeface="Arial"/>
             </a:endParaRPr>
           </a:p>
@@ -3205,7 +3085,7 @@
             <a:normAutofit/>
           </a:bodyPr>
           <a:p>
-            <a:endParaRPr b="0" lang="pt-BR" sz="3200" spc="-1" strike="noStrike">
+            <a:endParaRPr b="0" lang="en-US" sz="3200" spc="-1" strike="noStrike">
               <a:latin typeface="Arial"/>
             </a:endParaRPr>
           </a:p>
@@ -3239,7 +3119,7 @@
             <a:normAutofit/>
           </a:bodyPr>
           <a:p>
-            <a:endParaRPr b="0" lang="pt-BR" sz="3200" spc="-1" strike="noStrike">
+            <a:endParaRPr b="0" lang="en-US" sz="3200" spc="-1" strike="noStrike">
               <a:latin typeface="Arial"/>
             </a:endParaRPr>
           </a:p>
@@ -3273,7 +3153,7 @@
             <a:normAutofit/>
           </a:bodyPr>
           <a:p>
-            <a:endParaRPr b="0" lang="pt-BR" sz="3200" spc="-1" strike="noStrike">
+            <a:endParaRPr b="0" lang="en-US" sz="3200" spc="-1" strike="noStrike">
               <a:latin typeface="Arial"/>
             </a:endParaRPr>
           </a:p>
@@ -3354,7 +3234,7 @@
             <a:pPr algn="ctr">
               <a:buNone/>
             </a:pPr>
-            <a:endParaRPr b="0" lang="pt-BR" sz="4400" spc="-1" strike="noStrike">
+            <a:endParaRPr b="0" lang="en-US" sz="4400" spc="-1" strike="noStrike">
               <a:latin typeface="Arial"/>
             </a:endParaRPr>
           </a:p>
@@ -3391,7 +3271,7 @@
             <a:pPr algn="ctr">
               <a:buNone/>
             </a:pPr>
-            <a:endParaRPr b="0" lang="pt-BR" sz="3200" spc="-1" strike="noStrike">
+            <a:endParaRPr b="0" lang="en-US" sz="3200" spc="-1" strike="noStrike">
               <a:latin typeface="Arial"/>
             </a:endParaRPr>
           </a:p>
@@ -3450,7 +3330,7 @@
             <a:pPr algn="ctr">
               <a:buNone/>
             </a:pPr>
-            <a:endParaRPr b="0" lang="pt-BR" sz="4400" spc="-1" strike="noStrike">
+            <a:endParaRPr b="0" lang="en-US" sz="4400" spc="-1" strike="noStrike">
               <a:latin typeface="Arial"/>
             </a:endParaRPr>
           </a:p>
@@ -3484,7 +3364,7 @@
             <a:normAutofit/>
           </a:bodyPr>
           <a:p>
-            <a:endParaRPr b="0" lang="pt-BR" sz="3200" spc="-1" strike="noStrike">
+            <a:endParaRPr b="0" lang="en-US" sz="3200" spc="-1" strike="noStrike">
               <a:latin typeface="Arial"/>
             </a:endParaRPr>
           </a:p>
@@ -3543,7 +3423,7 @@
             <a:pPr algn="ctr">
               <a:buNone/>
             </a:pPr>
-            <a:endParaRPr b="0" lang="pt-BR" sz="4400" spc="-1" strike="noStrike">
+            <a:endParaRPr b="0" lang="en-US" sz="4400" spc="-1" strike="noStrike">
               <a:latin typeface="Arial"/>
             </a:endParaRPr>
           </a:p>
@@ -3577,7 +3457,7 @@
             <a:normAutofit/>
           </a:bodyPr>
           <a:p>
-            <a:endParaRPr b="0" lang="pt-BR" sz="3200" spc="-1" strike="noStrike">
+            <a:endParaRPr b="0" lang="en-US" sz="3200" spc="-1" strike="noStrike">
               <a:latin typeface="Arial"/>
             </a:endParaRPr>
           </a:p>
@@ -3611,7 +3491,7 @@
             <a:normAutofit/>
           </a:bodyPr>
           <a:p>
-            <a:endParaRPr b="0" lang="pt-BR" sz="3200" spc="-1" strike="noStrike">
+            <a:endParaRPr b="0" lang="en-US" sz="3200" spc="-1" strike="noStrike">
               <a:latin typeface="Arial"/>
             </a:endParaRPr>
           </a:p>
@@ -3670,7 +3550,7 @@
             <a:pPr algn="ctr">
               <a:buNone/>
             </a:pPr>
-            <a:endParaRPr b="0" lang="pt-BR" sz="4400" spc="-1" strike="noStrike">
+            <a:endParaRPr b="0" lang="en-US" sz="4400" spc="-1" strike="noStrike">
               <a:latin typeface="Arial"/>
             </a:endParaRPr>
           </a:p>
@@ -3729,7 +3609,7 @@
             <a:pPr algn="ctr">
               <a:buNone/>
             </a:pPr>
-            <a:endParaRPr b="0" lang="pt-BR" sz="3200" spc="-1" strike="noStrike">
+            <a:endParaRPr b="0" lang="en-US" sz="3200" spc="-1" strike="noStrike">
               <a:latin typeface="Arial"/>
             </a:endParaRPr>
           </a:p>
@@ -3788,7 +3668,7 @@
             <a:pPr algn="ctr">
               <a:buNone/>
             </a:pPr>
-            <a:endParaRPr b="0" lang="pt-BR" sz="4400" spc="-1" strike="noStrike">
+            <a:endParaRPr b="0" lang="en-US" sz="4400" spc="-1" strike="noStrike">
               <a:latin typeface="Arial"/>
             </a:endParaRPr>
           </a:p>
@@ -3822,7 +3702,7 @@
             <a:normAutofit/>
           </a:bodyPr>
           <a:p>
-            <a:endParaRPr b="0" lang="pt-BR" sz="3200" spc="-1" strike="noStrike">
+            <a:endParaRPr b="0" lang="en-US" sz="3200" spc="-1" strike="noStrike">
               <a:latin typeface="Arial"/>
             </a:endParaRPr>
           </a:p>
@@ -3856,7 +3736,7 @@
             <a:normAutofit/>
           </a:bodyPr>
           <a:p>
-            <a:endParaRPr b="0" lang="pt-BR" sz="3200" spc="-1" strike="noStrike">
+            <a:endParaRPr b="0" lang="en-US" sz="3200" spc="-1" strike="noStrike">
               <a:latin typeface="Arial"/>
             </a:endParaRPr>
           </a:p>
@@ -3890,7 +3770,7 @@
             <a:normAutofit/>
           </a:bodyPr>
           <a:p>
-            <a:endParaRPr b="0" lang="pt-BR" sz="3200" spc="-1" strike="noStrike">
+            <a:endParaRPr b="0" lang="en-US" sz="3200" spc="-1" strike="noStrike">
               <a:latin typeface="Arial"/>
             </a:endParaRPr>
           </a:p>
@@ -3949,7 +3829,7 @@
             <a:pPr algn="ctr">
               <a:buNone/>
             </a:pPr>
-            <a:endParaRPr b="0" lang="pt-BR" sz="4400" spc="-1" strike="noStrike">
+            <a:endParaRPr b="0" lang="en-US" sz="4400" spc="-1" strike="noStrike">
               <a:latin typeface="Arial"/>
             </a:endParaRPr>
           </a:p>
@@ -3986,7 +3866,7 @@
             <a:pPr algn="ctr">
               <a:buNone/>
             </a:pPr>
-            <a:endParaRPr b="0" lang="pt-BR" sz="3200" spc="-1" strike="noStrike">
+            <a:endParaRPr b="0" lang="en-US" sz="3200" spc="-1" strike="noStrike">
               <a:latin typeface="Arial"/>
             </a:endParaRPr>
           </a:p>
@@ -4045,7 +3925,7 @@
             <a:pPr algn="ctr">
               <a:buNone/>
             </a:pPr>
-            <a:endParaRPr b="0" lang="pt-BR" sz="4400" spc="-1" strike="noStrike">
+            <a:endParaRPr b="0" lang="en-US" sz="4400" spc="-1" strike="noStrike">
               <a:latin typeface="Arial"/>
             </a:endParaRPr>
           </a:p>
@@ -4079,7 +3959,7 @@
             <a:normAutofit/>
           </a:bodyPr>
           <a:p>
-            <a:endParaRPr b="0" lang="pt-BR" sz="3200" spc="-1" strike="noStrike">
+            <a:endParaRPr b="0" lang="en-US" sz="3200" spc="-1" strike="noStrike">
               <a:latin typeface="Arial"/>
             </a:endParaRPr>
           </a:p>
@@ -4113,7 +3993,7 @@
             <a:normAutofit/>
           </a:bodyPr>
           <a:p>
-            <a:endParaRPr b="0" lang="pt-BR" sz="3200" spc="-1" strike="noStrike">
+            <a:endParaRPr b="0" lang="en-US" sz="3200" spc="-1" strike="noStrike">
               <a:latin typeface="Arial"/>
             </a:endParaRPr>
           </a:p>
@@ -4147,7 +4027,7 @@
             <a:normAutofit/>
           </a:bodyPr>
           <a:p>
-            <a:endParaRPr b="0" lang="pt-BR" sz="3200" spc="-1" strike="noStrike">
+            <a:endParaRPr b="0" lang="en-US" sz="3200" spc="-1" strike="noStrike">
               <a:latin typeface="Arial"/>
             </a:endParaRPr>
           </a:p>
@@ -4206,7 +4086,7 @@
             <a:pPr algn="ctr">
               <a:buNone/>
             </a:pPr>
-            <a:endParaRPr b="0" lang="pt-BR" sz="4400" spc="-1" strike="noStrike">
+            <a:endParaRPr b="0" lang="en-US" sz="4400" spc="-1" strike="noStrike">
               <a:latin typeface="Arial"/>
             </a:endParaRPr>
           </a:p>
@@ -4240,7 +4120,7 @@
             <a:normAutofit/>
           </a:bodyPr>
           <a:p>
-            <a:endParaRPr b="0" lang="pt-BR" sz="3200" spc="-1" strike="noStrike">
+            <a:endParaRPr b="0" lang="en-US" sz="3200" spc="-1" strike="noStrike">
               <a:latin typeface="Arial"/>
             </a:endParaRPr>
           </a:p>
@@ -4274,7 +4154,7 @@
             <a:normAutofit/>
           </a:bodyPr>
           <a:p>
-            <a:endParaRPr b="0" lang="pt-BR" sz="3200" spc="-1" strike="noStrike">
+            <a:endParaRPr b="0" lang="en-US" sz="3200" spc="-1" strike="noStrike">
               <a:latin typeface="Arial"/>
             </a:endParaRPr>
           </a:p>
@@ -4308,7 +4188,7 @@
             <a:normAutofit/>
           </a:bodyPr>
           <a:p>
-            <a:endParaRPr b="0" lang="pt-BR" sz="3200" spc="-1" strike="noStrike">
+            <a:endParaRPr b="0" lang="en-US" sz="3200" spc="-1" strike="noStrike">
               <a:latin typeface="Arial"/>
             </a:endParaRPr>
           </a:p>
@@ -4367,7 +4247,7 @@
             <a:pPr algn="ctr">
               <a:buNone/>
             </a:pPr>
-            <a:endParaRPr b="0" lang="pt-BR" sz="4400" spc="-1" strike="noStrike">
+            <a:endParaRPr b="0" lang="en-US" sz="4400" spc="-1" strike="noStrike">
               <a:latin typeface="Arial"/>
             </a:endParaRPr>
           </a:p>
@@ -4401,7 +4281,7 @@
             <a:normAutofit/>
           </a:bodyPr>
           <a:p>
-            <a:endParaRPr b="0" lang="pt-BR" sz="3200" spc="-1" strike="noStrike">
+            <a:endParaRPr b="0" lang="en-US" sz="3200" spc="-1" strike="noStrike">
               <a:latin typeface="Arial"/>
             </a:endParaRPr>
           </a:p>
@@ -4435,7 +4315,7 @@
             <a:normAutofit/>
           </a:bodyPr>
           <a:p>
-            <a:endParaRPr b="0" lang="pt-BR" sz="3200" spc="-1" strike="noStrike">
+            <a:endParaRPr b="0" lang="en-US" sz="3200" spc="-1" strike="noStrike">
               <a:latin typeface="Arial"/>
             </a:endParaRPr>
           </a:p>
@@ -4494,7 +4374,7 @@
             <a:pPr algn="ctr">
               <a:buNone/>
             </a:pPr>
-            <a:endParaRPr b="0" lang="pt-BR" sz="4400" spc="-1" strike="noStrike">
+            <a:endParaRPr b="0" lang="en-US" sz="4400" spc="-1" strike="noStrike">
               <a:latin typeface="Arial"/>
             </a:endParaRPr>
           </a:p>
@@ -4528,7 +4408,7 @@
             <a:normAutofit/>
           </a:bodyPr>
           <a:p>
-            <a:endParaRPr b="0" lang="pt-BR" sz="3200" spc="-1" strike="noStrike">
+            <a:endParaRPr b="0" lang="en-US" sz="3200" spc="-1" strike="noStrike">
               <a:latin typeface="Arial"/>
             </a:endParaRPr>
           </a:p>
@@ -4562,7 +4442,7 @@
             <a:normAutofit/>
           </a:bodyPr>
           <a:p>
-            <a:endParaRPr b="0" lang="pt-BR" sz="3200" spc="-1" strike="noStrike">
+            <a:endParaRPr b="0" lang="en-US" sz="3200" spc="-1" strike="noStrike">
               <a:latin typeface="Arial"/>
             </a:endParaRPr>
           </a:p>
@@ -4596,7 +4476,7 @@
             <a:normAutofit/>
           </a:bodyPr>
           <a:p>
-            <a:endParaRPr b="0" lang="pt-BR" sz="3200" spc="-1" strike="noStrike">
+            <a:endParaRPr b="0" lang="en-US" sz="3200" spc="-1" strike="noStrike">
               <a:latin typeface="Arial"/>
             </a:endParaRPr>
           </a:p>
@@ -4630,7 +4510,7 @@
             <a:normAutofit/>
           </a:bodyPr>
           <a:p>
-            <a:endParaRPr b="0" lang="pt-BR" sz="3200" spc="-1" strike="noStrike">
+            <a:endParaRPr b="0" lang="en-US" sz="3200" spc="-1" strike="noStrike">
               <a:latin typeface="Arial"/>
             </a:endParaRPr>
           </a:p>
@@ -4689,7 +4569,7 @@
             <a:pPr algn="ctr">
               <a:buNone/>
             </a:pPr>
-            <a:endParaRPr b="0" lang="pt-BR" sz="4400" spc="-1" strike="noStrike">
+            <a:endParaRPr b="0" lang="en-US" sz="4400" spc="-1" strike="noStrike">
               <a:latin typeface="Arial"/>
             </a:endParaRPr>
           </a:p>
@@ -4723,7 +4603,7 @@
             <a:normAutofit/>
           </a:bodyPr>
           <a:p>
-            <a:endParaRPr b="0" lang="pt-BR" sz="3200" spc="-1" strike="noStrike">
+            <a:endParaRPr b="0" lang="en-US" sz="3200" spc="-1" strike="noStrike">
               <a:latin typeface="Arial"/>
             </a:endParaRPr>
           </a:p>
@@ -4757,7 +4637,7 @@
             <a:normAutofit/>
           </a:bodyPr>
           <a:p>
-            <a:endParaRPr b="0" lang="pt-BR" sz="3200" spc="-1" strike="noStrike">
+            <a:endParaRPr b="0" lang="en-US" sz="3200" spc="-1" strike="noStrike">
               <a:latin typeface="Arial"/>
             </a:endParaRPr>
           </a:p>
@@ -4791,7 +4671,7 @@
             <a:normAutofit/>
           </a:bodyPr>
           <a:p>
-            <a:endParaRPr b="0" lang="pt-BR" sz="3200" spc="-1" strike="noStrike">
+            <a:endParaRPr b="0" lang="en-US" sz="3200" spc="-1" strike="noStrike">
               <a:latin typeface="Arial"/>
             </a:endParaRPr>
           </a:p>
@@ -4825,7 +4705,7 @@
             <a:normAutofit/>
           </a:bodyPr>
           <a:p>
-            <a:endParaRPr b="0" lang="pt-BR" sz="3200" spc="-1" strike="noStrike">
+            <a:endParaRPr b="0" lang="en-US" sz="3200" spc="-1" strike="noStrike">
               <a:latin typeface="Arial"/>
             </a:endParaRPr>
           </a:p>
@@ -4859,7 +4739,7 @@
             <a:normAutofit/>
           </a:bodyPr>
           <a:p>
-            <a:endParaRPr b="0" lang="pt-BR" sz="3200" spc="-1" strike="noStrike">
+            <a:endParaRPr b="0" lang="en-US" sz="3200" spc="-1" strike="noStrike">
               <a:latin typeface="Arial"/>
             </a:endParaRPr>
           </a:p>
@@ -4893,7 +4773,7 @@
             <a:normAutofit/>
           </a:bodyPr>
           <a:p>
-            <a:endParaRPr b="0" lang="pt-BR" sz="3200" spc="-1" strike="noStrike">
+            <a:endParaRPr b="0" lang="en-US" sz="3200" spc="-1" strike="noStrike">
               <a:latin typeface="Arial"/>
             </a:endParaRPr>
           </a:p>
@@ -4974,7 +4854,7 @@
             <a:pPr algn="ctr">
               <a:buNone/>
             </a:pPr>
-            <a:endParaRPr b="0" lang="pt-BR" sz="4400" spc="-1" strike="noStrike">
+            <a:endParaRPr b="0" lang="en-US" sz="4400" spc="-1" strike="noStrike">
               <a:latin typeface="Arial"/>
             </a:endParaRPr>
           </a:p>
@@ -5011,7 +4891,7 @@
             <a:pPr algn="ctr">
               <a:buNone/>
             </a:pPr>
-            <a:endParaRPr b="0" lang="pt-BR" sz="3200" spc="-1" strike="noStrike">
+            <a:endParaRPr b="0" lang="en-US" sz="3200" spc="-1" strike="noStrike">
               <a:latin typeface="Arial"/>
             </a:endParaRPr>
           </a:p>
@@ -5070,7 +4950,7 @@
             <a:pPr algn="ctr">
               <a:buNone/>
             </a:pPr>
-            <a:endParaRPr b="0" lang="pt-BR" sz="4400" spc="-1" strike="noStrike">
+            <a:endParaRPr b="0" lang="en-US" sz="4400" spc="-1" strike="noStrike">
               <a:latin typeface="Arial"/>
             </a:endParaRPr>
           </a:p>
@@ -5104,7 +4984,7 @@
             <a:normAutofit/>
           </a:bodyPr>
           <a:p>
-            <a:endParaRPr b="0" lang="pt-BR" sz="3200" spc="-1" strike="noStrike">
+            <a:endParaRPr b="0" lang="en-US" sz="3200" spc="-1" strike="noStrike">
               <a:latin typeface="Arial"/>
             </a:endParaRPr>
           </a:p>
@@ -5163,7 +5043,7 @@
             <a:pPr algn="ctr">
               <a:buNone/>
             </a:pPr>
-            <a:endParaRPr b="0" lang="pt-BR" sz="4400" spc="-1" strike="noStrike">
+            <a:endParaRPr b="0" lang="en-US" sz="4400" spc="-1" strike="noStrike">
               <a:latin typeface="Arial"/>
             </a:endParaRPr>
           </a:p>
@@ -5197,7 +5077,7 @@
             <a:normAutofit/>
           </a:bodyPr>
           <a:p>
-            <a:endParaRPr b="0" lang="pt-BR" sz="3200" spc="-1" strike="noStrike">
+            <a:endParaRPr b="0" lang="en-US" sz="3200" spc="-1" strike="noStrike">
               <a:latin typeface="Arial"/>
             </a:endParaRPr>
           </a:p>
@@ -5231,7 +5111,7 @@
             <a:normAutofit/>
           </a:bodyPr>
           <a:p>
-            <a:endParaRPr b="0" lang="pt-BR" sz="3200" spc="-1" strike="noStrike">
+            <a:endParaRPr b="0" lang="en-US" sz="3200" spc="-1" strike="noStrike">
               <a:latin typeface="Arial"/>
             </a:endParaRPr>
           </a:p>
@@ -5290,7 +5170,7 @@
             <a:pPr algn="ctr">
               <a:buNone/>
             </a:pPr>
-            <a:endParaRPr b="0" lang="pt-BR" sz="4400" spc="-1" strike="noStrike">
+            <a:endParaRPr b="0" lang="en-US" sz="4400" spc="-1" strike="noStrike">
               <a:latin typeface="Arial"/>
             </a:endParaRPr>
           </a:p>
@@ -5349,7 +5229,7 @@
             <a:pPr algn="ctr">
               <a:buNone/>
             </a:pPr>
-            <a:endParaRPr b="0" lang="pt-BR" sz="4400" spc="-1" strike="noStrike">
+            <a:endParaRPr b="0" lang="en-US" sz="4400" spc="-1" strike="noStrike">
               <a:latin typeface="Arial"/>
             </a:endParaRPr>
           </a:p>
@@ -5383,7 +5263,7 @@
             <a:normAutofit/>
           </a:bodyPr>
           <a:p>
-            <a:endParaRPr b="0" lang="pt-BR" sz="3200" spc="-1" strike="noStrike">
+            <a:endParaRPr b="0" lang="en-US" sz="3200" spc="-1" strike="noStrike">
               <a:latin typeface="Arial"/>
             </a:endParaRPr>
           </a:p>
@@ -5442,7 +5322,7 @@
             <a:pPr algn="ctr">
               <a:buNone/>
             </a:pPr>
-            <a:endParaRPr b="0" lang="pt-BR" sz="3200" spc="-1" strike="noStrike">
+            <a:endParaRPr b="0" lang="en-US" sz="3200" spc="-1" strike="noStrike">
               <a:latin typeface="Arial"/>
             </a:endParaRPr>
           </a:p>
@@ -5501,7 +5381,7 @@
             <a:pPr algn="ctr">
               <a:buNone/>
             </a:pPr>
-            <a:endParaRPr b="0" lang="pt-BR" sz="4400" spc="-1" strike="noStrike">
+            <a:endParaRPr b="0" lang="en-US" sz="4400" spc="-1" strike="noStrike">
               <a:latin typeface="Arial"/>
             </a:endParaRPr>
           </a:p>
@@ -5535,7 +5415,7 @@
             <a:normAutofit/>
           </a:bodyPr>
           <a:p>
-            <a:endParaRPr b="0" lang="pt-BR" sz="3200" spc="-1" strike="noStrike">
+            <a:endParaRPr b="0" lang="en-US" sz="3200" spc="-1" strike="noStrike">
               <a:latin typeface="Arial"/>
             </a:endParaRPr>
           </a:p>
@@ -5569,7 +5449,7 @@
             <a:normAutofit/>
           </a:bodyPr>
           <a:p>
-            <a:endParaRPr b="0" lang="pt-BR" sz="3200" spc="-1" strike="noStrike">
+            <a:endParaRPr b="0" lang="en-US" sz="3200" spc="-1" strike="noStrike">
               <a:latin typeface="Arial"/>
             </a:endParaRPr>
           </a:p>
@@ -5603,7 +5483,7 @@
             <a:normAutofit/>
           </a:bodyPr>
           <a:p>
-            <a:endParaRPr b="0" lang="pt-BR" sz="3200" spc="-1" strike="noStrike">
+            <a:endParaRPr b="0" lang="en-US" sz="3200" spc="-1" strike="noStrike">
               <a:latin typeface="Arial"/>
             </a:endParaRPr>
           </a:p>
@@ -5662,7 +5542,7 @@
             <a:pPr algn="ctr">
               <a:buNone/>
             </a:pPr>
-            <a:endParaRPr b="0" lang="pt-BR" sz="4400" spc="-1" strike="noStrike">
+            <a:endParaRPr b="0" lang="en-US" sz="4400" spc="-1" strike="noStrike">
               <a:latin typeface="Arial"/>
             </a:endParaRPr>
           </a:p>
@@ -5696,7 +5576,7 @@
             <a:normAutofit/>
           </a:bodyPr>
           <a:p>
-            <a:endParaRPr b="0" lang="pt-BR" sz="3200" spc="-1" strike="noStrike">
+            <a:endParaRPr b="0" lang="en-US" sz="3200" spc="-1" strike="noStrike">
               <a:latin typeface="Arial"/>
             </a:endParaRPr>
           </a:p>
@@ -5730,7 +5610,7 @@
             <a:normAutofit/>
           </a:bodyPr>
           <a:p>
-            <a:endParaRPr b="0" lang="pt-BR" sz="3200" spc="-1" strike="noStrike">
+            <a:endParaRPr b="0" lang="en-US" sz="3200" spc="-1" strike="noStrike">
               <a:latin typeface="Arial"/>
             </a:endParaRPr>
           </a:p>
@@ -5764,7 +5644,7 @@
             <a:normAutofit/>
           </a:bodyPr>
           <a:p>
-            <a:endParaRPr b="0" lang="pt-BR" sz="3200" spc="-1" strike="noStrike">
+            <a:endParaRPr b="0" lang="en-US" sz="3200" spc="-1" strike="noStrike">
               <a:latin typeface="Arial"/>
             </a:endParaRPr>
           </a:p>
@@ -5823,7 +5703,7 @@
             <a:pPr algn="ctr">
               <a:buNone/>
             </a:pPr>
-            <a:endParaRPr b="0" lang="pt-BR" sz="4400" spc="-1" strike="noStrike">
+            <a:endParaRPr b="0" lang="en-US" sz="4400" spc="-1" strike="noStrike">
               <a:latin typeface="Arial"/>
             </a:endParaRPr>
           </a:p>
@@ -5857,7 +5737,7 @@
             <a:normAutofit/>
           </a:bodyPr>
           <a:p>
-            <a:endParaRPr b="0" lang="pt-BR" sz="3200" spc="-1" strike="noStrike">
+            <a:endParaRPr b="0" lang="en-US" sz="3200" spc="-1" strike="noStrike">
               <a:latin typeface="Arial"/>
             </a:endParaRPr>
           </a:p>
@@ -5891,7 +5771,7 @@
             <a:normAutofit/>
           </a:bodyPr>
           <a:p>
-            <a:endParaRPr b="0" lang="pt-BR" sz="3200" spc="-1" strike="noStrike">
+            <a:endParaRPr b="0" lang="en-US" sz="3200" spc="-1" strike="noStrike">
               <a:latin typeface="Arial"/>
             </a:endParaRPr>
           </a:p>
@@ -5925,7 +5805,7 @@
             <a:normAutofit/>
           </a:bodyPr>
           <a:p>
-            <a:endParaRPr b="0" lang="pt-BR" sz="3200" spc="-1" strike="noStrike">
+            <a:endParaRPr b="0" lang="en-US" sz="3200" spc="-1" strike="noStrike">
               <a:latin typeface="Arial"/>
             </a:endParaRPr>
           </a:p>
@@ -5984,7 +5864,7 @@
             <a:pPr algn="ctr">
               <a:buNone/>
             </a:pPr>
-            <a:endParaRPr b="0" lang="pt-BR" sz="4400" spc="-1" strike="noStrike">
+            <a:endParaRPr b="0" lang="en-US" sz="4400" spc="-1" strike="noStrike">
               <a:latin typeface="Arial"/>
             </a:endParaRPr>
           </a:p>
@@ -6018,7 +5898,7 @@
             <a:normAutofit/>
           </a:bodyPr>
           <a:p>
-            <a:endParaRPr b="0" lang="pt-BR" sz="3200" spc="-1" strike="noStrike">
+            <a:endParaRPr b="0" lang="en-US" sz="3200" spc="-1" strike="noStrike">
               <a:latin typeface="Arial"/>
             </a:endParaRPr>
           </a:p>
@@ -6052,7 +5932,7 @@
             <a:normAutofit/>
           </a:bodyPr>
           <a:p>
-            <a:endParaRPr b="0" lang="pt-BR" sz="3200" spc="-1" strike="noStrike">
+            <a:endParaRPr b="0" lang="en-US" sz="3200" spc="-1" strike="noStrike">
               <a:latin typeface="Arial"/>
             </a:endParaRPr>
           </a:p>
@@ -6111,7 +5991,7 @@
             <a:pPr algn="ctr">
               <a:buNone/>
             </a:pPr>
-            <a:endParaRPr b="0" lang="pt-BR" sz="4400" spc="-1" strike="noStrike">
+            <a:endParaRPr b="0" lang="en-US" sz="4400" spc="-1" strike="noStrike">
               <a:latin typeface="Arial"/>
             </a:endParaRPr>
           </a:p>
@@ -6145,7 +6025,7 @@
             <a:normAutofit/>
           </a:bodyPr>
           <a:p>
-            <a:endParaRPr b="0" lang="pt-BR" sz="3200" spc="-1" strike="noStrike">
+            <a:endParaRPr b="0" lang="en-US" sz="3200" spc="-1" strike="noStrike">
               <a:latin typeface="Arial"/>
             </a:endParaRPr>
           </a:p>
@@ -6179,7 +6059,7 @@
             <a:normAutofit/>
           </a:bodyPr>
           <a:p>
-            <a:endParaRPr b="0" lang="pt-BR" sz="3200" spc="-1" strike="noStrike">
+            <a:endParaRPr b="0" lang="en-US" sz="3200" spc="-1" strike="noStrike">
               <a:latin typeface="Arial"/>
             </a:endParaRPr>
           </a:p>
@@ -6213,7 +6093,7 @@
             <a:normAutofit/>
           </a:bodyPr>
           <a:p>
-            <a:endParaRPr b="0" lang="pt-BR" sz="3200" spc="-1" strike="noStrike">
+            <a:endParaRPr b="0" lang="en-US" sz="3200" spc="-1" strike="noStrike">
               <a:latin typeface="Arial"/>
             </a:endParaRPr>
           </a:p>
@@ -6247,7 +6127,7 @@
             <a:normAutofit/>
           </a:bodyPr>
           <a:p>
-            <a:endParaRPr b="0" lang="pt-BR" sz="3200" spc="-1" strike="noStrike">
+            <a:endParaRPr b="0" lang="en-US" sz="3200" spc="-1" strike="noStrike">
               <a:latin typeface="Arial"/>
             </a:endParaRPr>
           </a:p>
@@ -6306,7 +6186,7 @@
             <a:pPr algn="ctr">
               <a:buNone/>
             </a:pPr>
-            <a:endParaRPr b="0" lang="pt-BR" sz="4400" spc="-1" strike="noStrike">
+            <a:endParaRPr b="0" lang="en-US" sz="4400" spc="-1" strike="noStrike">
               <a:latin typeface="Arial"/>
             </a:endParaRPr>
           </a:p>
@@ -6340,7 +6220,7 @@
             <a:normAutofit/>
           </a:bodyPr>
           <a:p>
-            <a:endParaRPr b="0" lang="pt-BR" sz="3200" spc="-1" strike="noStrike">
+            <a:endParaRPr b="0" lang="en-US" sz="3200" spc="-1" strike="noStrike">
               <a:latin typeface="Arial"/>
             </a:endParaRPr>
           </a:p>
@@ -6374,7 +6254,7 @@
             <a:normAutofit/>
           </a:bodyPr>
           <a:p>
-            <a:endParaRPr b="0" lang="pt-BR" sz="3200" spc="-1" strike="noStrike">
+            <a:endParaRPr b="0" lang="en-US" sz="3200" spc="-1" strike="noStrike">
               <a:latin typeface="Arial"/>
             </a:endParaRPr>
           </a:p>
@@ -6408,7 +6288,7 @@
             <a:normAutofit/>
           </a:bodyPr>
           <a:p>
-            <a:endParaRPr b="0" lang="pt-BR" sz="3200" spc="-1" strike="noStrike">
+            <a:endParaRPr b="0" lang="en-US" sz="3200" spc="-1" strike="noStrike">
               <a:latin typeface="Arial"/>
             </a:endParaRPr>
           </a:p>
@@ -6442,7 +6322,7 @@
             <a:normAutofit/>
           </a:bodyPr>
           <a:p>
-            <a:endParaRPr b="0" lang="pt-BR" sz="3200" spc="-1" strike="noStrike">
+            <a:endParaRPr b="0" lang="en-US" sz="3200" spc="-1" strike="noStrike">
               <a:latin typeface="Arial"/>
             </a:endParaRPr>
           </a:p>
@@ -6476,7 +6356,7 @@
             <a:normAutofit/>
           </a:bodyPr>
           <a:p>
-            <a:endParaRPr b="0" lang="pt-BR" sz="3200" spc="-1" strike="noStrike">
+            <a:endParaRPr b="0" lang="en-US" sz="3200" spc="-1" strike="noStrike">
               <a:latin typeface="Arial"/>
             </a:endParaRPr>
           </a:p>
@@ -6510,7 +6390,7 @@
             <a:normAutofit/>
           </a:bodyPr>
           <a:p>
-            <a:endParaRPr b="0" lang="pt-BR" sz="3200" spc="-1" strike="noStrike">
+            <a:endParaRPr b="0" lang="en-US" sz="3200" spc="-1" strike="noStrike">
               <a:latin typeface="Arial"/>
             </a:endParaRPr>
           </a:p>
@@ -6591,7 +6471,7 @@
             <a:pPr algn="ctr">
               <a:buNone/>
             </a:pPr>
-            <a:endParaRPr b="0" lang="pt-BR" sz="4400" spc="-1" strike="noStrike">
+            <a:endParaRPr b="0" lang="en-US" sz="4400" spc="-1" strike="noStrike">
               <a:latin typeface="Arial"/>
             </a:endParaRPr>
           </a:p>
@@ -6628,7 +6508,7 @@
             <a:pPr algn="ctr">
               <a:buNone/>
             </a:pPr>
-            <a:endParaRPr b="0" lang="pt-BR" sz="3200" spc="-1" strike="noStrike">
+            <a:endParaRPr b="0" lang="en-US" sz="3200" spc="-1" strike="noStrike">
               <a:latin typeface="Arial"/>
             </a:endParaRPr>
           </a:p>
@@ -6687,7 +6567,7 @@
             <a:pPr algn="ctr">
               <a:buNone/>
             </a:pPr>
-            <a:endParaRPr b="0" lang="pt-BR" sz="4400" spc="-1" strike="noStrike">
+            <a:endParaRPr b="0" lang="en-US" sz="4400" spc="-1" strike="noStrike">
               <a:latin typeface="Arial"/>
             </a:endParaRPr>
           </a:p>
@@ -6721,7 +6601,7 @@
             <a:normAutofit/>
           </a:bodyPr>
           <a:p>
-            <a:endParaRPr b="0" lang="pt-BR" sz="3200" spc="-1" strike="noStrike">
+            <a:endParaRPr b="0" lang="en-US" sz="3200" spc="-1" strike="noStrike">
               <a:latin typeface="Arial"/>
             </a:endParaRPr>
           </a:p>
@@ -6780,7 +6660,7 @@
             <a:pPr algn="ctr">
               <a:buNone/>
             </a:pPr>
-            <a:endParaRPr b="0" lang="pt-BR" sz="4400" spc="-1" strike="noStrike">
+            <a:endParaRPr b="0" lang="en-US" sz="4400" spc="-1" strike="noStrike">
               <a:latin typeface="Arial"/>
             </a:endParaRPr>
           </a:p>
@@ -6814,7 +6694,7 @@
             <a:normAutofit/>
           </a:bodyPr>
           <a:p>
-            <a:endParaRPr b="0" lang="pt-BR" sz="3200" spc="-1" strike="noStrike">
+            <a:endParaRPr b="0" lang="en-US" sz="3200" spc="-1" strike="noStrike">
               <a:latin typeface="Arial"/>
             </a:endParaRPr>
           </a:p>
@@ -6848,7 +6728,7 @@
             <a:normAutofit/>
           </a:bodyPr>
           <a:p>
-            <a:endParaRPr b="0" lang="pt-BR" sz="3200" spc="-1" strike="noStrike">
+            <a:endParaRPr b="0" lang="en-US" sz="3200" spc="-1" strike="noStrike">
               <a:latin typeface="Arial"/>
             </a:endParaRPr>
           </a:p>
@@ -6907,7 +6787,7 @@
             <a:pPr algn="ctr">
               <a:buNone/>
             </a:pPr>
-            <a:endParaRPr b="0" lang="pt-BR" sz="4400" spc="-1" strike="noStrike">
+            <a:endParaRPr b="0" lang="en-US" sz="4400" spc="-1" strike="noStrike">
               <a:latin typeface="Arial"/>
             </a:endParaRPr>
           </a:p>
@@ -6941,7 +6821,7 @@
             <a:normAutofit/>
           </a:bodyPr>
           <a:p>
-            <a:endParaRPr b="0" lang="pt-BR" sz="3200" spc="-1" strike="noStrike">
+            <a:endParaRPr b="0" lang="en-US" sz="3200" spc="-1" strike="noStrike">
               <a:latin typeface="Arial"/>
             </a:endParaRPr>
           </a:p>
@@ -6975,7 +6855,7 @@
             <a:normAutofit/>
           </a:bodyPr>
           <a:p>
-            <a:endParaRPr b="0" lang="pt-BR" sz="3200" spc="-1" strike="noStrike">
+            <a:endParaRPr b="0" lang="en-US" sz="3200" spc="-1" strike="noStrike">
               <a:latin typeface="Arial"/>
             </a:endParaRPr>
           </a:p>
@@ -7034,7 +6914,7 @@
             <a:pPr algn="ctr">
               <a:buNone/>
             </a:pPr>
-            <a:endParaRPr b="0" lang="pt-BR" sz="4400" spc="-1" strike="noStrike">
+            <a:endParaRPr b="0" lang="en-US" sz="4400" spc="-1" strike="noStrike">
               <a:latin typeface="Arial"/>
             </a:endParaRPr>
           </a:p>
@@ -7093,7 +6973,7 @@
             <a:pPr algn="ctr">
               <a:buNone/>
             </a:pPr>
-            <a:endParaRPr b="0" lang="pt-BR" sz="3200" spc="-1" strike="noStrike">
+            <a:endParaRPr b="0" lang="en-US" sz="3200" spc="-1" strike="noStrike">
               <a:latin typeface="Arial"/>
             </a:endParaRPr>
           </a:p>
@@ -7152,7 +7032,7 @@
             <a:pPr algn="ctr">
               <a:buNone/>
             </a:pPr>
-            <a:endParaRPr b="0" lang="pt-BR" sz="4400" spc="-1" strike="noStrike">
+            <a:endParaRPr b="0" lang="en-US" sz="4400" spc="-1" strike="noStrike">
               <a:latin typeface="Arial"/>
             </a:endParaRPr>
           </a:p>
@@ -7186,7 +7066,7 @@
             <a:normAutofit/>
           </a:bodyPr>
           <a:p>
-            <a:endParaRPr b="0" lang="pt-BR" sz="3200" spc="-1" strike="noStrike">
+            <a:endParaRPr b="0" lang="en-US" sz="3200" spc="-1" strike="noStrike">
               <a:latin typeface="Arial"/>
             </a:endParaRPr>
           </a:p>
@@ -7220,7 +7100,7 @@
             <a:normAutofit/>
           </a:bodyPr>
           <a:p>
-            <a:endParaRPr b="0" lang="pt-BR" sz="3200" spc="-1" strike="noStrike">
+            <a:endParaRPr b="0" lang="en-US" sz="3200" spc="-1" strike="noStrike">
               <a:latin typeface="Arial"/>
             </a:endParaRPr>
           </a:p>
@@ -7254,7 +7134,7 @@
             <a:normAutofit/>
           </a:bodyPr>
           <a:p>
-            <a:endParaRPr b="0" lang="pt-BR" sz="3200" spc="-1" strike="noStrike">
+            <a:endParaRPr b="0" lang="en-US" sz="3200" spc="-1" strike="noStrike">
               <a:latin typeface="Arial"/>
             </a:endParaRPr>
           </a:p>
@@ -7313,7 +7193,7 @@
             <a:pPr algn="ctr">
               <a:buNone/>
             </a:pPr>
-            <a:endParaRPr b="0" lang="pt-BR" sz="4400" spc="-1" strike="noStrike">
+            <a:endParaRPr b="0" lang="en-US" sz="4400" spc="-1" strike="noStrike">
               <a:latin typeface="Arial"/>
             </a:endParaRPr>
           </a:p>
@@ -7347,7 +7227,7 @@
             <a:normAutofit/>
           </a:bodyPr>
           <a:p>
-            <a:endParaRPr b="0" lang="pt-BR" sz="3200" spc="-1" strike="noStrike">
+            <a:endParaRPr b="0" lang="en-US" sz="3200" spc="-1" strike="noStrike">
               <a:latin typeface="Arial"/>
             </a:endParaRPr>
           </a:p>
@@ -7381,7 +7261,7 @@
             <a:normAutofit/>
           </a:bodyPr>
           <a:p>
-            <a:endParaRPr b="0" lang="pt-BR" sz="3200" spc="-1" strike="noStrike">
+            <a:endParaRPr b="0" lang="en-US" sz="3200" spc="-1" strike="noStrike">
               <a:latin typeface="Arial"/>
             </a:endParaRPr>
           </a:p>
@@ -7415,7 +7295,7 @@
             <a:normAutofit/>
           </a:bodyPr>
           <a:p>
-            <a:endParaRPr b="0" lang="pt-BR" sz="3200" spc="-1" strike="noStrike">
+            <a:endParaRPr b="0" lang="en-US" sz="3200" spc="-1" strike="noStrike">
               <a:latin typeface="Arial"/>
             </a:endParaRPr>
           </a:p>
@@ -7474,7 +7354,7 @@
             <a:pPr algn="ctr">
               <a:buNone/>
             </a:pPr>
-            <a:endParaRPr b="0" lang="pt-BR" sz="4400" spc="-1" strike="noStrike">
+            <a:endParaRPr b="0" lang="en-US" sz="4400" spc="-1" strike="noStrike">
               <a:latin typeface="Arial"/>
             </a:endParaRPr>
           </a:p>
@@ -7508,7 +7388,7 @@
             <a:normAutofit/>
           </a:bodyPr>
           <a:p>
-            <a:endParaRPr b="0" lang="pt-BR" sz="3200" spc="-1" strike="noStrike">
+            <a:endParaRPr b="0" lang="en-US" sz="3200" spc="-1" strike="noStrike">
               <a:latin typeface="Arial"/>
             </a:endParaRPr>
           </a:p>
@@ -7542,7 +7422,7 @@
             <a:normAutofit/>
           </a:bodyPr>
           <a:p>
-            <a:endParaRPr b="0" lang="pt-BR" sz="3200" spc="-1" strike="noStrike">
+            <a:endParaRPr b="0" lang="en-US" sz="3200" spc="-1" strike="noStrike">
               <a:latin typeface="Arial"/>
             </a:endParaRPr>
           </a:p>
@@ -7576,7 +7456,7 @@
             <a:normAutofit/>
           </a:bodyPr>
           <a:p>
-            <a:endParaRPr b="0" lang="pt-BR" sz="3200" spc="-1" strike="noStrike">
+            <a:endParaRPr b="0" lang="en-US" sz="3200" spc="-1" strike="noStrike">
               <a:latin typeface="Arial"/>
             </a:endParaRPr>
           </a:p>
@@ -7635,7 +7515,7 @@
             <a:pPr algn="ctr">
               <a:buNone/>
             </a:pPr>
-            <a:endParaRPr b="0" lang="pt-BR" sz="4400" spc="-1" strike="noStrike">
+            <a:endParaRPr b="0" lang="en-US" sz="4400" spc="-1" strike="noStrike">
               <a:latin typeface="Arial"/>
             </a:endParaRPr>
           </a:p>
@@ -7669,7 +7549,7 @@
             <a:normAutofit/>
           </a:bodyPr>
           <a:p>
-            <a:endParaRPr b="0" lang="pt-BR" sz="3200" spc="-1" strike="noStrike">
+            <a:endParaRPr b="0" lang="en-US" sz="3200" spc="-1" strike="noStrike">
               <a:latin typeface="Arial"/>
             </a:endParaRPr>
           </a:p>
@@ -7703,7 +7583,7 @@
             <a:normAutofit/>
           </a:bodyPr>
           <a:p>
-            <a:endParaRPr b="0" lang="pt-BR" sz="3200" spc="-1" strike="noStrike">
+            <a:endParaRPr b="0" lang="en-US" sz="3200" spc="-1" strike="noStrike">
               <a:latin typeface="Arial"/>
             </a:endParaRPr>
           </a:p>
@@ -7762,7 +7642,7 @@
             <a:pPr algn="ctr">
               <a:buNone/>
             </a:pPr>
-            <a:endParaRPr b="0" lang="pt-BR" sz="4400" spc="-1" strike="noStrike">
+            <a:endParaRPr b="0" lang="en-US" sz="4400" spc="-1" strike="noStrike">
               <a:latin typeface="Arial"/>
             </a:endParaRPr>
           </a:p>
@@ -7796,7 +7676,7 @@
             <a:normAutofit/>
           </a:bodyPr>
           <a:p>
-            <a:endParaRPr b="0" lang="pt-BR" sz="3200" spc="-1" strike="noStrike">
+            <a:endParaRPr b="0" lang="en-US" sz="3200" spc="-1" strike="noStrike">
               <a:latin typeface="Arial"/>
             </a:endParaRPr>
           </a:p>
@@ -7830,7 +7710,7 @@
             <a:normAutofit/>
           </a:bodyPr>
           <a:p>
-            <a:endParaRPr b="0" lang="pt-BR" sz="3200" spc="-1" strike="noStrike">
+            <a:endParaRPr b="0" lang="en-US" sz="3200" spc="-1" strike="noStrike">
               <a:latin typeface="Arial"/>
             </a:endParaRPr>
           </a:p>
@@ -7864,7 +7744,7 @@
             <a:normAutofit/>
           </a:bodyPr>
           <a:p>
-            <a:endParaRPr b="0" lang="pt-BR" sz="3200" spc="-1" strike="noStrike">
+            <a:endParaRPr b="0" lang="en-US" sz="3200" spc="-1" strike="noStrike">
               <a:latin typeface="Arial"/>
             </a:endParaRPr>
           </a:p>
@@ -7898,7 +7778,7 @@
             <a:normAutofit/>
           </a:bodyPr>
           <a:p>
-            <a:endParaRPr b="0" lang="pt-BR" sz="3200" spc="-1" strike="noStrike">
+            <a:endParaRPr b="0" lang="en-US" sz="3200" spc="-1" strike="noStrike">
               <a:latin typeface="Arial"/>
             </a:endParaRPr>
           </a:p>
@@ -7957,7 +7837,7 @@
             <a:pPr algn="ctr">
               <a:buNone/>
             </a:pPr>
-            <a:endParaRPr b="0" lang="pt-BR" sz="4400" spc="-1" strike="noStrike">
+            <a:endParaRPr b="0" lang="en-US" sz="4400" spc="-1" strike="noStrike">
               <a:latin typeface="Arial"/>
             </a:endParaRPr>
           </a:p>
@@ -7991,7 +7871,7 @@
             <a:normAutofit/>
           </a:bodyPr>
           <a:p>
-            <a:endParaRPr b="0" lang="pt-BR" sz="3200" spc="-1" strike="noStrike">
+            <a:endParaRPr b="0" lang="en-US" sz="3200" spc="-1" strike="noStrike">
               <a:latin typeface="Arial"/>
             </a:endParaRPr>
           </a:p>
@@ -8025,7 +7905,7 @@
             <a:normAutofit/>
           </a:bodyPr>
           <a:p>
-            <a:endParaRPr b="0" lang="pt-BR" sz="3200" spc="-1" strike="noStrike">
+            <a:endParaRPr b="0" lang="en-US" sz="3200" spc="-1" strike="noStrike">
               <a:latin typeface="Arial"/>
             </a:endParaRPr>
           </a:p>
@@ -8059,7 +7939,7 @@
             <a:normAutofit/>
           </a:bodyPr>
           <a:p>
-            <a:endParaRPr b="0" lang="pt-BR" sz="3200" spc="-1" strike="noStrike">
+            <a:endParaRPr b="0" lang="en-US" sz="3200" spc="-1" strike="noStrike">
               <a:latin typeface="Arial"/>
             </a:endParaRPr>
           </a:p>
@@ -8093,7 +7973,7 @@
             <a:normAutofit/>
           </a:bodyPr>
           <a:p>
-            <a:endParaRPr b="0" lang="pt-BR" sz="3200" spc="-1" strike="noStrike">
+            <a:endParaRPr b="0" lang="en-US" sz="3200" spc="-1" strike="noStrike">
               <a:latin typeface="Arial"/>
             </a:endParaRPr>
           </a:p>
@@ -8127,7 +8007,7 @@
             <a:normAutofit/>
           </a:bodyPr>
           <a:p>
-            <a:endParaRPr b="0" lang="pt-BR" sz="3200" spc="-1" strike="noStrike">
+            <a:endParaRPr b="0" lang="en-US" sz="3200" spc="-1" strike="noStrike">
               <a:latin typeface="Arial"/>
             </a:endParaRPr>
           </a:p>
@@ -8161,7 +8041,7 @@
             <a:normAutofit/>
           </a:bodyPr>
           <a:p>
-            <a:endParaRPr b="0" lang="pt-BR" sz="3200" spc="-1" strike="noStrike">
+            <a:endParaRPr b="0" lang="en-US" sz="3200" spc="-1" strike="noStrike">
               <a:latin typeface="Arial"/>
             </a:endParaRPr>
           </a:p>
@@ -8242,7 +8122,7 @@
             <a:pPr algn="ctr">
               <a:buNone/>
             </a:pPr>
-            <a:endParaRPr b="0" lang="pt-BR" sz="4400" spc="-1" strike="noStrike">
+            <a:endParaRPr b="0" lang="en-US" sz="4400" spc="-1" strike="noStrike">
               <a:latin typeface="Arial"/>
             </a:endParaRPr>
           </a:p>
@@ -8301,7 +8181,7 @@
             <a:pPr algn="ctr">
               <a:buNone/>
             </a:pPr>
-            <a:endParaRPr b="0" lang="pt-BR" sz="4400" spc="-1" strike="noStrike">
+            <a:endParaRPr b="0" lang="en-US" sz="4400" spc="-1" strike="noStrike">
               <a:latin typeface="Arial"/>
             </a:endParaRPr>
           </a:p>
@@ -8338,7 +8218,7 @@
             <a:pPr algn="ctr">
               <a:buNone/>
             </a:pPr>
-            <a:endParaRPr b="0" lang="pt-BR" sz="3200" spc="-1" strike="noStrike">
+            <a:endParaRPr b="0" lang="en-US" sz="3200" spc="-1" strike="noStrike">
               <a:latin typeface="Arial"/>
             </a:endParaRPr>
           </a:p>
@@ -8397,7 +8277,7 @@
             <a:pPr algn="ctr">
               <a:buNone/>
             </a:pPr>
-            <a:endParaRPr b="0" lang="pt-BR" sz="4400" spc="-1" strike="noStrike">
+            <a:endParaRPr b="0" lang="en-US" sz="4400" spc="-1" strike="noStrike">
               <a:latin typeface="Arial"/>
             </a:endParaRPr>
           </a:p>
@@ -8431,7 +8311,7 @@
             <a:normAutofit/>
           </a:bodyPr>
           <a:p>
-            <a:endParaRPr b="0" lang="pt-BR" sz="3200" spc="-1" strike="noStrike">
+            <a:endParaRPr b="0" lang="en-US" sz="3200" spc="-1" strike="noStrike">
               <a:latin typeface="Arial"/>
             </a:endParaRPr>
           </a:p>
@@ -8490,7 +8370,7 @@
             <a:pPr algn="ctr">
               <a:buNone/>
             </a:pPr>
-            <a:endParaRPr b="0" lang="pt-BR" sz="4400" spc="-1" strike="noStrike">
+            <a:endParaRPr b="0" lang="en-US" sz="4400" spc="-1" strike="noStrike">
               <a:latin typeface="Arial"/>
             </a:endParaRPr>
           </a:p>
@@ -8524,7 +8404,7 @@
             <a:normAutofit/>
           </a:bodyPr>
           <a:p>
-            <a:endParaRPr b="0" lang="pt-BR" sz="3200" spc="-1" strike="noStrike">
+            <a:endParaRPr b="0" lang="en-US" sz="3200" spc="-1" strike="noStrike">
               <a:latin typeface="Arial"/>
             </a:endParaRPr>
           </a:p>
@@ -8558,7 +8438,7 @@
             <a:normAutofit/>
           </a:bodyPr>
           <a:p>
-            <a:endParaRPr b="0" lang="pt-BR" sz="3200" spc="-1" strike="noStrike">
+            <a:endParaRPr b="0" lang="en-US" sz="3200" spc="-1" strike="noStrike">
               <a:latin typeface="Arial"/>
             </a:endParaRPr>
           </a:p>
@@ -8617,7 +8497,7 @@
             <a:pPr algn="ctr">
               <a:buNone/>
             </a:pPr>
-            <a:endParaRPr b="0" lang="pt-BR" sz="4400" spc="-1" strike="noStrike">
+            <a:endParaRPr b="0" lang="en-US" sz="4400" spc="-1" strike="noStrike">
               <a:latin typeface="Arial"/>
             </a:endParaRPr>
           </a:p>
@@ -8676,7 +8556,7 @@
             <a:pPr algn="ctr">
               <a:buNone/>
             </a:pPr>
-            <a:endParaRPr b="0" lang="pt-BR" sz="3200" spc="-1" strike="noStrike">
+            <a:endParaRPr b="0" lang="en-US" sz="3200" spc="-1" strike="noStrike">
               <a:latin typeface="Arial"/>
             </a:endParaRPr>
           </a:p>
@@ -8735,7 +8615,7 @@
             <a:pPr algn="ctr">
               <a:buNone/>
             </a:pPr>
-            <a:endParaRPr b="0" lang="pt-BR" sz="4400" spc="-1" strike="noStrike">
+            <a:endParaRPr b="0" lang="en-US" sz="4400" spc="-1" strike="noStrike">
               <a:latin typeface="Arial"/>
             </a:endParaRPr>
           </a:p>
@@ -8769,7 +8649,7 @@
             <a:normAutofit/>
           </a:bodyPr>
           <a:p>
-            <a:endParaRPr b="0" lang="pt-BR" sz="3200" spc="-1" strike="noStrike">
+            <a:endParaRPr b="0" lang="en-US" sz="3200" spc="-1" strike="noStrike">
               <a:latin typeface="Arial"/>
             </a:endParaRPr>
           </a:p>
@@ -8803,7 +8683,7 @@
             <a:normAutofit/>
           </a:bodyPr>
           <a:p>
-            <a:endParaRPr b="0" lang="pt-BR" sz="3200" spc="-1" strike="noStrike">
+            <a:endParaRPr b="0" lang="en-US" sz="3200" spc="-1" strike="noStrike">
               <a:latin typeface="Arial"/>
             </a:endParaRPr>
           </a:p>
@@ -8837,7 +8717,7 @@
             <a:normAutofit/>
           </a:bodyPr>
           <a:p>
-            <a:endParaRPr b="0" lang="pt-BR" sz="3200" spc="-1" strike="noStrike">
+            <a:endParaRPr b="0" lang="en-US" sz="3200" spc="-1" strike="noStrike">
               <a:latin typeface="Arial"/>
             </a:endParaRPr>
           </a:p>
@@ -8896,7 +8776,7 @@
             <a:pPr algn="ctr">
               <a:buNone/>
             </a:pPr>
-            <a:endParaRPr b="0" lang="pt-BR" sz="4400" spc="-1" strike="noStrike">
+            <a:endParaRPr b="0" lang="en-US" sz="4400" spc="-1" strike="noStrike">
               <a:latin typeface="Arial"/>
             </a:endParaRPr>
           </a:p>
@@ -8930,7 +8810,7 @@
             <a:normAutofit/>
           </a:bodyPr>
           <a:p>
-            <a:endParaRPr b="0" lang="pt-BR" sz="3200" spc="-1" strike="noStrike">
+            <a:endParaRPr b="0" lang="en-US" sz="3200" spc="-1" strike="noStrike">
               <a:latin typeface="Arial"/>
             </a:endParaRPr>
           </a:p>
@@ -8964,7 +8844,7 @@
             <a:normAutofit/>
           </a:bodyPr>
           <a:p>
-            <a:endParaRPr b="0" lang="pt-BR" sz="3200" spc="-1" strike="noStrike">
+            <a:endParaRPr b="0" lang="en-US" sz="3200" spc="-1" strike="noStrike">
               <a:latin typeface="Arial"/>
             </a:endParaRPr>
           </a:p>
@@ -8998,7 +8878,7 @@
             <a:normAutofit/>
           </a:bodyPr>
           <a:p>
-            <a:endParaRPr b="0" lang="pt-BR" sz="3200" spc="-1" strike="noStrike">
+            <a:endParaRPr b="0" lang="en-US" sz="3200" spc="-1" strike="noStrike">
               <a:latin typeface="Arial"/>
             </a:endParaRPr>
           </a:p>
@@ -9057,7 +8937,7 @@
             <a:pPr algn="ctr">
               <a:buNone/>
             </a:pPr>
-            <a:endParaRPr b="0" lang="pt-BR" sz="4400" spc="-1" strike="noStrike">
+            <a:endParaRPr b="0" lang="en-US" sz="4400" spc="-1" strike="noStrike">
               <a:latin typeface="Arial"/>
             </a:endParaRPr>
           </a:p>
@@ -9091,7 +8971,7 @@
             <a:normAutofit/>
           </a:bodyPr>
           <a:p>
-            <a:endParaRPr b="0" lang="pt-BR" sz="3200" spc="-1" strike="noStrike">
+            <a:endParaRPr b="0" lang="en-US" sz="3200" spc="-1" strike="noStrike">
               <a:latin typeface="Arial"/>
             </a:endParaRPr>
           </a:p>
@@ -9125,7 +9005,7 @@
             <a:normAutofit/>
           </a:bodyPr>
           <a:p>
-            <a:endParaRPr b="0" lang="pt-BR" sz="3200" spc="-1" strike="noStrike">
+            <a:endParaRPr b="0" lang="en-US" sz="3200" spc="-1" strike="noStrike">
               <a:latin typeface="Arial"/>
             </a:endParaRPr>
           </a:p>
@@ -9159,7 +9039,7 @@
             <a:normAutofit/>
           </a:bodyPr>
           <a:p>
-            <a:endParaRPr b="0" lang="pt-BR" sz="3200" spc="-1" strike="noStrike">
+            <a:endParaRPr b="0" lang="en-US" sz="3200" spc="-1" strike="noStrike">
               <a:latin typeface="Arial"/>
             </a:endParaRPr>
           </a:p>
@@ -9218,7 +9098,7 @@
             <a:pPr algn="ctr">
               <a:buNone/>
             </a:pPr>
-            <a:endParaRPr b="0" lang="pt-BR" sz="4400" spc="-1" strike="noStrike">
+            <a:endParaRPr b="0" lang="en-US" sz="4400" spc="-1" strike="noStrike">
               <a:latin typeface="Arial"/>
             </a:endParaRPr>
           </a:p>
@@ -9252,7 +9132,7 @@
             <a:normAutofit/>
           </a:bodyPr>
           <a:p>
-            <a:endParaRPr b="0" lang="pt-BR" sz="3200" spc="-1" strike="noStrike">
+            <a:endParaRPr b="0" lang="en-US" sz="3200" spc="-1" strike="noStrike">
               <a:latin typeface="Arial"/>
             </a:endParaRPr>
           </a:p>
@@ -9286,7 +9166,7 @@
             <a:normAutofit/>
           </a:bodyPr>
           <a:p>
-            <a:endParaRPr b="0" lang="pt-BR" sz="3200" spc="-1" strike="noStrike">
+            <a:endParaRPr b="0" lang="en-US" sz="3200" spc="-1" strike="noStrike">
               <a:latin typeface="Arial"/>
             </a:endParaRPr>
           </a:p>
@@ -9345,7 +9225,7 @@
             <a:pPr algn="ctr">
               <a:buNone/>
             </a:pPr>
-            <a:endParaRPr b="0" lang="pt-BR" sz="4400" spc="-1" strike="noStrike">
+            <a:endParaRPr b="0" lang="en-US" sz="4400" spc="-1" strike="noStrike">
               <a:latin typeface="Arial"/>
             </a:endParaRPr>
           </a:p>
@@ -9379,7 +9259,7 @@
             <a:normAutofit/>
           </a:bodyPr>
           <a:p>
-            <a:endParaRPr b="0" lang="pt-BR" sz="3200" spc="-1" strike="noStrike">
+            <a:endParaRPr b="0" lang="en-US" sz="3200" spc="-1" strike="noStrike">
               <a:latin typeface="Arial"/>
             </a:endParaRPr>
           </a:p>
@@ -9413,7 +9293,7 @@
             <a:normAutofit/>
           </a:bodyPr>
           <a:p>
-            <a:endParaRPr b="0" lang="pt-BR" sz="3200" spc="-1" strike="noStrike">
+            <a:endParaRPr b="0" lang="en-US" sz="3200" spc="-1" strike="noStrike">
               <a:latin typeface="Arial"/>
             </a:endParaRPr>
           </a:p>
@@ -9447,7 +9327,7 @@
             <a:normAutofit/>
           </a:bodyPr>
           <a:p>
-            <a:endParaRPr b="0" lang="pt-BR" sz="3200" spc="-1" strike="noStrike">
+            <a:endParaRPr b="0" lang="en-US" sz="3200" spc="-1" strike="noStrike">
               <a:latin typeface="Arial"/>
             </a:endParaRPr>
           </a:p>
@@ -9481,7 +9361,7 @@
             <a:normAutofit/>
           </a:bodyPr>
           <a:p>
-            <a:endParaRPr b="0" lang="pt-BR" sz="3200" spc="-1" strike="noStrike">
+            <a:endParaRPr b="0" lang="en-US" sz="3200" spc="-1" strike="noStrike">
               <a:latin typeface="Arial"/>
             </a:endParaRPr>
           </a:p>
@@ -9540,7 +9420,7 @@
             <a:pPr algn="ctr">
               <a:buNone/>
             </a:pPr>
-            <a:endParaRPr b="0" lang="pt-BR" sz="3200" spc="-1" strike="noStrike">
+            <a:endParaRPr b="0" lang="en-US" sz="3200" spc="-1" strike="noStrike">
               <a:latin typeface="Arial"/>
             </a:endParaRPr>
           </a:p>
@@ -9599,7 +9479,7 @@
             <a:pPr algn="ctr">
               <a:buNone/>
             </a:pPr>
-            <a:endParaRPr b="0" lang="pt-BR" sz="4400" spc="-1" strike="noStrike">
+            <a:endParaRPr b="0" lang="en-US" sz="4400" spc="-1" strike="noStrike">
               <a:latin typeface="Arial"/>
             </a:endParaRPr>
           </a:p>
@@ -9633,7 +9513,7 @@
             <a:normAutofit/>
           </a:bodyPr>
           <a:p>
-            <a:endParaRPr b="0" lang="pt-BR" sz="3200" spc="-1" strike="noStrike">
+            <a:endParaRPr b="0" lang="en-US" sz="3200" spc="-1" strike="noStrike">
               <a:latin typeface="Arial"/>
             </a:endParaRPr>
           </a:p>
@@ -9667,7 +9547,7 @@
             <a:normAutofit/>
           </a:bodyPr>
           <a:p>
-            <a:endParaRPr b="0" lang="pt-BR" sz="3200" spc="-1" strike="noStrike">
+            <a:endParaRPr b="0" lang="en-US" sz="3200" spc="-1" strike="noStrike">
               <a:latin typeface="Arial"/>
             </a:endParaRPr>
           </a:p>
@@ -9701,7 +9581,7 @@
             <a:normAutofit/>
           </a:bodyPr>
           <a:p>
-            <a:endParaRPr b="0" lang="pt-BR" sz="3200" spc="-1" strike="noStrike">
+            <a:endParaRPr b="0" lang="en-US" sz="3200" spc="-1" strike="noStrike">
               <a:latin typeface="Arial"/>
             </a:endParaRPr>
           </a:p>
@@ -9735,7 +9615,7 @@
             <a:normAutofit/>
           </a:bodyPr>
           <a:p>
-            <a:endParaRPr b="0" lang="pt-BR" sz="3200" spc="-1" strike="noStrike">
+            <a:endParaRPr b="0" lang="en-US" sz="3200" spc="-1" strike="noStrike">
               <a:latin typeface="Arial"/>
             </a:endParaRPr>
           </a:p>
@@ -9769,7 +9649,7 @@
             <a:normAutofit/>
           </a:bodyPr>
           <a:p>
-            <a:endParaRPr b="0" lang="pt-BR" sz="3200" spc="-1" strike="noStrike">
+            <a:endParaRPr b="0" lang="en-US" sz="3200" spc="-1" strike="noStrike">
               <a:latin typeface="Arial"/>
             </a:endParaRPr>
           </a:p>
@@ -9803,7 +9683,7 @@
             <a:normAutofit/>
           </a:bodyPr>
           <a:p>
-            <a:endParaRPr b="0" lang="pt-BR" sz="3200" spc="-1" strike="noStrike">
+            <a:endParaRPr b="0" lang="en-US" sz="3200" spc="-1" strike="noStrike">
               <a:latin typeface="Arial"/>
             </a:endParaRPr>
           </a:p>
@@ -9862,7 +9742,7 @@
             <a:pPr algn="ctr">
               <a:buNone/>
             </a:pPr>
-            <a:endParaRPr b="0" lang="pt-BR" sz="4400" spc="-1" strike="noStrike">
+            <a:endParaRPr b="0" lang="en-US" sz="4400" spc="-1" strike="noStrike">
               <a:latin typeface="Arial"/>
             </a:endParaRPr>
           </a:p>
@@ -9896,7 +9776,7 @@
             <a:normAutofit/>
           </a:bodyPr>
           <a:p>
-            <a:endParaRPr b="0" lang="pt-BR" sz="3200" spc="-1" strike="noStrike">
+            <a:endParaRPr b="0" lang="en-US" sz="3200" spc="-1" strike="noStrike">
               <a:latin typeface="Arial"/>
             </a:endParaRPr>
           </a:p>
@@ -9930,7 +9810,7 @@
             <a:normAutofit/>
           </a:bodyPr>
           <a:p>
-            <a:endParaRPr b="0" lang="pt-BR" sz="3200" spc="-1" strike="noStrike">
+            <a:endParaRPr b="0" lang="en-US" sz="3200" spc="-1" strike="noStrike">
               <a:latin typeface="Arial"/>
             </a:endParaRPr>
           </a:p>
@@ -9964,7 +9844,7 @@
             <a:normAutofit/>
           </a:bodyPr>
           <a:p>
-            <a:endParaRPr b="0" lang="pt-BR" sz="3200" spc="-1" strike="noStrike">
+            <a:endParaRPr b="0" lang="en-US" sz="3200" spc="-1" strike="noStrike">
               <a:latin typeface="Arial"/>
             </a:endParaRPr>
           </a:p>
@@ -10023,7 +9903,7 @@
             <a:pPr algn="ctr">
               <a:buNone/>
             </a:pPr>
-            <a:endParaRPr b="0" lang="pt-BR" sz="4400" spc="-1" strike="noStrike">
+            <a:endParaRPr b="0" lang="en-US" sz="4400" spc="-1" strike="noStrike">
               <a:latin typeface="Arial"/>
             </a:endParaRPr>
           </a:p>
@@ -10057,7 +9937,7 @@
             <a:normAutofit/>
           </a:bodyPr>
           <a:p>
-            <a:endParaRPr b="0" lang="pt-BR" sz="3200" spc="-1" strike="noStrike">
+            <a:endParaRPr b="0" lang="en-US" sz="3200" spc="-1" strike="noStrike">
               <a:latin typeface="Arial"/>
             </a:endParaRPr>
           </a:p>
@@ -10091,7 +9971,7 @@
             <a:normAutofit/>
           </a:bodyPr>
           <a:p>
-            <a:endParaRPr b="0" lang="pt-BR" sz="3200" spc="-1" strike="noStrike">
+            <a:endParaRPr b="0" lang="en-US" sz="3200" spc="-1" strike="noStrike">
               <a:latin typeface="Arial"/>
             </a:endParaRPr>
           </a:p>
@@ -10125,7 +10005,7 @@
             <a:normAutofit/>
           </a:bodyPr>
           <a:p>
-            <a:endParaRPr b="0" lang="pt-BR" sz="3200" spc="-1" strike="noStrike">
+            <a:endParaRPr b="0" lang="en-US" sz="3200" spc="-1" strike="noStrike">
               <a:latin typeface="Arial"/>
             </a:endParaRPr>
           </a:p>
@@ -10184,7 +10064,7 @@
             <a:pPr algn="ctr">
               <a:buNone/>
             </a:pPr>
-            <a:endParaRPr b="0" lang="pt-BR" sz="4400" spc="-1" strike="noStrike">
+            <a:endParaRPr b="0" lang="en-US" sz="4400" spc="-1" strike="noStrike">
               <a:latin typeface="Arial"/>
             </a:endParaRPr>
           </a:p>
@@ -10218,7 +10098,7 @@
             <a:normAutofit/>
           </a:bodyPr>
           <a:p>
-            <a:endParaRPr b="0" lang="pt-BR" sz="3200" spc="-1" strike="noStrike">
+            <a:endParaRPr b="0" lang="en-US" sz="3200" spc="-1" strike="noStrike">
               <a:latin typeface="Arial"/>
             </a:endParaRPr>
           </a:p>
@@ -10252,7 +10132,7 @@
             <a:normAutofit/>
           </a:bodyPr>
           <a:p>
-            <a:endParaRPr b="0" lang="pt-BR" sz="3200" spc="-1" strike="noStrike">
+            <a:endParaRPr b="0" lang="en-US" sz="3200" spc="-1" strike="noStrike">
               <a:latin typeface="Arial"/>
             </a:endParaRPr>
           </a:p>
@@ -10286,7 +10166,7 @@
             <a:normAutofit/>
           </a:bodyPr>
           <a:p>
-            <a:endParaRPr b="0" lang="pt-BR" sz="3200" spc="-1" strike="noStrike">
+            <a:endParaRPr b="0" lang="en-US" sz="3200" spc="-1" strike="noStrike">
               <a:latin typeface="Arial"/>
             </a:endParaRPr>
           </a:p>
@@ -10330,7 +10210,7 @@
         <p:spPr>
           <a:xfrm>
             <a:off x="0" y="3150000"/>
-            <a:ext cx="9714240" cy="1254240"/>
+            <a:ext cx="9713880" cy="1253880"/>
           </a:xfrm>
           <a:prstGeom prst="rect">
             <a:avLst/>
@@ -10381,18 +10261,12 @@
               <a:buNone/>
             </a:pPr>
             <a:r>
-              <a:rPr b="0" lang="pt-BR" sz="4400" spc="-1" strike="noStrike">
+              <a:rPr b="0" lang="en-US" sz="4400" spc="-1" strike="noStrike">
                 <a:latin typeface="Arial"/>
               </a:rPr>
-              <a:t>Click to edit the title </a:t>
+              <a:t>Click to edit the title text format</a:t>
             </a:r>
-            <a:r>
-              <a:rPr b="0" lang="pt-BR" sz="4400" spc="-1" strike="noStrike">
-                <a:latin typeface="Arial"/>
-              </a:rPr>
-              <a:t>text format</a:t>
-            </a:r>
-            <a:endParaRPr b="0" lang="pt-BR" sz="4400" spc="-1" strike="noStrike">
+            <a:endParaRPr b="0" lang="en-US" sz="4400" spc="-1" strike="noStrike">
               <a:latin typeface="Arial"/>
             </a:endParaRPr>
           </a:p>
@@ -10438,12 +10312,12 @@
               <a:buChar char=""/>
             </a:pPr>
             <a:r>
-              <a:rPr b="0" lang="pt-BR" sz="3200" spc="-1" strike="noStrike">
+              <a:rPr b="0" lang="en-US" sz="3200" spc="-1" strike="noStrike">
                 <a:latin typeface="Arial"/>
               </a:rPr>
               <a:t>Click to edit the outline text format</a:t>
             </a:r>
-            <a:endParaRPr b="0" lang="pt-BR" sz="3200" spc="-1" strike="noStrike">
+            <a:endParaRPr b="0" lang="en-US" sz="3200" spc="-1" strike="noStrike">
               <a:latin typeface="Arial"/>
             </a:endParaRPr>
           </a:p>
@@ -10460,12 +10334,12 @@
               <a:buChar char=""/>
             </a:pPr>
             <a:r>
-              <a:rPr b="0" lang="pt-BR" sz="2800" spc="-1" strike="noStrike">
+              <a:rPr b="0" lang="en-US" sz="2800" spc="-1" strike="noStrike">
                 <a:latin typeface="Arial"/>
               </a:rPr>
               <a:t>Second Outline Level</a:t>
             </a:r>
-            <a:endParaRPr b="0" lang="pt-BR" sz="2800" spc="-1" strike="noStrike">
+            <a:endParaRPr b="0" lang="en-US" sz="2800" spc="-1" strike="noStrike">
               <a:latin typeface="Arial"/>
             </a:endParaRPr>
           </a:p>
@@ -10482,12 +10356,12 @@
               <a:buChar char=""/>
             </a:pPr>
             <a:r>
-              <a:rPr b="0" lang="pt-BR" sz="2400" spc="-1" strike="noStrike">
+              <a:rPr b="0" lang="en-US" sz="2400" spc="-1" strike="noStrike">
                 <a:latin typeface="Arial"/>
               </a:rPr>
               <a:t>Third Outline Level</a:t>
             </a:r>
-            <a:endParaRPr b="0" lang="pt-BR" sz="2400" spc="-1" strike="noStrike">
+            <a:endParaRPr b="0" lang="en-US" sz="2400" spc="-1" strike="noStrike">
               <a:latin typeface="Arial"/>
             </a:endParaRPr>
           </a:p>
@@ -10504,12 +10378,12 @@
               <a:buChar char=""/>
             </a:pPr>
             <a:r>
-              <a:rPr b="0" lang="pt-BR" sz="2000" spc="-1" strike="noStrike">
+              <a:rPr b="0" lang="en-US" sz="2000" spc="-1" strike="noStrike">
                 <a:latin typeface="Arial"/>
               </a:rPr>
               <a:t>Fourth Outline Level</a:t>
             </a:r>
-            <a:endParaRPr b="0" lang="pt-BR" sz="2000" spc="-1" strike="noStrike">
+            <a:endParaRPr b="0" lang="en-US" sz="2000" spc="-1" strike="noStrike">
               <a:latin typeface="Arial"/>
             </a:endParaRPr>
           </a:p>
@@ -10526,12 +10400,12 @@
               <a:buChar char=""/>
             </a:pPr>
             <a:r>
-              <a:rPr b="0" lang="pt-BR" sz="2000" spc="-1" strike="noStrike">
+              <a:rPr b="0" lang="en-US" sz="2000" spc="-1" strike="noStrike">
                 <a:latin typeface="Arial"/>
               </a:rPr>
               <a:t>Fifth Outline Level</a:t>
             </a:r>
-            <a:endParaRPr b="0" lang="pt-BR" sz="2000" spc="-1" strike="noStrike">
+            <a:endParaRPr b="0" lang="en-US" sz="2000" spc="-1" strike="noStrike">
               <a:latin typeface="Arial"/>
             </a:endParaRPr>
           </a:p>
@@ -10548,12 +10422,12 @@
               <a:buChar char=""/>
             </a:pPr>
             <a:r>
-              <a:rPr b="0" lang="pt-BR" sz="2000" spc="-1" strike="noStrike">
+              <a:rPr b="0" lang="en-US" sz="2000" spc="-1" strike="noStrike">
                 <a:latin typeface="Arial"/>
               </a:rPr>
               <a:t>Sixth Outline Level</a:t>
             </a:r>
-            <a:endParaRPr b="0" lang="pt-BR" sz="2000" spc="-1" strike="noStrike">
+            <a:endParaRPr b="0" lang="en-US" sz="2000" spc="-1" strike="noStrike">
               <a:latin typeface="Arial"/>
             </a:endParaRPr>
           </a:p>
@@ -10570,12 +10444,12 @@
               <a:buChar char=""/>
             </a:pPr>
             <a:r>
-              <a:rPr b="0" lang="pt-BR" sz="2000" spc="-1" strike="noStrike">
+              <a:rPr b="0" lang="en-US" sz="2000" spc="-1" strike="noStrike">
                 <a:latin typeface="Arial"/>
               </a:rPr>
               <a:t>Seventh Outline Level</a:t>
             </a:r>
-            <a:endParaRPr b="0" lang="pt-BR" sz="2000" spc="-1" strike="noStrike">
+            <a:endParaRPr b="0" lang="en-US" sz="2000" spc="-1" strike="noStrike">
               <a:latin typeface="Arial"/>
             </a:endParaRPr>
           </a:p>
@@ -10634,7 +10508,7 @@
         <p:spPr>
           <a:xfrm>
             <a:off x="0" y="180000"/>
-            <a:ext cx="9714240" cy="1254240"/>
+            <a:ext cx="9713880" cy="1253880"/>
           </a:xfrm>
           <a:prstGeom prst="rect">
             <a:avLst/>
@@ -10662,7 +10536,7 @@
         <p:spPr>
           <a:xfrm>
             <a:off x="7560000" y="6840000"/>
-            <a:ext cx="2514240" cy="534240"/>
+            <a:ext cx="2513880" cy="533880"/>
           </a:xfrm>
           <a:prstGeom prst="rect">
             <a:avLst/>
@@ -10690,7 +10564,7 @@
         <p:spPr>
           <a:xfrm>
             <a:off x="900000" y="6840000"/>
-            <a:ext cx="6474240" cy="534240"/>
+            <a:ext cx="6473880" cy="533880"/>
           </a:xfrm>
           <a:prstGeom prst="rect">
             <a:avLst/>
@@ -10718,7 +10592,7 @@
         <p:spPr>
           <a:xfrm>
             <a:off x="180000" y="6840000"/>
-            <a:ext cx="534240" cy="534240"/>
+            <a:ext cx="533880" cy="533880"/>
           </a:xfrm>
           <a:prstGeom prst="rect">
             <a:avLst/>
@@ -10767,18 +10641,12 @@
               <a:buNone/>
             </a:pPr>
             <a:r>
-              <a:rPr b="0" lang="pt-BR" sz="4400" spc="-1" strike="noStrike">
+              <a:rPr b="0" lang="en-US" sz="4400" spc="-1" strike="noStrike">
                 <a:latin typeface="Arial"/>
               </a:rPr>
-              <a:t>Click to edit the title text </a:t>
+              <a:t>Click to edit the title text format</a:t>
             </a:r>
-            <a:r>
-              <a:rPr b="0" lang="pt-BR" sz="4400" spc="-1" strike="noStrike">
-                <a:latin typeface="Arial"/>
-              </a:rPr>
-              <a:t>format</a:t>
-            </a:r>
-            <a:endParaRPr b="0" lang="pt-BR" sz="4400" spc="-1" strike="noStrike">
+            <a:endParaRPr b="0" lang="en-US" sz="4400" spc="-1" strike="noStrike">
               <a:latin typeface="Arial"/>
             </a:endParaRPr>
           </a:p>
@@ -10824,12 +10692,12 @@
               <a:buChar char=""/>
             </a:pPr>
             <a:r>
-              <a:rPr b="0" lang="pt-BR" sz="3200" spc="-1" strike="noStrike">
+              <a:rPr b="0" lang="en-US" sz="3200" spc="-1" strike="noStrike">
                 <a:latin typeface="Arial"/>
               </a:rPr>
               <a:t>Click to edit the outline text format</a:t>
             </a:r>
-            <a:endParaRPr b="0" lang="pt-BR" sz="3200" spc="-1" strike="noStrike">
+            <a:endParaRPr b="0" lang="en-US" sz="3200" spc="-1" strike="noStrike">
               <a:latin typeface="Arial"/>
             </a:endParaRPr>
           </a:p>
@@ -10846,12 +10714,12 @@
               <a:buChar char=""/>
             </a:pPr>
             <a:r>
-              <a:rPr b="0" lang="pt-BR" sz="2800" spc="-1" strike="noStrike">
+              <a:rPr b="0" lang="en-US" sz="2800" spc="-1" strike="noStrike">
                 <a:latin typeface="Arial"/>
               </a:rPr>
               <a:t>Second Outline Level</a:t>
             </a:r>
-            <a:endParaRPr b="0" lang="pt-BR" sz="2800" spc="-1" strike="noStrike">
+            <a:endParaRPr b="0" lang="en-US" sz="2800" spc="-1" strike="noStrike">
               <a:latin typeface="Arial"/>
             </a:endParaRPr>
           </a:p>
@@ -10868,12 +10736,12 @@
               <a:buChar char=""/>
             </a:pPr>
             <a:r>
-              <a:rPr b="0" lang="pt-BR" sz="2400" spc="-1" strike="noStrike">
+              <a:rPr b="0" lang="en-US" sz="2400" spc="-1" strike="noStrike">
                 <a:latin typeface="Arial"/>
               </a:rPr>
               <a:t>Third Outline Level</a:t>
             </a:r>
-            <a:endParaRPr b="0" lang="pt-BR" sz="2400" spc="-1" strike="noStrike">
+            <a:endParaRPr b="0" lang="en-US" sz="2400" spc="-1" strike="noStrike">
               <a:latin typeface="Arial"/>
             </a:endParaRPr>
           </a:p>
@@ -10890,12 +10758,12 @@
               <a:buChar char=""/>
             </a:pPr>
             <a:r>
-              <a:rPr b="0" lang="pt-BR" sz="2000" spc="-1" strike="noStrike">
+              <a:rPr b="0" lang="en-US" sz="2000" spc="-1" strike="noStrike">
                 <a:latin typeface="Arial"/>
               </a:rPr>
               <a:t>Fourth Outline Level</a:t>
             </a:r>
-            <a:endParaRPr b="0" lang="pt-BR" sz="2000" spc="-1" strike="noStrike">
+            <a:endParaRPr b="0" lang="en-US" sz="2000" spc="-1" strike="noStrike">
               <a:latin typeface="Arial"/>
             </a:endParaRPr>
           </a:p>
@@ -10912,12 +10780,12 @@
               <a:buChar char=""/>
             </a:pPr>
             <a:r>
-              <a:rPr b="0" lang="pt-BR" sz="2000" spc="-1" strike="noStrike">
+              <a:rPr b="0" lang="en-US" sz="2000" spc="-1" strike="noStrike">
                 <a:latin typeface="Arial"/>
               </a:rPr>
               <a:t>Fifth Outline Level</a:t>
             </a:r>
-            <a:endParaRPr b="0" lang="pt-BR" sz="2000" spc="-1" strike="noStrike">
+            <a:endParaRPr b="0" lang="en-US" sz="2000" spc="-1" strike="noStrike">
               <a:latin typeface="Arial"/>
             </a:endParaRPr>
           </a:p>
@@ -10934,12 +10802,12 @@
               <a:buChar char=""/>
             </a:pPr>
             <a:r>
-              <a:rPr b="0" lang="pt-BR" sz="2000" spc="-1" strike="noStrike">
+              <a:rPr b="0" lang="en-US" sz="2000" spc="-1" strike="noStrike">
                 <a:latin typeface="Arial"/>
               </a:rPr>
               <a:t>Sixth Outline Level</a:t>
             </a:r>
-            <a:endParaRPr b="0" lang="pt-BR" sz="2000" spc="-1" strike="noStrike">
+            <a:endParaRPr b="0" lang="en-US" sz="2000" spc="-1" strike="noStrike">
               <a:latin typeface="Arial"/>
             </a:endParaRPr>
           </a:p>
@@ -10956,12 +10824,12 @@
               <a:buChar char=""/>
             </a:pPr>
             <a:r>
-              <a:rPr b="0" lang="pt-BR" sz="2000" spc="-1" strike="noStrike">
+              <a:rPr b="0" lang="en-US" sz="2000" spc="-1" strike="noStrike">
                 <a:latin typeface="Arial"/>
               </a:rPr>
               <a:t>Seventh Outline Level</a:t>
             </a:r>
-            <a:endParaRPr b="0" lang="pt-BR" sz="2000" spc="-1" strike="noStrike">
+            <a:endParaRPr b="0" lang="en-US" sz="2000" spc="-1" strike="noStrike">
               <a:latin typeface="Arial"/>
             </a:endParaRPr>
           </a:p>
@@ -11020,7 +10888,7 @@
         <p:spPr>
           <a:xfrm>
             <a:off x="0" y="180000"/>
-            <a:ext cx="9707760" cy="1247760"/>
+            <a:ext cx="9707400" cy="1247400"/>
           </a:xfrm>
           <a:prstGeom prst="rect">
             <a:avLst/>
@@ -11048,7 +10916,7 @@
         <p:spPr>
           <a:xfrm>
             <a:off x="7560000" y="6840000"/>
-            <a:ext cx="2507760" cy="527760"/>
+            <a:ext cx="2507400" cy="527400"/>
           </a:xfrm>
           <a:prstGeom prst="rect">
             <a:avLst/>
@@ -11076,7 +10944,7 @@
         <p:spPr>
           <a:xfrm>
             <a:off x="900000" y="6840000"/>
-            <a:ext cx="6467760" cy="527760"/>
+            <a:ext cx="6467400" cy="527400"/>
           </a:xfrm>
           <a:prstGeom prst="rect">
             <a:avLst/>
@@ -11104,7 +10972,7 @@
         <p:spPr>
           <a:xfrm>
             <a:off x="180000" y="6840000"/>
-            <a:ext cx="527760" cy="527760"/>
+            <a:ext cx="527400" cy="527400"/>
           </a:xfrm>
           <a:prstGeom prst="rect">
             <a:avLst/>
@@ -11153,18 +11021,12 @@
               <a:buNone/>
             </a:pPr>
             <a:r>
-              <a:rPr b="0" lang="pt-BR" sz="4400" spc="-1" strike="noStrike">
+              <a:rPr b="0" lang="en-US" sz="4400" spc="-1" strike="noStrike">
                 <a:latin typeface="Arial"/>
               </a:rPr>
-              <a:t>Click to edit the title text </a:t>
+              <a:t>Click to edit the title text format</a:t>
             </a:r>
-            <a:r>
-              <a:rPr b="0" lang="pt-BR" sz="4400" spc="-1" strike="noStrike">
-                <a:latin typeface="Arial"/>
-              </a:rPr>
-              <a:t>format</a:t>
-            </a:r>
-            <a:endParaRPr b="0" lang="pt-BR" sz="4400" spc="-1" strike="noStrike">
+            <a:endParaRPr b="0" lang="en-US" sz="4400" spc="-1" strike="noStrike">
               <a:latin typeface="Arial"/>
             </a:endParaRPr>
           </a:p>
@@ -11210,12 +11072,12 @@
               <a:buChar char=""/>
             </a:pPr>
             <a:r>
-              <a:rPr b="0" lang="pt-BR" sz="3200" spc="-1" strike="noStrike">
+              <a:rPr b="0" lang="en-US" sz="3200" spc="-1" strike="noStrike">
                 <a:latin typeface="Arial"/>
               </a:rPr>
               <a:t>Click to edit the outline text format</a:t>
             </a:r>
-            <a:endParaRPr b="0" lang="pt-BR" sz="3200" spc="-1" strike="noStrike">
+            <a:endParaRPr b="0" lang="en-US" sz="3200" spc="-1" strike="noStrike">
               <a:latin typeface="Arial"/>
             </a:endParaRPr>
           </a:p>
@@ -11232,12 +11094,12 @@
               <a:buChar char=""/>
             </a:pPr>
             <a:r>
-              <a:rPr b="0" lang="pt-BR" sz="2800" spc="-1" strike="noStrike">
+              <a:rPr b="0" lang="en-US" sz="2800" spc="-1" strike="noStrike">
                 <a:latin typeface="Arial"/>
               </a:rPr>
               <a:t>Second Outline Level</a:t>
             </a:r>
-            <a:endParaRPr b="0" lang="pt-BR" sz="2800" spc="-1" strike="noStrike">
+            <a:endParaRPr b="0" lang="en-US" sz="2800" spc="-1" strike="noStrike">
               <a:latin typeface="Arial"/>
             </a:endParaRPr>
           </a:p>
@@ -11254,12 +11116,12 @@
               <a:buChar char=""/>
             </a:pPr>
             <a:r>
-              <a:rPr b="0" lang="pt-BR" sz="2400" spc="-1" strike="noStrike">
+              <a:rPr b="0" lang="en-US" sz="2400" spc="-1" strike="noStrike">
                 <a:latin typeface="Arial"/>
               </a:rPr>
               <a:t>Third Outline Level</a:t>
             </a:r>
-            <a:endParaRPr b="0" lang="pt-BR" sz="2400" spc="-1" strike="noStrike">
+            <a:endParaRPr b="0" lang="en-US" sz="2400" spc="-1" strike="noStrike">
               <a:latin typeface="Arial"/>
             </a:endParaRPr>
           </a:p>
@@ -11276,12 +11138,12 @@
               <a:buChar char=""/>
             </a:pPr>
             <a:r>
-              <a:rPr b="0" lang="pt-BR" sz="2000" spc="-1" strike="noStrike">
+              <a:rPr b="0" lang="en-US" sz="2000" spc="-1" strike="noStrike">
                 <a:latin typeface="Arial"/>
               </a:rPr>
               <a:t>Fourth Outline Level</a:t>
             </a:r>
-            <a:endParaRPr b="0" lang="pt-BR" sz="2000" spc="-1" strike="noStrike">
+            <a:endParaRPr b="0" lang="en-US" sz="2000" spc="-1" strike="noStrike">
               <a:latin typeface="Arial"/>
             </a:endParaRPr>
           </a:p>
@@ -11298,12 +11160,12 @@
               <a:buChar char=""/>
             </a:pPr>
             <a:r>
-              <a:rPr b="0" lang="pt-BR" sz="2000" spc="-1" strike="noStrike">
+              <a:rPr b="0" lang="en-US" sz="2000" spc="-1" strike="noStrike">
                 <a:latin typeface="Arial"/>
               </a:rPr>
               <a:t>Fifth Outline Level</a:t>
             </a:r>
-            <a:endParaRPr b="0" lang="pt-BR" sz="2000" spc="-1" strike="noStrike">
+            <a:endParaRPr b="0" lang="en-US" sz="2000" spc="-1" strike="noStrike">
               <a:latin typeface="Arial"/>
             </a:endParaRPr>
           </a:p>
@@ -11320,12 +11182,12 @@
               <a:buChar char=""/>
             </a:pPr>
             <a:r>
-              <a:rPr b="0" lang="pt-BR" sz="2000" spc="-1" strike="noStrike">
+              <a:rPr b="0" lang="en-US" sz="2000" spc="-1" strike="noStrike">
                 <a:latin typeface="Arial"/>
               </a:rPr>
               <a:t>Sixth Outline Level</a:t>
             </a:r>
-            <a:endParaRPr b="0" lang="pt-BR" sz="2000" spc="-1" strike="noStrike">
+            <a:endParaRPr b="0" lang="en-US" sz="2000" spc="-1" strike="noStrike">
               <a:latin typeface="Arial"/>
             </a:endParaRPr>
           </a:p>
@@ -11342,12 +11204,12 @@
               <a:buChar char=""/>
             </a:pPr>
             <a:r>
-              <a:rPr b="0" lang="pt-BR" sz="2000" spc="-1" strike="noStrike">
+              <a:rPr b="0" lang="en-US" sz="2000" spc="-1" strike="noStrike">
                 <a:latin typeface="Arial"/>
               </a:rPr>
               <a:t>Seventh Outline Level</a:t>
             </a:r>
-            <a:endParaRPr b="0" lang="pt-BR" sz="2000" spc="-1" strike="noStrike">
+            <a:endParaRPr b="0" lang="en-US" sz="2000" spc="-1" strike="noStrike">
               <a:latin typeface="Arial"/>
             </a:endParaRPr>
           </a:p>
@@ -11406,7 +11268,7 @@
         <p:spPr>
           <a:xfrm>
             <a:off x="0" y="180000"/>
-            <a:ext cx="9707760" cy="1247760"/>
+            <a:ext cx="9707400" cy="1247400"/>
           </a:xfrm>
           <a:prstGeom prst="rect">
             <a:avLst/>
@@ -11434,7 +11296,7 @@
         <p:spPr>
           <a:xfrm>
             <a:off x="7560000" y="6840000"/>
-            <a:ext cx="2507760" cy="527760"/>
+            <a:ext cx="2507400" cy="527400"/>
           </a:xfrm>
           <a:prstGeom prst="rect">
             <a:avLst/>
@@ -11462,7 +11324,7 @@
         <p:spPr>
           <a:xfrm>
             <a:off x="900000" y="6840000"/>
-            <a:ext cx="6467760" cy="527760"/>
+            <a:ext cx="6467400" cy="527400"/>
           </a:xfrm>
           <a:prstGeom prst="rect">
             <a:avLst/>
@@ -11490,7 +11352,7 @@
         <p:spPr>
           <a:xfrm>
             <a:off x="180000" y="6840000"/>
-            <a:ext cx="527760" cy="527760"/>
+            <a:ext cx="527400" cy="527400"/>
           </a:xfrm>
           <a:prstGeom prst="rect">
             <a:avLst/>
@@ -11539,12 +11401,12 @@
               <a:buNone/>
             </a:pPr>
             <a:r>
-              <a:rPr b="0" lang="pt-BR" sz="4400" spc="-1" strike="noStrike">
+              <a:rPr b="0" lang="en-US" sz="4400" spc="-1" strike="noStrike">
                 <a:latin typeface="Arial"/>
               </a:rPr>
               <a:t>Click to edit the title text format</a:t>
             </a:r>
-            <a:endParaRPr b="0" lang="pt-BR" sz="4400" spc="-1" strike="noStrike">
+            <a:endParaRPr b="0" lang="en-US" sz="4400" spc="-1" strike="noStrike">
               <a:latin typeface="Arial"/>
             </a:endParaRPr>
           </a:p>
@@ -11590,12 +11452,12 @@
               <a:buChar char=""/>
             </a:pPr>
             <a:r>
-              <a:rPr b="0" lang="pt-BR" sz="3200" spc="-1" strike="noStrike">
+              <a:rPr b="0" lang="en-US" sz="3200" spc="-1" strike="noStrike">
                 <a:latin typeface="Arial"/>
               </a:rPr>
               <a:t>Click to edit the outline text format</a:t>
             </a:r>
-            <a:endParaRPr b="0" lang="pt-BR" sz="3200" spc="-1" strike="noStrike">
+            <a:endParaRPr b="0" lang="en-US" sz="3200" spc="-1" strike="noStrike">
               <a:latin typeface="Arial"/>
             </a:endParaRPr>
           </a:p>
@@ -11612,12 +11474,12 @@
               <a:buChar char=""/>
             </a:pPr>
             <a:r>
-              <a:rPr b="0" lang="pt-BR" sz="2800" spc="-1" strike="noStrike">
+              <a:rPr b="0" lang="en-US" sz="2800" spc="-1" strike="noStrike">
                 <a:latin typeface="Arial"/>
               </a:rPr>
               <a:t>Second Outline Level</a:t>
             </a:r>
-            <a:endParaRPr b="0" lang="pt-BR" sz="2800" spc="-1" strike="noStrike">
+            <a:endParaRPr b="0" lang="en-US" sz="2800" spc="-1" strike="noStrike">
               <a:latin typeface="Arial"/>
             </a:endParaRPr>
           </a:p>
@@ -11634,12 +11496,12 @@
               <a:buChar char=""/>
             </a:pPr>
             <a:r>
-              <a:rPr b="0" lang="pt-BR" sz="2400" spc="-1" strike="noStrike">
+              <a:rPr b="0" lang="en-US" sz="2400" spc="-1" strike="noStrike">
                 <a:latin typeface="Arial"/>
               </a:rPr>
               <a:t>Third Outline Level</a:t>
             </a:r>
-            <a:endParaRPr b="0" lang="pt-BR" sz="2400" spc="-1" strike="noStrike">
+            <a:endParaRPr b="0" lang="en-US" sz="2400" spc="-1" strike="noStrike">
               <a:latin typeface="Arial"/>
             </a:endParaRPr>
           </a:p>
@@ -11656,12 +11518,12 @@
               <a:buChar char=""/>
             </a:pPr>
             <a:r>
-              <a:rPr b="0" lang="pt-BR" sz="2000" spc="-1" strike="noStrike">
+              <a:rPr b="0" lang="en-US" sz="2000" spc="-1" strike="noStrike">
                 <a:latin typeface="Arial"/>
               </a:rPr>
               <a:t>Fourth Outline Level</a:t>
             </a:r>
-            <a:endParaRPr b="0" lang="pt-BR" sz="2000" spc="-1" strike="noStrike">
+            <a:endParaRPr b="0" lang="en-US" sz="2000" spc="-1" strike="noStrike">
               <a:latin typeface="Arial"/>
             </a:endParaRPr>
           </a:p>
@@ -11678,12 +11540,12 @@
               <a:buChar char=""/>
             </a:pPr>
             <a:r>
-              <a:rPr b="0" lang="pt-BR" sz="2000" spc="-1" strike="noStrike">
+              <a:rPr b="0" lang="en-US" sz="2000" spc="-1" strike="noStrike">
                 <a:latin typeface="Arial"/>
               </a:rPr>
               <a:t>Fifth Outline Level</a:t>
             </a:r>
-            <a:endParaRPr b="0" lang="pt-BR" sz="2000" spc="-1" strike="noStrike">
+            <a:endParaRPr b="0" lang="en-US" sz="2000" spc="-1" strike="noStrike">
               <a:latin typeface="Arial"/>
             </a:endParaRPr>
           </a:p>
@@ -11700,12 +11562,12 @@
               <a:buChar char=""/>
             </a:pPr>
             <a:r>
-              <a:rPr b="0" lang="pt-BR" sz="2000" spc="-1" strike="noStrike">
+              <a:rPr b="0" lang="en-US" sz="2000" spc="-1" strike="noStrike">
                 <a:latin typeface="Arial"/>
               </a:rPr>
               <a:t>Sixth Outline Level</a:t>
             </a:r>
-            <a:endParaRPr b="0" lang="pt-BR" sz="2000" spc="-1" strike="noStrike">
+            <a:endParaRPr b="0" lang="en-US" sz="2000" spc="-1" strike="noStrike">
               <a:latin typeface="Arial"/>
             </a:endParaRPr>
           </a:p>
@@ -11722,12 +11584,12 @@
               <a:buChar char=""/>
             </a:pPr>
             <a:r>
-              <a:rPr b="0" lang="pt-BR" sz="2000" spc="-1" strike="noStrike">
+              <a:rPr b="0" lang="en-US" sz="2000" spc="-1" strike="noStrike">
                 <a:latin typeface="Arial"/>
               </a:rPr>
               <a:t>Seventh Outline Level</a:t>
             </a:r>
-            <a:endParaRPr b="0" lang="pt-BR" sz="2000" spc="-1" strike="noStrike">
+            <a:endParaRPr b="0" lang="en-US" sz="2000" spc="-1" strike="noStrike">
               <a:latin typeface="Arial"/>
             </a:endParaRPr>
           </a:p>
@@ -11786,7 +11648,7 @@
         <p:spPr>
           <a:xfrm>
             <a:off x="0" y="180000"/>
-            <a:ext cx="9707760" cy="1247760"/>
+            <a:ext cx="9707400" cy="1247400"/>
           </a:xfrm>
           <a:prstGeom prst="rect">
             <a:avLst/>
@@ -11814,7 +11676,7 @@
         <p:spPr>
           <a:xfrm>
             <a:off x="7560000" y="6840000"/>
-            <a:ext cx="2507760" cy="527760"/>
+            <a:ext cx="2507400" cy="527400"/>
           </a:xfrm>
           <a:prstGeom prst="rect">
             <a:avLst/>
@@ -11842,7 +11704,7 @@
         <p:spPr>
           <a:xfrm>
             <a:off x="900000" y="6840000"/>
-            <a:ext cx="6467760" cy="527760"/>
+            <a:ext cx="6467400" cy="527400"/>
           </a:xfrm>
           <a:prstGeom prst="rect">
             <a:avLst/>
@@ -11870,7 +11732,7 @@
         <p:spPr>
           <a:xfrm>
             <a:off x="180000" y="6840000"/>
-            <a:ext cx="527760" cy="527760"/>
+            <a:ext cx="527400" cy="527400"/>
           </a:xfrm>
           <a:prstGeom prst="rect">
             <a:avLst/>
@@ -11919,12 +11781,12 @@
               <a:buNone/>
             </a:pPr>
             <a:r>
-              <a:rPr b="0" lang="pt-BR" sz="4400" spc="-1" strike="noStrike">
+              <a:rPr b="0" lang="en-US" sz="4400" spc="-1" strike="noStrike">
                 <a:latin typeface="Arial"/>
               </a:rPr>
               <a:t>Click to edit the title text format</a:t>
             </a:r>
-            <a:endParaRPr b="0" lang="pt-BR" sz="4400" spc="-1" strike="noStrike">
+            <a:endParaRPr b="0" lang="en-US" sz="4400" spc="-1" strike="noStrike">
               <a:latin typeface="Arial"/>
             </a:endParaRPr>
           </a:p>
@@ -11970,12 +11832,12 @@
               <a:buChar char=""/>
             </a:pPr>
             <a:r>
-              <a:rPr b="0" lang="pt-BR" sz="3200" spc="-1" strike="noStrike">
+              <a:rPr b="0" lang="en-US" sz="3200" spc="-1" strike="noStrike">
                 <a:latin typeface="Arial"/>
               </a:rPr>
               <a:t>Click to edit the outline text format</a:t>
             </a:r>
-            <a:endParaRPr b="0" lang="pt-BR" sz="3200" spc="-1" strike="noStrike">
+            <a:endParaRPr b="0" lang="en-US" sz="3200" spc="-1" strike="noStrike">
               <a:latin typeface="Arial"/>
             </a:endParaRPr>
           </a:p>
@@ -11992,12 +11854,12 @@
               <a:buChar char=""/>
             </a:pPr>
             <a:r>
-              <a:rPr b="0" lang="pt-BR" sz="2800" spc="-1" strike="noStrike">
+              <a:rPr b="0" lang="en-US" sz="2800" spc="-1" strike="noStrike">
                 <a:latin typeface="Arial"/>
               </a:rPr>
               <a:t>Second Outline Level</a:t>
             </a:r>
-            <a:endParaRPr b="0" lang="pt-BR" sz="2800" spc="-1" strike="noStrike">
+            <a:endParaRPr b="0" lang="en-US" sz="2800" spc="-1" strike="noStrike">
               <a:latin typeface="Arial"/>
             </a:endParaRPr>
           </a:p>
@@ -12014,12 +11876,12 @@
               <a:buChar char=""/>
             </a:pPr>
             <a:r>
-              <a:rPr b="0" lang="pt-BR" sz="2400" spc="-1" strike="noStrike">
+              <a:rPr b="0" lang="en-US" sz="2400" spc="-1" strike="noStrike">
                 <a:latin typeface="Arial"/>
               </a:rPr>
               <a:t>Third Outline Level</a:t>
             </a:r>
-            <a:endParaRPr b="0" lang="pt-BR" sz="2400" spc="-1" strike="noStrike">
+            <a:endParaRPr b="0" lang="en-US" sz="2400" spc="-1" strike="noStrike">
               <a:latin typeface="Arial"/>
             </a:endParaRPr>
           </a:p>
@@ -12036,12 +11898,12 @@
               <a:buChar char=""/>
             </a:pPr>
             <a:r>
-              <a:rPr b="0" lang="pt-BR" sz="2000" spc="-1" strike="noStrike">
+              <a:rPr b="0" lang="en-US" sz="2000" spc="-1" strike="noStrike">
                 <a:latin typeface="Arial"/>
               </a:rPr>
               <a:t>Fourth Outline Level</a:t>
             </a:r>
-            <a:endParaRPr b="0" lang="pt-BR" sz="2000" spc="-1" strike="noStrike">
+            <a:endParaRPr b="0" lang="en-US" sz="2000" spc="-1" strike="noStrike">
               <a:latin typeface="Arial"/>
             </a:endParaRPr>
           </a:p>
@@ -12058,12 +11920,12 @@
               <a:buChar char=""/>
             </a:pPr>
             <a:r>
-              <a:rPr b="0" lang="pt-BR" sz="2000" spc="-1" strike="noStrike">
+              <a:rPr b="0" lang="en-US" sz="2000" spc="-1" strike="noStrike">
                 <a:latin typeface="Arial"/>
               </a:rPr>
               <a:t>Fifth Outline Level</a:t>
             </a:r>
-            <a:endParaRPr b="0" lang="pt-BR" sz="2000" spc="-1" strike="noStrike">
+            <a:endParaRPr b="0" lang="en-US" sz="2000" spc="-1" strike="noStrike">
               <a:latin typeface="Arial"/>
             </a:endParaRPr>
           </a:p>
@@ -12080,12 +11942,12 @@
               <a:buChar char=""/>
             </a:pPr>
             <a:r>
-              <a:rPr b="0" lang="pt-BR" sz="2000" spc="-1" strike="noStrike">
+              <a:rPr b="0" lang="en-US" sz="2000" spc="-1" strike="noStrike">
                 <a:latin typeface="Arial"/>
               </a:rPr>
               <a:t>Sixth Outline Level</a:t>
             </a:r>
-            <a:endParaRPr b="0" lang="pt-BR" sz="2000" spc="-1" strike="noStrike">
+            <a:endParaRPr b="0" lang="en-US" sz="2000" spc="-1" strike="noStrike">
               <a:latin typeface="Arial"/>
             </a:endParaRPr>
           </a:p>
@@ -12102,12 +11964,12 @@
               <a:buChar char=""/>
             </a:pPr>
             <a:r>
-              <a:rPr b="0" lang="pt-BR" sz="2000" spc="-1" strike="noStrike">
+              <a:rPr b="0" lang="en-US" sz="2000" spc="-1" strike="noStrike">
                 <a:latin typeface="Arial"/>
               </a:rPr>
               <a:t>Seventh Outline Level</a:t>
             </a:r>
-            <a:endParaRPr b="0" lang="pt-BR" sz="2000" spc="-1" strike="noStrike">
+            <a:endParaRPr b="0" lang="en-US" sz="2000" spc="-1" strike="noStrike">
               <a:latin typeface="Arial"/>
             </a:endParaRPr>
           </a:p>
@@ -12159,7 +12021,7 @@
         <p:spPr>
           <a:xfrm>
             <a:off x="360000" y="3330000"/>
-            <a:ext cx="9354240" cy="894240"/>
+            <a:ext cx="9353880" cy="893880"/>
           </a:xfrm>
           <a:prstGeom prst="rect">
             <a:avLst/>
@@ -12196,7 +12058,7 @@
               </a:rPr>
               <a:t>K-Nearest Neighbors (K-NN)</a:t>
             </a:r>
-            <a:endParaRPr b="0" lang="pt-BR" sz="3200" spc="-1" strike="noStrike">
+            <a:endParaRPr b="0" lang="en-US" sz="3200" spc="-1" strike="noStrike">
               <a:latin typeface="Arial"/>
             </a:endParaRPr>
           </a:p>
@@ -12211,7 +12073,7 @@
         <p:spPr>
           <a:xfrm>
             <a:off x="540000" y="4680000"/>
-            <a:ext cx="9174240" cy="2514240"/>
+            <a:ext cx="9173880" cy="2513880"/>
           </a:xfrm>
           <a:prstGeom prst="rect">
             <a:avLst/>
@@ -12248,7 +12110,7 @@
               </a:rPr>
               <a:t>Prof. André Gustavo Hochuli</a:t>
             </a:r>
-            <a:endParaRPr b="0" lang="pt-BR" sz="2200" spc="-1" strike="noStrike">
+            <a:endParaRPr b="0" lang="en-US" sz="2200" spc="-1" strike="noStrike">
               <a:latin typeface="Arial"/>
             </a:endParaRPr>
           </a:p>
@@ -12259,7 +12121,7 @@
               </a:lnSpc>
               <a:buNone/>
             </a:pPr>
-            <a:endParaRPr b="0" lang="pt-BR" sz="2200" spc="-1" strike="noStrike">
+            <a:endParaRPr b="0" lang="en-US" sz="2200" spc="-1" strike="noStrike">
               <a:latin typeface="Arial"/>
             </a:endParaRPr>
           </a:p>
@@ -12282,7 +12144,7 @@
               </a:rPr>
               <a:t>gustavo.hochuli@pucpr.br</a:t>
             </a:r>
-            <a:endParaRPr b="0" lang="pt-BR" sz="2200" spc="-1" strike="noStrike">
+            <a:endParaRPr b="0" lang="en-US" sz="2200" spc="-1" strike="noStrike">
               <a:latin typeface="Arial"/>
             </a:endParaRPr>
           </a:p>
@@ -12305,7 +12167,7 @@
               </a:rPr>
               <a:t>aghochuli@ppgia.pucpr.br</a:t>
             </a:r>
-            <a:endParaRPr b="0" lang="pt-BR" sz="2200" spc="-1" strike="noStrike">
+            <a:endParaRPr b="0" lang="en-US" sz="2200" spc="-1" strike="noStrike">
               <a:latin typeface="Arial"/>
             </a:endParaRPr>
           </a:p>
@@ -12328,7 +12190,7 @@
               </a:rPr>
               <a:t>github.com/andrehochuli/teaching</a:t>
             </a:r>
-            <a:endParaRPr b="0" lang="pt-BR" sz="2200" spc="-1" strike="noStrike">
+            <a:endParaRPr b="0" lang="en-US" sz="2200" spc="-1" strike="noStrike">
               <a:latin typeface="Arial"/>
             </a:endParaRPr>
           </a:p>
@@ -12339,7 +12201,7 @@
               </a:lnSpc>
               <a:buNone/>
             </a:pPr>
-            <a:endParaRPr b="0" lang="pt-BR" sz="2200" spc="-1" strike="noStrike">
+            <a:endParaRPr b="0" lang="en-US" sz="2200" spc="-1" strike="noStrike">
               <a:latin typeface="Arial"/>
             </a:endParaRPr>
           </a:p>
@@ -12350,7 +12212,7 @@
               </a:lnSpc>
               <a:buNone/>
             </a:pPr>
-            <a:endParaRPr b="0" lang="pt-BR" sz="2200" spc="-1" strike="noStrike">
+            <a:endParaRPr b="0" lang="en-US" sz="2200" spc="-1" strike="noStrike">
               <a:latin typeface="Arial"/>
             </a:endParaRPr>
           </a:p>
@@ -12361,7 +12223,7 @@
               </a:lnSpc>
               <a:buNone/>
             </a:pPr>
-            <a:endParaRPr b="0" lang="pt-BR" sz="2200" spc="-1" strike="noStrike">
+            <a:endParaRPr b="0" lang="en-US" sz="2200" spc="-1" strike="noStrike">
               <a:latin typeface="Arial"/>
             </a:endParaRPr>
           </a:p>
@@ -12372,7 +12234,7 @@
               </a:lnSpc>
               <a:buNone/>
             </a:pPr>
-            <a:endParaRPr b="0" lang="pt-BR" sz="2200" spc="-1" strike="noStrike">
+            <a:endParaRPr b="0" lang="en-US" sz="2200" spc="-1" strike="noStrike">
               <a:latin typeface="Arial"/>
             </a:endParaRPr>
           </a:p>
@@ -12383,7 +12245,7 @@
               </a:lnSpc>
               <a:buNone/>
             </a:pPr>
-            <a:endParaRPr b="0" lang="pt-BR" sz="2200" spc="-1" strike="noStrike">
+            <a:endParaRPr b="0" lang="en-US" sz="2200" spc="-1" strike="noStrike">
               <a:latin typeface="Arial"/>
             </a:endParaRPr>
           </a:p>
@@ -12394,7 +12256,7 @@
               </a:lnSpc>
               <a:buNone/>
             </a:pPr>
-            <a:endParaRPr b="0" lang="pt-BR" sz="2200" spc="-1" strike="noStrike">
+            <a:endParaRPr b="0" lang="en-US" sz="2200" spc="-1" strike="noStrike">
               <a:latin typeface="Arial"/>
             </a:endParaRPr>
           </a:p>
@@ -12405,7 +12267,7 @@
               </a:lnSpc>
               <a:buNone/>
             </a:pPr>
-            <a:endParaRPr b="0" lang="pt-BR" sz="2200" spc="-1" strike="noStrike">
+            <a:endParaRPr b="0" lang="en-US" sz="2200" spc="-1" strike="noStrike">
               <a:latin typeface="Arial"/>
             </a:endParaRPr>
           </a:p>
@@ -12443,14 +12305,14 @@
       </p:grpSpPr>
       <p:sp>
         <p:nvSpPr>
-          <p:cNvPr id="283" name="CustomShape 49"/>
+          <p:cNvPr id="284" name="CustomShape 49"/>
           <p:cNvSpPr/>
           <p:nvPr/>
         </p:nvSpPr>
         <p:spPr>
           <a:xfrm>
             <a:off x="360000" y="360000"/>
-            <a:ext cx="9347760" cy="887760"/>
+            <a:ext cx="9347400" cy="887400"/>
           </a:xfrm>
           <a:prstGeom prst="rect">
             <a:avLst/>
@@ -12487,22 +12349,22 @@
               </a:rPr>
               <a:t>Outras métricas</a:t>
             </a:r>
-            <a:endParaRPr b="0" lang="pt-BR" sz="2600" spc="-1" strike="noStrike">
-              <a:latin typeface="Arial"/>
-            </a:endParaRPr>
-          </a:p>
-        </p:txBody>
-      </p:sp>
-      <p:sp>
-        <p:nvSpPr>
-          <p:cNvPr id="284" name="CustomShape 50"/>
+            <a:endParaRPr b="0" lang="en-US" sz="2600" spc="-1" strike="noStrike">
+              <a:latin typeface="Arial"/>
+            </a:endParaRPr>
+          </a:p>
+        </p:txBody>
+      </p:sp>
+      <p:sp>
+        <p:nvSpPr>
+          <p:cNvPr id="285" name="CustomShape 50"/>
           <p:cNvSpPr/>
           <p:nvPr/>
         </p:nvSpPr>
         <p:spPr>
           <a:xfrm>
             <a:off x="360000" y="1447920"/>
-            <a:ext cx="9167760" cy="4667760"/>
+            <a:ext cx="9167400" cy="4667400"/>
           </a:xfrm>
           <a:prstGeom prst="rect">
             <a:avLst/>
@@ -12542,7 +12404,7 @@
               </a:rPr>
               <a:t>	</a:t>
             </a:r>
-            <a:endParaRPr b="0" lang="pt-BR" sz="2000" spc="-1" strike="noStrike">
+            <a:endParaRPr b="0" lang="en-US" sz="2000" spc="-1" strike="noStrike">
               <a:latin typeface="Arial"/>
             </a:endParaRPr>
           </a:p>
@@ -12556,22 +12418,22 @@
               </a:spcAft>
               <a:buNone/>
             </a:pPr>
-            <a:endParaRPr b="0" lang="pt-BR" sz="2000" spc="-1" strike="noStrike">
-              <a:latin typeface="Arial"/>
-            </a:endParaRPr>
-          </a:p>
-        </p:txBody>
-      </p:sp>
-      <p:sp>
-        <p:nvSpPr>
-          <p:cNvPr id="285" name="CustomShape 51"/>
+            <a:endParaRPr b="0" lang="en-US" sz="2000" spc="-1" strike="noStrike">
+              <a:latin typeface="Arial"/>
+            </a:endParaRPr>
+          </a:p>
+        </p:txBody>
+      </p:sp>
+      <p:sp>
+        <p:nvSpPr>
+          <p:cNvPr id="286" name="CustomShape 51"/>
           <p:cNvSpPr/>
           <p:nvPr/>
         </p:nvSpPr>
         <p:spPr>
           <a:xfrm>
             <a:off x="897120" y="6886080"/>
-            <a:ext cx="6435000" cy="352800"/>
+            <a:ext cx="6434640" cy="352440"/>
           </a:xfrm>
           <a:prstGeom prst="rect">
             <a:avLst/>
@@ -12608,22 +12470,22 @@
               </a:rPr>
               <a:t>Aprendizado de Máquina - Prof. André Hochuli</a:t>
             </a:r>
-            <a:endParaRPr b="0" lang="pt-BR" sz="1800" spc="-1" strike="noStrike">
-              <a:latin typeface="Arial"/>
-            </a:endParaRPr>
-          </a:p>
-        </p:txBody>
-      </p:sp>
-      <p:sp>
-        <p:nvSpPr>
-          <p:cNvPr id="286" name="CustomShape 52"/>
+            <a:endParaRPr b="0" lang="en-US" sz="1800" spc="-1" strike="noStrike">
+              <a:latin typeface="Arial"/>
+            </a:endParaRPr>
+          </a:p>
+        </p:txBody>
+      </p:sp>
+      <p:sp>
+        <p:nvSpPr>
+          <p:cNvPr id="287" name="CustomShape 52"/>
           <p:cNvSpPr/>
           <p:nvPr/>
         </p:nvSpPr>
         <p:spPr>
           <a:xfrm>
             <a:off x="7608600" y="6886080"/>
-            <a:ext cx="2273040" cy="352800"/>
+            <a:ext cx="2272680" cy="352440"/>
           </a:xfrm>
           <a:prstGeom prst="rect">
             <a:avLst/>
@@ -12660,22 +12522,22 @@
               </a:rPr>
               <a:t>KNN</a:t>
             </a:r>
-            <a:endParaRPr b="0" lang="pt-BR" sz="1800" spc="-1" strike="noStrike">
-              <a:latin typeface="Arial"/>
-            </a:endParaRPr>
-          </a:p>
-        </p:txBody>
-      </p:sp>
-      <p:sp>
-        <p:nvSpPr>
-          <p:cNvPr id="287" name="CustomShape 53"/>
+            <a:endParaRPr b="0" lang="en-US" sz="1800" spc="-1" strike="noStrike">
+              <a:latin typeface="Arial"/>
+            </a:endParaRPr>
+          </a:p>
+        </p:txBody>
+      </p:sp>
+      <p:sp>
+        <p:nvSpPr>
+          <p:cNvPr id="288" name="CustomShape 53"/>
           <p:cNvSpPr/>
           <p:nvPr/>
         </p:nvSpPr>
         <p:spPr>
           <a:xfrm>
             <a:off x="360000" y="1447920"/>
-            <a:ext cx="9167760" cy="4667760"/>
+            <a:ext cx="9167400" cy="4667400"/>
           </a:xfrm>
           <a:prstGeom prst="rect">
             <a:avLst/>
@@ -12715,7 +12577,7 @@
               </a:rPr>
               <a:t>	</a:t>
             </a:r>
-            <a:endParaRPr b="0" lang="pt-BR" sz="2000" spc="-1" strike="noStrike">
+            <a:endParaRPr b="0" lang="en-US" sz="2000" spc="-1" strike="noStrike">
               <a:latin typeface="Arial"/>
             </a:endParaRPr>
           </a:p>
@@ -12729,7 +12591,7 @@
               </a:spcAft>
               <a:buNone/>
             </a:pPr>
-            <a:endParaRPr b="0" lang="pt-BR" sz="2000" spc="-1" strike="noStrike">
+            <a:endParaRPr b="0" lang="en-US" sz="2000" spc="-1" strike="noStrike">
               <a:latin typeface="Arial"/>
             </a:endParaRPr>
           </a:p>
@@ -12743,7 +12605,7 @@
               </a:spcAft>
               <a:buNone/>
             </a:pPr>
-            <a:endParaRPr b="0" lang="pt-BR" sz="2000" spc="-1" strike="noStrike">
+            <a:endParaRPr b="0" lang="en-US" sz="2000" spc="-1" strike="noStrike">
               <a:latin typeface="Arial"/>
             </a:endParaRPr>
           </a:p>
@@ -12757,7 +12619,7 @@
               </a:spcAft>
               <a:buNone/>
             </a:pPr>
-            <a:endParaRPr b="0" lang="pt-BR" sz="2000" spc="-1" strike="noStrike">
+            <a:endParaRPr b="0" lang="en-US" sz="2000" spc="-1" strike="noStrike">
               <a:latin typeface="Arial"/>
             </a:endParaRPr>
           </a:p>
@@ -12771,7 +12633,7 @@
               </a:spcAft>
               <a:buNone/>
             </a:pPr>
-            <a:endParaRPr b="0" lang="pt-BR" sz="2000" spc="-1" strike="noStrike">
+            <a:endParaRPr b="0" lang="en-US" sz="2000" spc="-1" strike="noStrike">
               <a:latin typeface="Arial"/>
             </a:endParaRPr>
           </a:p>
@@ -12785,7 +12647,7 @@
               </a:spcAft>
               <a:buNone/>
             </a:pPr>
-            <a:endParaRPr b="0" lang="pt-BR" sz="2000" spc="-1" strike="noStrike">
+            <a:endParaRPr b="0" lang="en-US" sz="2000" spc="-1" strike="noStrike">
               <a:latin typeface="Arial"/>
             </a:endParaRPr>
           </a:p>
@@ -12799,7 +12661,7 @@
               </a:spcAft>
               <a:buNone/>
             </a:pPr>
-            <a:endParaRPr b="0" lang="pt-BR" sz="1300" spc="-1" strike="noStrike">
+            <a:endParaRPr b="0" lang="en-US" sz="1300" spc="-1" strike="noStrike">
               <a:latin typeface="Arial"/>
             </a:endParaRPr>
           </a:p>
@@ -12807,7 +12669,7 @@
       </p:sp>
       <p:pic>
         <p:nvPicPr>
-          <p:cNvPr id="288" name="" descr=""/>
+          <p:cNvPr id="289" name="" descr=""/>
           <p:cNvPicPr/>
           <p:nvPr/>
         </p:nvPicPr>
@@ -12818,7 +12680,7 @@
         <p:spPr>
           <a:xfrm>
             <a:off x="4107600" y="2606760"/>
-            <a:ext cx="2408040" cy="2648880"/>
+            <a:ext cx="2407680" cy="2648520"/>
           </a:xfrm>
           <a:prstGeom prst="rect">
             <a:avLst/>
@@ -12830,14 +12692,14 @@
       </p:pic>
       <p:sp>
         <p:nvSpPr>
-          <p:cNvPr id="289" name="CustomShape 55"/>
+          <p:cNvPr id="290" name="CustomShape 55"/>
           <p:cNvSpPr/>
           <p:nvPr/>
         </p:nvSpPr>
         <p:spPr>
           <a:xfrm>
             <a:off x="360000" y="1447920"/>
-            <a:ext cx="9167760" cy="4667760"/>
+            <a:ext cx="9167400" cy="4667400"/>
           </a:xfrm>
           <a:prstGeom prst="rect">
             <a:avLst/>
@@ -12877,7 +12739,7 @@
               </a:rPr>
               <a:t>	</a:t>
             </a:r>
-            <a:endParaRPr b="0" lang="pt-BR" sz="2000" spc="-1" strike="noStrike">
+            <a:endParaRPr b="0" lang="en-US" sz="2000" spc="-1" strike="noStrike">
               <a:latin typeface="Arial"/>
             </a:endParaRPr>
           </a:p>
@@ -12906,7 +12768,7 @@
               </a:rPr>
               <a:t>Distâncias</a:t>
             </a:r>
-            <a:endParaRPr b="0" lang="pt-BR" sz="2000" spc="-1" strike="noStrike">
+            <a:endParaRPr b="0" lang="en-US" sz="2000" spc="-1" strike="noStrike">
               <a:latin typeface="Arial"/>
             </a:endParaRPr>
           </a:p>
@@ -12920,7 +12782,7 @@
               </a:spcAft>
               <a:buNone/>
             </a:pPr>
-            <a:endParaRPr b="0" lang="pt-BR" sz="2000" spc="-1" strike="noStrike">
+            <a:endParaRPr b="0" lang="en-US" sz="2000" spc="-1" strike="noStrike">
               <a:latin typeface="Arial"/>
             </a:endParaRPr>
           </a:p>
@@ -12934,7 +12796,7 @@
               </a:spcAft>
               <a:buNone/>
             </a:pPr>
-            <a:endParaRPr b="0" lang="pt-BR" sz="2000" spc="-1" strike="noStrike">
+            <a:endParaRPr b="0" lang="en-US" sz="2000" spc="-1" strike="noStrike">
               <a:latin typeface="Arial"/>
             </a:endParaRPr>
           </a:p>
@@ -12948,7 +12810,7 @@
               </a:spcAft>
               <a:buNone/>
             </a:pPr>
-            <a:endParaRPr b="0" lang="pt-BR" sz="1300" spc="-1" strike="noStrike">
+            <a:endParaRPr b="0" lang="en-US" sz="1300" spc="-1" strike="noStrike">
               <a:latin typeface="Arial"/>
             </a:endParaRPr>
           </a:p>
@@ -12956,7 +12818,7 @@
       </p:sp>
       <p:pic>
         <p:nvPicPr>
-          <p:cNvPr id="290" name="" descr=""/>
+          <p:cNvPr id="291" name="" descr=""/>
           <p:cNvPicPr/>
           <p:nvPr/>
         </p:nvPicPr>
@@ -12967,30 +12829,7 @@
         <p:spPr>
           <a:xfrm>
             <a:off x="622440" y="2570760"/>
-            <a:ext cx="2401200" cy="2648880"/>
-          </a:xfrm>
-          <a:prstGeom prst="rect">
-            <a:avLst/>
-          </a:prstGeom>
-          <a:ln w="0">
-            <a:noFill/>
-          </a:ln>
-        </p:spPr>
-      </p:pic>
-      <p:pic>
-        <p:nvPicPr>
-          <p:cNvPr id="291" name="" descr=""/>
-          <p:cNvPicPr/>
-          <p:nvPr/>
-        </p:nvPicPr>
-        <p:blipFill>
-          <a:blip r:embed="rId3"/>
-          <a:stretch/>
-        </p:blipFill>
-        <p:spPr>
-          <a:xfrm>
-            <a:off x="397440" y="5220000"/>
-            <a:ext cx="3022200" cy="1259640"/>
+            <a:ext cx="2400840" cy="2648520"/>
           </a:xfrm>
           <a:prstGeom prst="rect">
             <a:avLst/>
@@ -13007,13 +12846,13 @@
           <p:nvPr/>
         </p:nvPicPr>
         <p:blipFill>
-          <a:blip r:embed="rId4"/>
+          <a:blip r:embed="rId3"/>
           <a:stretch/>
         </p:blipFill>
         <p:spPr>
           <a:xfrm>
-            <a:off x="4320000" y="5628960"/>
-            <a:ext cx="1979640" cy="670680"/>
+            <a:off x="397440" y="5220000"/>
+            <a:ext cx="3021840" cy="1259280"/>
           </a:xfrm>
           <a:prstGeom prst="rect">
             <a:avLst/>
@@ -13030,13 +12869,13 @@
           <p:nvPr/>
         </p:nvPicPr>
         <p:blipFill>
-          <a:blip r:embed="rId5"/>
+          <a:blip r:embed="rId4"/>
           <a:stretch/>
         </p:blipFill>
         <p:spPr>
           <a:xfrm>
-            <a:off x="7091280" y="2845080"/>
-            <a:ext cx="2628360" cy="1294560"/>
+            <a:off x="4320000" y="5628960"/>
+            <a:ext cx="1979280" cy="670320"/>
           </a:xfrm>
           <a:prstGeom prst="rect">
             <a:avLst/>
@@ -13053,13 +12892,36 @@
           <p:nvPr/>
         </p:nvPicPr>
         <p:blipFill>
+          <a:blip r:embed="rId5"/>
+          <a:stretch/>
+        </p:blipFill>
+        <p:spPr>
+          <a:xfrm>
+            <a:off x="7091280" y="2845080"/>
+            <a:ext cx="2628000" cy="1294200"/>
+          </a:xfrm>
+          <a:prstGeom prst="rect">
+            <a:avLst/>
+          </a:prstGeom>
+          <a:ln w="0">
+            <a:noFill/>
+          </a:ln>
+        </p:spPr>
+      </p:pic>
+      <p:pic>
+        <p:nvPicPr>
+          <p:cNvPr id="295" name="" descr=""/>
+          <p:cNvPicPr/>
+          <p:nvPr/>
+        </p:nvPicPr>
+        <p:blipFill>
           <a:blip r:embed="rId6"/>
           <a:stretch/>
         </p:blipFill>
         <p:spPr>
           <a:xfrm>
             <a:off x="7562160" y="4243320"/>
-            <a:ext cx="1437480" cy="256320"/>
+            <a:ext cx="1437120" cy="255960"/>
           </a:xfrm>
           <a:prstGeom prst="rect">
             <a:avLst/>
@@ -13101,7 +12963,7 @@
       </p:grpSpPr>
       <p:pic>
         <p:nvPicPr>
-          <p:cNvPr id="295" name="" descr=""/>
+          <p:cNvPr id="296" name="" descr=""/>
           <p:cNvPicPr/>
           <p:nvPr/>
         </p:nvPicPr>
@@ -13113,7 +12975,7 @@
         <p:spPr>
           <a:xfrm>
             <a:off x="2340000" y="4140000"/>
-            <a:ext cx="6678360" cy="2519640"/>
+            <a:ext cx="6678000" cy="2519280"/>
           </a:xfrm>
           <a:prstGeom prst="rect">
             <a:avLst/>
@@ -13125,14 +12987,14 @@
       </p:pic>
       <p:sp>
         <p:nvSpPr>
-          <p:cNvPr id="296" name="CustomShape 33"/>
+          <p:cNvPr id="297" name="CustomShape 33"/>
           <p:cNvSpPr/>
           <p:nvPr/>
         </p:nvSpPr>
         <p:spPr>
           <a:xfrm>
             <a:off x="360000" y="360000"/>
-            <a:ext cx="9347760" cy="887760"/>
+            <a:ext cx="9347400" cy="887400"/>
           </a:xfrm>
           <a:prstGeom prst="rect">
             <a:avLst/>
@@ -13169,22 +13031,22 @@
               </a:rPr>
               <a:t>Protocolo Experimental</a:t>
             </a:r>
-            <a:endParaRPr b="0" lang="pt-BR" sz="2600" spc="-1" strike="noStrike">
-              <a:latin typeface="Arial"/>
-            </a:endParaRPr>
-          </a:p>
-        </p:txBody>
-      </p:sp>
-      <p:sp>
-        <p:nvSpPr>
-          <p:cNvPr id="297" name="CustomShape 34"/>
+            <a:endParaRPr b="0" lang="en-US" sz="2600" spc="-1" strike="noStrike">
+              <a:latin typeface="Arial"/>
+            </a:endParaRPr>
+          </a:p>
+        </p:txBody>
+      </p:sp>
+      <p:sp>
+        <p:nvSpPr>
+          <p:cNvPr id="298" name="CustomShape 34"/>
           <p:cNvSpPr/>
           <p:nvPr/>
         </p:nvSpPr>
         <p:spPr>
           <a:xfrm>
             <a:off x="360000" y="1447920"/>
-            <a:ext cx="9167760" cy="4667760"/>
+            <a:ext cx="9167400" cy="4667400"/>
           </a:xfrm>
           <a:prstGeom prst="rect">
             <a:avLst/>
@@ -13224,7 +13086,7 @@
               </a:rPr>
               <a:t>	</a:t>
             </a:r>
-            <a:endParaRPr b="0" lang="pt-BR" sz="2000" spc="-1" strike="noStrike">
+            <a:endParaRPr b="0" lang="en-US" sz="2000" spc="-1" strike="noStrike">
               <a:latin typeface="Arial"/>
             </a:endParaRPr>
           </a:p>
@@ -13253,7 +13115,7 @@
               </a:rPr>
               <a:t>Define como um modelo vai ser avaliado</a:t>
             </a:r>
-            <a:endParaRPr b="0" lang="pt-BR" sz="2000" spc="-1" strike="noStrike">
+            <a:endParaRPr b="0" lang="en-US" sz="2000" spc="-1" strike="noStrike">
               <a:latin typeface="Arial"/>
             </a:endParaRPr>
           </a:p>
@@ -13282,7 +13144,7 @@
               </a:rPr>
               <a:t>Define quais dados serão usados para treino, validação e teste</a:t>
             </a:r>
-            <a:endParaRPr b="0" lang="pt-BR" sz="2000" spc="-1" strike="noStrike">
+            <a:endParaRPr b="0" lang="en-US" sz="2000" spc="-1" strike="noStrike">
               <a:latin typeface="Arial"/>
             </a:endParaRPr>
           </a:p>
@@ -13311,7 +13173,7 @@
               </a:rPr>
               <a:t>Técnicas mais comuns:</a:t>
             </a:r>
-            <a:endParaRPr b="0" lang="pt-BR" sz="2000" spc="-1" strike="noStrike">
+            <a:endParaRPr b="0" lang="en-US" sz="2000" spc="-1" strike="noStrike">
               <a:latin typeface="Arial"/>
             </a:endParaRPr>
           </a:p>
@@ -13340,7 +13202,7 @@
               </a:rPr>
               <a:t>Holdout</a:t>
             </a:r>
-            <a:endParaRPr b="0" lang="pt-BR" sz="2000" spc="-1" strike="noStrike">
+            <a:endParaRPr b="0" lang="en-US" sz="2000" spc="-1" strike="noStrike">
               <a:latin typeface="Arial"/>
             </a:endParaRPr>
           </a:p>
@@ -13354,7 +13216,7 @@
               </a:spcAft>
               <a:buNone/>
             </a:pPr>
-            <a:endParaRPr b="0" lang="pt-BR" sz="2000" spc="-1" strike="noStrike">
+            <a:endParaRPr b="0" lang="en-US" sz="2000" spc="-1" strike="noStrike">
               <a:latin typeface="Arial"/>
             </a:endParaRPr>
           </a:p>
@@ -13383,7 +13245,7 @@
               </a:rPr>
               <a:t>Cross-Validation:</a:t>
             </a:r>
-            <a:endParaRPr b="0" lang="pt-BR" sz="2000" spc="-1" strike="noStrike">
+            <a:endParaRPr b="0" lang="en-US" sz="2000" spc="-1" strike="noStrike">
               <a:latin typeface="Arial"/>
             </a:endParaRPr>
           </a:p>
@@ -13397,7 +13259,7 @@
               </a:spcAft>
               <a:buNone/>
             </a:pPr>
-            <a:endParaRPr b="0" lang="pt-BR" sz="2000" spc="-1" strike="noStrike">
+            <a:endParaRPr b="0" lang="en-US" sz="2000" spc="-1" strike="noStrike">
               <a:latin typeface="Arial"/>
             </a:endParaRPr>
           </a:p>
@@ -13411,7 +13273,7 @@
               </a:spcAft>
               <a:buNone/>
             </a:pPr>
-            <a:endParaRPr b="0" lang="pt-BR" sz="2000" spc="-1" strike="noStrike">
+            <a:endParaRPr b="0" lang="en-US" sz="2000" spc="-1" strike="noStrike">
               <a:latin typeface="Arial"/>
             </a:endParaRPr>
           </a:p>
@@ -13425,22 +13287,22 @@
               </a:spcAft>
               <a:buNone/>
             </a:pPr>
-            <a:endParaRPr b="0" lang="pt-BR" sz="1300" spc="-1" strike="noStrike">
-              <a:latin typeface="Arial"/>
-            </a:endParaRPr>
-          </a:p>
-        </p:txBody>
-      </p:sp>
-      <p:sp>
-        <p:nvSpPr>
-          <p:cNvPr id="298" name="CustomShape 35"/>
+            <a:endParaRPr b="0" lang="en-US" sz="1300" spc="-1" strike="noStrike">
+              <a:latin typeface="Arial"/>
+            </a:endParaRPr>
+          </a:p>
+        </p:txBody>
+      </p:sp>
+      <p:sp>
+        <p:nvSpPr>
+          <p:cNvPr id="299" name="CustomShape 35"/>
           <p:cNvSpPr/>
           <p:nvPr/>
         </p:nvSpPr>
         <p:spPr>
           <a:xfrm>
             <a:off x="897120" y="6886080"/>
-            <a:ext cx="6435000" cy="352800"/>
+            <a:ext cx="6434640" cy="352440"/>
           </a:xfrm>
           <a:prstGeom prst="rect">
             <a:avLst/>
@@ -13477,22 +13339,22 @@
               </a:rPr>
               <a:t>Aprendizado de Máquina - Prof. André Hochuli</a:t>
             </a:r>
-            <a:endParaRPr b="0" lang="pt-BR" sz="1800" spc="-1" strike="noStrike">
-              <a:latin typeface="Arial"/>
-            </a:endParaRPr>
-          </a:p>
-        </p:txBody>
-      </p:sp>
-      <p:sp>
-        <p:nvSpPr>
-          <p:cNvPr id="299" name="CustomShape 36"/>
+            <a:endParaRPr b="0" lang="en-US" sz="1800" spc="-1" strike="noStrike">
+              <a:latin typeface="Arial"/>
+            </a:endParaRPr>
+          </a:p>
+        </p:txBody>
+      </p:sp>
+      <p:sp>
+        <p:nvSpPr>
+          <p:cNvPr id="300" name="CustomShape 36"/>
           <p:cNvSpPr/>
           <p:nvPr/>
         </p:nvSpPr>
         <p:spPr>
           <a:xfrm>
             <a:off x="7608600" y="6886080"/>
-            <a:ext cx="2273040" cy="352800"/>
+            <a:ext cx="2272680" cy="352440"/>
           </a:xfrm>
           <a:prstGeom prst="rect">
             <a:avLst/>
@@ -13529,7 +13391,7 @@
               </a:rPr>
               <a:t>KNN</a:t>
             </a:r>
-            <a:endParaRPr b="0" lang="pt-BR" sz="1800" spc="-1" strike="noStrike">
+            <a:endParaRPr b="0" lang="en-US" sz="1800" spc="-1" strike="noStrike">
               <a:latin typeface="Arial"/>
             </a:endParaRPr>
           </a:p>
@@ -13537,7 +13399,7 @@
       </p:sp>
       <p:pic>
         <p:nvPicPr>
-          <p:cNvPr id="300" name="" descr=""/>
+          <p:cNvPr id="301" name="" descr=""/>
           <p:cNvPicPr/>
           <p:nvPr/>
         </p:nvPicPr>
@@ -13548,7 +13410,7 @@
         <p:spPr>
           <a:xfrm>
             <a:off x="2880000" y="3240000"/>
-            <a:ext cx="6028920" cy="432720"/>
+            <a:ext cx="6028560" cy="432360"/>
           </a:xfrm>
           <a:prstGeom prst="rect">
             <a:avLst/>
@@ -13590,14 +13452,14 @@
       </p:grpSpPr>
       <p:sp>
         <p:nvSpPr>
-          <p:cNvPr id="301" name="CustomShape 63"/>
+          <p:cNvPr id="302" name="CustomShape 63"/>
           <p:cNvSpPr/>
           <p:nvPr/>
         </p:nvSpPr>
         <p:spPr>
           <a:xfrm>
             <a:off x="360000" y="360000"/>
-            <a:ext cx="9355680" cy="895680"/>
+            <a:ext cx="9355320" cy="895320"/>
           </a:xfrm>
           <a:prstGeom prst="rect">
             <a:avLst/>
@@ -13637,22 +13499,22 @@
               </a:rPr>
               <a:t>Métricas de Desempenho</a:t>
             </a:r>
-            <a:endParaRPr b="0" lang="pt-BR" sz="3200" spc="-1" strike="noStrike">
-              <a:latin typeface="Arial"/>
-            </a:endParaRPr>
-          </a:p>
-        </p:txBody>
-      </p:sp>
-      <p:sp>
-        <p:nvSpPr>
-          <p:cNvPr id="302" name="AutoShape 3"/>
+            <a:endParaRPr b="0" lang="en-US" sz="3200" spc="-1" strike="noStrike">
+              <a:latin typeface="Arial"/>
+            </a:endParaRPr>
+          </a:p>
+        </p:txBody>
+      </p:sp>
+      <p:sp>
+        <p:nvSpPr>
+          <p:cNvPr id="303" name="AutoShape 3"/>
           <p:cNvSpPr/>
           <p:nvPr/>
         </p:nvSpPr>
         <p:spPr>
           <a:xfrm>
             <a:off x="4888080" y="3627360"/>
-            <a:ext cx="304200" cy="304200"/>
+            <a:ext cx="303840" cy="303840"/>
           </a:xfrm>
           <a:prstGeom prst="rect">
             <a:avLst/>
@@ -13671,14 +13533,14 @@
       </p:sp>
       <p:sp>
         <p:nvSpPr>
-          <p:cNvPr id="303" name="CustomShape 64"/>
+          <p:cNvPr id="304" name="CustomShape 64"/>
           <p:cNvSpPr/>
           <p:nvPr/>
         </p:nvSpPr>
         <p:spPr>
           <a:xfrm>
             <a:off x="7608600" y="6886080"/>
-            <a:ext cx="2280960" cy="360720"/>
+            <a:ext cx="2280600" cy="360360"/>
           </a:xfrm>
           <a:prstGeom prst="rect">
             <a:avLst/>
@@ -13715,22 +13577,22 @@
               </a:rPr>
               <a:t>KNN</a:t>
             </a:r>
-            <a:endParaRPr b="0" lang="pt-BR" sz="1800" spc="-1" strike="noStrike">
-              <a:latin typeface="Arial"/>
-            </a:endParaRPr>
-          </a:p>
-        </p:txBody>
-      </p:sp>
-      <p:sp>
-        <p:nvSpPr>
-          <p:cNvPr id="304" name="CustomShape 65"/>
+            <a:endParaRPr b="0" lang="en-US" sz="1800" spc="-1" strike="noStrike">
+              <a:latin typeface="Arial"/>
+            </a:endParaRPr>
+          </a:p>
+        </p:txBody>
+      </p:sp>
+      <p:sp>
+        <p:nvSpPr>
+          <p:cNvPr id="305" name="CustomShape 65"/>
           <p:cNvSpPr/>
           <p:nvPr/>
         </p:nvSpPr>
         <p:spPr>
           <a:xfrm>
             <a:off x="897120" y="6886080"/>
-            <a:ext cx="6442920" cy="360720"/>
+            <a:ext cx="6442560" cy="360360"/>
           </a:xfrm>
           <a:prstGeom prst="rect">
             <a:avLst/>
@@ -13770,22 +13632,22 @@
               </a:rPr>
               <a:t>Aprendizado de Máquina - Prof. André Hochuli</a:t>
             </a:r>
-            <a:endParaRPr b="0" lang="pt-BR" sz="1800" spc="-1" strike="noStrike">
-              <a:latin typeface="Arial"/>
-            </a:endParaRPr>
-          </a:p>
-        </p:txBody>
-      </p:sp>
-      <p:sp>
-        <p:nvSpPr>
-          <p:cNvPr id="305" name="CaixaDeTexto 6"/>
+            <a:endParaRPr b="0" lang="en-US" sz="1800" spc="-1" strike="noStrike">
+              <a:latin typeface="Arial"/>
+            </a:endParaRPr>
+          </a:p>
+        </p:txBody>
+      </p:sp>
+      <p:sp>
+        <p:nvSpPr>
+          <p:cNvPr id="306" name="CaixaDeTexto 6"/>
           <p:cNvSpPr/>
           <p:nvPr/>
         </p:nvSpPr>
         <p:spPr>
           <a:xfrm>
             <a:off x="200160" y="1693440"/>
-            <a:ext cx="7521120" cy="4748760"/>
+            <a:ext cx="7520760" cy="4748760"/>
           </a:xfrm>
           <a:prstGeom prst="rect">
             <a:avLst/>
@@ -13812,7 +13674,7 @@
               </a:lnSpc>
               <a:buNone/>
             </a:pPr>
-            <a:endParaRPr b="0" lang="pt-BR" sz="1600" spc="-1" strike="noStrike">
+            <a:endParaRPr b="0" lang="en-US" sz="1600" spc="-1" strike="noStrike">
               <a:latin typeface="Arial"/>
             </a:endParaRPr>
           </a:p>
@@ -13823,7 +13685,7 @@
               </a:lnSpc>
               <a:buNone/>
             </a:pPr>
-            <a:endParaRPr b="0" lang="pt-BR" sz="1600" spc="-1" strike="noStrike">
+            <a:endParaRPr b="0" lang="en-US" sz="1600" spc="-1" strike="noStrike">
               <a:latin typeface="Arial"/>
             </a:endParaRPr>
           </a:p>
@@ -13834,7 +13696,7 @@
               </a:lnSpc>
               <a:buNone/>
             </a:pPr>
-            <a:endParaRPr b="0" lang="pt-BR" sz="1600" spc="-1" strike="noStrike">
+            <a:endParaRPr b="0" lang="en-US" sz="1600" spc="-1" strike="noStrike">
               <a:latin typeface="Arial"/>
             </a:endParaRPr>
           </a:p>
@@ -13869,7 +13731,7 @@
               </a:rPr>
               <a:t>:</a:t>
             </a:r>
-            <a:endParaRPr b="0" lang="pt-BR" sz="1600" spc="-1" strike="noStrike">
+            <a:endParaRPr b="0" lang="en-US" sz="1600" spc="-1" strike="noStrike">
               <a:latin typeface="Arial"/>
             </a:endParaRPr>
           </a:p>
@@ -13894,7 +13756,7 @@
               </a:rPr>
               <a:t>TP (True Positive): </a:t>
             </a:r>
-            <a:endParaRPr b="0" lang="pt-BR" sz="1800" spc="-1" strike="noStrike">
+            <a:endParaRPr b="0" lang="en-US" sz="1800" spc="-1" strike="noStrike">
               <a:latin typeface="Arial"/>
             </a:endParaRPr>
           </a:p>
@@ -13919,7 +13781,7 @@
               </a:rPr>
               <a:t>FN (False Negative)</a:t>
             </a:r>
-            <a:endParaRPr b="0" lang="pt-BR" sz="1800" spc="-1" strike="noStrike">
+            <a:endParaRPr b="0" lang="en-US" sz="1800" spc="-1" strike="noStrike">
               <a:latin typeface="Arial"/>
             </a:endParaRPr>
           </a:p>
@@ -13930,7 +13792,7 @@
               </a:lnSpc>
               <a:buNone/>
             </a:pPr>
-            <a:endParaRPr b="0" lang="pt-BR" sz="1600" spc="-1" strike="noStrike">
+            <a:endParaRPr b="0" lang="en-US" sz="1600" spc="-1" strike="noStrike">
               <a:latin typeface="Arial"/>
             </a:endParaRPr>
           </a:p>
@@ -13941,7 +13803,7 @@
               </a:lnSpc>
               <a:buNone/>
             </a:pPr>
-            <a:endParaRPr b="0" lang="pt-BR" sz="1600" spc="-1" strike="noStrike">
+            <a:endParaRPr b="0" lang="en-US" sz="1600" spc="-1" strike="noStrike">
               <a:latin typeface="Arial"/>
             </a:endParaRPr>
           </a:p>
@@ -13952,7 +13814,7 @@
               </a:lnSpc>
               <a:buNone/>
             </a:pPr>
-            <a:endParaRPr b="0" lang="pt-BR" sz="1600" spc="-1" strike="noStrike">
+            <a:endParaRPr b="0" lang="en-US" sz="1600" spc="-1" strike="noStrike">
               <a:latin typeface="Arial"/>
             </a:endParaRPr>
           </a:p>
@@ -13963,7 +13825,7 @@
               </a:lnSpc>
               <a:buNone/>
             </a:pPr>
-            <a:endParaRPr b="0" lang="pt-BR" sz="1600" spc="-1" strike="noStrike">
+            <a:endParaRPr b="0" lang="en-US" sz="1600" spc="-1" strike="noStrike">
               <a:latin typeface="Arial"/>
             </a:endParaRPr>
           </a:p>
@@ -13998,7 +13860,7 @@
               </a:rPr>
               <a:t>:</a:t>
             </a:r>
-            <a:endParaRPr b="0" lang="pt-BR" sz="1600" spc="-1" strike="noStrike">
+            <a:endParaRPr b="0" lang="en-US" sz="1600" spc="-1" strike="noStrike">
               <a:latin typeface="Arial"/>
             </a:endParaRPr>
           </a:p>
@@ -14023,7 +13885,7 @@
               </a:rPr>
               <a:t>FP (False Positive) </a:t>
             </a:r>
-            <a:endParaRPr b="0" lang="pt-BR" sz="1800" spc="-1" strike="noStrike">
+            <a:endParaRPr b="0" lang="en-US" sz="1800" spc="-1" strike="noStrike">
               <a:latin typeface="Arial"/>
             </a:endParaRPr>
           </a:p>
@@ -14048,7 +13910,7 @@
               </a:rPr>
               <a:t>TN (True Negative)</a:t>
             </a:r>
-            <a:endParaRPr b="0" lang="pt-BR" sz="1800" spc="-1" strike="noStrike">
+            <a:endParaRPr b="0" lang="en-US" sz="1800" spc="-1" strike="noStrike">
               <a:latin typeface="Arial"/>
             </a:endParaRPr>
           </a:p>
@@ -14059,7 +13921,7 @@
               </a:lnSpc>
               <a:buNone/>
             </a:pPr>
-            <a:endParaRPr b="0" lang="pt-BR" sz="1800" spc="-1" strike="noStrike">
+            <a:endParaRPr b="0" lang="en-US" sz="1800" spc="-1" strike="noStrike">
               <a:latin typeface="Arial"/>
             </a:endParaRPr>
           </a:p>
@@ -14080,7 +13942,7 @@
               </a:rPr>
               <a:t>	</a:t>
             </a:r>
-            <a:endParaRPr b="0" lang="pt-BR" sz="1800" spc="-1" strike="noStrike">
+            <a:endParaRPr b="0" lang="en-US" sz="1800" spc="-1" strike="noStrike">
               <a:latin typeface="Arial"/>
             </a:endParaRPr>
           </a:p>
@@ -14091,7 +13953,7 @@
               </a:lnSpc>
               <a:buNone/>
             </a:pPr>
-            <a:endParaRPr b="0" lang="pt-BR" sz="1800" spc="-1" strike="noStrike">
+            <a:endParaRPr b="0" lang="en-US" sz="1800" spc="-1" strike="noStrike">
               <a:latin typeface="Arial"/>
             </a:endParaRPr>
           </a:p>
@@ -14102,7 +13964,7 @@
               </a:lnSpc>
               <a:buNone/>
             </a:pPr>
-            <a:endParaRPr b="0" lang="pt-BR" sz="1800" spc="-1" strike="noStrike">
+            <a:endParaRPr b="0" lang="en-US" sz="1800" spc="-1" strike="noStrike">
               <a:latin typeface="Arial"/>
             </a:endParaRPr>
           </a:p>
@@ -14113,7 +13975,7 @@
               </a:lnSpc>
               <a:buNone/>
             </a:pPr>
-            <a:endParaRPr b="0" lang="pt-BR" sz="1800" spc="-1" strike="noStrike">
+            <a:endParaRPr b="0" lang="en-US" sz="1800" spc="-1" strike="noStrike">
               <a:latin typeface="Arial"/>
             </a:endParaRPr>
           </a:p>
@@ -14121,7 +13983,7 @@
       </p:sp>
       <p:pic>
         <p:nvPicPr>
-          <p:cNvPr id="306" name="" descr=""/>
+          <p:cNvPr id="307" name="" descr=""/>
           <p:cNvPicPr/>
           <p:nvPr/>
         </p:nvPicPr>
@@ -14132,7 +13994,7 @@
         <p:spPr>
           <a:xfrm>
             <a:off x="3780000" y="1980000"/>
-            <a:ext cx="5826960" cy="3959640"/>
+            <a:ext cx="5826600" cy="3959280"/>
           </a:xfrm>
           <a:prstGeom prst="rect">
             <a:avLst/>
@@ -14174,7 +14036,7 @@
       </p:grpSpPr>
       <p:pic>
         <p:nvPicPr>
-          <p:cNvPr id="307" name="Imagem 6" descr=""/>
+          <p:cNvPr id="308" name="Imagem 6" descr=""/>
           <p:cNvPicPr/>
           <p:nvPr/>
         </p:nvPicPr>
@@ -14185,7 +14047,7 @@
         <p:spPr>
           <a:xfrm>
             <a:off x="6120000" y="1870920"/>
-            <a:ext cx="3239640" cy="2279880"/>
+            <a:ext cx="3239280" cy="2279520"/>
           </a:xfrm>
           <a:prstGeom prst="rect">
             <a:avLst/>
@@ -14197,14 +14059,14 @@
       </p:pic>
       <p:sp>
         <p:nvSpPr>
-          <p:cNvPr id="308" name="CustomShape 38"/>
+          <p:cNvPr id="309" name="CustomShape 38"/>
           <p:cNvSpPr/>
           <p:nvPr/>
         </p:nvSpPr>
         <p:spPr>
           <a:xfrm>
             <a:off x="360000" y="360000"/>
-            <a:ext cx="9355680" cy="895680"/>
+            <a:ext cx="9355320" cy="895320"/>
           </a:xfrm>
           <a:prstGeom prst="rect">
             <a:avLst/>
@@ -14244,22 +14106,22 @@
               </a:rPr>
               <a:t>Métricas de Desempenho</a:t>
             </a:r>
-            <a:endParaRPr b="0" lang="pt-BR" sz="3200" spc="-1" strike="noStrike">
-              <a:latin typeface="Arial"/>
-            </a:endParaRPr>
-          </a:p>
-        </p:txBody>
-      </p:sp>
-      <p:sp>
-        <p:nvSpPr>
-          <p:cNvPr id="309" name="CaixaDeTexto 1"/>
+            <a:endParaRPr b="0" lang="en-US" sz="3200" spc="-1" strike="noStrike">
+              <a:latin typeface="Arial"/>
+            </a:endParaRPr>
+          </a:p>
+        </p:txBody>
+      </p:sp>
+      <p:sp>
+        <p:nvSpPr>
+          <p:cNvPr id="310" name="CaixaDeTexto 1"/>
           <p:cNvSpPr/>
           <p:nvPr/>
         </p:nvSpPr>
         <p:spPr>
           <a:xfrm>
             <a:off x="200160" y="1693440"/>
-            <a:ext cx="7521120" cy="2466360"/>
+            <a:ext cx="7520760" cy="2466360"/>
           </a:xfrm>
           <a:prstGeom prst="rect">
             <a:avLst/>
@@ -14300,7 +14162,7 @@
               </a:rPr>
               <a:t>Accuracy:</a:t>
             </a:r>
-            <a:endParaRPr b="0" lang="pt-BR" sz="1600" spc="-1" strike="noStrike">
+            <a:endParaRPr b="0" lang="en-US" sz="1600" spc="-1" strike="noStrike">
               <a:latin typeface="Arial"/>
             </a:endParaRPr>
           </a:p>
@@ -14335,7 +14197,7 @@
               </a:rPr>
               <a:t>sobre o total de instâncias</a:t>
             </a:r>
-            <a:endParaRPr b="0" lang="pt-BR" sz="1400" spc="-1" strike="noStrike">
+            <a:endParaRPr b="0" lang="en-US" sz="1400" spc="-1" strike="noStrike">
               <a:latin typeface="Arial"/>
             </a:endParaRPr>
           </a:p>
@@ -14346,7 +14208,7 @@
               </a:lnSpc>
               <a:buNone/>
             </a:pPr>
-            <a:endParaRPr b="0" lang="pt-BR" sz="1800" spc="-1" strike="noStrike">
+            <a:endParaRPr b="0" lang="en-US" sz="1800" spc="-1" strike="noStrike">
               <a:latin typeface="Arial"/>
             </a:endParaRPr>
           </a:p>
@@ -14357,7 +14219,7 @@
               </a:lnSpc>
               <a:buNone/>
             </a:pPr>
-            <a:endParaRPr b="0" lang="pt-BR" sz="1800" spc="-1" strike="noStrike">
+            <a:endParaRPr b="0" lang="en-US" sz="1800" spc="-1" strike="noStrike">
               <a:latin typeface="Arial"/>
             </a:endParaRPr>
           </a:p>
@@ -14368,7 +14230,7 @@
               </a:lnSpc>
               <a:buNone/>
             </a:pPr>
-            <a:endParaRPr b="0" lang="pt-BR" sz="1800" spc="-1" strike="noStrike">
+            <a:endParaRPr b="0" lang="en-US" sz="1800" spc="-1" strike="noStrike">
               <a:latin typeface="Arial"/>
             </a:endParaRPr>
           </a:p>
@@ -14379,7 +14241,7 @@
               </a:lnSpc>
               <a:buNone/>
             </a:pPr>
-            <a:endParaRPr b="0" lang="pt-BR" sz="1800" spc="-1" strike="noStrike">
+            <a:endParaRPr b="0" lang="en-US" sz="1800" spc="-1" strike="noStrike">
               <a:latin typeface="Arial"/>
             </a:endParaRPr>
           </a:p>
@@ -14404,7 +14266,7 @@
               </a:rPr>
               <a:t>(55 + 30)/(55 + 5 + 30 + 10 ) = 0.850</a:t>
             </a:r>
-            <a:endParaRPr b="0" lang="pt-BR" sz="1800" spc="-1" strike="noStrike">
+            <a:endParaRPr b="0" lang="en-US" sz="1800" spc="-1" strike="noStrike">
               <a:latin typeface="Arial"/>
             </a:endParaRPr>
           </a:p>
@@ -14415,7 +14277,7 @@
               </a:lnSpc>
               <a:buNone/>
             </a:pPr>
-            <a:endParaRPr b="0" lang="pt-BR" sz="1800" spc="-1" strike="noStrike">
+            <a:endParaRPr b="0" lang="en-US" sz="1800" spc="-1" strike="noStrike">
               <a:latin typeface="Arial"/>
             </a:endParaRPr>
           </a:p>
@@ -14426,22 +14288,22 @@
               </a:lnSpc>
               <a:buNone/>
             </a:pPr>
-            <a:endParaRPr b="0" lang="pt-BR" sz="1800" spc="-1" strike="noStrike">
-              <a:latin typeface="Arial"/>
-            </a:endParaRPr>
-          </a:p>
-        </p:txBody>
-      </p:sp>
-      <p:sp>
-        <p:nvSpPr>
-          <p:cNvPr id="310" name="AutoShape 2"/>
+            <a:endParaRPr b="0" lang="en-US" sz="1800" spc="-1" strike="noStrike">
+              <a:latin typeface="Arial"/>
+            </a:endParaRPr>
+          </a:p>
+        </p:txBody>
+      </p:sp>
+      <p:sp>
+        <p:nvSpPr>
+          <p:cNvPr id="311" name="AutoShape 2"/>
           <p:cNvSpPr/>
           <p:nvPr/>
         </p:nvSpPr>
         <p:spPr>
           <a:xfrm>
             <a:off x="4888080" y="3627360"/>
-            <a:ext cx="304200" cy="304200"/>
+            <a:ext cx="303840" cy="303840"/>
           </a:xfrm>
           <a:prstGeom prst="rect">
             <a:avLst/>
@@ -14460,7 +14322,7 @@
       </p:sp>
       <p:pic>
         <p:nvPicPr>
-          <p:cNvPr id="311" name="Imagem 2" descr=""/>
+          <p:cNvPr id="312" name="Imagem 2" descr=""/>
           <p:cNvPicPr/>
           <p:nvPr/>
         </p:nvPicPr>
@@ -14471,7 +14333,7 @@
         <p:spPr>
           <a:xfrm>
             <a:off x="1024200" y="2495520"/>
-            <a:ext cx="3539160" cy="623160"/>
+            <a:ext cx="3538800" cy="622800"/>
           </a:xfrm>
           <a:prstGeom prst="rect">
             <a:avLst/>
@@ -14483,14 +14345,14 @@
       </p:pic>
       <p:sp>
         <p:nvSpPr>
-          <p:cNvPr id="312" name="CaixaDeTexto 4"/>
+          <p:cNvPr id="313" name="CaixaDeTexto 4"/>
           <p:cNvSpPr/>
           <p:nvPr/>
         </p:nvSpPr>
         <p:spPr>
           <a:xfrm>
             <a:off x="200160" y="4215240"/>
-            <a:ext cx="5037840" cy="1735560"/>
+            <a:ext cx="5037480" cy="1735560"/>
           </a:xfrm>
           <a:prstGeom prst="rect">
             <a:avLst/>
@@ -14517,7 +14379,7 @@
               </a:lnSpc>
               <a:buNone/>
             </a:pPr>
-            <a:endParaRPr b="0" lang="pt-BR" sz="1800" spc="-1" strike="noStrike">
+            <a:endParaRPr b="0" lang="en-US" sz="1800" spc="-1" strike="noStrike">
               <a:latin typeface="Arial"/>
             </a:endParaRPr>
           </a:p>
@@ -14562,7 +14424,7 @@
               </a:rPr>
               <a:t>?</a:t>
             </a:r>
-            <a:endParaRPr b="0" lang="pt-BR" sz="1800" spc="-1" strike="noStrike">
+            <a:endParaRPr b="0" lang="en-US" sz="1800" spc="-1" strike="noStrike">
               <a:latin typeface="Arial"/>
             </a:endParaRPr>
           </a:p>
@@ -14587,7 +14449,7 @@
               </a:rPr>
               <a:t>Dados desbalanceados</a:t>
             </a:r>
-            <a:endParaRPr b="0" lang="pt-BR" sz="1800" spc="-1" strike="noStrike">
+            <a:endParaRPr b="0" lang="en-US" sz="1800" spc="-1" strike="noStrike">
               <a:latin typeface="Arial"/>
             </a:endParaRPr>
           </a:p>
@@ -14598,7 +14460,7 @@
               </a:lnSpc>
               <a:buNone/>
             </a:pPr>
-            <a:endParaRPr b="0" lang="pt-BR" sz="1800" spc="-1" strike="noStrike">
+            <a:endParaRPr b="0" lang="en-US" sz="1800" spc="-1" strike="noStrike">
               <a:latin typeface="Arial"/>
             </a:endParaRPr>
           </a:p>
@@ -14623,7 +14485,7 @@
               </a:rPr>
               <a:t>Acc: 90% (90/100)</a:t>
             </a:r>
-            <a:endParaRPr b="0" lang="pt-BR" sz="1800" spc="-1" strike="noStrike">
+            <a:endParaRPr b="0" lang="en-US" sz="1800" spc="-1" strike="noStrike">
               <a:latin typeface="Arial"/>
             </a:endParaRPr>
           </a:p>
@@ -14648,7 +14510,7 @@
               </a:rPr>
               <a:t>Error TP: 100% (10/10) </a:t>
             </a:r>
-            <a:endParaRPr b="0" lang="pt-BR" sz="1800" spc="-1" strike="noStrike">
+            <a:endParaRPr b="0" lang="en-US" sz="1800" spc="-1" strike="noStrike">
               <a:latin typeface="Arial"/>
             </a:endParaRPr>
           </a:p>
@@ -14656,7 +14518,7 @@
       </p:sp>
       <p:pic>
         <p:nvPicPr>
-          <p:cNvPr id="313" name="Picture 2" descr=""/>
+          <p:cNvPr id="314" name="Picture 2" descr=""/>
           <p:cNvPicPr/>
           <p:nvPr/>
         </p:nvPicPr>
@@ -14667,7 +14529,7 @@
         <p:spPr>
           <a:xfrm>
             <a:off x="5940000" y="4185720"/>
-            <a:ext cx="3563640" cy="2473920"/>
+            <a:ext cx="3563280" cy="2473560"/>
           </a:xfrm>
           <a:prstGeom prst="rect">
             <a:avLst/>
@@ -14679,7 +14541,7 @@
       </p:pic>
       <p:sp>
         <p:nvSpPr>
-          <p:cNvPr id="314" name="Conector reto 2"/>
+          <p:cNvPr id="315" name="Conector reto 2"/>
           <p:cNvSpPr/>
           <p:nvPr/>
         </p:nvSpPr>
@@ -14713,14 +14575,14 @@
       </p:sp>
       <p:sp>
         <p:nvSpPr>
-          <p:cNvPr id="315" name="CustomShape 39"/>
+          <p:cNvPr id="316" name="CustomShape 39"/>
           <p:cNvSpPr/>
           <p:nvPr/>
         </p:nvSpPr>
         <p:spPr>
           <a:xfrm>
             <a:off x="7608600" y="6886080"/>
-            <a:ext cx="2280960" cy="360720"/>
+            <a:ext cx="2280600" cy="360360"/>
           </a:xfrm>
           <a:prstGeom prst="rect">
             <a:avLst/>
@@ -14757,22 +14619,22 @@
               </a:rPr>
               <a:t>KNN</a:t>
             </a:r>
-            <a:endParaRPr b="0" lang="pt-BR" sz="1800" spc="-1" strike="noStrike">
-              <a:latin typeface="Arial"/>
-            </a:endParaRPr>
-          </a:p>
-        </p:txBody>
-      </p:sp>
-      <p:sp>
-        <p:nvSpPr>
-          <p:cNvPr id="316" name="CustomShape 40"/>
+            <a:endParaRPr b="0" lang="en-US" sz="1800" spc="-1" strike="noStrike">
+              <a:latin typeface="Arial"/>
+            </a:endParaRPr>
+          </a:p>
+        </p:txBody>
+      </p:sp>
+      <p:sp>
+        <p:nvSpPr>
+          <p:cNvPr id="317" name="CustomShape 40"/>
           <p:cNvSpPr/>
           <p:nvPr/>
         </p:nvSpPr>
         <p:spPr>
           <a:xfrm>
             <a:off x="897120" y="6886080"/>
-            <a:ext cx="6442920" cy="360720"/>
+            <a:ext cx="6442560" cy="360360"/>
           </a:xfrm>
           <a:prstGeom prst="rect">
             <a:avLst/>
@@ -14812,7 +14674,7 @@
               </a:rPr>
               <a:t>Aprendizado de Máquina - Prof. André Hochuli</a:t>
             </a:r>
-            <a:endParaRPr b="0" lang="pt-BR" sz="1800" spc="-1" strike="noStrike">
+            <a:endParaRPr b="0" lang="en-US" sz="1800" spc="-1" strike="noStrike">
               <a:latin typeface="Arial"/>
             </a:endParaRPr>
           </a:p>
@@ -14850,14 +14712,14 @@
       </p:grpSpPr>
       <p:sp>
         <p:nvSpPr>
-          <p:cNvPr id="317" name="CaixaDeTexto 2"/>
+          <p:cNvPr id="318" name="CaixaDeTexto 2"/>
           <p:cNvSpPr/>
           <p:nvPr/>
         </p:nvSpPr>
         <p:spPr>
           <a:xfrm>
             <a:off x="200160" y="1693440"/>
-            <a:ext cx="6279480" cy="2832840"/>
+            <a:ext cx="6279120" cy="2832840"/>
           </a:xfrm>
           <a:prstGeom prst="rect">
             <a:avLst/>
@@ -14898,7 +14760,7 @@
               </a:rPr>
               <a:t>Precisão:</a:t>
             </a:r>
-            <a:endParaRPr b="0" lang="pt-BR" sz="1800" spc="-1" strike="noStrike">
+            <a:endParaRPr b="0" lang="en-US" sz="1800" spc="-1" strike="noStrike">
               <a:latin typeface="Arial"/>
             </a:endParaRPr>
           </a:p>
@@ -14953,7 +14815,7 @@
               </a:rPr>
               <a:t> como positivas</a:t>
             </a:r>
-            <a:endParaRPr b="0" lang="pt-BR" sz="1800" spc="-1" strike="noStrike">
+            <a:endParaRPr b="0" lang="en-US" sz="1800" spc="-1" strike="noStrike">
               <a:latin typeface="Arial"/>
             </a:endParaRPr>
           </a:p>
@@ -14964,7 +14826,7 @@
               </a:lnSpc>
               <a:buNone/>
             </a:pPr>
-            <a:endParaRPr b="0" lang="pt-BR" sz="1800" spc="-1" strike="noStrike">
+            <a:endParaRPr b="0" lang="en-US" sz="1800" spc="-1" strike="noStrike">
               <a:latin typeface="Arial"/>
             </a:endParaRPr>
           </a:p>
@@ -14975,7 +14837,7 @@
               </a:lnSpc>
               <a:buNone/>
             </a:pPr>
-            <a:endParaRPr b="0" lang="pt-BR" sz="1800" spc="-1" strike="noStrike">
+            <a:endParaRPr b="0" lang="en-US" sz="1800" spc="-1" strike="noStrike">
               <a:latin typeface="Arial"/>
             </a:endParaRPr>
           </a:p>
@@ -14986,7 +14848,7 @@
               </a:lnSpc>
               <a:buNone/>
             </a:pPr>
-            <a:endParaRPr b="0" lang="pt-BR" sz="1800" spc="-1" strike="noStrike">
+            <a:endParaRPr b="0" lang="en-US" sz="1800" spc="-1" strike="noStrike">
               <a:latin typeface="Arial"/>
             </a:endParaRPr>
           </a:p>
@@ -15017,7 +14879,7 @@
               </a:rPr>
               <a:t>30/(30+ 5) = 0.857</a:t>
             </a:r>
-            <a:endParaRPr b="0" lang="pt-BR" sz="1800" spc="-1" strike="noStrike">
+            <a:endParaRPr b="0" lang="en-US" sz="1800" spc="-1" strike="noStrike">
               <a:latin typeface="Arial"/>
             </a:endParaRPr>
           </a:p>
@@ -15028,7 +14890,7 @@
               </a:lnSpc>
               <a:buNone/>
             </a:pPr>
-            <a:endParaRPr b="0" lang="pt-BR" sz="1800" spc="-1" strike="noStrike">
+            <a:endParaRPr b="0" lang="en-US" sz="1800" spc="-1" strike="noStrike">
               <a:latin typeface="Arial"/>
             </a:endParaRPr>
           </a:p>
@@ -15039,22 +14901,22 @@
               </a:lnSpc>
               <a:buNone/>
             </a:pPr>
-            <a:endParaRPr b="0" lang="pt-BR" sz="1800" spc="-1" strike="noStrike">
-              <a:latin typeface="Arial"/>
-            </a:endParaRPr>
-          </a:p>
-        </p:txBody>
-      </p:sp>
-      <p:sp>
-        <p:nvSpPr>
-          <p:cNvPr id="318" name="AutoShape 1"/>
+            <a:endParaRPr b="0" lang="en-US" sz="1800" spc="-1" strike="noStrike">
+              <a:latin typeface="Arial"/>
+            </a:endParaRPr>
+          </a:p>
+        </p:txBody>
+      </p:sp>
+      <p:sp>
+        <p:nvSpPr>
+          <p:cNvPr id="319" name="AutoShape 1"/>
           <p:cNvSpPr/>
           <p:nvPr/>
         </p:nvSpPr>
         <p:spPr>
           <a:xfrm>
             <a:off x="4888080" y="3627360"/>
-            <a:ext cx="304200" cy="304200"/>
+            <a:ext cx="303840" cy="303840"/>
           </a:xfrm>
           <a:prstGeom prst="rect">
             <a:avLst/>
@@ -15073,14 +14935,14 @@
       </p:sp>
       <p:sp>
         <p:nvSpPr>
-          <p:cNvPr id="319" name="CaixaDeTexto 3"/>
+          <p:cNvPr id="320" name="CaixaDeTexto 3"/>
           <p:cNvSpPr/>
           <p:nvPr/>
         </p:nvSpPr>
         <p:spPr>
           <a:xfrm>
             <a:off x="200160" y="4215240"/>
-            <a:ext cx="5615640" cy="2558520"/>
+            <a:ext cx="5615280" cy="2558520"/>
           </a:xfrm>
           <a:prstGeom prst="rect">
             <a:avLst/>
@@ -15121,7 +14983,7 @@
               </a:rPr>
               <a:t>Recall</a:t>
             </a:r>
-            <a:endParaRPr b="0" lang="pt-BR" sz="1800" spc="-1" strike="noStrike">
+            <a:endParaRPr b="0" lang="en-US" sz="1800" spc="-1" strike="noStrike">
               <a:latin typeface="Arial"/>
             </a:endParaRPr>
           </a:p>
@@ -15176,7 +15038,7 @@
               </a:rPr>
               <a:t> (A.K.A Sensitivity or TP Rate)</a:t>
             </a:r>
-            <a:endParaRPr b="0" lang="pt-BR" sz="1800" spc="-1" strike="noStrike">
+            <a:endParaRPr b="0" lang="en-US" sz="1800" spc="-1" strike="noStrike">
               <a:latin typeface="Arial"/>
             </a:endParaRPr>
           </a:p>
@@ -15187,7 +15049,7 @@
               </a:lnSpc>
               <a:buNone/>
             </a:pPr>
-            <a:endParaRPr b="0" lang="pt-BR" sz="1800" spc="-1" strike="noStrike">
+            <a:endParaRPr b="0" lang="en-US" sz="1800" spc="-1" strike="noStrike">
               <a:latin typeface="Arial"/>
             </a:endParaRPr>
           </a:p>
@@ -15198,7 +15060,7 @@
               </a:lnSpc>
               <a:buNone/>
             </a:pPr>
-            <a:endParaRPr b="0" lang="pt-BR" sz="1800" spc="-1" strike="noStrike">
+            <a:endParaRPr b="0" lang="en-US" sz="1800" spc="-1" strike="noStrike">
               <a:latin typeface="Arial"/>
             </a:endParaRPr>
           </a:p>
@@ -15209,7 +15071,7 @@
               </a:lnSpc>
               <a:buNone/>
             </a:pPr>
-            <a:endParaRPr b="0" lang="pt-BR" sz="1800" spc="-1" strike="noStrike">
+            <a:endParaRPr b="0" lang="en-US" sz="1800" spc="-1" strike="noStrike">
               <a:latin typeface="Arial"/>
             </a:endParaRPr>
           </a:p>
@@ -15234,15 +15096,15 @@
               </a:rPr>
               <a:t>30/(30+ 10) = 0.750</a:t>
             </a:r>
-            <a:endParaRPr b="0" lang="pt-BR" sz="1800" spc="-1" strike="noStrike">
-              <a:latin typeface="Arial"/>
-            </a:endParaRPr>
-          </a:p>
-        </p:txBody>
-      </p:sp>
-      <p:sp>
-        <p:nvSpPr>
-          <p:cNvPr id="320" name="Conector reto 1"/>
+            <a:endParaRPr b="0" lang="en-US" sz="1800" spc="-1" strike="noStrike">
+              <a:latin typeface="Arial"/>
+            </a:endParaRPr>
+          </a:p>
+        </p:txBody>
+      </p:sp>
+      <p:sp>
+        <p:nvSpPr>
+          <p:cNvPr id="321" name="Conector reto 1"/>
           <p:cNvSpPr/>
           <p:nvPr/>
         </p:nvSpPr>
@@ -15276,7 +15138,7 @@
       </p:sp>
       <p:pic>
         <p:nvPicPr>
-          <p:cNvPr id="321" name="Imagem 3" descr=""/>
+          <p:cNvPr id="322" name="Imagem 3" descr=""/>
           <p:cNvPicPr/>
           <p:nvPr/>
         </p:nvPicPr>
@@ -15287,7 +15149,7 @@
         <p:spPr>
           <a:xfrm>
             <a:off x="1018440" y="2880000"/>
-            <a:ext cx="2401200" cy="634680"/>
+            <a:ext cx="2400840" cy="634320"/>
           </a:xfrm>
           <a:prstGeom prst="rect">
             <a:avLst/>
@@ -15299,7 +15161,7 @@
       </p:pic>
       <p:pic>
         <p:nvPicPr>
-          <p:cNvPr id="322" name="Picture 1" descr=""/>
+          <p:cNvPr id="323" name="Picture 1" descr=""/>
           <p:cNvPicPr/>
           <p:nvPr/>
         </p:nvPicPr>
@@ -15310,7 +15172,7 @@
         <p:spPr>
           <a:xfrm>
             <a:off x="1980000" y="5760000"/>
-            <a:ext cx="2133000" cy="537120"/>
+            <a:ext cx="2132640" cy="536760"/>
           </a:xfrm>
           <a:prstGeom prst="rect">
             <a:avLst/>
@@ -15322,7 +15184,7 @@
       </p:pic>
       <p:pic>
         <p:nvPicPr>
-          <p:cNvPr id="323" name="Imagem 7" descr=""/>
+          <p:cNvPr id="324" name="Imagem 7" descr=""/>
           <p:cNvPicPr/>
           <p:nvPr/>
         </p:nvPicPr>
@@ -15333,7 +15195,7 @@
         <p:spPr>
           <a:xfrm>
             <a:off x="5552280" y="2340000"/>
-            <a:ext cx="4347360" cy="3059640"/>
+            <a:ext cx="4347000" cy="3059280"/>
           </a:xfrm>
           <a:prstGeom prst="rect">
             <a:avLst/>
@@ -15345,14 +15207,14 @@
       </p:pic>
       <p:sp>
         <p:nvSpPr>
-          <p:cNvPr id="324" name="CustomShape 42"/>
+          <p:cNvPr id="325" name="CustomShape 42"/>
           <p:cNvSpPr/>
           <p:nvPr/>
         </p:nvSpPr>
         <p:spPr>
           <a:xfrm>
             <a:off x="7608600" y="6886080"/>
-            <a:ext cx="2280960" cy="360720"/>
+            <a:ext cx="2280600" cy="360360"/>
           </a:xfrm>
           <a:prstGeom prst="rect">
             <a:avLst/>
@@ -15389,22 +15251,22 @@
               </a:rPr>
               <a:t>KNN</a:t>
             </a:r>
-            <a:endParaRPr b="0" lang="pt-BR" sz="1800" spc="-1" strike="noStrike">
-              <a:latin typeface="Arial"/>
-            </a:endParaRPr>
-          </a:p>
-        </p:txBody>
-      </p:sp>
-      <p:sp>
-        <p:nvSpPr>
-          <p:cNvPr id="325" name="CustomShape 56"/>
+            <a:endParaRPr b="0" lang="en-US" sz="1800" spc="-1" strike="noStrike">
+              <a:latin typeface="Arial"/>
+            </a:endParaRPr>
+          </a:p>
+        </p:txBody>
+      </p:sp>
+      <p:sp>
+        <p:nvSpPr>
+          <p:cNvPr id="326" name="CustomShape 56"/>
           <p:cNvSpPr/>
           <p:nvPr/>
         </p:nvSpPr>
         <p:spPr>
           <a:xfrm>
             <a:off x="897120" y="6886080"/>
-            <a:ext cx="6442920" cy="360720"/>
+            <a:ext cx="6442560" cy="360360"/>
           </a:xfrm>
           <a:prstGeom prst="rect">
             <a:avLst/>
@@ -15444,22 +15306,22 @@
               </a:rPr>
               <a:t>Aprendizado de Máquina - Prof. André Hochuli</a:t>
             </a:r>
-            <a:endParaRPr b="0" lang="pt-BR" sz="1800" spc="-1" strike="noStrike">
-              <a:latin typeface="Arial"/>
-            </a:endParaRPr>
-          </a:p>
-        </p:txBody>
-      </p:sp>
-      <p:sp>
-        <p:nvSpPr>
-          <p:cNvPr id="326" name="CustomShape 57"/>
+            <a:endParaRPr b="0" lang="en-US" sz="1800" spc="-1" strike="noStrike">
+              <a:latin typeface="Arial"/>
+            </a:endParaRPr>
+          </a:p>
+        </p:txBody>
+      </p:sp>
+      <p:sp>
+        <p:nvSpPr>
+          <p:cNvPr id="327" name="CustomShape 57"/>
           <p:cNvSpPr/>
           <p:nvPr/>
         </p:nvSpPr>
         <p:spPr>
           <a:xfrm>
             <a:off x="360000" y="360000"/>
-            <a:ext cx="9355680" cy="895680"/>
+            <a:ext cx="9355320" cy="895320"/>
           </a:xfrm>
           <a:prstGeom prst="rect">
             <a:avLst/>
@@ -15499,7 +15361,7 @@
               </a:rPr>
               <a:t>Métricas de Desempenho</a:t>
             </a:r>
-            <a:endParaRPr b="0" lang="pt-BR" sz="3200" spc="-1" strike="noStrike">
+            <a:endParaRPr b="0" lang="en-US" sz="3200" spc="-1" strike="noStrike">
               <a:latin typeface="Arial"/>
             </a:endParaRPr>
           </a:p>
@@ -15537,14 +15399,14 @@
       </p:grpSpPr>
       <p:sp>
         <p:nvSpPr>
-          <p:cNvPr id="327" name="CaixaDeTexto 5"/>
+          <p:cNvPr id="328" name="CaixaDeTexto 5"/>
           <p:cNvSpPr/>
           <p:nvPr/>
         </p:nvSpPr>
         <p:spPr>
           <a:xfrm>
             <a:off x="200160" y="1693440"/>
-            <a:ext cx="7521120" cy="2832840"/>
+            <a:ext cx="7520760" cy="2832840"/>
           </a:xfrm>
           <a:prstGeom prst="rect">
             <a:avLst/>
@@ -15585,7 +15447,7 @@
               </a:rPr>
               <a:t>F1-SCORE:</a:t>
             </a:r>
-            <a:endParaRPr b="0" lang="pt-BR" sz="1800" spc="-1" strike="noStrike">
+            <a:endParaRPr b="0" lang="en-US" sz="1800" spc="-1" strike="noStrike">
               <a:latin typeface="Arial"/>
             </a:endParaRPr>
           </a:p>
@@ -15596,7 +15458,7 @@
               </a:lnSpc>
               <a:buNone/>
             </a:pPr>
-            <a:endParaRPr b="0" lang="pt-BR" sz="1800" spc="-1" strike="noStrike">
+            <a:endParaRPr b="0" lang="en-US" sz="1800" spc="-1" strike="noStrike">
               <a:latin typeface="Arial"/>
             </a:endParaRPr>
           </a:p>
@@ -15641,7 +15503,7 @@
               </a:rPr>
               <a:t> entre precisão e recall</a:t>
             </a:r>
-            <a:endParaRPr b="0" lang="pt-BR" sz="1800" spc="-1" strike="noStrike">
+            <a:endParaRPr b="0" lang="en-US" sz="1800" spc="-1" strike="noStrike">
               <a:latin typeface="Arial"/>
             </a:endParaRPr>
           </a:p>
@@ -15652,7 +15514,7 @@
               </a:lnSpc>
               <a:buNone/>
             </a:pPr>
-            <a:endParaRPr b="0" lang="pt-BR" sz="1800" spc="-1" strike="noStrike">
+            <a:endParaRPr b="0" lang="en-US" sz="1800" spc="-1" strike="noStrike">
               <a:latin typeface="Arial"/>
             </a:endParaRPr>
           </a:p>
@@ -15663,7 +15525,7 @@
               </a:lnSpc>
               <a:buNone/>
             </a:pPr>
-            <a:endParaRPr b="0" lang="pt-BR" sz="1800" spc="-1" strike="noStrike">
+            <a:endParaRPr b="0" lang="en-US" sz="1800" spc="-1" strike="noStrike">
               <a:latin typeface="Arial"/>
             </a:endParaRPr>
           </a:p>
@@ -15674,7 +15536,7 @@
               </a:lnSpc>
               <a:buNone/>
             </a:pPr>
-            <a:endParaRPr b="0" lang="pt-BR" sz="1800" spc="-1" strike="noStrike">
+            <a:endParaRPr b="0" lang="en-US" sz="1800" spc="-1" strike="noStrike">
               <a:latin typeface="Arial"/>
             </a:endParaRPr>
           </a:p>
@@ -15685,7 +15547,7 @@
               </a:lnSpc>
               <a:buNone/>
             </a:pPr>
-            <a:endParaRPr b="0" lang="pt-BR" sz="1800" spc="-1" strike="noStrike">
+            <a:endParaRPr b="0" lang="en-US" sz="1800" spc="-1" strike="noStrike">
               <a:latin typeface="Arial"/>
             </a:endParaRPr>
           </a:p>
@@ -15710,7 +15572,7 @@
               </a:rPr>
               <a:t>2* ( 0.857 * 0.75)/(0.857 + 0.75) = 0.799</a:t>
             </a:r>
-            <a:endParaRPr b="0" lang="pt-BR" sz="1800" spc="-1" strike="noStrike">
+            <a:endParaRPr b="0" lang="en-US" sz="1800" spc="-1" strike="noStrike">
               <a:latin typeface="Arial"/>
             </a:endParaRPr>
           </a:p>
@@ -15721,7 +15583,7 @@
               </a:lnSpc>
               <a:buNone/>
             </a:pPr>
-            <a:endParaRPr b="0" lang="pt-BR" sz="1800" spc="-1" strike="noStrike">
+            <a:endParaRPr b="0" lang="en-US" sz="1800" spc="-1" strike="noStrike">
               <a:latin typeface="Arial"/>
             </a:endParaRPr>
           </a:p>
@@ -15732,22 +15594,22 @@
               </a:lnSpc>
               <a:buNone/>
             </a:pPr>
-            <a:endParaRPr b="0" lang="pt-BR" sz="1800" spc="-1" strike="noStrike">
-              <a:latin typeface="Arial"/>
-            </a:endParaRPr>
-          </a:p>
-        </p:txBody>
-      </p:sp>
-      <p:sp>
-        <p:nvSpPr>
-          <p:cNvPr id="328" name="AutoShape 4"/>
+            <a:endParaRPr b="0" lang="en-US" sz="1800" spc="-1" strike="noStrike">
+              <a:latin typeface="Arial"/>
+            </a:endParaRPr>
+          </a:p>
+        </p:txBody>
+      </p:sp>
+      <p:sp>
+        <p:nvSpPr>
+          <p:cNvPr id="329" name="AutoShape 4"/>
           <p:cNvSpPr/>
           <p:nvPr/>
         </p:nvSpPr>
         <p:spPr>
           <a:xfrm>
             <a:off x="4888080" y="3627360"/>
-            <a:ext cx="304200" cy="304200"/>
+            <a:ext cx="303840" cy="303840"/>
           </a:xfrm>
           <a:prstGeom prst="rect">
             <a:avLst/>
@@ -15766,7 +15628,7 @@
       </p:sp>
       <p:pic>
         <p:nvPicPr>
-          <p:cNvPr id="329" name="Imagem 4" descr=""/>
+          <p:cNvPr id="330" name="Imagem 4" descr=""/>
           <p:cNvPicPr/>
           <p:nvPr/>
         </p:nvPicPr>
@@ -15777,7 +15639,7 @@
         <p:spPr>
           <a:xfrm>
             <a:off x="5640480" y="2520000"/>
-            <a:ext cx="4079160" cy="2871000"/>
+            <a:ext cx="4078800" cy="2870640"/>
           </a:xfrm>
           <a:prstGeom prst="rect">
             <a:avLst/>
@@ -15789,14 +15651,14 @@
       </p:pic>
       <p:sp>
         <p:nvSpPr>
-          <p:cNvPr id="330" name="CaixaDeTexto 8"/>
+          <p:cNvPr id="331" name="CaixaDeTexto 8"/>
           <p:cNvSpPr/>
           <p:nvPr/>
         </p:nvSpPr>
         <p:spPr>
           <a:xfrm>
             <a:off x="4140000" y="5691600"/>
-            <a:ext cx="5610960" cy="607680"/>
+            <a:ext cx="5610600" cy="607680"/>
           </a:xfrm>
           <a:prstGeom prst="rect">
             <a:avLst/>
@@ -15843,15 +15705,15 @@
               </a:rPr>
               <a:t>A média harmônica atribui menos peso aos valores  maiores e mais peso aos valores menores.</a:t>
             </a:r>
-            <a:endParaRPr b="0" lang="pt-BR" sz="1400" spc="-1" strike="noStrike">
-              <a:latin typeface="Arial"/>
-            </a:endParaRPr>
-          </a:p>
-        </p:txBody>
-      </p:sp>
-      <p:sp>
-        <p:nvSpPr>
-          <p:cNvPr id="331" name="Conector reto 4"/>
+            <a:endParaRPr b="0" lang="en-US" sz="1400" spc="-1" strike="noStrike">
+              <a:latin typeface="Arial"/>
+            </a:endParaRPr>
+          </a:p>
+        </p:txBody>
+      </p:sp>
+      <p:sp>
+        <p:nvSpPr>
+          <p:cNvPr id="332" name="Conector reto 4"/>
           <p:cNvSpPr/>
           <p:nvPr/>
         </p:nvSpPr>
@@ -15885,7 +15747,7 @@
       </p:sp>
       <p:pic>
         <p:nvPicPr>
-          <p:cNvPr id="332" name="Imagem 5" descr=""/>
+          <p:cNvPr id="333" name="Imagem 5" descr=""/>
           <p:cNvPicPr/>
           <p:nvPr/>
         </p:nvPicPr>
@@ -15896,7 +15758,7 @@
         <p:spPr>
           <a:xfrm>
             <a:off x="1092240" y="2855520"/>
-            <a:ext cx="3384000" cy="523080"/>
+            <a:ext cx="3383640" cy="522720"/>
           </a:xfrm>
           <a:prstGeom prst="rect">
             <a:avLst/>
@@ -15908,14 +15770,14 @@
       </p:pic>
       <p:sp>
         <p:nvSpPr>
-          <p:cNvPr id="333" name="CaixaDeTexto 9"/>
+          <p:cNvPr id="334" name="CaixaDeTexto 9"/>
           <p:cNvSpPr/>
           <p:nvPr/>
         </p:nvSpPr>
         <p:spPr>
           <a:xfrm>
             <a:off x="200160" y="4444200"/>
-            <a:ext cx="5041080" cy="2284200"/>
+            <a:ext cx="5040720" cy="2284200"/>
           </a:xfrm>
           <a:prstGeom prst="rect">
             <a:avLst/>
@@ -15956,7 +15818,7 @@
               </a:rPr>
               <a:t>Discussão</a:t>
             </a:r>
-            <a:endParaRPr b="0" lang="pt-BR" sz="1800" spc="-1" strike="noStrike">
+            <a:endParaRPr b="0" lang="en-US" sz="1800" spc="-1" strike="noStrike">
               <a:latin typeface="Arial"/>
             </a:endParaRPr>
           </a:p>
@@ -15967,7 +15829,7 @@
               </a:lnSpc>
               <a:buNone/>
             </a:pPr>
-            <a:endParaRPr b="0" lang="pt-BR" sz="1800" spc="-1" strike="noStrike">
+            <a:endParaRPr b="0" lang="en-US" sz="1800" spc="-1" strike="noStrike">
               <a:latin typeface="Arial"/>
             </a:endParaRPr>
           </a:p>
@@ -15992,7 +15854,7 @@
               </a:rPr>
               <a:t>Accuracy: 0.850</a:t>
             </a:r>
-            <a:endParaRPr b="0" lang="pt-BR" sz="1800" spc="-1" strike="noStrike">
+            <a:endParaRPr b="0" lang="en-US" sz="1800" spc="-1" strike="noStrike">
               <a:latin typeface="Arial"/>
             </a:endParaRPr>
           </a:p>
@@ -16017,7 +15879,7 @@
               </a:rPr>
               <a:t>F1-Score: 0.799</a:t>
             </a:r>
-            <a:endParaRPr b="0" lang="pt-BR" sz="1800" spc="-1" strike="noStrike">
+            <a:endParaRPr b="0" lang="en-US" sz="1800" spc="-1" strike="noStrike">
               <a:latin typeface="Arial"/>
             </a:endParaRPr>
           </a:p>
@@ -16042,7 +15904,7 @@
               </a:rPr>
               <a:t>Precision: 0.857</a:t>
             </a:r>
-            <a:endParaRPr b="0" lang="pt-BR" sz="1800" spc="-1" strike="noStrike">
+            <a:endParaRPr b="0" lang="en-US" sz="1800" spc="-1" strike="noStrike">
               <a:latin typeface="Arial"/>
             </a:endParaRPr>
           </a:p>
@@ -16067,7 +15929,7 @@
               </a:rPr>
               <a:t>Recall: 0.750</a:t>
             </a:r>
-            <a:endParaRPr b="0" lang="pt-BR" sz="1800" spc="-1" strike="noStrike">
+            <a:endParaRPr b="0" lang="en-US" sz="1800" spc="-1" strike="noStrike">
               <a:latin typeface="Arial"/>
             </a:endParaRPr>
           </a:p>
@@ -16078,7 +15940,7 @@
               </a:lnSpc>
               <a:buNone/>
             </a:pPr>
-            <a:endParaRPr b="0" lang="pt-BR" sz="1800" spc="-1" strike="noStrike">
+            <a:endParaRPr b="0" lang="en-US" sz="1800" spc="-1" strike="noStrike">
               <a:latin typeface="Arial"/>
             </a:endParaRPr>
           </a:p>
@@ -16089,22 +15951,22 @@
               </a:lnSpc>
               <a:buNone/>
             </a:pPr>
-            <a:endParaRPr b="0" lang="pt-BR" sz="1800" spc="-1" strike="noStrike">
-              <a:latin typeface="Arial"/>
-            </a:endParaRPr>
-          </a:p>
-        </p:txBody>
-      </p:sp>
-      <p:sp>
-        <p:nvSpPr>
-          <p:cNvPr id="334" name="CustomShape 59"/>
+            <a:endParaRPr b="0" lang="en-US" sz="1800" spc="-1" strike="noStrike">
+              <a:latin typeface="Arial"/>
+            </a:endParaRPr>
+          </a:p>
+        </p:txBody>
+      </p:sp>
+      <p:sp>
+        <p:nvSpPr>
+          <p:cNvPr id="335" name="CustomShape 59"/>
           <p:cNvSpPr/>
           <p:nvPr/>
         </p:nvSpPr>
         <p:spPr>
           <a:xfrm>
             <a:off x="7608600" y="6886080"/>
-            <a:ext cx="2280960" cy="360720"/>
+            <a:ext cx="2280600" cy="360360"/>
           </a:xfrm>
           <a:prstGeom prst="rect">
             <a:avLst/>
@@ -16141,22 +16003,22 @@
               </a:rPr>
               <a:t>KNN</a:t>
             </a:r>
-            <a:endParaRPr b="0" lang="pt-BR" sz="1800" spc="-1" strike="noStrike">
-              <a:latin typeface="Arial"/>
-            </a:endParaRPr>
-          </a:p>
-        </p:txBody>
-      </p:sp>
-      <p:sp>
-        <p:nvSpPr>
-          <p:cNvPr id="335" name="CustomShape 60"/>
+            <a:endParaRPr b="0" lang="en-US" sz="1800" spc="-1" strike="noStrike">
+              <a:latin typeface="Arial"/>
+            </a:endParaRPr>
+          </a:p>
+        </p:txBody>
+      </p:sp>
+      <p:sp>
+        <p:nvSpPr>
+          <p:cNvPr id="336" name="CustomShape 60"/>
           <p:cNvSpPr/>
           <p:nvPr/>
         </p:nvSpPr>
         <p:spPr>
           <a:xfrm>
             <a:off x="897120" y="6886080"/>
-            <a:ext cx="6442920" cy="360720"/>
+            <a:ext cx="6442560" cy="360360"/>
           </a:xfrm>
           <a:prstGeom prst="rect">
             <a:avLst/>
@@ -16196,22 +16058,22 @@
               </a:rPr>
               <a:t>Aprendizado de Máquina - Prof. André Hochuli</a:t>
             </a:r>
-            <a:endParaRPr b="0" lang="pt-BR" sz="1800" spc="-1" strike="noStrike">
-              <a:latin typeface="Arial"/>
-            </a:endParaRPr>
-          </a:p>
-        </p:txBody>
-      </p:sp>
-      <p:sp>
-        <p:nvSpPr>
-          <p:cNvPr id="336" name="CustomShape 61"/>
+            <a:endParaRPr b="0" lang="en-US" sz="1800" spc="-1" strike="noStrike">
+              <a:latin typeface="Arial"/>
+            </a:endParaRPr>
+          </a:p>
+        </p:txBody>
+      </p:sp>
+      <p:sp>
+        <p:nvSpPr>
+          <p:cNvPr id="337" name="CustomShape 61"/>
           <p:cNvSpPr/>
           <p:nvPr/>
         </p:nvSpPr>
         <p:spPr>
           <a:xfrm>
             <a:off x="360000" y="360000"/>
-            <a:ext cx="9355680" cy="895680"/>
+            <a:ext cx="9355320" cy="895320"/>
           </a:xfrm>
           <a:prstGeom prst="rect">
             <a:avLst/>
@@ -16251,7 +16113,7 @@
               </a:rPr>
               <a:t>Métricas de Desempenho</a:t>
             </a:r>
-            <a:endParaRPr b="0" lang="pt-BR" sz="3200" spc="-1" strike="noStrike">
+            <a:endParaRPr b="0" lang="en-US" sz="3200" spc="-1" strike="noStrike">
               <a:latin typeface="Arial"/>
             </a:endParaRPr>
           </a:p>
@@ -16289,14 +16151,14 @@
       </p:grpSpPr>
       <p:sp>
         <p:nvSpPr>
-          <p:cNvPr id="337" name="CaixaDeTexto 7"/>
+          <p:cNvPr id="338" name="CaixaDeTexto 7"/>
           <p:cNvSpPr/>
           <p:nvPr/>
         </p:nvSpPr>
         <p:spPr>
           <a:xfrm>
             <a:off x="200160" y="1693440"/>
-            <a:ext cx="7521120" cy="1735560"/>
+            <a:ext cx="7520760" cy="1735560"/>
           </a:xfrm>
           <a:prstGeom prst="rect">
             <a:avLst/>
@@ -16337,7 +16199,18 @@
               </a:rPr>
               <a:t>Vamos implementar esses conceitos, siga o link:</a:t>
             </a:r>
-            <a:endParaRPr b="0" lang="pt-BR" sz="1800" spc="-1" strike="noStrike">
+            <a:endParaRPr b="0" lang="en-US" sz="1800" spc="-1" strike="noStrike">
+              <a:latin typeface="Arial"/>
+            </a:endParaRPr>
+          </a:p>
+          <a:p>
+            <a:pPr>
+              <a:lnSpc>
+                <a:spcPct val="100000"/>
+              </a:lnSpc>
+              <a:buNone/>
+            </a:pPr>
+            <a:endParaRPr b="0" lang="en-US" sz="1800" spc="-1" strike="noStrike">
               <a:latin typeface="Arial"/>
             </a:endParaRPr>
           </a:p>
@@ -16352,25 +16225,10 @@
               <a:buFont typeface="Arial"/>
               <a:buChar char="•"/>
             </a:pPr>
-            <a:endParaRPr b="0" lang="pt-BR" sz="1800" spc="-1" strike="noStrike">
-              <a:latin typeface="Arial"/>
-            </a:endParaRPr>
-          </a:p>
-          <a:p>
-            <a:pPr marL="285840" indent="-285840">
-              <a:lnSpc>
-                <a:spcPct val="100000"/>
-              </a:lnSpc>
-              <a:buClr>
-                <a:srgbClr val="000000"/>
-              </a:buClr>
-              <a:buFont typeface="Arial"/>
-              <a:buChar char="•"/>
-            </a:pPr>
             <a:r>
               <a:rPr b="0" lang="en-US" sz="1800" spc="-1" strike="noStrike" u="sng">
                 <a:solidFill>
-                  <a:srgbClr val="729fcf"/>
+                  <a:srgbClr val="0000ff"/>
                 </a:solidFill>
                 <a:uFillTx/>
                 <a:latin typeface="Calibri"/>
@@ -16379,22 +16237,7 @@
               </a:rPr>
               <a:t>Tópico_02_Aprendizado_Supervisionado_KNN.ipynb</a:t>
             </a:r>
-            <a:endParaRPr b="0" lang="pt-BR" sz="1800" spc="-1" strike="noStrike">
-              <a:latin typeface="Arial"/>
-            </a:endParaRPr>
-          </a:p>
-          <a:p>
-            <a:pPr marL="285840" indent="-285840">
-              <a:lnSpc>
-                <a:spcPct val="100000"/>
-              </a:lnSpc>
-              <a:buClr>
-                <a:srgbClr val="000000"/>
-              </a:buClr>
-              <a:buFont typeface="Arial"/>
-              <a:buChar char="•"/>
-            </a:pPr>
-            <a:endParaRPr b="0" lang="pt-BR" sz="1800" spc="-1" strike="noStrike">
+            <a:endParaRPr b="0" lang="en-US" sz="1800" spc="-1" strike="noStrike">
               <a:latin typeface="Arial"/>
             </a:endParaRPr>
           </a:p>
@@ -16405,7 +16248,7 @@
               </a:lnSpc>
               <a:buNone/>
             </a:pPr>
-            <a:endParaRPr b="0" lang="pt-BR" sz="1800" spc="-1" strike="noStrike">
+            <a:endParaRPr b="0" lang="en-US" sz="1800" spc="-1" strike="noStrike">
               <a:latin typeface="Arial"/>
             </a:endParaRPr>
           </a:p>
@@ -16416,22 +16259,33 @@
               </a:lnSpc>
               <a:buNone/>
             </a:pPr>
-            <a:endParaRPr b="0" lang="pt-BR" sz="1800" spc="-1" strike="noStrike">
-              <a:latin typeface="Arial"/>
-            </a:endParaRPr>
-          </a:p>
-        </p:txBody>
-      </p:sp>
-      <p:sp>
-        <p:nvSpPr>
-          <p:cNvPr id="338" name="AutoShape 5"/>
+            <a:endParaRPr b="0" lang="en-US" sz="1800" spc="-1" strike="noStrike">
+              <a:latin typeface="Arial"/>
+            </a:endParaRPr>
+          </a:p>
+          <a:p>
+            <a:pPr>
+              <a:lnSpc>
+                <a:spcPct val="100000"/>
+              </a:lnSpc>
+              <a:buNone/>
+            </a:pPr>
+            <a:endParaRPr b="0" lang="en-US" sz="1800" spc="-1" strike="noStrike">
+              <a:latin typeface="Arial"/>
+            </a:endParaRPr>
+          </a:p>
+        </p:txBody>
+      </p:sp>
+      <p:sp>
+        <p:nvSpPr>
+          <p:cNvPr id="339" name="AutoShape 5"/>
           <p:cNvSpPr/>
           <p:nvPr/>
         </p:nvSpPr>
         <p:spPr>
           <a:xfrm>
             <a:off x="4888080" y="3627360"/>
-            <a:ext cx="304200" cy="304200"/>
+            <a:ext cx="303840" cy="303840"/>
           </a:xfrm>
           <a:prstGeom prst="rect">
             <a:avLst/>
@@ -16450,14 +16304,14 @@
       </p:sp>
       <p:sp>
         <p:nvSpPr>
-          <p:cNvPr id="339" name="CaixaDeTexto 10"/>
+          <p:cNvPr id="340" name="CaixaDeTexto 10"/>
           <p:cNvSpPr/>
           <p:nvPr/>
         </p:nvSpPr>
         <p:spPr>
           <a:xfrm>
             <a:off x="4140000" y="5691600"/>
-            <a:ext cx="5610960" cy="608040"/>
+            <a:ext cx="5610600" cy="607680"/>
           </a:xfrm>
           <a:prstGeom prst="rect">
             <a:avLst/>
@@ -16476,14 +16330,14 @@
       </p:sp>
       <p:sp>
         <p:nvSpPr>
-          <p:cNvPr id="340" name="CustomShape 67"/>
+          <p:cNvPr id="341" name="CustomShape 67"/>
           <p:cNvSpPr/>
           <p:nvPr/>
         </p:nvSpPr>
         <p:spPr>
           <a:xfrm>
             <a:off x="7608600" y="6886080"/>
-            <a:ext cx="2280960" cy="360720"/>
+            <a:ext cx="2280600" cy="360360"/>
           </a:xfrm>
           <a:prstGeom prst="rect">
             <a:avLst/>
@@ -16520,22 +16374,22 @@
               </a:rPr>
               <a:t>KNN</a:t>
             </a:r>
-            <a:endParaRPr b="0" lang="pt-BR" sz="1800" spc="-1" strike="noStrike">
-              <a:latin typeface="Arial"/>
-            </a:endParaRPr>
-          </a:p>
-        </p:txBody>
-      </p:sp>
-      <p:sp>
-        <p:nvSpPr>
-          <p:cNvPr id="341" name="CustomShape 68"/>
+            <a:endParaRPr b="0" lang="en-US" sz="1800" spc="-1" strike="noStrike">
+              <a:latin typeface="Arial"/>
+            </a:endParaRPr>
+          </a:p>
+        </p:txBody>
+      </p:sp>
+      <p:sp>
+        <p:nvSpPr>
+          <p:cNvPr id="342" name="CustomShape 68"/>
           <p:cNvSpPr/>
           <p:nvPr/>
         </p:nvSpPr>
         <p:spPr>
           <a:xfrm>
             <a:off x="897120" y="6886080"/>
-            <a:ext cx="6442920" cy="360720"/>
+            <a:ext cx="6442560" cy="360360"/>
           </a:xfrm>
           <a:prstGeom prst="rect">
             <a:avLst/>
@@ -16575,22 +16429,22 @@
               </a:rPr>
               <a:t>Aprendizado de Máquina - Prof. André Hochuli</a:t>
             </a:r>
-            <a:endParaRPr b="0" lang="pt-BR" sz="1800" spc="-1" strike="noStrike">
-              <a:latin typeface="Arial"/>
-            </a:endParaRPr>
-          </a:p>
-        </p:txBody>
-      </p:sp>
-      <p:sp>
-        <p:nvSpPr>
-          <p:cNvPr id="342" name="CustomShape 69"/>
+            <a:endParaRPr b="0" lang="en-US" sz="1800" spc="-1" strike="noStrike">
+              <a:latin typeface="Arial"/>
+            </a:endParaRPr>
+          </a:p>
+        </p:txBody>
+      </p:sp>
+      <p:sp>
+        <p:nvSpPr>
+          <p:cNvPr id="343" name="CustomShape 69"/>
           <p:cNvSpPr/>
           <p:nvPr/>
         </p:nvSpPr>
         <p:spPr>
           <a:xfrm>
             <a:off x="360000" y="360000"/>
-            <a:ext cx="9355680" cy="895680"/>
+            <a:ext cx="9355320" cy="895320"/>
           </a:xfrm>
           <a:prstGeom prst="rect">
             <a:avLst/>
@@ -16630,7 +16484,7 @@
               </a:rPr>
               <a:t>Let’s Code</a:t>
             </a:r>
-            <a:endParaRPr b="0" lang="pt-BR" sz="3200" spc="-1" strike="noStrike">
+            <a:endParaRPr b="0" lang="en-US" sz="3200" spc="-1" strike="noStrike">
               <a:latin typeface="Arial"/>
             </a:endParaRPr>
           </a:p>
@@ -16668,14 +16522,14 @@
       </p:grpSpPr>
       <p:sp>
         <p:nvSpPr>
-          <p:cNvPr id="343" name="CaixaDeTexto 11"/>
+          <p:cNvPr id="344" name="CaixaDeTexto 11"/>
           <p:cNvSpPr/>
           <p:nvPr/>
         </p:nvSpPr>
         <p:spPr>
           <a:xfrm>
             <a:off x="200160" y="1693440"/>
-            <a:ext cx="7521120" cy="3930840"/>
+            <a:ext cx="7520760" cy="3930120"/>
           </a:xfrm>
           <a:prstGeom prst="rect">
             <a:avLst/>
@@ -16716,22 +16570,18 @@
               </a:rPr>
               <a:t>KNN é um método não paramétrico, baseado na vizinhança Euclidiana</a:t>
             </a:r>
-            <a:endParaRPr b="0" lang="pt-BR" sz="1800" spc="-1" strike="noStrike">
-              <a:latin typeface="Arial"/>
-            </a:endParaRPr>
-          </a:p>
-          <a:p>
-            <a:pPr marL="285840" indent="-285840">
+            <a:endParaRPr b="0" lang="en-US" sz="1800" spc="-1" strike="noStrike">
+              <a:latin typeface="Arial"/>
+            </a:endParaRPr>
+          </a:p>
+          <a:p>
+            <a:pPr>
               <a:lnSpc>
                 <a:spcPct val="100000"/>
               </a:lnSpc>
-              <a:buClr>
-                <a:srgbClr val="000000"/>
-              </a:buClr>
-              <a:buFont typeface="Arial"/>
-              <a:buChar char="•"/>
-            </a:pPr>
-            <a:endParaRPr b="0" lang="pt-BR" sz="1800" spc="-1" strike="noStrike">
+              <a:buNone/>
+            </a:pPr>
+            <a:endParaRPr b="0" lang="en-US" sz="1800" spc="-1" strike="noStrike">
               <a:latin typeface="Arial"/>
             </a:endParaRPr>
           </a:p>
@@ -16756,22 +16606,18 @@
               </a:rPr>
               <a:t>Não tem treinamento</a:t>
             </a:r>
-            <a:endParaRPr b="0" lang="pt-BR" sz="1800" spc="-1" strike="noStrike">
-              <a:latin typeface="Arial"/>
-            </a:endParaRPr>
-          </a:p>
-          <a:p>
-            <a:pPr marL="285840" indent="-285840">
+            <a:endParaRPr b="0" lang="en-US" sz="1800" spc="-1" strike="noStrike">
+              <a:latin typeface="Arial"/>
+            </a:endParaRPr>
+          </a:p>
+          <a:p>
+            <a:pPr>
               <a:lnSpc>
                 <a:spcPct val="100000"/>
               </a:lnSpc>
-              <a:buClr>
-                <a:srgbClr val="000000"/>
-              </a:buClr>
-              <a:buFont typeface="Arial"/>
-              <a:buChar char="•"/>
-            </a:pPr>
-            <a:endParaRPr b="0" lang="pt-BR" sz="1800" spc="-1" strike="noStrike">
+              <a:buNone/>
+            </a:pPr>
+            <a:endParaRPr b="0" lang="en-US" sz="1800" spc="-1" strike="noStrike">
               <a:latin typeface="Arial"/>
             </a:endParaRPr>
           </a:p>
@@ -16796,22 +16642,18 @@
               </a:rPr>
               <a:t>Desempenho bom em cenários linearmente separáveis</a:t>
             </a:r>
-            <a:endParaRPr b="0" lang="pt-BR" sz="1800" spc="-1" strike="noStrike">
-              <a:latin typeface="Arial"/>
-            </a:endParaRPr>
-          </a:p>
-          <a:p>
-            <a:pPr marL="285840" indent="-285840">
+            <a:endParaRPr b="0" lang="en-US" sz="1800" spc="-1" strike="noStrike">
+              <a:latin typeface="Arial"/>
+            </a:endParaRPr>
+          </a:p>
+          <a:p>
+            <a:pPr>
               <a:lnSpc>
                 <a:spcPct val="100000"/>
               </a:lnSpc>
-              <a:buClr>
-                <a:srgbClr val="000000"/>
-              </a:buClr>
-              <a:buFont typeface="Arial"/>
-              <a:buChar char="•"/>
-            </a:pPr>
-            <a:endParaRPr b="0" lang="pt-BR" sz="1800" spc="-1" strike="noStrike">
+              <a:buNone/>
+            </a:pPr>
+            <a:endParaRPr b="0" lang="en-US" sz="1800" spc="-1" strike="noStrike">
               <a:latin typeface="Arial"/>
             </a:endParaRPr>
           </a:p>
@@ -16836,52 +16678,7 @@
               </a:rPr>
               <a:t>Tempo é um problema para bases grandes ou altas dimensões</a:t>
             </a:r>
-            <a:endParaRPr b="0" lang="pt-BR" sz="1800" spc="-1" strike="noStrike">
-              <a:latin typeface="Arial"/>
-            </a:endParaRPr>
-          </a:p>
-          <a:p>
-            <a:pPr marL="285840" indent="-285840">
-              <a:lnSpc>
-                <a:spcPct val="100000"/>
-              </a:lnSpc>
-              <a:buClr>
-                <a:srgbClr val="000000"/>
-              </a:buClr>
-              <a:buFont typeface="Arial"/>
-              <a:buChar char="•"/>
-            </a:pPr>
-            <a:endParaRPr b="0" lang="pt-BR" sz="1800" spc="-1" strike="noStrike">
-              <a:latin typeface="Arial"/>
-            </a:endParaRPr>
-          </a:p>
-          <a:p>
-            <a:pPr marL="285840" indent="-285840">
-              <a:lnSpc>
-                <a:spcPct val="100000"/>
-              </a:lnSpc>
-              <a:buClr>
-                <a:srgbClr val="000000"/>
-              </a:buClr>
-              <a:buFont typeface="Arial"/>
-              <a:buChar char="•"/>
-            </a:pPr>
-            <a:endParaRPr b="0" lang="pt-BR" sz="1800" spc="-1" strike="noStrike">
-              <a:latin typeface="Arial"/>
-            </a:endParaRPr>
-          </a:p>
-          <a:p>
-            <a:pPr marL="285840" indent="-285840">
-              <a:lnSpc>
-                <a:spcPct val="100000"/>
-              </a:lnSpc>
-              <a:buClr>
-                <a:srgbClr val="000000"/>
-              </a:buClr>
-              <a:buFont typeface="Arial"/>
-              <a:buChar char="•"/>
-            </a:pPr>
-            <a:endParaRPr b="0" lang="pt-BR" sz="1800" spc="-1" strike="noStrike">
+            <a:endParaRPr b="0" lang="en-US" sz="1800" spc="-1" strike="noStrike">
               <a:latin typeface="Arial"/>
             </a:endParaRPr>
           </a:p>
@@ -16892,7 +16689,7 @@
               </a:lnSpc>
               <a:buNone/>
             </a:pPr>
-            <a:endParaRPr b="0" lang="pt-BR" sz="1800" spc="-1" strike="noStrike">
+            <a:endParaRPr b="0" lang="en-US" sz="1800" spc="-1" strike="noStrike">
               <a:latin typeface="Arial"/>
             </a:endParaRPr>
           </a:p>
@@ -16903,22 +16700,55 @@
               </a:lnSpc>
               <a:buNone/>
             </a:pPr>
-            <a:endParaRPr b="0" lang="pt-BR" sz="1800" spc="-1" strike="noStrike">
-              <a:latin typeface="Arial"/>
-            </a:endParaRPr>
-          </a:p>
-        </p:txBody>
-      </p:sp>
-      <p:sp>
-        <p:nvSpPr>
-          <p:cNvPr id="344" name="AutoShape 6"/>
+            <a:endParaRPr b="0" lang="en-US" sz="1800" spc="-1" strike="noStrike">
+              <a:latin typeface="Arial"/>
+            </a:endParaRPr>
+          </a:p>
+          <a:p>
+            <a:pPr>
+              <a:lnSpc>
+                <a:spcPct val="100000"/>
+              </a:lnSpc>
+              <a:buNone/>
+            </a:pPr>
+            <a:endParaRPr b="0" lang="en-US" sz="1800" spc="-1" strike="noStrike">
+              <a:latin typeface="Arial"/>
+            </a:endParaRPr>
+          </a:p>
+          <a:p>
+            <a:pPr>
+              <a:lnSpc>
+                <a:spcPct val="100000"/>
+              </a:lnSpc>
+              <a:buNone/>
+            </a:pPr>
+            <a:endParaRPr b="0" lang="en-US" sz="1800" spc="-1" strike="noStrike">
+              <a:latin typeface="Arial"/>
+            </a:endParaRPr>
+          </a:p>
+          <a:p>
+            <a:pPr>
+              <a:lnSpc>
+                <a:spcPct val="100000"/>
+              </a:lnSpc>
+              <a:buNone/>
+            </a:pPr>
+            <a:endParaRPr b="0" lang="en-US" sz="1800" spc="-1" strike="noStrike">
+              <a:latin typeface="Arial"/>
+            </a:endParaRPr>
+          </a:p>
+        </p:txBody>
+      </p:sp>
+      <p:sp>
+        <p:nvSpPr>
+          <p:cNvPr id="345" name="AutoShape 6"/>
           <p:cNvSpPr/>
           <p:nvPr/>
         </p:nvSpPr>
         <p:spPr>
           <a:xfrm>
             <a:off x="4888080" y="3627360"/>
-            <a:ext cx="304200" cy="304200"/>
+            <a:ext cx="303840" cy="303840"/>
           </a:xfrm>
           <a:prstGeom prst="rect">
             <a:avLst/>
@@ -16937,14 +16767,14 @@
       </p:sp>
       <p:sp>
         <p:nvSpPr>
-          <p:cNvPr id="345" name="CaixaDeTexto 12"/>
+          <p:cNvPr id="346" name="CaixaDeTexto 12"/>
           <p:cNvSpPr/>
           <p:nvPr/>
         </p:nvSpPr>
         <p:spPr>
           <a:xfrm>
             <a:off x="4140000" y="5691600"/>
-            <a:ext cx="5610960" cy="608040"/>
+            <a:ext cx="5610600" cy="607680"/>
           </a:xfrm>
           <a:prstGeom prst="rect">
             <a:avLst/>
@@ -16963,14 +16793,14 @@
       </p:sp>
       <p:sp>
         <p:nvSpPr>
-          <p:cNvPr id="346" name="CustomShape 71"/>
+          <p:cNvPr id="347" name="CustomShape 71"/>
           <p:cNvSpPr/>
           <p:nvPr/>
         </p:nvSpPr>
         <p:spPr>
           <a:xfrm>
             <a:off x="7608600" y="6886080"/>
-            <a:ext cx="2280960" cy="360720"/>
+            <a:ext cx="2280600" cy="360360"/>
           </a:xfrm>
           <a:prstGeom prst="rect">
             <a:avLst/>
@@ -17007,22 +16837,22 @@
               </a:rPr>
               <a:t>KNN</a:t>
             </a:r>
-            <a:endParaRPr b="0" lang="pt-BR" sz="1800" spc="-1" strike="noStrike">
-              <a:latin typeface="Arial"/>
-            </a:endParaRPr>
-          </a:p>
-        </p:txBody>
-      </p:sp>
-      <p:sp>
-        <p:nvSpPr>
-          <p:cNvPr id="347" name="CustomShape 72"/>
+            <a:endParaRPr b="0" lang="en-US" sz="1800" spc="-1" strike="noStrike">
+              <a:latin typeface="Arial"/>
+            </a:endParaRPr>
+          </a:p>
+        </p:txBody>
+      </p:sp>
+      <p:sp>
+        <p:nvSpPr>
+          <p:cNvPr id="348" name="CustomShape 72"/>
           <p:cNvSpPr/>
           <p:nvPr/>
         </p:nvSpPr>
         <p:spPr>
           <a:xfrm>
             <a:off x="897120" y="6886080"/>
-            <a:ext cx="6442920" cy="360720"/>
+            <a:ext cx="6442560" cy="360360"/>
           </a:xfrm>
           <a:prstGeom prst="rect">
             <a:avLst/>
@@ -17062,22 +16892,22 @@
               </a:rPr>
               <a:t>Aprendizado de Máquina - Prof. André Hochuli</a:t>
             </a:r>
-            <a:endParaRPr b="0" lang="pt-BR" sz="1800" spc="-1" strike="noStrike">
-              <a:latin typeface="Arial"/>
-            </a:endParaRPr>
-          </a:p>
-        </p:txBody>
-      </p:sp>
-      <p:sp>
-        <p:nvSpPr>
-          <p:cNvPr id="348" name="CustomShape 73"/>
+            <a:endParaRPr b="0" lang="en-US" sz="1800" spc="-1" strike="noStrike">
+              <a:latin typeface="Arial"/>
+            </a:endParaRPr>
+          </a:p>
+        </p:txBody>
+      </p:sp>
+      <p:sp>
+        <p:nvSpPr>
+          <p:cNvPr id="349" name="CustomShape 73"/>
           <p:cNvSpPr/>
           <p:nvPr/>
         </p:nvSpPr>
         <p:spPr>
           <a:xfrm>
             <a:off x="360000" y="360000"/>
-            <a:ext cx="9355680" cy="895680"/>
+            <a:ext cx="9355320" cy="895320"/>
           </a:xfrm>
           <a:prstGeom prst="rect">
             <a:avLst/>
@@ -17117,7 +16947,7 @@
               </a:rPr>
               <a:t>Considerações Finais</a:t>
             </a:r>
-            <a:endParaRPr b="0" lang="pt-BR" sz="3200" spc="-1" strike="noStrike">
+            <a:endParaRPr b="0" lang="en-US" sz="3200" spc="-1" strike="noStrike">
               <a:latin typeface="Arial"/>
             </a:endParaRPr>
           </a:p>
@@ -17162,7 +16992,7 @@
         <p:spPr>
           <a:xfrm>
             <a:off x="360000" y="360000"/>
-            <a:ext cx="9354240" cy="894240"/>
+            <a:ext cx="9353880" cy="893880"/>
           </a:xfrm>
           <a:prstGeom prst="rect">
             <a:avLst/>
@@ -17199,7 +17029,7 @@
               </a:rPr>
               <a:t>Plano de Aula </a:t>
             </a:r>
-            <a:endParaRPr b="0" lang="pt-BR" sz="3200" spc="-1" strike="noStrike">
+            <a:endParaRPr b="0" lang="en-US" sz="3200" spc="-1" strike="noStrike">
               <a:latin typeface="Arial"/>
             </a:endParaRPr>
           </a:p>
@@ -17214,7 +17044,7 @@
         <p:spPr>
           <a:xfrm>
             <a:off x="360000" y="1980000"/>
-            <a:ext cx="9174240" cy="4674240"/>
+            <a:ext cx="9173880" cy="4673880"/>
           </a:xfrm>
           <a:prstGeom prst="rect">
             <a:avLst/>
@@ -17259,7 +17089,7 @@
               </a:rPr>
               <a:t>Discussões Iniciais</a:t>
             </a:r>
-            <a:endParaRPr b="0" lang="pt-BR" sz="1600" spc="-1" strike="noStrike">
+            <a:endParaRPr b="0" lang="en-US" sz="1600" spc="-1" strike="noStrike">
               <a:latin typeface="Arial"/>
             </a:endParaRPr>
           </a:p>
@@ -17288,7 +17118,7 @@
               </a:rPr>
               <a:t>Aprendizado por Instâncias</a:t>
             </a:r>
-            <a:endParaRPr b="0" lang="pt-BR" sz="1600" spc="-1" strike="noStrike">
+            <a:endParaRPr b="0" lang="en-US" sz="1600" spc="-1" strike="noStrike">
               <a:latin typeface="Arial"/>
             </a:endParaRPr>
           </a:p>
@@ -17317,7 +17147,7 @@
               </a:rPr>
               <a:t>Algoritmo KNN</a:t>
             </a:r>
-            <a:endParaRPr b="0" lang="pt-BR" sz="1600" spc="-1" strike="noStrike">
+            <a:endParaRPr b="0" lang="en-US" sz="1600" spc="-1" strike="noStrike">
               <a:latin typeface="Arial"/>
             </a:endParaRPr>
           </a:p>
@@ -17346,7 +17176,7 @@
               </a:rPr>
               <a:t>Métricas de Avaliação</a:t>
             </a:r>
-            <a:endParaRPr b="0" lang="pt-BR" sz="1600" spc="-1" strike="noStrike">
+            <a:endParaRPr b="0" lang="en-US" sz="1600" spc="-1" strike="noStrike">
               <a:latin typeface="Arial"/>
             </a:endParaRPr>
           </a:p>
@@ -17375,7 +17205,7 @@
               </a:rPr>
               <a:t>Exercícios</a:t>
             </a:r>
-            <a:endParaRPr b="0" lang="pt-BR" sz="1600" spc="-1" strike="noStrike">
+            <a:endParaRPr b="0" lang="en-US" sz="1600" spc="-1" strike="noStrike">
               <a:latin typeface="Arial"/>
             </a:endParaRPr>
           </a:p>
@@ -17389,7 +17219,7 @@
               </a:spcAft>
               <a:buNone/>
             </a:pPr>
-            <a:endParaRPr b="0" lang="pt-BR" sz="1600" spc="-1" strike="noStrike">
+            <a:endParaRPr b="0" lang="en-US" sz="1600" spc="-1" strike="noStrike">
               <a:latin typeface="Arial"/>
             </a:endParaRPr>
           </a:p>
@@ -17403,7 +17233,7 @@
               </a:spcAft>
               <a:buNone/>
             </a:pPr>
-            <a:endParaRPr b="0" lang="pt-BR" sz="2000" spc="-1" strike="noStrike">
+            <a:endParaRPr b="0" lang="en-US" sz="2000" spc="-1" strike="noStrike">
               <a:latin typeface="Arial"/>
             </a:endParaRPr>
           </a:p>
@@ -17418,7 +17248,7 @@
         <p:spPr>
           <a:xfrm>
             <a:off x="897120" y="6886080"/>
-            <a:ext cx="6441480" cy="359280"/>
+            <a:ext cx="6441120" cy="358920"/>
           </a:xfrm>
           <a:prstGeom prst="rect">
             <a:avLst/>
@@ -17455,7 +17285,7 @@
               </a:rPr>
               <a:t>Aprendizado de Máquina - Prof. André Hochuli</a:t>
             </a:r>
-            <a:endParaRPr b="0" lang="pt-BR" sz="1800" spc="-1" strike="noStrike">
+            <a:endParaRPr b="0" lang="en-US" sz="1800" spc="-1" strike="noStrike">
               <a:latin typeface="Arial"/>
             </a:endParaRPr>
           </a:p>
@@ -17470,7 +17300,7 @@
         <p:spPr>
           <a:xfrm>
             <a:off x="7608600" y="6886080"/>
-            <a:ext cx="2279520" cy="359280"/>
+            <a:ext cx="2279160" cy="358920"/>
           </a:xfrm>
           <a:prstGeom prst="rect">
             <a:avLst/>
@@ -17507,7 +17337,7 @@
               </a:rPr>
               <a:t>KNN</a:t>
             </a:r>
-            <a:endParaRPr b="0" lang="pt-BR" sz="1800" spc="-1" strike="noStrike">
+            <a:endParaRPr b="0" lang="en-US" sz="1800" spc="-1" strike="noStrike">
               <a:latin typeface="Arial"/>
             </a:endParaRPr>
           </a:p>
@@ -17526,7 +17356,7 @@
         <p:spPr>
           <a:xfrm>
             <a:off x="2045520" y="3960000"/>
-            <a:ext cx="6132960" cy="1855800"/>
+            <a:ext cx="6132600" cy="1855440"/>
           </a:xfrm>
           <a:prstGeom prst="rect">
             <a:avLst/>
@@ -17545,7 +17375,7 @@
         <p:spPr>
           <a:xfrm>
             <a:off x="2520360" y="5508360"/>
-            <a:ext cx="268920" cy="268920"/>
+            <a:ext cx="268560" cy="268560"/>
           </a:xfrm>
           <a:prstGeom prst="ellipse">
             <a:avLst/>
@@ -17575,13 +17405,43 @@
         <p:spPr>
           <a:xfrm>
             <a:off x="2016360" y="5508360"/>
-            <a:ext cx="268920" cy="268920"/>
+            <a:ext cx="268560" cy="268560"/>
           </a:xfrm>
           <a:prstGeom prst="ellipse">
             <a:avLst/>
           </a:prstGeom>
           <a:solidFill>
             <a:srgbClr val="00a933"/>
+          </a:solidFill>
+          <a:ln w="0">
+            <a:solidFill>
+              <a:srgbClr val="3465a4"/>
+            </a:solidFill>
+          </a:ln>
+        </p:spPr>
+        <p:style>
+          <a:lnRef idx="0"/>
+          <a:fillRef idx="0"/>
+          <a:effectRef idx="0"/>
+          <a:fontRef idx="minor"/>
+        </p:style>
+      </p:sp>
+      <p:sp>
+        <p:nvSpPr>
+          <p:cNvPr id="222" name=""/>
+          <p:cNvSpPr/>
+          <p:nvPr/>
+        </p:nvSpPr>
+        <p:spPr>
+          <a:xfrm>
+            <a:off x="3886200" y="3657600"/>
+            <a:ext cx="4572000" cy="2743200"/>
+          </a:xfrm>
+          <a:prstGeom prst="rect">
+            <a:avLst/>
+          </a:prstGeom>
+          <a:solidFill>
+            <a:srgbClr val="729fcf"/>
           </a:solidFill>
           <a:ln w="0">
             <a:solidFill>
@@ -17628,14 +17488,14 @@
       </p:grpSpPr>
       <p:sp>
         <p:nvSpPr>
-          <p:cNvPr id="222" name="CustomShape 10"/>
+          <p:cNvPr id="223" name="CustomShape 10"/>
           <p:cNvSpPr/>
           <p:nvPr/>
         </p:nvSpPr>
         <p:spPr>
           <a:xfrm>
             <a:off x="360000" y="360000"/>
-            <a:ext cx="9347760" cy="887760"/>
+            <a:ext cx="9347400" cy="887400"/>
           </a:xfrm>
           <a:prstGeom prst="rect">
             <a:avLst/>
@@ -17672,22 +17532,22 @@
               </a:rPr>
               <a:t>Discussões Iniciais</a:t>
             </a:r>
-            <a:endParaRPr b="0" lang="pt-BR" sz="2600" spc="-1" strike="noStrike">
-              <a:latin typeface="Arial"/>
-            </a:endParaRPr>
-          </a:p>
-        </p:txBody>
-      </p:sp>
-      <p:sp>
-        <p:nvSpPr>
-          <p:cNvPr id="223" name="CustomShape 13"/>
+            <a:endParaRPr b="0" lang="en-US" sz="2600" spc="-1" strike="noStrike">
+              <a:latin typeface="Arial"/>
+            </a:endParaRPr>
+          </a:p>
+        </p:txBody>
+      </p:sp>
+      <p:sp>
+        <p:nvSpPr>
+          <p:cNvPr id="224" name="CustomShape 13"/>
           <p:cNvSpPr/>
           <p:nvPr/>
         </p:nvSpPr>
         <p:spPr>
           <a:xfrm>
             <a:off x="897120" y="6886080"/>
-            <a:ext cx="6435000" cy="352800"/>
+            <a:ext cx="6434640" cy="352440"/>
           </a:xfrm>
           <a:prstGeom prst="rect">
             <a:avLst/>
@@ -17724,22 +17584,22 @@
               </a:rPr>
               <a:t>Aprendizado de Máquina - Prof. André Hochuli</a:t>
             </a:r>
-            <a:endParaRPr b="0" lang="pt-BR" sz="1800" spc="-1" strike="noStrike">
-              <a:latin typeface="Arial"/>
-            </a:endParaRPr>
-          </a:p>
-        </p:txBody>
-      </p:sp>
-      <p:sp>
-        <p:nvSpPr>
-          <p:cNvPr id="224" name="CustomShape 14"/>
+            <a:endParaRPr b="0" lang="en-US" sz="1800" spc="-1" strike="noStrike">
+              <a:latin typeface="Arial"/>
+            </a:endParaRPr>
+          </a:p>
+        </p:txBody>
+      </p:sp>
+      <p:sp>
+        <p:nvSpPr>
+          <p:cNvPr id="225" name="CustomShape 14"/>
           <p:cNvSpPr/>
           <p:nvPr/>
         </p:nvSpPr>
         <p:spPr>
           <a:xfrm>
             <a:off x="7608600" y="6886080"/>
-            <a:ext cx="2273040" cy="352800"/>
+            <a:ext cx="2272680" cy="352440"/>
           </a:xfrm>
           <a:prstGeom prst="rect">
             <a:avLst/>
@@ -17776,7 +17636,7 @@
               </a:rPr>
               <a:t>KNN</a:t>
             </a:r>
-            <a:endParaRPr b="0" lang="pt-BR" sz="1800" spc="-1" strike="noStrike">
+            <a:endParaRPr b="0" lang="en-US" sz="1800" spc="-1" strike="noStrike">
               <a:latin typeface="Arial"/>
             </a:endParaRPr>
           </a:p>
@@ -17784,7 +17644,7 @@
       </p:sp>
       <p:pic>
         <p:nvPicPr>
-          <p:cNvPr id="225" name="" descr=""/>
+          <p:cNvPr id="226" name="" descr=""/>
           <p:cNvPicPr/>
           <p:nvPr/>
         </p:nvPicPr>
@@ -17795,7 +17655,7 @@
         <p:spPr>
           <a:xfrm>
             <a:off x="652320" y="2123640"/>
-            <a:ext cx="8628480" cy="4647600"/>
+            <a:ext cx="8628120" cy="4647240"/>
           </a:xfrm>
           <a:prstGeom prst="rect">
             <a:avLst/>
@@ -17807,14 +17667,14 @@
       </p:pic>
       <p:sp>
         <p:nvSpPr>
-          <p:cNvPr id="226" name=""/>
+          <p:cNvPr id="227" name=""/>
           <p:cNvSpPr/>
           <p:nvPr/>
         </p:nvSpPr>
         <p:spPr>
           <a:xfrm>
             <a:off x="342720" y="1529280"/>
-            <a:ext cx="6777360" cy="385560"/>
+            <a:ext cx="6777000" cy="385200"/>
           </a:xfrm>
           <a:prstGeom prst="rect">
             <a:avLst/>
@@ -17851,7 +17711,7 @@
               </a:rPr>
               <a:t>Tipos de Aprendizado</a:t>
             </a:r>
-            <a:endParaRPr b="0" lang="pt-BR" sz="2000" spc="-1" strike="noStrike">
+            <a:endParaRPr b="0" lang="en-US" sz="2000" spc="-1" strike="noStrike">
               <a:latin typeface="Arial"/>
             </a:endParaRPr>
           </a:p>
@@ -17889,14 +17749,14 @@
       </p:grpSpPr>
       <p:sp>
         <p:nvSpPr>
-          <p:cNvPr id="227" name="CustomShape 11"/>
+          <p:cNvPr id="228" name="CustomShape 11"/>
           <p:cNvSpPr/>
           <p:nvPr/>
         </p:nvSpPr>
         <p:spPr>
           <a:xfrm>
             <a:off x="360000" y="360000"/>
-            <a:ext cx="9347760" cy="887760"/>
+            <a:ext cx="9347400" cy="887400"/>
           </a:xfrm>
           <a:prstGeom prst="rect">
             <a:avLst/>
@@ -17933,22 +17793,22 @@
               </a:rPr>
               <a:t>Discussões Iniciais</a:t>
             </a:r>
-            <a:endParaRPr b="0" lang="pt-BR" sz="2600" spc="-1" strike="noStrike">
-              <a:latin typeface="Arial"/>
-            </a:endParaRPr>
-          </a:p>
-        </p:txBody>
-      </p:sp>
-      <p:sp>
-        <p:nvSpPr>
-          <p:cNvPr id="228" name="CustomShape 12"/>
+            <a:endParaRPr b="0" lang="en-US" sz="2600" spc="-1" strike="noStrike">
+              <a:latin typeface="Arial"/>
+            </a:endParaRPr>
+          </a:p>
+        </p:txBody>
+      </p:sp>
+      <p:sp>
+        <p:nvSpPr>
+          <p:cNvPr id="229" name="CustomShape 12"/>
           <p:cNvSpPr/>
           <p:nvPr/>
         </p:nvSpPr>
         <p:spPr>
           <a:xfrm>
             <a:off x="897120" y="6886080"/>
-            <a:ext cx="6435000" cy="352800"/>
+            <a:ext cx="6434640" cy="352440"/>
           </a:xfrm>
           <a:prstGeom prst="rect">
             <a:avLst/>
@@ -17985,22 +17845,22 @@
               </a:rPr>
               <a:t>Aprendizado de Máquina - Prof. André Hochuli</a:t>
             </a:r>
-            <a:endParaRPr b="0" lang="pt-BR" sz="1800" spc="-1" strike="noStrike">
-              <a:latin typeface="Arial"/>
-            </a:endParaRPr>
-          </a:p>
-        </p:txBody>
-      </p:sp>
-      <p:sp>
-        <p:nvSpPr>
-          <p:cNvPr id="229" name="CustomShape 17"/>
+            <a:endParaRPr b="0" lang="en-US" sz="1800" spc="-1" strike="noStrike">
+              <a:latin typeface="Arial"/>
+            </a:endParaRPr>
+          </a:p>
+        </p:txBody>
+      </p:sp>
+      <p:sp>
+        <p:nvSpPr>
+          <p:cNvPr id="230" name="CustomShape 17"/>
           <p:cNvSpPr/>
           <p:nvPr/>
         </p:nvSpPr>
         <p:spPr>
           <a:xfrm>
             <a:off x="7608600" y="6886080"/>
-            <a:ext cx="2273040" cy="352800"/>
+            <a:ext cx="2272680" cy="352440"/>
           </a:xfrm>
           <a:prstGeom prst="rect">
             <a:avLst/>
@@ -18037,7 +17897,7 @@
               </a:rPr>
               <a:t>KNN</a:t>
             </a:r>
-            <a:endParaRPr b="0" lang="pt-BR" sz="1800" spc="-1" strike="noStrike">
+            <a:endParaRPr b="0" lang="en-US" sz="1800" spc="-1" strike="noStrike">
               <a:latin typeface="Arial"/>
             </a:endParaRPr>
           </a:p>
@@ -18045,7 +17905,7 @@
       </p:sp>
       <p:pic>
         <p:nvPicPr>
-          <p:cNvPr id="230" name="" descr=""/>
+          <p:cNvPr id="231" name="" descr=""/>
           <p:cNvPicPr/>
           <p:nvPr/>
         </p:nvPicPr>
@@ -18057,7 +17917,7 @@
         <p:spPr>
           <a:xfrm>
             <a:off x="540000" y="2768400"/>
-            <a:ext cx="2583720" cy="2683080"/>
+            <a:ext cx="2583360" cy="2682720"/>
           </a:xfrm>
           <a:prstGeom prst="rect">
             <a:avLst/>
@@ -18069,12 +17929,12 @@
       </p:pic>
       <p:graphicFrame>
         <p:nvGraphicFramePr>
-          <p:cNvPr id="231" name=""/>
+          <p:cNvPr id="232" name=""/>
           <p:cNvGraphicFramePr/>
           <p:nvPr/>
         </p:nvGraphicFramePr>
         <p:xfrm rot="10800000">
-          <a:off x="-3184200" y="-2657880"/>
+          <a:off x="-3183840" y="-2657520"/>
           <a:ext cx="6473520" cy="4573440"/>
         </p:xfrm>
         <a:graphic>
@@ -18108,7 +17968,7 @@
                         </a:rPr>
                         <a:t>Tam</a:t>
                       </a:r>
-                      <a:endParaRPr b="0" lang="pt-BR" sz="1800" spc="-1" strike="noStrike">
+                      <a:endParaRPr b="0" lang="en-US" sz="1800" spc="-1" strike="noStrike">
                         <a:latin typeface="Arial"/>
                       </a:endParaRPr>
                     </a:p>
@@ -18157,7 +18017,7 @@
                         </a:rPr>
                         <a:t>Pelo</a:t>
                       </a:r>
-                      <a:endParaRPr b="0" lang="pt-BR" sz="1800" spc="-1" strike="noStrike">
+                      <a:endParaRPr b="0" lang="en-US" sz="1800" spc="-1" strike="noStrike">
                         <a:latin typeface="Arial"/>
                       </a:endParaRPr>
                     </a:p>
@@ -18206,7 +18066,7 @@
                         </a:rPr>
                         <a:t>Cor</a:t>
                       </a:r>
-                      <a:endParaRPr b="0" lang="pt-BR" sz="1800" spc="-1" strike="noStrike">
+                      <a:endParaRPr b="0" lang="en-US" sz="1800" spc="-1" strike="noStrike">
                         <a:latin typeface="Arial"/>
                       </a:endParaRPr>
                     </a:p>
@@ -18255,7 +18115,7 @@
                         </a:rPr>
                         <a:t>Orelha</a:t>
                       </a:r>
-                      <a:endParaRPr b="0" lang="pt-BR" sz="1800" spc="-1" strike="noStrike">
+                      <a:endParaRPr b="0" lang="en-US" sz="1800" spc="-1" strike="noStrike">
                         <a:latin typeface="Arial"/>
                       </a:endParaRPr>
                     </a:p>
@@ -18304,7 +18164,7 @@
                         </a:rPr>
                         <a:t>Focinho</a:t>
                       </a:r>
-                      <a:endParaRPr b="0" lang="pt-BR" sz="1800" spc="-1" strike="noStrike">
+                      <a:endParaRPr b="0" lang="en-US" sz="1800" spc="-1" strike="noStrike">
                         <a:latin typeface="Arial"/>
                       </a:endParaRPr>
                     </a:p>
@@ -18353,7 +18213,7 @@
                         </a:rPr>
                         <a:t>Raça</a:t>
                       </a:r>
-                      <a:endParaRPr b="0" lang="pt-BR" sz="1800" spc="-1" strike="noStrike">
+                      <a:endParaRPr b="0" lang="en-US" sz="1800" spc="-1" strike="noStrike">
                         <a:latin typeface="Arial"/>
                       </a:endParaRPr>
                     </a:p>
@@ -18404,7 +18264,7 @@
                         </a:rPr>
                         <a:t>G</a:t>
                       </a:r>
-                      <a:endParaRPr b="0" lang="pt-BR" sz="1800" spc="-1" strike="noStrike">
+                      <a:endParaRPr b="0" lang="en-US" sz="1800" spc="-1" strike="noStrike">
                         <a:latin typeface="Arial"/>
                       </a:endParaRPr>
                     </a:p>
@@ -18453,7 +18313,7 @@
                         </a:rPr>
                         <a:t>Curta</a:t>
                       </a:r>
-                      <a:endParaRPr b="0" lang="pt-BR" sz="1800" spc="-1" strike="noStrike">
+                      <a:endParaRPr b="0" lang="en-US" sz="1800" spc="-1" strike="noStrike">
                         <a:latin typeface="Arial"/>
                       </a:endParaRPr>
                     </a:p>
@@ -18502,7 +18362,7 @@
                         </a:rPr>
                         <a:t>Branco/Cinza</a:t>
                       </a:r>
-                      <a:endParaRPr b="0" lang="pt-BR" sz="1800" spc="-1" strike="noStrike">
+                      <a:endParaRPr b="0" lang="en-US" sz="1800" spc="-1" strike="noStrike">
                         <a:latin typeface="Arial"/>
                       </a:endParaRPr>
                     </a:p>
@@ -18551,7 +18411,7 @@
                         </a:rPr>
                         <a:t>Pontuda</a:t>
                       </a:r>
-                      <a:endParaRPr b="0" lang="pt-BR" sz="1800" spc="-1" strike="noStrike">
+                      <a:endParaRPr b="0" lang="en-US" sz="1800" spc="-1" strike="noStrike">
                         <a:latin typeface="Arial"/>
                       </a:endParaRPr>
                     </a:p>
@@ -18600,7 +18460,7 @@
                         </a:rPr>
                         <a:t>Normal</a:t>
                       </a:r>
-                      <a:endParaRPr b="0" lang="pt-BR" sz="1800" spc="-1" strike="noStrike">
+                      <a:endParaRPr b="0" lang="en-US" sz="1800" spc="-1" strike="noStrike">
                         <a:latin typeface="Arial"/>
                       </a:endParaRPr>
                     </a:p>
@@ -18649,7 +18509,7 @@
                         </a:rPr>
                         <a:t>Husky</a:t>
                       </a:r>
-                      <a:endParaRPr b="0" lang="pt-BR" sz="1800" spc="-1" strike="noStrike">
+                      <a:endParaRPr b="0" lang="en-US" sz="1800" spc="-1" strike="noStrike">
                         <a:latin typeface="Arial"/>
                       </a:endParaRPr>
                     </a:p>
@@ -18700,7 +18560,7 @@
                         </a:rPr>
                         <a:t>P</a:t>
                       </a:r>
-                      <a:endParaRPr b="0" lang="pt-BR" sz="1800" spc="-1" strike="noStrike">
+                      <a:endParaRPr b="0" lang="en-US" sz="1800" spc="-1" strike="noStrike">
                         <a:latin typeface="Arial"/>
                       </a:endParaRPr>
                     </a:p>
@@ -18749,7 +18609,7 @@
                         </a:rPr>
                         <a:t>Curta</a:t>
                       </a:r>
-                      <a:endParaRPr b="0" lang="pt-BR" sz="1800" spc="-1" strike="noStrike">
+                      <a:endParaRPr b="0" lang="en-US" sz="1800" spc="-1" strike="noStrike">
                         <a:latin typeface="Arial"/>
                       </a:endParaRPr>
                     </a:p>
@@ -18798,7 +18658,7 @@
                         </a:rPr>
                         <a:t>Branco/Preta</a:t>
                       </a:r>
-                      <a:endParaRPr b="0" lang="pt-BR" sz="1800" spc="-1" strike="noStrike">
+                      <a:endParaRPr b="0" lang="en-US" sz="1800" spc="-1" strike="noStrike">
                         <a:latin typeface="Arial"/>
                       </a:endParaRPr>
                     </a:p>
@@ -18847,7 +18707,7 @@
                         </a:rPr>
                         <a:t>Caída</a:t>
                       </a:r>
-                      <a:endParaRPr b="0" lang="pt-BR" sz="1800" spc="-1" strike="noStrike">
+                      <a:endParaRPr b="0" lang="en-US" sz="1800" spc="-1" strike="noStrike">
                         <a:latin typeface="Arial"/>
                       </a:endParaRPr>
                     </a:p>
@@ -18896,7 +18756,7 @@
                         </a:rPr>
                         <a:t>Achatado</a:t>
                       </a:r>
-                      <a:endParaRPr b="0" lang="pt-BR" sz="1800" spc="-1" strike="noStrike">
+                      <a:endParaRPr b="0" lang="en-US" sz="1800" spc="-1" strike="noStrike">
                         <a:latin typeface="Arial"/>
                       </a:endParaRPr>
                     </a:p>
@@ -18945,7 +18805,7 @@
                         </a:rPr>
                         <a:t>Pug</a:t>
                       </a:r>
-                      <a:endParaRPr b="0" lang="pt-BR" sz="1800" spc="-1" strike="noStrike">
+                      <a:endParaRPr b="0" lang="en-US" sz="1800" spc="-1" strike="noStrike">
                         <a:latin typeface="Arial"/>
                       </a:endParaRPr>
                     </a:p>
@@ -18996,7 +18856,7 @@
                         </a:rPr>
                         <a:t>P</a:t>
                       </a:r>
-                      <a:endParaRPr b="0" lang="pt-BR" sz="1800" spc="-1" strike="noStrike">
+                      <a:endParaRPr b="0" lang="en-US" sz="1800" spc="-1" strike="noStrike">
                         <a:latin typeface="Arial"/>
                       </a:endParaRPr>
                     </a:p>
@@ -19045,7 +18905,7 @@
                         </a:rPr>
                         <a:t>Curta</a:t>
                       </a:r>
-                      <a:endParaRPr b="0" lang="pt-BR" sz="1800" spc="-1" strike="noStrike">
+                      <a:endParaRPr b="0" lang="en-US" sz="1800" spc="-1" strike="noStrike">
                         <a:latin typeface="Arial"/>
                       </a:endParaRPr>
                     </a:p>
@@ -19094,7 +18954,7 @@
                         </a:rPr>
                         <a:t>Caramelo</a:t>
                       </a:r>
-                      <a:endParaRPr b="0" lang="pt-BR" sz="1800" spc="-1" strike="noStrike">
+                      <a:endParaRPr b="0" lang="en-US" sz="1800" spc="-1" strike="noStrike">
                         <a:latin typeface="Arial"/>
                       </a:endParaRPr>
                     </a:p>
@@ -19143,7 +19003,7 @@
                         </a:rPr>
                         <a:t>Pontuda</a:t>
                       </a:r>
-                      <a:endParaRPr b="0" lang="pt-BR" sz="1800" spc="-1" strike="noStrike">
+                      <a:endParaRPr b="0" lang="en-US" sz="1800" spc="-1" strike="noStrike">
                         <a:latin typeface="Arial"/>
                       </a:endParaRPr>
                     </a:p>
@@ -19192,7 +19052,7 @@
                         </a:rPr>
                         <a:t>Normal</a:t>
                       </a:r>
-                      <a:endParaRPr b="0" lang="pt-BR" sz="1800" spc="-1" strike="noStrike">
+                      <a:endParaRPr b="0" lang="en-US" sz="1800" spc="-1" strike="noStrike">
                         <a:latin typeface="Arial"/>
                       </a:endParaRPr>
                     </a:p>
@@ -19241,7 +19101,7 @@
                         </a:rPr>
                         <a:t>Chihuahua</a:t>
                       </a:r>
-                      <a:endParaRPr b="0" lang="pt-BR" sz="1800" spc="-1" strike="noStrike">
+                      <a:endParaRPr b="0" lang="en-US" sz="1800" spc="-1" strike="noStrike">
                         <a:latin typeface="Arial"/>
                       </a:endParaRPr>
                     </a:p>
@@ -19292,7 +19152,7 @@
                         </a:rPr>
                         <a:t>M</a:t>
                       </a:r>
-                      <a:endParaRPr b="0" lang="pt-BR" sz="1800" spc="-1" strike="noStrike">
+                      <a:endParaRPr b="0" lang="en-US" sz="1800" spc="-1" strike="noStrike">
                         <a:latin typeface="Arial"/>
                       </a:endParaRPr>
                     </a:p>
@@ -19341,7 +19201,7 @@
                         </a:rPr>
                         <a:t>Curta</a:t>
                       </a:r>
-                      <a:endParaRPr b="0" lang="pt-BR" sz="1800" spc="-1" strike="noStrike">
+                      <a:endParaRPr b="0" lang="en-US" sz="1800" spc="-1" strike="noStrike">
                         <a:latin typeface="Arial"/>
                       </a:endParaRPr>
                     </a:p>
@@ -19390,7 +19250,7 @@
                         </a:rPr>
                         <a:t>Branco/Caramelo</a:t>
                       </a:r>
-                      <a:endParaRPr b="0" lang="pt-BR" sz="1800" spc="-1" strike="noStrike">
+                      <a:endParaRPr b="0" lang="en-US" sz="1800" spc="-1" strike="noStrike">
                         <a:latin typeface="Arial"/>
                       </a:endParaRPr>
                     </a:p>
@@ -19439,7 +19299,7 @@
                         </a:rPr>
                         <a:t>Caída</a:t>
                       </a:r>
-                      <a:endParaRPr b="0" lang="pt-BR" sz="1800" spc="-1" strike="noStrike">
+                      <a:endParaRPr b="0" lang="en-US" sz="1800" spc="-1" strike="noStrike">
                         <a:latin typeface="Arial"/>
                       </a:endParaRPr>
                     </a:p>
@@ -19488,7 +19348,7 @@
                         </a:rPr>
                         <a:t>Normal</a:t>
                       </a:r>
-                      <a:endParaRPr b="0" lang="pt-BR" sz="1800" spc="-1" strike="noStrike">
+                      <a:endParaRPr b="0" lang="en-US" sz="1800" spc="-1" strike="noStrike">
                         <a:latin typeface="Arial"/>
                       </a:endParaRPr>
                     </a:p>
@@ -19537,7 +19397,7 @@
                         </a:rPr>
                         <a:t>Beagle</a:t>
                       </a:r>
-                      <a:endParaRPr b="0" lang="pt-BR" sz="1800" spc="-1" strike="noStrike">
+                      <a:endParaRPr b="0" lang="en-US" sz="1800" spc="-1" strike="noStrike">
                         <a:latin typeface="Arial"/>
                       </a:endParaRPr>
                     </a:p>
@@ -19588,7 +19448,7 @@
                         </a:rPr>
                         <a:t>P</a:t>
                       </a:r>
-                      <a:endParaRPr b="0" lang="pt-BR" sz="1800" spc="-1" strike="noStrike">
+                      <a:endParaRPr b="0" lang="en-US" sz="1800" spc="-1" strike="noStrike">
                         <a:latin typeface="Arial"/>
                       </a:endParaRPr>
                     </a:p>
@@ -19637,7 +19497,7 @@
                         </a:rPr>
                         <a:t>Longa</a:t>
                       </a:r>
-                      <a:endParaRPr b="0" lang="pt-BR" sz="1800" spc="-1" strike="noStrike">
+                      <a:endParaRPr b="0" lang="en-US" sz="1800" spc="-1" strike="noStrike">
                         <a:latin typeface="Arial"/>
                       </a:endParaRPr>
                     </a:p>
@@ -19686,7 +19546,7 @@
                         </a:rPr>
                         <a:t>Preta/Caramelo</a:t>
                       </a:r>
-                      <a:endParaRPr b="0" lang="pt-BR" sz="1800" spc="-1" strike="noStrike">
+                      <a:endParaRPr b="0" lang="en-US" sz="1800" spc="-1" strike="noStrike">
                         <a:latin typeface="Arial"/>
                       </a:endParaRPr>
                     </a:p>
@@ -19735,7 +19595,7 @@
                         </a:rPr>
                         <a:t>Pontuda</a:t>
                       </a:r>
-                      <a:endParaRPr b="0" lang="pt-BR" sz="1800" spc="-1" strike="noStrike">
+                      <a:endParaRPr b="0" lang="en-US" sz="1800" spc="-1" strike="noStrike">
                         <a:latin typeface="Arial"/>
                       </a:endParaRPr>
                     </a:p>
@@ -19784,7 +19644,7 @@
                         </a:rPr>
                         <a:t>Normal</a:t>
                       </a:r>
-                      <a:endParaRPr b="0" lang="pt-BR" sz="1800" spc="-1" strike="noStrike">
+                      <a:endParaRPr b="0" lang="en-US" sz="1800" spc="-1" strike="noStrike">
                         <a:latin typeface="Arial"/>
                       </a:endParaRPr>
                     </a:p>
@@ -19833,7 +19693,7 @@
                         </a:rPr>
                         <a:t>Yorkshire</a:t>
                       </a:r>
-                      <a:endParaRPr b="0" lang="pt-BR" sz="1800" spc="-1" strike="noStrike">
+                      <a:endParaRPr b="0" lang="en-US" sz="1800" spc="-1" strike="noStrike">
                         <a:latin typeface="Arial"/>
                       </a:endParaRPr>
                     </a:p>
@@ -19884,7 +19744,7 @@
                         </a:rPr>
                         <a:t>G</a:t>
                       </a:r>
-                      <a:endParaRPr b="0" lang="pt-BR" sz="1800" spc="-1" strike="noStrike">
+                      <a:endParaRPr b="0" lang="en-US" sz="1800" spc="-1" strike="noStrike">
                         <a:latin typeface="Arial"/>
                       </a:endParaRPr>
                     </a:p>
@@ -19933,7 +19793,7 @@
                         </a:rPr>
                         <a:t>Longa</a:t>
                       </a:r>
-                      <a:endParaRPr b="0" lang="pt-BR" sz="1800" spc="-1" strike="noStrike">
+                      <a:endParaRPr b="0" lang="en-US" sz="1800" spc="-1" strike="noStrike">
                         <a:latin typeface="Arial"/>
                       </a:endParaRPr>
                     </a:p>
@@ -19982,7 +19842,7 @@
                         </a:rPr>
                         <a:t>Caramelo</a:t>
                       </a:r>
-                      <a:endParaRPr b="0" lang="pt-BR" sz="1800" spc="-1" strike="noStrike">
+                      <a:endParaRPr b="0" lang="en-US" sz="1800" spc="-1" strike="noStrike">
                         <a:latin typeface="Arial"/>
                       </a:endParaRPr>
                     </a:p>
@@ -20031,7 +19891,7 @@
                         </a:rPr>
                         <a:t>Pontuda</a:t>
                       </a:r>
-                      <a:endParaRPr b="0" lang="pt-BR" sz="1800" spc="-1" strike="noStrike">
+                      <a:endParaRPr b="0" lang="en-US" sz="1800" spc="-1" strike="noStrike">
                         <a:latin typeface="Arial"/>
                       </a:endParaRPr>
                     </a:p>
@@ -20080,7 +19940,7 @@
                         </a:rPr>
                         <a:t>Normal</a:t>
                       </a:r>
-                      <a:endParaRPr b="0" lang="pt-BR" sz="1800" spc="-1" strike="noStrike">
+                      <a:endParaRPr b="0" lang="en-US" sz="1800" spc="-1" strike="noStrike">
                         <a:latin typeface="Arial"/>
                       </a:endParaRPr>
                     </a:p>
@@ -20129,7 +19989,7 @@
                         </a:rPr>
                         <a:t>Pastor Alemão</a:t>
                       </a:r>
-                      <a:endParaRPr b="0" lang="pt-BR" sz="1800" spc="-1" strike="noStrike">
+                      <a:endParaRPr b="0" lang="en-US" sz="1800" spc="-1" strike="noStrike">
                         <a:latin typeface="Arial"/>
                       </a:endParaRPr>
                     </a:p>
@@ -20180,7 +20040,7 @@
                         </a:rPr>
                         <a:t>G</a:t>
                       </a:r>
-                      <a:endParaRPr b="0" lang="pt-BR" sz="1800" spc="-1" strike="noStrike">
+                      <a:endParaRPr b="0" lang="en-US" sz="1800" spc="-1" strike="noStrike">
                         <a:latin typeface="Arial"/>
                       </a:endParaRPr>
                     </a:p>
@@ -20229,7 +20089,7 @@
                         </a:rPr>
                         <a:t>Curta</a:t>
                       </a:r>
-                      <a:endParaRPr b="0" lang="pt-BR" sz="1800" spc="-1" strike="noStrike">
+                      <a:endParaRPr b="0" lang="en-US" sz="1800" spc="-1" strike="noStrike">
                         <a:latin typeface="Arial"/>
                       </a:endParaRPr>
                     </a:p>
@@ -20278,7 +20138,7 @@
                         </a:rPr>
                         <a:t>Branco/Caramelo/Preta</a:t>
                       </a:r>
-                      <a:endParaRPr b="0" lang="pt-BR" sz="1800" spc="-1" strike="noStrike">
+                      <a:endParaRPr b="0" lang="en-US" sz="1800" spc="-1" strike="noStrike">
                         <a:latin typeface="Arial"/>
                       </a:endParaRPr>
                     </a:p>
@@ -20327,7 +20187,7 @@
                         </a:rPr>
                         <a:t>Caída</a:t>
                       </a:r>
-                      <a:endParaRPr b="0" lang="pt-BR" sz="1800" spc="-1" strike="noStrike">
+                      <a:endParaRPr b="0" lang="en-US" sz="1800" spc="-1" strike="noStrike">
                         <a:latin typeface="Arial"/>
                       </a:endParaRPr>
                     </a:p>
@@ -20376,7 +20236,7 @@
                         </a:rPr>
                         <a:t>Normal</a:t>
                       </a:r>
-                      <a:endParaRPr b="0" lang="pt-BR" sz="1800" spc="-1" strike="noStrike">
+                      <a:endParaRPr b="0" lang="en-US" sz="1800" spc="-1" strike="noStrike">
                         <a:latin typeface="Arial"/>
                       </a:endParaRPr>
                     </a:p>
@@ -20425,7 +20285,7 @@
                         </a:rPr>
                         <a:t>Labrador</a:t>
                       </a:r>
-                      <a:endParaRPr b="0" lang="pt-BR" sz="1800" spc="-1" strike="noStrike">
+                      <a:endParaRPr b="0" lang="en-US" sz="1800" spc="-1" strike="noStrike">
                         <a:latin typeface="Arial"/>
                       </a:endParaRPr>
                     </a:p>
@@ -20463,14 +20323,14 @@
       </p:graphicFrame>
       <p:sp>
         <p:nvSpPr>
-          <p:cNvPr id="232" name=""/>
+          <p:cNvPr id="233" name=""/>
           <p:cNvSpPr/>
           <p:nvPr/>
         </p:nvSpPr>
         <p:spPr>
           <a:xfrm>
             <a:off x="525240" y="1594800"/>
-            <a:ext cx="6777360" cy="385560"/>
+            <a:ext cx="6777000" cy="385200"/>
           </a:xfrm>
           <a:prstGeom prst="rect">
             <a:avLst/>
@@ -20507,7 +20367,7 @@
               </a:rPr>
               <a:t>Representação</a:t>
             </a:r>
-            <a:endParaRPr b="0" lang="pt-BR" sz="2000" spc="-1" strike="noStrike">
+            <a:endParaRPr b="0" lang="en-US" sz="2000" spc="-1" strike="noStrike">
               <a:latin typeface="Arial"/>
             </a:endParaRPr>
           </a:p>
@@ -20545,14 +20405,14 @@
       </p:grpSpPr>
       <p:sp>
         <p:nvSpPr>
-          <p:cNvPr id="233" name="CustomShape 5"/>
+          <p:cNvPr id="234" name="CustomShape 5"/>
           <p:cNvSpPr/>
           <p:nvPr/>
         </p:nvSpPr>
         <p:spPr>
           <a:xfrm>
             <a:off x="360000" y="360000"/>
-            <a:ext cx="9347760" cy="887760"/>
+            <a:ext cx="9347400" cy="887400"/>
           </a:xfrm>
           <a:prstGeom prst="rect">
             <a:avLst/>
@@ -20589,22 +20449,22 @@
               </a:rPr>
               <a:t>Aprendizado por instâncias</a:t>
             </a:r>
-            <a:endParaRPr b="0" lang="pt-BR" sz="2600" spc="-1" strike="noStrike">
-              <a:latin typeface="Arial"/>
-            </a:endParaRPr>
-          </a:p>
-        </p:txBody>
-      </p:sp>
-      <p:sp>
-        <p:nvSpPr>
-          <p:cNvPr id="234" name="CustomShape 7"/>
+            <a:endParaRPr b="0" lang="en-US" sz="2600" spc="-1" strike="noStrike">
+              <a:latin typeface="Arial"/>
+            </a:endParaRPr>
+          </a:p>
+        </p:txBody>
+      </p:sp>
+      <p:sp>
+        <p:nvSpPr>
+          <p:cNvPr id="235" name="CustomShape 7"/>
           <p:cNvSpPr/>
           <p:nvPr/>
         </p:nvSpPr>
         <p:spPr>
           <a:xfrm>
             <a:off x="360000" y="1447920"/>
-            <a:ext cx="9167760" cy="4667760"/>
+            <a:ext cx="9167400" cy="4667400"/>
           </a:xfrm>
           <a:prstGeom prst="rect">
             <a:avLst/>
@@ -20644,7 +20504,7 @@
               </a:rPr>
               <a:t>	</a:t>
             </a:r>
-            <a:endParaRPr b="0" lang="pt-BR" sz="2000" spc="-1" strike="noStrike">
+            <a:endParaRPr b="0" lang="en-US" sz="2000" spc="-1" strike="noStrike">
               <a:latin typeface="Arial"/>
             </a:endParaRPr>
           </a:p>
@@ -20673,7 +20533,7 @@
               </a:rPr>
               <a:t>Características são mapeadas no espaço Euclidiano</a:t>
             </a:r>
-            <a:endParaRPr b="0" lang="pt-BR" sz="2000" spc="-1" strike="noStrike">
+            <a:endParaRPr b="0" lang="en-US" sz="2000" spc="-1" strike="noStrike">
               <a:latin typeface="Arial"/>
             </a:endParaRPr>
           </a:p>
@@ -20702,7 +20562,7 @@
               </a:rPr>
               <a:t>Métodos não paramétricos</a:t>
             </a:r>
-            <a:endParaRPr b="0" lang="pt-BR" sz="2000" spc="-1" strike="noStrike">
+            <a:endParaRPr b="0" lang="en-US" sz="2000" spc="-1" strike="noStrike">
               <a:latin typeface="Arial"/>
             </a:endParaRPr>
           </a:p>
@@ -20731,7 +20591,7 @@
               </a:rPr>
               <a:t>Distribuições Arbitrárias</a:t>
             </a:r>
-            <a:endParaRPr b="0" lang="pt-BR" sz="2000" spc="-1" strike="noStrike">
+            <a:endParaRPr b="0" lang="en-US" sz="2000" spc="-1" strike="noStrike">
               <a:latin typeface="Arial"/>
             </a:endParaRPr>
           </a:p>
@@ -20760,7 +20620,7 @@
               </a:rPr>
               <a:t>Sem suposição sobre as densidades</a:t>
             </a:r>
-            <a:endParaRPr b="0" lang="pt-BR" sz="2000" spc="-1" strike="noStrike">
+            <a:endParaRPr b="0" lang="en-US" sz="2000" spc="-1" strike="noStrike">
               <a:latin typeface="Arial"/>
             </a:endParaRPr>
           </a:p>
@@ -20774,7 +20634,7 @@
               </a:spcAft>
               <a:buNone/>
             </a:pPr>
-            <a:endParaRPr b="0" lang="pt-BR" sz="1800" spc="-1" strike="noStrike">
+            <a:endParaRPr b="0" lang="en-US" sz="1800" spc="-1" strike="noStrike">
               <a:latin typeface="Arial"/>
             </a:endParaRPr>
           </a:p>
@@ -20788,22 +20648,22 @@
               </a:spcAft>
               <a:buNone/>
             </a:pPr>
-            <a:endParaRPr b="0" lang="pt-BR" sz="1300" spc="-1" strike="noStrike">
-              <a:latin typeface="Arial"/>
-            </a:endParaRPr>
-          </a:p>
-        </p:txBody>
-      </p:sp>
-      <p:sp>
-        <p:nvSpPr>
-          <p:cNvPr id="235" name="CustomShape 9"/>
+            <a:endParaRPr b="0" lang="en-US" sz="1300" spc="-1" strike="noStrike">
+              <a:latin typeface="Arial"/>
+            </a:endParaRPr>
+          </a:p>
+        </p:txBody>
+      </p:sp>
+      <p:sp>
+        <p:nvSpPr>
+          <p:cNvPr id="236" name="CustomShape 9"/>
           <p:cNvSpPr/>
           <p:nvPr/>
         </p:nvSpPr>
         <p:spPr>
           <a:xfrm>
             <a:off x="897120" y="6886080"/>
-            <a:ext cx="6435000" cy="352800"/>
+            <a:ext cx="6434640" cy="352440"/>
           </a:xfrm>
           <a:prstGeom prst="rect">
             <a:avLst/>
@@ -20840,22 +20700,22 @@
               </a:rPr>
               <a:t>Aprendizado de Máquina - Prof. André Hochuli</a:t>
             </a:r>
-            <a:endParaRPr b="0" lang="pt-BR" sz="1800" spc="-1" strike="noStrike">
-              <a:latin typeface="Arial"/>
-            </a:endParaRPr>
-          </a:p>
-        </p:txBody>
-      </p:sp>
-      <p:sp>
-        <p:nvSpPr>
-          <p:cNvPr id="236" name="CustomShape 15"/>
+            <a:endParaRPr b="0" lang="en-US" sz="1800" spc="-1" strike="noStrike">
+              <a:latin typeface="Arial"/>
+            </a:endParaRPr>
+          </a:p>
+        </p:txBody>
+      </p:sp>
+      <p:sp>
+        <p:nvSpPr>
+          <p:cNvPr id="237" name="CustomShape 15"/>
           <p:cNvSpPr/>
           <p:nvPr/>
         </p:nvSpPr>
         <p:spPr>
           <a:xfrm>
             <a:off x="7608600" y="6886080"/>
-            <a:ext cx="2273040" cy="352800"/>
+            <a:ext cx="2272680" cy="352440"/>
           </a:xfrm>
           <a:prstGeom prst="rect">
             <a:avLst/>
@@ -20892,7 +20752,7 @@
               </a:rPr>
               <a:t>KNN</a:t>
             </a:r>
-            <a:endParaRPr b="0" lang="pt-BR" sz="1800" spc="-1" strike="noStrike">
+            <a:endParaRPr b="0" lang="en-US" sz="1800" spc="-1" strike="noStrike">
               <a:latin typeface="Arial"/>
             </a:endParaRPr>
           </a:p>
@@ -20900,7 +20760,7 @@
       </p:sp>
       <p:pic>
         <p:nvPicPr>
-          <p:cNvPr id="237" name="" descr=""/>
+          <p:cNvPr id="238" name="" descr=""/>
           <p:cNvPicPr/>
           <p:nvPr/>
         </p:nvPicPr>
@@ -20911,7 +20771,7 @@
         <p:spPr>
           <a:xfrm>
             <a:off x="1265400" y="3934080"/>
-            <a:ext cx="3355920" cy="2489040"/>
+            <a:ext cx="3355560" cy="2488680"/>
           </a:xfrm>
           <a:prstGeom prst="rect">
             <a:avLst/>
@@ -20923,7 +20783,7 @@
       </p:pic>
       <p:pic>
         <p:nvPicPr>
-          <p:cNvPr id="238" name="" descr=""/>
+          <p:cNvPr id="239" name="" descr=""/>
           <p:cNvPicPr/>
           <p:nvPr/>
         </p:nvPicPr>
@@ -20934,7 +20794,7 @@
         <p:spPr>
           <a:xfrm>
             <a:off x="4862880" y="3642840"/>
-            <a:ext cx="4818240" cy="3246840"/>
+            <a:ext cx="4817880" cy="3246480"/>
           </a:xfrm>
           <a:prstGeom prst="rect">
             <a:avLst/>
@@ -20976,14 +20836,14 @@
       </p:grpSpPr>
       <p:sp>
         <p:nvSpPr>
-          <p:cNvPr id="239" name="CustomShape 8"/>
+          <p:cNvPr id="240" name="CustomShape 8"/>
           <p:cNvSpPr/>
           <p:nvPr/>
         </p:nvSpPr>
         <p:spPr>
           <a:xfrm>
             <a:off x="360000" y="360000"/>
-            <a:ext cx="9347760" cy="887760"/>
+            <a:ext cx="9347400" cy="887400"/>
           </a:xfrm>
           <a:prstGeom prst="rect">
             <a:avLst/>
@@ -21020,22 +20880,22 @@
               </a:rPr>
               <a:t>K-Nearest Neighbors (K-NN)</a:t>
             </a:r>
-            <a:endParaRPr b="0" lang="pt-BR" sz="2600" spc="-1" strike="noStrike">
-              <a:latin typeface="Arial"/>
-            </a:endParaRPr>
-          </a:p>
-        </p:txBody>
-      </p:sp>
-      <p:sp>
-        <p:nvSpPr>
-          <p:cNvPr id="240" name="CustomShape 19"/>
+            <a:endParaRPr b="0" lang="en-US" sz="2600" spc="-1" strike="noStrike">
+              <a:latin typeface="Arial"/>
+            </a:endParaRPr>
+          </a:p>
+        </p:txBody>
+      </p:sp>
+      <p:sp>
+        <p:nvSpPr>
+          <p:cNvPr id="241" name="CustomShape 19"/>
           <p:cNvSpPr/>
           <p:nvPr/>
         </p:nvSpPr>
         <p:spPr>
           <a:xfrm>
             <a:off x="360000" y="1447920"/>
-            <a:ext cx="9167760" cy="4667760"/>
+            <a:ext cx="9167400" cy="4667400"/>
           </a:xfrm>
           <a:prstGeom prst="rect">
             <a:avLst/>
@@ -21075,7 +20935,7 @@
               </a:rPr>
               <a:t>	</a:t>
             </a:r>
-            <a:endParaRPr b="0" lang="pt-BR" sz="2000" spc="-1" strike="noStrike">
+            <a:endParaRPr b="0" lang="en-US" sz="2000" spc="-1" strike="noStrike">
               <a:latin typeface="Arial"/>
             </a:endParaRPr>
           </a:p>
@@ -21104,7 +20964,7 @@
               </a:rPr>
               <a:t>Votação de ‘K’ vizinhos da amostra de teste</a:t>
             </a:r>
-            <a:endParaRPr b="0" lang="pt-BR" sz="2000" spc="-1" strike="noStrike">
+            <a:endParaRPr b="0" lang="en-US" sz="2000" spc="-1" strike="noStrike">
               <a:latin typeface="Arial"/>
             </a:endParaRPr>
           </a:p>
@@ -21118,7 +20978,7 @@
               </a:spcAft>
               <a:buNone/>
             </a:pPr>
-            <a:endParaRPr b="0" lang="pt-BR" sz="2000" spc="-1" strike="noStrike">
+            <a:endParaRPr b="0" lang="en-US" sz="2000" spc="-1" strike="noStrike">
               <a:latin typeface="Arial"/>
             </a:endParaRPr>
           </a:p>
@@ -21132,22 +20992,22 @@
               </a:spcAft>
               <a:buNone/>
             </a:pPr>
-            <a:endParaRPr b="0" lang="pt-BR" sz="1300" spc="-1" strike="noStrike">
-              <a:latin typeface="Arial"/>
-            </a:endParaRPr>
-          </a:p>
-        </p:txBody>
-      </p:sp>
-      <p:sp>
-        <p:nvSpPr>
-          <p:cNvPr id="241" name="CustomShape 20"/>
+            <a:endParaRPr b="0" lang="en-US" sz="1300" spc="-1" strike="noStrike">
+              <a:latin typeface="Arial"/>
+            </a:endParaRPr>
+          </a:p>
+        </p:txBody>
+      </p:sp>
+      <p:sp>
+        <p:nvSpPr>
+          <p:cNvPr id="242" name="CustomShape 20"/>
           <p:cNvSpPr/>
           <p:nvPr/>
         </p:nvSpPr>
         <p:spPr>
           <a:xfrm>
             <a:off x="897120" y="6886080"/>
-            <a:ext cx="6435000" cy="352800"/>
+            <a:ext cx="6434640" cy="352440"/>
           </a:xfrm>
           <a:prstGeom prst="rect">
             <a:avLst/>
@@ -21184,22 +21044,22 @@
               </a:rPr>
               <a:t>Aprendizado de Máquina - Prof. André Hochuli</a:t>
             </a:r>
-            <a:endParaRPr b="0" lang="pt-BR" sz="1800" spc="-1" strike="noStrike">
-              <a:latin typeface="Arial"/>
-            </a:endParaRPr>
-          </a:p>
-        </p:txBody>
-      </p:sp>
-      <p:sp>
-        <p:nvSpPr>
-          <p:cNvPr id="242" name="CustomShape 21"/>
+            <a:endParaRPr b="0" lang="en-US" sz="1800" spc="-1" strike="noStrike">
+              <a:latin typeface="Arial"/>
+            </a:endParaRPr>
+          </a:p>
+        </p:txBody>
+      </p:sp>
+      <p:sp>
+        <p:nvSpPr>
+          <p:cNvPr id="243" name="CustomShape 21"/>
           <p:cNvSpPr/>
           <p:nvPr/>
         </p:nvSpPr>
         <p:spPr>
           <a:xfrm>
             <a:off x="7608600" y="6886080"/>
-            <a:ext cx="2273040" cy="352800"/>
+            <a:ext cx="2272680" cy="352440"/>
           </a:xfrm>
           <a:prstGeom prst="rect">
             <a:avLst/>
@@ -21236,7 +21096,7 @@
               </a:rPr>
               <a:t>KNN</a:t>
             </a:r>
-            <a:endParaRPr b="0" lang="pt-BR" sz="1800" spc="-1" strike="noStrike">
+            <a:endParaRPr b="0" lang="en-US" sz="1800" spc="-1" strike="noStrike">
               <a:latin typeface="Arial"/>
             </a:endParaRPr>
           </a:p>
@@ -21244,7 +21104,7 @@
       </p:sp>
       <p:pic>
         <p:nvPicPr>
-          <p:cNvPr id="243" name="" descr=""/>
+          <p:cNvPr id="244" name="" descr=""/>
           <p:cNvPicPr/>
           <p:nvPr/>
         </p:nvPicPr>
@@ -21255,7 +21115,7 @@
         <p:spPr>
           <a:xfrm>
             <a:off x="2520360" y="2482200"/>
-            <a:ext cx="4679280" cy="3997440"/>
+            <a:ext cx="4678920" cy="3997080"/>
           </a:xfrm>
           <a:prstGeom prst="rect">
             <a:avLst/>
@@ -21297,14 +21157,14 @@
       </p:grpSpPr>
       <p:sp>
         <p:nvSpPr>
-          <p:cNvPr id="244" name="CustomShape 23"/>
+          <p:cNvPr id="245" name="CustomShape 23"/>
           <p:cNvSpPr/>
           <p:nvPr/>
         </p:nvSpPr>
         <p:spPr>
           <a:xfrm>
             <a:off x="360000" y="360000"/>
-            <a:ext cx="9347760" cy="887760"/>
+            <a:ext cx="9347400" cy="887400"/>
           </a:xfrm>
           <a:prstGeom prst="rect">
             <a:avLst/>
@@ -21341,22 +21201,22 @@
               </a:rPr>
               <a:t>Distância Euclidiana</a:t>
             </a:r>
-            <a:endParaRPr b="0" lang="pt-BR" sz="2600" spc="-1" strike="noStrike">
-              <a:latin typeface="Arial"/>
-            </a:endParaRPr>
-          </a:p>
-        </p:txBody>
-      </p:sp>
-      <p:sp>
-        <p:nvSpPr>
-          <p:cNvPr id="245" name="CustomShape 24"/>
+            <a:endParaRPr b="0" lang="en-US" sz="2600" spc="-1" strike="noStrike">
+              <a:latin typeface="Arial"/>
+            </a:endParaRPr>
+          </a:p>
+        </p:txBody>
+      </p:sp>
+      <p:sp>
+        <p:nvSpPr>
+          <p:cNvPr id="246" name="CustomShape 24"/>
           <p:cNvSpPr/>
           <p:nvPr/>
         </p:nvSpPr>
         <p:spPr>
           <a:xfrm>
             <a:off x="360000" y="1447920"/>
-            <a:ext cx="9167760" cy="4667760"/>
+            <a:ext cx="9167400" cy="4667400"/>
           </a:xfrm>
           <a:prstGeom prst="rect">
             <a:avLst/>
@@ -21396,7 +21256,7 @@
               </a:rPr>
               <a:t>	</a:t>
             </a:r>
-            <a:endParaRPr b="0" lang="pt-BR" sz="2000" spc="-1" strike="noStrike">
+            <a:endParaRPr b="0" lang="en-US" sz="2000" spc="-1" strike="noStrike">
               <a:latin typeface="Arial"/>
             </a:endParaRPr>
           </a:p>
@@ -21425,7 +21285,7 @@
               </a:rPr>
               <a:t>Determina a distância entre dois pontos espaço euclidiano </a:t>
             </a:r>
-            <a:endParaRPr b="0" lang="pt-BR" sz="2000" spc="-1" strike="noStrike">
+            <a:endParaRPr b="0" lang="en-US" sz="2000" spc="-1" strike="noStrike">
               <a:latin typeface="Arial"/>
             </a:endParaRPr>
           </a:p>
@@ -21439,7 +21299,7 @@
               </a:spcAft>
               <a:buNone/>
             </a:pPr>
-            <a:endParaRPr b="0" lang="pt-BR" sz="2000" spc="-1" strike="noStrike">
+            <a:endParaRPr b="0" lang="en-US" sz="2000" spc="-1" strike="noStrike">
               <a:latin typeface="Arial"/>
             </a:endParaRPr>
           </a:p>
@@ -21453,7 +21313,7 @@
               </a:spcAft>
               <a:buNone/>
             </a:pPr>
-            <a:endParaRPr b="0" lang="pt-BR" sz="2000" spc="-1" strike="noStrike">
+            <a:endParaRPr b="0" lang="en-US" sz="2000" spc="-1" strike="noStrike">
               <a:latin typeface="Arial"/>
             </a:endParaRPr>
           </a:p>
@@ -21467,22 +21327,22 @@
               </a:spcAft>
               <a:buNone/>
             </a:pPr>
-            <a:endParaRPr b="0" lang="pt-BR" sz="1300" spc="-1" strike="noStrike">
-              <a:latin typeface="Arial"/>
-            </a:endParaRPr>
-          </a:p>
-        </p:txBody>
-      </p:sp>
-      <p:sp>
-        <p:nvSpPr>
-          <p:cNvPr id="246" name="CustomShape 25"/>
+            <a:endParaRPr b="0" lang="en-US" sz="1300" spc="-1" strike="noStrike">
+              <a:latin typeface="Arial"/>
+            </a:endParaRPr>
+          </a:p>
+        </p:txBody>
+      </p:sp>
+      <p:sp>
+        <p:nvSpPr>
+          <p:cNvPr id="247" name="CustomShape 25"/>
           <p:cNvSpPr/>
           <p:nvPr/>
         </p:nvSpPr>
         <p:spPr>
           <a:xfrm>
             <a:off x="897120" y="6886080"/>
-            <a:ext cx="6435000" cy="352800"/>
+            <a:ext cx="6434640" cy="352440"/>
           </a:xfrm>
           <a:prstGeom prst="rect">
             <a:avLst/>
@@ -21519,22 +21379,22 @@
               </a:rPr>
               <a:t>Aprendizado de Máquina - Prof. André Hochuli</a:t>
             </a:r>
-            <a:endParaRPr b="0" lang="pt-BR" sz="1800" spc="-1" strike="noStrike">
-              <a:latin typeface="Arial"/>
-            </a:endParaRPr>
-          </a:p>
-        </p:txBody>
-      </p:sp>
-      <p:sp>
-        <p:nvSpPr>
-          <p:cNvPr id="247" name="CustomShape 26"/>
+            <a:endParaRPr b="0" lang="en-US" sz="1800" spc="-1" strike="noStrike">
+              <a:latin typeface="Arial"/>
+            </a:endParaRPr>
+          </a:p>
+        </p:txBody>
+      </p:sp>
+      <p:sp>
+        <p:nvSpPr>
+          <p:cNvPr id="248" name="CustomShape 26"/>
           <p:cNvSpPr/>
           <p:nvPr/>
         </p:nvSpPr>
         <p:spPr>
           <a:xfrm>
             <a:off x="7608600" y="6886080"/>
-            <a:ext cx="2273040" cy="352800"/>
+            <a:ext cx="2272680" cy="352440"/>
           </a:xfrm>
           <a:prstGeom prst="rect">
             <a:avLst/>
@@ -21571,7 +21431,7 @@
               </a:rPr>
               <a:t>KNN</a:t>
             </a:r>
-            <a:endParaRPr b="0" lang="pt-BR" sz="1800" spc="-1" strike="noStrike">
+            <a:endParaRPr b="0" lang="en-US" sz="1800" spc="-1" strike="noStrike">
               <a:latin typeface="Arial"/>
             </a:endParaRPr>
           </a:p>
@@ -21579,7 +21439,7 @@
       </p:sp>
       <p:pic>
         <p:nvPicPr>
-          <p:cNvPr id="248" name="" descr=""/>
+          <p:cNvPr id="249" name="" descr=""/>
           <p:cNvPicPr/>
           <p:nvPr/>
         </p:nvPicPr>
@@ -21590,7 +21450,7 @@
         <p:spPr>
           <a:xfrm>
             <a:off x="1474200" y="3206880"/>
-            <a:ext cx="3575160" cy="3359880"/>
+            <a:ext cx="3574800" cy="3359520"/>
           </a:xfrm>
           <a:prstGeom prst="rect">
             <a:avLst/>
@@ -21602,7 +21462,7 @@
       </p:pic>
       <p:pic>
         <p:nvPicPr>
-          <p:cNvPr id="249" name="" descr=""/>
+          <p:cNvPr id="250" name="" descr=""/>
           <p:cNvPicPr/>
           <p:nvPr/>
         </p:nvPicPr>
@@ -21614,30 +21474,7 @@
         <p:spPr>
           <a:xfrm>
             <a:off x="3623760" y="4358520"/>
-            <a:ext cx="5639760" cy="807840"/>
-          </a:xfrm>
-          <a:prstGeom prst="rect">
-            <a:avLst/>
-          </a:prstGeom>
-          <a:ln w="0">
-            <a:noFill/>
-          </a:ln>
-        </p:spPr>
-      </p:pic>
-      <p:pic>
-        <p:nvPicPr>
-          <p:cNvPr id="250" name="" descr=""/>
-          <p:cNvPicPr/>
-          <p:nvPr/>
-        </p:nvPicPr>
-        <p:blipFill>
-          <a:blip r:embed="rId3"/>
-          <a:stretch/>
-        </p:blipFill>
-        <p:spPr>
-          <a:xfrm>
-            <a:off x="5498280" y="2713680"/>
-            <a:ext cx="1956240" cy="468720"/>
+            <a:ext cx="5639400" cy="807480"/>
           </a:xfrm>
           <a:prstGeom prst="rect">
             <a:avLst/>
@@ -21654,13 +21491,36 @@
           <p:nvPr/>
         </p:nvPicPr>
         <p:blipFill>
+          <a:blip r:embed="rId3"/>
+          <a:stretch/>
+        </p:blipFill>
+        <p:spPr>
+          <a:xfrm>
+            <a:off x="5498280" y="2713680"/>
+            <a:ext cx="1955880" cy="468360"/>
+          </a:xfrm>
+          <a:prstGeom prst="rect">
+            <a:avLst/>
+          </a:prstGeom>
+          <a:ln w="0">
+            <a:noFill/>
+          </a:ln>
+        </p:spPr>
+      </p:pic>
+      <p:pic>
+        <p:nvPicPr>
+          <p:cNvPr id="252" name="" descr=""/>
+          <p:cNvPicPr/>
+          <p:nvPr/>
+        </p:nvPicPr>
+        <p:blipFill>
           <a:blip r:embed="rId4"/>
           <a:stretch/>
         </p:blipFill>
         <p:spPr>
           <a:xfrm>
             <a:off x="5094000" y="3539160"/>
-            <a:ext cx="2753280" cy="712440"/>
+            <a:ext cx="2752920" cy="712080"/>
           </a:xfrm>
           <a:prstGeom prst="rect">
             <a:avLst/>
@@ -21702,14 +21562,14 @@
       </p:grpSpPr>
       <p:sp>
         <p:nvSpPr>
-          <p:cNvPr id="252" name="CustomShape 43"/>
+          <p:cNvPr id="253" name="CustomShape 43"/>
           <p:cNvSpPr/>
           <p:nvPr/>
         </p:nvSpPr>
         <p:spPr>
           <a:xfrm>
             <a:off x="360000" y="360000"/>
-            <a:ext cx="9347760" cy="887760"/>
+            <a:ext cx="9347400" cy="887400"/>
           </a:xfrm>
           <a:prstGeom prst="rect">
             <a:avLst/>
@@ -21746,22 +21606,22 @@
               </a:rPr>
               <a:t>Distância Euclidiana</a:t>
             </a:r>
-            <a:endParaRPr b="0" lang="pt-BR" sz="2600" spc="-1" strike="noStrike">
-              <a:latin typeface="Arial"/>
-            </a:endParaRPr>
-          </a:p>
-        </p:txBody>
-      </p:sp>
-      <p:sp>
-        <p:nvSpPr>
-          <p:cNvPr id="253" name="CustomShape 44"/>
+            <a:endParaRPr b="0" lang="en-US" sz="2600" spc="-1" strike="noStrike">
+              <a:latin typeface="Arial"/>
+            </a:endParaRPr>
+          </a:p>
+        </p:txBody>
+      </p:sp>
+      <p:sp>
+        <p:nvSpPr>
+          <p:cNvPr id="254" name="CustomShape 44"/>
           <p:cNvSpPr/>
           <p:nvPr/>
         </p:nvSpPr>
         <p:spPr>
           <a:xfrm>
             <a:off x="360000" y="1447920"/>
-            <a:ext cx="9167760" cy="4667760"/>
+            <a:ext cx="9167400" cy="4667400"/>
           </a:xfrm>
           <a:prstGeom prst="rect">
             <a:avLst/>
@@ -21801,7 +21661,7 @@
               </a:rPr>
               <a:t>	</a:t>
             </a:r>
-            <a:endParaRPr b="0" lang="pt-BR" sz="2000" spc="-1" strike="noStrike">
+            <a:endParaRPr b="0" lang="en-US" sz="2000" spc="-1" strike="noStrike">
               <a:latin typeface="Arial"/>
             </a:endParaRPr>
           </a:p>
@@ -21830,7 +21690,7 @@
               </a:rPr>
               <a:t>N-dimensional</a:t>
             </a:r>
-            <a:endParaRPr b="0" lang="pt-BR" sz="2000" spc="-1" strike="noStrike">
+            <a:endParaRPr b="0" lang="en-US" sz="2000" spc="-1" strike="noStrike">
               <a:latin typeface="Arial"/>
             </a:endParaRPr>
           </a:p>
@@ -21844,7 +21704,7 @@
               </a:spcAft>
               <a:buNone/>
             </a:pPr>
-            <a:endParaRPr b="0" lang="pt-BR" sz="2000" spc="-1" strike="noStrike">
+            <a:endParaRPr b="0" lang="en-US" sz="2000" spc="-1" strike="noStrike">
               <a:latin typeface="Arial"/>
             </a:endParaRPr>
           </a:p>
@@ -21858,22 +21718,22 @@
               </a:spcAft>
               <a:buNone/>
             </a:pPr>
-            <a:endParaRPr b="0" lang="pt-BR" sz="1300" spc="-1" strike="noStrike">
-              <a:latin typeface="Arial"/>
-            </a:endParaRPr>
-          </a:p>
-        </p:txBody>
-      </p:sp>
-      <p:sp>
-        <p:nvSpPr>
-          <p:cNvPr id="254" name="CustomShape 45"/>
+            <a:endParaRPr b="0" lang="en-US" sz="1300" spc="-1" strike="noStrike">
+              <a:latin typeface="Arial"/>
+            </a:endParaRPr>
+          </a:p>
+        </p:txBody>
+      </p:sp>
+      <p:sp>
+        <p:nvSpPr>
+          <p:cNvPr id="255" name="CustomShape 45"/>
           <p:cNvSpPr/>
           <p:nvPr/>
         </p:nvSpPr>
         <p:spPr>
           <a:xfrm>
             <a:off x="897120" y="6886080"/>
-            <a:ext cx="6435000" cy="352800"/>
+            <a:ext cx="6434640" cy="352440"/>
           </a:xfrm>
           <a:prstGeom prst="rect">
             <a:avLst/>
@@ -21910,22 +21770,22 @@
               </a:rPr>
               <a:t>Aprendizado de Máquina - Prof. André Hochuli</a:t>
             </a:r>
-            <a:endParaRPr b="0" lang="pt-BR" sz="1800" spc="-1" strike="noStrike">
-              <a:latin typeface="Arial"/>
-            </a:endParaRPr>
-          </a:p>
-        </p:txBody>
-      </p:sp>
-      <p:sp>
-        <p:nvSpPr>
-          <p:cNvPr id="255" name="CustomShape 46"/>
+            <a:endParaRPr b="0" lang="en-US" sz="1800" spc="-1" strike="noStrike">
+              <a:latin typeface="Arial"/>
+            </a:endParaRPr>
+          </a:p>
+        </p:txBody>
+      </p:sp>
+      <p:sp>
+        <p:nvSpPr>
+          <p:cNvPr id="256" name="CustomShape 46"/>
           <p:cNvSpPr/>
           <p:nvPr/>
         </p:nvSpPr>
         <p:spPr>
           <a:xfrm>
             <a:off x="7608600" y="6886080"/>
-            <a:ext cx="2273040" cy="352800"/>
+            <a:ext cx="2272680" cy="352440"/>
           </a:xfrm>
           <a:prstGeom prst="rect">
             <a:avLst/>
@@ -21962,7 +21822,7 @@
               </a:rPr>
               <a:t>KNN</a:t>
             </a:r>
-            <a:endParaRPr b="0" lang="pt-BR" sz="1800" spc="-1" strike="noStrike">
+            <a:endParaRPr b="0" lang="en-US" sz="1800" spc="-1" strike="noStrike">
               <a:latin typeface="Arial"/>
             </a:endParaRPr>
           </a:p>
@@ -21970,7 +21830,7 @@
       </p:sp>
       <p:pic>
         <p:nvPicPr>
-          <p:cNvPr id="256" name="" descr=""/>
+          <p:cNvPr id="257" name="" descr=""/>
           <p:cNvPicPr/>
           <p:nvPr/>
         </p:nvPicPr>
@@ -21981,7 +21841,7 @@
         <p:spPr>
           <a:xfrm>
             <a:off x="2675160" y="2603160"/>
-            <a:ext cx="7002720" cy="1558800"/>
+            <a:ext cx="7002360" cy="1558440"/>
           </a:xfrm>
           <a:prstGeom prst="rect">
             <a:avLst/>
@@ -21993,7 +21853,7 @@
       </p:pic>
       <p:pic>
         <p:nvPicPr>
-          <p:cNvPr id="257" name="" descr=""/>
+          <p:cNvPr id="258" name="" descr=""/>
           <p:cNvPicPr/>
           <p:nvPr/>
         </p:nvPicPr>
@@ -22004,7 +21864,7 @@
         <p:spPr>
           <a:xfrm>
             <a:off x="484200" y="3418560"/>
-            <a:ext cx="3717000" cy="3215520"/>
+            <a:ext cx="3716640" cy="3215160"/>
           </a:xfrm>
           <a:prstGeom prst="rect">
             <a:avLst/>
@@ -22016,7 +21876,7 @@
       </p:pic>
       <p:sp>
         <p:nvSpPr>
-          <p:cNvPr id="258" name=""/>
+          <p:cNvPr id="259" name=""/>
           <p:cNvSpPr/>
           <p:nvPr/>
         </p:nvSpPr>
@@ -22077,14 +21937,14 @@
       </p:grpSpPr>
       <p:sp>
         <p:nvSpPr>
-          <p:cNvPr id="259" name="CustomShape 28"/>
+          <p:cNvPr id="260" name="CustomShape 28"/>
           <p:cNvSpPr/>
           <p:nvPr/>
         </p:nvSpPr>
         <p:spPr>
           <a:xfrm>
             <a:off x="360000" y="360000"/>
-            <a:ext cx="9347760" cy="887760"/>
+            <a:ext cx="9347400" cy="887400"/>
           </a:xfrm>
           <a:prstGeom prst="rect">
             <a:avLst/>
@@ -22121,22 +21981,22 @@
               </a:rPr>
               <a:t>Inferência KNN</a:t>
             </a:r>
-            <a:endParaRPr b="0" lang="pt-BR" sz="2600" spc="-1" strike="noStrike">
-              <a:latin typeface="Arial"/>
-            </a:endParaRPr>
-          </a:p>
-        </p:txBody>
-      </p:sp>
-      <p:sp>
-        <p:nvSpPr>
-          <p:cNvPr id="260" name="CustomShape 29"/>
+            <a:endParaRPr b="0" lang="en-US" sz="2600" spc="-1" strike="noStrike">
+              <a:latin typeface="Arial"/>
+            </a:endParaRPr>
+          </a:p>
+        </p:txBody>
+      </p:sp>
+      <p:sp>
+        <p:nvSpPr>
+          <p:cNvPr id="261" name="CustomShape 29"/>
           <p:cNvSpPr/>
           <p:nvPr/>
         </p:nvSpPr>
         <p:spPr>
           <a:xfrm>
             <a:off x="360000" y="1447920"/>
-            <a:ext cx="9167760" cy="4667760"/>
+            <a:ext cx="9167400" cy="4667400"/>
           </a:xfrm>
           <a:prstGeom prst="rect">
             <a:avLst/>
@@ -22176,7 +22036,7 @@
               </a:rPr>
               <a:t>	</a:t>
             </a:r>
-            <a:endParaRPr b="0" lang="pt-BR" sz="2000" spc="-1" strike="noStrike">
+            <a:endParaRPr b="0" lang="en-US" sz="2000" spc="-1" strike="noStrike">
               <a:latin typeface="Arial"/>
             </a:endParaRPr>
           </a:p>
@@ -22190,22 +22050,22 @@
               </a:spcAft>
               <a:buNone/>
             </a:pPr>
-            <a:endParaRPr b="0" lang="pt-BR" sz="2000" spc="-1" strike="noStrike">
-              <a:latin typeface="Arial"/>
-            </a:endParaRPr>
-          </a:p>
-        </p:txBody>
-      </p:sp>
-      <p:sp>
-        <p:nvSpPr>
-          <p:cNvPr id="261" name="CustomShape 30"/>
+            <a:endParaRPr b="0" lang="en-US" sz="2000" spc="-1" strike="noStrike">
+              <a:latin typeface="Arial"/>
+            </a:endParaRPr>
+          </a:p>
+        </p:txBody>
+      </p:sp>
+      <p:sp>
+        <p:nvSpPr>
+          <p:cNvPr id="262" name="CustomShape 30"/>
           <p:cNvSpPr/>
           <p:nvPr/>
         </p:nvSpPr>
         <p:spPr>
           <a:xfrm>
             <a:off x="897120" y="6886080"/>
-            <a:ext cx="6435000" cy="352800"/>
+            <a:ext cx="6434640" cy="352440"/>
           </a:xfrm>
           <a:prstGeom prst="rect">
             <a:avLst/>
@@ -22242,22 +22102,22 @@
               </a:rPr>
               <a:t>Aprendizado de Máquina - Prof. André Hochuli</a:t>
             </a:r>
-            <a:endParaRPr b="0" lang="pt-BR" sz="1800" spc="-1" strike="noStrike">
-              <a:latin typeface="Arial"/>
-            </a:endParaRPr>
-          </a:p>
-        </p:txBody>
-      </p:sp>
-      <p:sp>
-        <p:nvSpPr>
-          <p:cNvPr id="262" name="CustomShape 31"/>
+            <a:endParaRPr b="0" lang="en-US" sz="1800" spc="-1" strike="noStrike">
+              <a:latin typeface="Arial"/>
+            </a:endParaRPr>
+          </a:p>
+        </p:txBody>
+      </p:sp>
+      <p:sp>
+        <p:nvSpPr>
+          <p:cNvPr id="263" name="CustomShape 31"/>
           <p:cNvSpPr/>
           <p:nvPr/>
         </p:nvSpPr>
         <p:spPr>
           <a:xfrm>
             <a:off x="7608600" y="6886080"/>
-            <a:ext cx="2273040" cy="352800"/>
+            <a:ext cx="2272680" cy="352440"/>
           </a:xfrm>
           <a:prstGeom prst="rect">
             <a:avLst/>
@@ -22294,22 +22154,22 @@
               </a:rPr>
               <a:t>KNN</a:t>
             </a:r>
-            <a:endParaRPr b="0" lang="pt-BR" sz="1800" spc="-1" strike="noStrike">
-              <a:latin typeface="Arial"/>
-            </a:endParaRPr>
-          </a:p>
-        </p:txBody>
-      </p:sp>
-      <p:sp>
-        <p:nvSpPr>
-          <p:cNvPr id="263" name=""/>
+            <a:endParaRPr b="0" lang="en-US" sz="1800" spc="-1" strike="noStrike">
+              <a:latin typeface="Arial"/>
+            </a:endParaRPr>
+          </a:p>
+        </p:txBody>
+      </p:sp>
+      <p:sp>
+        <p:nvSpPr>
+          <p:cNvPr id="264" name=""/>
           <p:cNvSpPr/>
           <p:nvPr/>
         </p:nvSpPr>
         <p:spPr>
           <a:xfrm>
             <a:off x="1962000" y="3637080"/>
-            <a:ext cx="6300000" cy="1113120"/>
+            <a:ext cx="6299640" cy="1112760"/>
           </a:xfrm>
           <a:prstGeom prst="rect">
             <a:avLst/>
@@ -22328,14 +22188,14 @@
       </p:sp>
       <p:sp>
         <p:nvSpPr>
-          <p:cNvPr id="264" name="CustomShape 48"/>
+          <p:cNvPr id="265" name="CustomShape 48"/>
           <p:cNvSpPr/>
           <p:nvPr/>
         </p:nvSpPr>
         <p:spPr>
           <a:xfrm>
             <a:off x="360000" y="1447920"/>
-            <a:ext cx="9167760" cy="4667760"/>
+            <a:ext cx="9167400" cy="4667400"/>
           </a:xfrm>
           <a:prstGeom prst="rect">
             <a:avLst/>
@@ -22375,7 +22235,7 @@
               </a:rPr>
               <a:t>	</a:t>
             </a:r>
-            <a:endParaRPr b="0" lang="pt-BR" sz="2000" spc="-1" strike="noStrike">
+            <a:endParaRPr b="0" lang="en-US" sz="2000" spc="-1" strike="noStrike">
               <a:latin typeface="Arial"/>
             </a:endParaRPr>
           </a:p>
@@ -22404,7 +22264,7 @@
               </a:rPr>
               <a:t>Computar as distâncias entre a amostra de teste e as amostras de treino</a:t>
             </a:r>
-            <a:endParaRPr b="0" lang="pt-BR" sz="2000" spc="-1" strike="noStrike">
+            <a:endParaRPr b="0" lang="en-US" sz="2000" spc="-1" strike="noStrike">
               <a:latin typeface="Arial"/>
             </a:endParaRPr>
           </a:p>
@@ -22433,7 +22293,7 @@
               </a:rPr>
               <a:t>Selecionar os K vizinhos </a:t>
             </a:r>
-            <a:endParaRPr b="0" lang="pt-BR" sz="2000" spc="-1" strike="noStrike">
+            <a:endParaRPr b="0" lang="en-US" sz="2000" spc="-1" strike="noStrike">
               <a:latin typeface="Arial"/>
             </a:endParaRPr>
           </a:p>
@@ -22462,7 +22322,7 @@
               </a:rPr>
               <a:t>Votação</a:t>
             </a:r>
-            <a:endParaRPr b="0" lang="pt-BR" sz="2000" spc="-1" strike="noStrike">
+            <a:endParaRPr b="0" lang="en-US" sz="2000" spc="-1" strike="noStrike">
               <a:latin typeface="Arial"/>
             </a:endParaRPr>
           </a:p>
@@ -22476,7 +22336,7 @@
               </a:spcAft>
               <a:buNone/>
             </a:pPr>
-            <a:endParaRPr b="0" lang="pt-BR" sz="2000" spc="-1" strike="noStrike">
+            <a:endParaRPr b="0" lang="en-US" sz="2000" spc="-1" strike="noStrike">
               <a:latin typeface="Arial"/>
             </a:endParaRPr>
           </a:p>
@@ -22490,7 +22350,7 @@
               </a:spcAft>
               <a:buNone/>
             </a:pPr>
-            <a:endParaRPr b="0" lang="pt-BR" sz="2000" spc="-1" strike="noStrike">
+            <a:endParaRPr b="0" lang="en-US" sz="2000" spc="-1" strike="noStrike">
               <a:latin typeface="Arial"/>
             </a:endParaRPr>
           </a:p>
@@ -22504,7 +22364,7 @@
               </a:spcAft>
               <a:buNone/>
             </a:pPr>
-            <a:endParaRPr b="0" lang="pt-BR" sz="1300" spc="-1" strike="noStrike">
+            <a:endParaRPr b="0" lang="en-US" sz="1300" spc="-1" strike="noStrike">
               <a:latin typeface="Arial"/>
             </a:endParaRPr>
           </a:p>
@@ -22512,35 +22372,35 @@
       </p:sp>
       <p:grpSp>
         <p:nvGrpSpPr>
-          <p:cNvPr id="265" name=""/>
+          <p:cNvPr id="266" name=""/>
           <p:cNvGrpSpPr/>
           <p:nvPr/>
         </p:nvGrpSpPr>
         <p:grpSpPr>
           <a:xfrm>
             <a:off x="4176000" y="2431440"/>
-            <a:ext cx="5219640" cy="4319640"/>
+            <a:ext cx="5219280" cy="4319280"/>
             <a:chOff x="4176000" y="2431440"/>
-            <a:chExt cx="5219640" cy="4319640"/>
+            <a:chExt cx="5219280" cy="4319280"/>
           </a:xfrm>
         </p:grpSpPr>
         <p:grpSp>
           <p:nvGrpSpPr>
-            <p:cNvPr id="266" name=""/>
+            <p:cNvPr id="267" name=""/>
             <p:cNvGrpSpPr/>
             <p:nvPr/>
           </p:nvGrpSpPr>
           <p:grpSpPr>
             <a:xfrm>
               <a:off x="4176000" y="2431440"/>
-              <a:ext cx="5219640" cy="4319640"/>
+              <a:ext cx="5219280" cy="4319280"/>
               <a:chOff x="4176000" y="2431440"/>
-              <a:chExt cx="5219640" cy="4319640"/>
+              <a:chExt cx="5219280" cy="4319280"/>
             </a:xfrm>
           </p:grpSpPr>
           <p:pic>
             <p:nvPicPr>
-              <p:cNvPr id="267" name="" descr=""/>
+              <p:cNvPr id="268" name="" descr=""/>
               <p:cNvPicPr/>
               <p:nvPr/>
             </p:nvPicPr>
@@ -22552,7 +22412,7 @@
             <p:spPr>
               <a:xfrm>
                 <a:off x="4176000" y="2431440"/>
-                <a:ext cx="5219640" cy="4319640"/>
+                <a:ext cx="5219280" cy="4319280"/>
               </a:xfrm>
               <a:prstGeom prst="rect">
                 <a:avLst/>
@@ -22564,7 +22424,7 @@
           </p:pic>
           <p:pic>
             <p:nvPicPr>
-              <p:cNvPr id="268" name="" descr=""/>
+              <p:cNvPr id="269" name="" descr=""/>
               <p:cNvPicPr/>
               <p:nvPr/>
             </p:nvPicPr>
@@ -22575,7 +22435,7 @@
             <p:spPr>
               <a:xfrm>
                 <a:off x="5144400" y="2522880"/>
-                <a:ext cx="4033440" cy="3561480"/>
+                <a:ext cx="4033080" cy="3561120"/>
               </a:xfrm>
               <a:prstGeom prst="rect">
                 <a:avLst/>
@@ -22588,28 +22448,28 @@
         </p:grpSp>
         <p:grpSp>
           <p:nvGrpSpPr>
-            <p:cNvPr id="269" name=""/>
+            <p:cNvPr id="270" name=""/>
             <p:cNvGrpSpPr/>
             <p:nvPr/>
           </p:nvGrpSpPr>
           <p:grpSpPr>
             <a:xfrm>
               <a:off x="7167240" y="4802040"/>
-              <a:ext cx="1688400" cy="377640"/>
+              <a:ext cx="1688040" cy="377280"/>
               <a:chOff x="7167240" y="4802040"/>
-              <a:chExt cx="1688400" cy="377640"/>
+              <a:chExt cx="1688040" cy="377280"/>
             </a:xfrm>
           </p:grpSpPr>
           <p:sp>
             <p:nvSpPr>
-              <p:cNvPr id="270" name=""/>
+              <p:cNvPr id="271" name=""/>
               <p:cNvSpPr/>
               <p:nvPr/>
             </p:nvSpPr>
             <p:spPr>
               <a:xfrm>
                 <a:off x="7167240" y="4802040"/>
-                <a:ext cx="1688400" cy="377640"/>
+                <a:ext cx="1688040" cy="377280"/>
               </a:xfrm>
               <a:prstGeom prst="rect">
                 <a:avLst/>
@@ -22638,17 +22498,25 @@
                 </a:pPr>
                 <a:r>
                   <a:rPr b="0" lang="pt-BR" sz="1800" spc="-1" strike="noStrike">
+                    <a:solidFill>
+                      <a:srgbClr val="000000"/>
+                    </a:solidFill>
                     <a:latin typeface="Arial"/>
+                    <a:ea typeface="DejaVu Sans"/>
                   </a:rPr>
                   <a:t> </a:t>
                 </a:r>
                 <a:r>
                   <a:rPr b="0" lang="pt-BR" sz="1800" spc="-1" strike="noStrike">
+                    <a:solidFill>
+                      <a:srgbClr val="000000"/>
+                    </a:solidFill>
                     <a:latin typeface="Arial"/>
+                    <a:ea typeface="DejaVu Sans"/>
                   </a:rPr>
                   <a:t>K=3 (          )</a:t>
                 </a:r>
-                <a:endParaRPr b="0" lang="pt-BR" sz="1800" spc="-1" strike="noStrike">
+                <a:endParaRPr b="0" lang="en-US" sz="1800" spc="-1" strike="noStrike">
                   <a:latin typeface="Arial"/>
                 </a:endParaRPr>
               </a:p>
@@ -22656,7 +22524,7 @@
           </p:sp>
           <p:pic>
             <p:nvPicPr>
-              <p:cNvPr id="271" name="" descr=""/>
+              <p:cNvPr id="272" name="" descr=""/>
               <p:cNvPicPr/>
               <p:nvPr/>
             </p:nvPicPr>
@@ -22667,7 +22535,7 @@
             <p:spPr>
               <a:xfrm>
                 <a:off x="7850160" y="4906080"/>
-                <a:ext cx="232560" cy="163440"/>
+                <a:ext cx="232200" cy="163080"/>
               </a:xfrm>
               <a:prstGeom prst="rect">
                 <a:avLst/>
@@ -22679,7 +22547,7 @@
           </p:pic>
           <p:pic>
             <p:nvPicPr>
-              <p:cNvPr id="272" name="" descr=""/>
+              <p:cNvPr id="273" name="" descr=""/>
               <p:cNvPicPr/>
               <p:nvPr/>
             </p:nvPicPr>
@@ -22690,7 +22558,7 @@
             <p:spPr>
               <a:xfrm>
                 <a:off x="8085600" y="4906080"/>
-                <a:ext cx="232920" cy="163440"/>
+                <a:ext cx="232560" cy="163080"/>
               </a:xfrm>
               <a:prstGeom prst="rect">
                 <a:avLst/>
@@ -22702,14 +22570,14 @@
           </p:pic>
           <p:sp>
             <p:nvSpPr>
-              <p:cNvPr id="273" name=""/>
+              <p:cNvPr id="274" name=""/>
               <p:cNvSpPr/>
               <p:nvPr/>
             </p:nvSpPr>
             <p:spPr>
               <a:xfrm>
                 <a:off x="8318880" y="4906080"/>
-                <a:ext cx="217800" cy="190800"/>
+                <a:ext cx="217440" cy="190440"/>
               </a:xfrm>
               <a:prstGeom prst="rect">
                 <a:avLst/>
@@ -22740,7 +22608,7 @@
                   </a:lnSpc>
                   <a:buNone/>
                 </a:pPr>
-                <a:endParaRPr b="0" lang="pt-BR" sz="1800" spc="-1" strike="noStrike">
+                <a:endParaRPr b="0" lang="en-US" sz="1800" spc="-1" strike="noStrike">
                   <a:latin typeface="Arial"/>
                 </a:endParaRPr>
               </a:p>
@@ -22751,7 +22619,7 @@
                   </a:lnSpc>
                   <a:buNone/>
                 </a:pPr>
-                <a:endParaRPr b="0" lang="pt-BR" sz="1800" spc="-1" strike="noStrike">
+                <a:endParaRPr b="0" lang="en-US" sz="1800" spc="-1" strike="noStrike">
                   <a:latin typeface="Arial"/>
                 </a:endParaRPr>
               </a:p>
@@ -22762,7 +22630,7 @@
                   </a:lnSpc>
                   <a:buNone/>
                 </a:pPr>
-                <a:endParaRPr b="0" lang="pt-BR" sz="1800" spc="-1" strike="noStrike">
+                <a:endParaRPr b="0" lang="en-US" sz="1800" spc="-1" strike="noStrike">
                   <a:latin typeface="Arial"/>
                 </a:endParaRPr>
               </a:p>
@@ -22771,35 +22639,35 @@
         </p:grpSp>
         <p:grpSp>
           <p:nvGrpSpPr>
-            <p:cNvPr id="274" name=""/>
+            <p:cNvPr id="275" name=""/>
             <p:cNvGrpSpPr/>
             <p:nvPr/>
           </p:nvGrpSpPr>
           <p:grpSpPr>
             <a:xfrm>
               <a:off x="6526800" y="5391000"/>
-              <a:ext cx="2045880" cy="378000"/>
+              <a:ext cx="2045520" cy="377640"/>
               <a:chOff x="6526800" y="5391000"/>
-              <a:chExt cx="2045880" cy="378000"/>
+              <a:chExt cx="2045520" cy="377640"/>
             </a:xfrm>
           </p:grpSpPr>
           <p:grpSp>
             <p:nvGrpSpPr>
-              <p:cNvPr id="275" name=""/>
+              <p:cNvPr id="276" name=""/>
               <p:cNvGrpSpPr/>
               <p:nvPr/>
             </p:nvGrpSpPr>
             <p:grpSpPr>
               <a:xfrm>
                 <a:off x="7252560" y="5498640"/>
-                <a:ext cx="1059480" cy="191880"/>
+                <a:ext cx="1059120" cy="191520"/>
                 <a:chOff x="7252560" y="5498640"/>
-                <a:chExt cx="1059480" cy="191880"/>
+                <a:chExt cx="1059120" cy="191520"/>
               </a:xfrm>
             </p:grpSpPr>
             <p:pic>
               <p:nvPicPr>
-                <p:cNvPr id="276" name="" descr=""/>
+                <p:cNvPr id="277" name="" descr=""/>
                 <p:cNvPicPr/>
                 <p:nvPr/>
               </p:nvPicPr>
@@ -22810,30 +22678,7 @@
               <p:spPr>
                 <a:xfrm>
                   <a:off x="7252560" y="5498640"/>
-                  <a:ext cx="222840" cy="163440"/>
-                </a:xfrm>
-                <a:prstGeom prst="rect">
-                  <a:avLst/>
-                </a:prstGeom>
-                <a:ln w="0">
-                  <a:noFill/>
-                </a:ln>
-              </p:spPr>
-            </p:pic>
-            <p:pic>
-              <p:nvPicPr>
-                <p:cNvPr id="277" name="" descr=""/>
-                <p:cNvPicPr/>
-                <p:nvPr/>
-              </p:nvPicPr>
-              <p:blipFill>
-                <a:blip r:embed="rId7"/>
-                <a:stretch/>
-              </p:blipFill>
-              <p:spPr>
-                <a:xfrm>
-                  <a:off x="7477920" y="5498640"/>
-                  <a:ext cx="223200" cy="163440"/>
+                  <a:ext cx="222480" cy="163080"/>
                 </a:xfrm>
                 <a:prstGeom prst="rect">
                   <a:avLst/>
@@ -22850,13 +22695,13 @@
                 <p:nvPr/>
               </p:nvPicPr>
               <p:blipFill>
-                <a:blip r:embed="rId8"/>
+                <a:blip r:embed="rId7"/>
                 <a:stretch/>
               </p:blipFill>
               <p:spPr>
                 <a:xfrm>
-                  <a:off x="7701480" y="5498640"/>
-                  <a:ext cx="209160" cy="191160"/>
+                  <a:off x="7477920" y="5498640"/>
+                  <a:ext cx="222840" cy="163080"/>
                 </a:xfrm>
                 <a:prstGeom prst="rect">
                   <a:avLst/>
@@ -22873,13 +22718,13 @@
                 <p:nvPr/>
               </p:nvPicPr>
               <p:blipFill>
-                <a:blip r:embed="rId9"/>
+                <a:blip r:embed="rId8"/>
                 <a:stretch/>
               </p:blipFill>
               <p:spPr>
                 <a:xfrm>
-                  <a:off x="7902720" y="5499000"/>
-                  <a:ext cx="208800" cy="191160"/>
+                  <a:off x="7701480" y="5498640"/>
+                  <a:ext cx="208800" cy="190800"/>
                 </a:xfrm>
                 <a:prstGeom prst="rect">
                   <a:avLst/>
@@ -22896,13 +22741,36 @@
                 <p:nvPr/>
               </p:nvPicPr>
               <p:blipFill>
+                <a:blip r:embed="rId9"/>
+                <a:stretch/>
+              </p:blipFill>
+              <p:spPr>
+                <a:xfrm>
+                  <a:off x="7902720" y="5499000"/>
+                  <a:ext cx="208440" cy="190800"/>
+                </a:xfrm>
+                <a:prstGeom prst="rect">
+                  <a:avLst/>
+                </a:prstGeom>
+                <a:ln w="0">
+                  <a:noFill/>
+                </a:ln>
+              </p:spPr>
+            </p:pic>
+            <p:pic>
+              <p:nvPicPr>
+                <p:cNvPr id="281" name="" descr=""/>
+                <p:cNvPicPr/>
+                <p:nvPr/>
+              </p:nvPicPr>
+              <p:blipFill>
                 <a:blip r:embed="rId10"/>
                 <a:stretch/>
               </p:blipFill>
               <p:spPr>
                 <a:xfrm>
                   <a:off x="8103240" y="5499360"/>
-                  <a:ext cx="208800" cy="191160"/>
+                  <a:ext cx="208440" cy="190800"/>
                 </a:xfrm>
                 <a:prstGeom prst="rect">
                   <a:avLst/>
@@ -22915,14 +22783,14 @@
           </p:grpSp>
           <p:sp>
             <p:nvSpPr>
-              <p:cNvPr id="281" name=""/>
+              <p:cNvPr id="282" name=""/>
               <p:cNvSpPr/>
               <p:nvPr/>
             </p:nvSpPr>
             <p:spPr>
               <a:xfrm>
                 <a:off x="6526800" y="5391000"/>
-                <a:ext cx="2045880" cy="378000"/>
+                <a:ext cx="2045520" cy="377640"/>
               </a:xfrm>
               <a:prstGeom prst="rect">
                 <a:avLst/>
@@ -22951,17 +22819,25 @@
                 </a:pPr>
                 <a:r>
                   <a:rPr b="0" lang="pt-BR" sz="1800" spc="-1" strike="noStrike">
+                    <a:solidFill>
+                      <a:srgbClr val="000000"/>
+                    </a:solidFill>
                     <a:latin typeface="Arial"/>
+                    <a:ea typeface="DejaVu Sans"/>
                   </a:rPr>
                   <a:t>  </a:t>
                 </a:r>
                 <a:r>
                   <a:rPr b="0" lang="pt-BR" sz="1800" spc="-1" strike="noStrike">
+                    <a:solidFill>
+                      <a:srgbClr val="000000"/>
+                    </a:solidFill>
                     <a:latin typeface="Arial"/>
+                    <a:ea typeface="DejaVu Sans"/>
                   </a:rPr>
                   <a:t>K=5 (                )</a:t>
                 </a:r>
-                <a:endParaRPr b="0" lang="pt-BR" sz="1800" spc="-1" strike="noStrike">
+                <a:endParaRPr b="0" lang="en-US" sz="1800" spc="-1" strike="noStrike">
                   <a:latin typeface="Arial"/>
                 </a:endParaRPr>
               </a:p>
@@ -22970,14 +22846,14 @@
         </p:grpSp>
         <p:sp>
           <p:nvSpPr>
-            <p:cNvPr id="282" name=""/>
+            <p:cNvPr id="283" name=""/>
             <p:cNvSpPr/>
             <p:nvPr/>
           </p:nvSpPr>
           <p:spPr>
             <a:xfrm>
               <a:off x="7126200" y="4375440"/>
-              <a:ext cx="577440" cy="359640"/>
+              <a:ext cx="577080" cy="359280"/>
             </a:xfrm>
             <a:prstGeom prst="rect">
               <a:avLst/>
@@ -23006,11 +22882,15 @@
               </a:pPr>
               <a:r>
                 <a:rPr b="1" lang="pt-BR" sz="1300" spc="-1" strike="noStrike">
+                  <a:solidFill>
+                    <a:srgbClr val="000000"/>
+                  </a:solidFill>
                   <a:latin typeface="Arial"/>
+                  <a:ea typeface="DejaVu Sans"/>
                 </a:rPr>
                 <a:t>?</a:t>
               </a:r>
-              <a:endParaRPr b="0" lang="pt-BR" sz="1300" spc="-1" strike="noStrike">
+              <a:endParaRPr b="0" lang="en-US" sz="1300" spc="-1" strike="noStrike">
                 <a:latin typeface="Arial"/>
               </a:endParaRPr>
             </a:p>

--- a/AprendizadoMaquina/Tópico 02 - Aprendizado Supervisionado/KNN/Tópico 02 - Aprendizado-Supervisionado - KNN.pptx
+++ b/AprendizadoMaquina/Tópico 02 - Aprendizado Supervisionado/KNN/Tópico 02 - Aprendizado-Supervisionado - KNN.pptx
@@ -7,28 +7,29 @@
     <p:sldMasterId id="2147483674" r:id="rId4"/>
     <p:sldMasterId id="2147483687" r:id="rId5"/>
     <p:sldMasterId id="2147483700" r:id="rId6"/>
+    <p:sldMasterId id="2147483713" r:id="rId7"/>
   </p:sldMasterIdLst>
   <p:notesMasterIdLst>
-    <p:notesMasterId r:id="rId7"/>
+    <p:notesMasterId r:id="rId8"/>
   </p:notesMasterIdLst>
   <p:sldIdLst>
-    <p:sldId id="256" r:id="rId8"/>
-    <p:sldId id="257" r:id="rId9"/>
-    <p:sldId id="258" r:id="rId10"/>
-    <p:sldId id="259" r:id="rId11"/>
-    <p:sldId id="260" r:id="rId12"/>
-    <p:sldId id="261" r:id="rId13"/>
-    <p:sldId id="262" r:id="rId14"/>
-    <p:sldId id="263" r:id="rId15"/>
-    <p:sldId id="264" r:id="rId16"/>
-    <p:sldId id="265" r:id="rId17"/>
-    <p:sldId id="266" r:id="rId18"/>
-    <p:sldId id="267" r:id="rId19"/>
-    <p:sldId id="268" r:id="rId20"/>
-    <p:sldId id="269" r:id="rId21"/>
-    <p:sldId id="270" r:id="rId22"/>
-    <p:sldId id="271" r:id="rId23"/>
-    <p:sldId id="272" r:id="rId24"/>
+    <p:sldId id="256" r:id="rId9"/>
+    <p:sldId id="257" r:id="rId10"/>
+    <p:sldId id="258" r:id="rId11"/>
+    <p:sldId id="259" r:id="rId12"/>
+    <p:sldId id="260" r:id="rId13"/>
+    <p:sldId id="261" r:id="rId14"/>
+    <p:sldId id="262" r:id="rId15"/>
+    <p:sldId id="263" r:id="rId16"/>
+    <p:sldId id="264" r:id="rId17"/>
+    <p:sldId id="265" r:id="rId18"/>
+    <p:sldId id="266" r:id="rId19"/>
+    <p:sldId id="267" r:id="rId20"/>
+    <p:sldId id="268" r:id="rId21"/>
+    <p:sldId id="269" r:id="rId22"/>
+    <p:sldId id="270" r:id="rId23"/>
+    <p:sldId id="271" r:id="rId24"/>
+    <p:sldId id="272" r:id="rId25"/>
   </p:sldIdLst>
   <p:sldSz cx="10080625" cy="7559675"/>
   <p:notesSz cx="7559675" cy="10691813"/>
@@ -54,7 +55,7 @@
       </p:grpSpPr>
       <p:sp>
         <p:nvSpPr>
-          <p:cNvPr id="207" name="PlaceHolder 1"/>
+          <p:cNvPr id="249" name="PlaceHolder 1"/>
           <p:cNvSpPr>
             <a:spLocks noGrp="1"/>
           </p:cNvSpPr>
@@ -87,7 +88,73 @@
               <a:rPr b="0" lang="en-US" sz="4400" spc="-1" strike="noStrike">
                 <a:latin typeface="Arial"/>
               </a:rPr>
-              <a:t>Click to move the slide</a:t>
+              <a:t>Cl</a:t>
+            </a:r>
+            <a:r>
+              <a:rPr b="0" lang="en-US" sz="4400" spc="-1" strike="noStrike">
+                <a:latin typeface="Arial"/>
+              </a:rPr>
+              <a:t>ic</a:t>
+            </a:r>
+            <a:r>
+              <a:rPr b="0" lang="en-US" sz="4400" spc="-1" strike="noStrike">
+                <a:latin typeface="Arial"/>
+              </a:rPr>
+              <a:t>k </a:t>
+            </a:r>
+            <a:r>
+              <a:rPr b="0" lang="en-US" sz="4400" spc="-1" strike="noStrike">
+                <a:latin typeface="Arial"/>
+              </a:rPr>
+              <a:t>to </a:t>
+            </a:r>
+            <a:r>
+              <a:rPr b="0" lang="en-US" sz="4400" spc="-1" strike="noStrike">
+                <a:latin typeface="Arial"/>
+              </a:rPr>
+              <a:t>m</a:t>
+            </a:r>
+            <a:r>
+              <a:rPr b="0" lang="en-US" sz="4400" spc="-1" strike="noStrike">
+                <a:latin typeface="Arial"/>
+              </a:rPr>
+              <a:t>ov</a:t>
+            </a:r>
+            <a:r>
+              <a:rPr b="0" lang="en-US" sz="4400" spc="-1" strike="noStrike">
+                <a:latin typeface="Arial"/>
+              </a:rPr>
+              <a:t>e </a:t>
+            </a:r>
+            <a:r>
+              <a:rPr b="0" lang="en-US" sz="4400" spc="-1" strike="noStrike">
+                <a:latin typeface="Arial"/>
+              </a:rPr>
+              <a:t>th</a:t>
+            </a:r>
+            <a:r>
+              <a:rPr b="0" lang="en-US" sz="4400" spc="-1" strike="noStrike">
+                <a:latin typeface="Arial"/>
+              </a:rPr>
+              <a:t>e </a:t>
+            </a:r>
+            <a:r>
+              <a:rPr b="0" lang="en-US" sz="4400" spc="-1" strike="noStrike">
+                <a:latin typeface="Arial"/>
+              </a:rPr>
+              <a:t>sli</a:t>
+            </a:r>
+            <a:r>
+              <a:rPr b="0" lang="en-US" sz="4400" spc="-1" strike="noStrike">
+                <a:latin typeface="Arial"/>
+              </a:rPr>
+              <a:t>d</a:t>
+            </a:r>
+            <a:r>
+              <a:rPr b="0" lang="en-US" sz="4400" spc="-1" strike="noStrike">
+                <a:latin typeface="Arial"/>
+              </a:rPr>
+              <a:t>e</a:t>
             </a:r>
             <a:endParaRPr b="0" lang="en-US" sz="4400" spc="-1" strike="noStrike">
               <a:latin typeface="Arial"/>
@@ -97,7 +164,7 @@
       </p:sp>
       <p:sp>
         <p:nvSpPr>
-          <p:cNvPr id="208" name="PlaceHolder 2"/>
+          <p:cNvPr id="250" name="PlaceHolder 2"/>
           <p:cNvSpPr>
             <a:spLocks noGrp="1"/>
           </p:cNvSpPr>
@@ -127,7 +194,61 @@
               <a:rPr b="0" lang="en-US" sz="2000" spc="-1" strike="noStrike">
                 <a:latin typeface="Arial"/>
               </a:rPr>
-              <a:t>Click to edit the notes format</a:t>
+              <a:t>Click </a:t>
+            </a:r>
+            <a:r>
+              <a:rPr b="0" lang="en-US" sz="2000" spc="-1" strike="noStrike">
+                <a:latin typeface="Arial"/>
+              </a:rPr>
+              <a:t>to </a:t>
+            </a:r>
+            <a:r>
+              <a:rPr b="0" lang="en-US" sz="2000" spc="-1" strike="noStrike">
+                <a:latin typeface="Arial"/>
+              </a:rPr>
+              <a:t>edi</a:t>
+            </a:r>
+            <a:r>
+              <a:rPr b="0" lang="en-US" sz="2000" spc="-1" strike="noStrike">
+                <a:latin typeface="Arial"/>
+              </a:rPr>
+              <a:t>t </a:t>
+            </a:r>
+            <a:r>
+              <a:rPr b="0" lang="en-US" sz="2000" spc="-1" strike="noStrike">
+                <a:latin typeface="Arial"/>
+              </a:rPr>
+              <a:t>the </a:t>
+            </a:r>
+            <a:r>
+              <a:rPr b="0" lang="en-US" sz="2000" spc="-1" strike="noStrike">
+                <a:latin typeface="Arial"/>
+              </a:rPr>
+              <a:t>not</a:t>
+            </a:r>
+            <a:r>
+              <a:rPr b="0" lang="en-US" sz="2000" spc="-1" strike="noStrike">
+                <a:latin typeface="Arial"/>
+              </a:rPr>
+              <a:t>es </a:t>
+            </a:r>
+            <a:r>
+              <a:rPr b="0" lang="en-US" sz="2000" spc="-1" strike="noStrike">
+                <a:latin typeface="Arial"/>
+              </a:rPr>
+              <a:t>for</a:t>
+            </a:r>
+            <a:r>
+              <a:rPr b="0" lang="en-US" sz="2000" spc="-1" strike="noStrike">
+                <a:latin typeface="Arial"/>
+              </a:rPr>
+              <a:t>ma</a:t>
+            </a:r>
+            <a:r>
+              <a:rPr b="0" lang="en-US" sz="2000" spc="-1" strike="noStrike">
+                <a:latin typeface="Arial"/>
+              </a:rPr>
+              <a:t>t</a:t>
             </a:r>
             <a:endParaRPr b="0" lang="en-US" sz="2000" spc="-1" strike="noStrike">
               <a:latin typeface="Arial"/>
@@ -137,7 +258,7 @@
       </p:sp>
       <p:sp>
         <p:nvSpPr>
-          <p:cNvPr id="209" name="PlaceHolder 3"/>
+          <p:cNvPr id="251" name="PlaceHolder 3"/>
           <p:cNvSpPr>
             <a:spLocks noGrp="1"/>
           </p:cNvSpPr>
@@ -177,7 +298,7 @@
       </p:sp>
       <p:sp>
         <p:nvSpPr>
-          <p:cNvPr id="210" name="PlaceHolder 4"/>
+          <p:cNvPr id="252" name="PlaceHolder 4"/>
           <p:cNvSpPr>
             <a:spLocks noGrp="1"/>
           </p:cNvSpPr>
@@ -228,7 +349,7 @@
       </p:sp>
       <p:sp>
         <p:nvSpPr>
-          <p:cNvPr id="211" name="PlaceHolder 5"/>
+          <p:cNvPr id="253" name="PlaceHolder 5"/>
           <p:cNvSpPr>
             <a:spLocks noGrp="1"/>
           </p:cNvSpPr>
@@ -275,7 +396,7 @@
       </p:sp>
       <p:sp>
         <p:nvSpPr>
-          <p:cNvPr id="212" name="PlaceHolder 6"/>
+          <p:cNvPr id="254" name="PlaceHolder 6"/>
           <p:cNvSpPr>
             <a:spLocks noGrp="1"/>
           </p:cNvSpPr>
@@ -312,7 +433,7 @@
             <a:pPr algn="r">
               <a:buNone/>
             </a:pPr>
-            <a:fld id="{6A74441E-1584-4BAF-8AD2-DAEBF26E3D7A}" type="slidenum">
+            <a:fld id="{67406C43-0A4A-47CF-B896-41197CDFE707}" type="slidenum">
               <a:rPr b="0" lang="en-US" sz="1400" spc="-1" strike="noStrike">
                 <a:latin typeface="Times New Roman"/>
               </a:rPr>
@@ -349,7 +470,7 @@
       </p:grpSpPr>
       <p:sp>
         <p:nvSpPr>
-          <p:cNvPr id="350" name="PlaceHolder 1"/>
+          <p:cNvPr id="388" name="PlaceHolder 1"/>
           <p:cNvSpPr>
             <a:spLocks noGrp="1"/>
           </p:cNvSpPr>
@@ -360,19 +481,19 @@
         <p:spPr>
           <a:xfrm>
             <a:off x="1376280" y="1336680"/>
-            <a:ext cx="4801320" cy="3601080"/>
-          </a:xfrm>
-          <a:prstGeom prst="rect">
-            <a:avLst/>
-          </a:prstGeom>
-          <a:ln w="0">
-            <a:noFill/>
-          </a:ln>
-        </p:spPr>
-      </p:sp>
-      <p:sp>
-        <p:nvSpPr>
-          <p:cNvPr id="351" name="PlaceHolder 2"/>
+            <a:ext cx="4800960" cy="3600720"/>
+          </a:xfrm>
+          <a:prstGeom prst="rect">
+            <a:avLst/>
+          </a:prstGeom>
+          <a:ln w="0">
+            <a:noFill/>
+          </a:ln>
+        </p:spPr>
+      </p:sp>
+      <p:sp>
+        <p:nvSpPr>
+          <p:cNvPr id="389" name="PlaceHolder 2"/>
           <p:cNvSpPr>
             <a:spLocks noGrp="1"/>
           </p:cNvSpPr>
@@ -383,7 +504,7 @@
         <p:spPr>
           <a:xfrm>
             <a:off x="756000" y="5145120"/>
-            <a:ext cx="6041520" cy="4203720"/>
+            <a:ext cx="6041160" cy="4203360"/>
           </a:xfrm>
           <a:prstGeom prst="rect">
             <a:avLst/>
@@ -406,14 +527,14 @@
       </p:sp>
       <p:sp>
         <p:nvSpPr>
-          <p:cNvPr id="352" name="CustomShape 3"/>
+          <p:cNvPr id="390" name="CustomShape 3"/>
           <p:cNvSpPr/>
           <p:nvPr/>
         </p:nvSpPr>
         <p:spPr>
           <a:xfrm>
             <a:off x="0" y="10155240"/>
-            <a:ext cx="3269880" cy="530280"/>
+            <a:ext cx="3269520" cy="529920"/>
           </a:xfrm>
           <a:prstGeom prst="rect">
             <a:avLst/>
@@ -480,7 +601,7 @@
       </p:grpSpPr>
       <p:sp>
         <p:nvSpPr>
-          <p:cNvPr id="377" name="PlaceHolder 1"/>
+          <p:cNvPr id="415" name="PlaceHolder 1"/>
           <p:cNvSpPr>
             <a:spLocks noGrp="1"/>
           </p:cNvSpPr>
@@ -491,19 +612,19 @@
         <p:spPr>
           <a:xfrm>
             <a:off x="1376280" y="1336680"/>
-            <a:ext cx="4795560" cy="3595320"/>
-          </a:xfrm>
-          <a:prstGeom prst="rect">
-            <a:avLst/>
-          </a:prstGeom>
-          <a:ln w="0">
-            <a:noFill/>
-          </a:ln>
-        </p:spPr>
-      </p:sp>
-      <p:sp>
-        <p:nvSpPr>
-          <p:cNvPr id="378" name="PlaceHolder 2"/>
+            <a:ext cx="4795200" cy="3594960"/>
+          </a:xfrm>
+          <a:prstGeom prst="rect">
+            <a:avLst/>
+          </a:prstGeom>
+          <a:ln w="0">
+            <a:noFill/>
+          </a:ln>
+        </p:spPr>
+      </p:sp>
+      <p:sp>
+        <p:nvSpPr>
+          <p:cNvPr id="416" name="PlaceHolder 2"/>
           <p:cNvSpPr>
             <a:spLocks noGrp="1"/>
           </p:cNvSpPr>
@@ -514,7 +635,7 @@
         <p:spPr>
           <a:xfrm>
             <a:off x="756000" y="5145120"/>
-            <a:ext cx="6035040" cy="4197240"/>
+            <a:ext cx="6034680" cy="4196880"/>
           </a:xfrm>
           <a:prstGeom prst="rect">
             <a:avLst/>
@@ -537,14 +658,14 @@
       </p:sp>
       <p:sp>
         <p:nvSpPr>
-          <p:cNvPr id="379" name="CustomShape 54"/>
+          <p:cNvPr id="417" name="CustomShape 54"/>
           <p:cNvSpPr/>
           <p:nvPr/>
         </p:nvSpPr>
         <p:spPr>
           <a:xfrm>
             <a:off x="0" y="10155240"/>
-            <a:ext cx="3263400" cy="523800"/>
+            <a:ext cx="3263040" cy="523440"/>
           </a:xfrm>
           <a:prstGeom prst="rect">
             <a:avLst/>
@@ -611,7 +732,7 @@
       </p:grpSpPr>
       <p:sp>
         <p:nvSpPr>
-          <p:cNvPr id="380" name="PlaceHolder 1"/>
+          <p:cNvPr id="418" name="PlaceHolder 1"/>
           <p:cNvSpPr>
             <a:spLocks noGrp="1"/>
           </p:cNvSpPr>
@@ -622,19 +743,19 @@
         <p:spPr>
           <a:xfrm>
             <a:off x="1376280" y="1336680"/>
-            <a:ext cx="4795560" cy="3595320"/>
-          </a:xfrm>
-          <a:prstGeom prst="rect">
-            <a:avLst/>
-          </a:prstGeom>
-          <a:ln w="0">
-            <a:noFill/>
-          </a:ln>
-        </p:spPr>
-      </p:sp>
-      <p:sp>
-        <p:nvSpPr>
-          <p:cNvPr id="381" name="PlaceHolder 2"/>
+            <a:ext cx="4795200" cy="3594960"/>
+          </a:xfrm>
+          <a:prstGeom prst="rect">
+            <a:avLst/>
+          </a:prstGeom>
+          <a:ln w="0">
+            <a:noFill/>
+          </a:ln>
+        </p:spPr>
+      </p:sp>
+      <p:sp>
+        <p:nvSpPr>
+          <p:cNvPr id="419" name="PlaceHolder 2"/>
           <p:cNvSpPr>
             <a:spLocks noGrp="1"/>
           </p:cNvSpPr>
@@ -645,7 +766,7 @@
         <p:spPr>
           <a:xfrm>
             <a:off x="756000" y="5145120"/>
-            <a:ext cx="6035040" cy="4197240"/>
+            <a:ext cx="6034680" cy="4196880"/>
           </a:xfrm>
           <a:prstGeom prst="rect">
             <a:avLst/>
@@ -668,14 +789,14 @@
       </p:sp>
       <p:sp>
         <p:nvSpPr>
-          <p:cNvPr id="382" name="CustomShape 37"/>
+          <p:cNvPr id="420" name="CustomShape 37"/>
           <p:cNvSpPr/>
           <p:nvPr/>
         </p:nvSpPr>
         <p:spPr>
           <a:xfrm>
             <a:off x="0" y="10155240"/>
-            <a:ext cx="3263400" cy="523800"/>
+            <a:ext cx="3263040" cy="523440"/>
           </a:xfrm>
           <a:prstGeom prst="rect">
             <a:avLst/>
@@ -742,7 +863,7 @@
       </p:grpSpPr>
       <p:sp>
         <p:nvSpPr>
-          <p:cNvPr id="383" name="PlaceHolder 1"/>
+          <p:cNvPr id="421" name="PlaceHolder 1"/>
           <p:cNvSpPr>
             <a:spLocks noGrp="1"/>
           </p:cNvSpPr>
@@ -753,19 +874,19 @@
         <p:spPr>
           <a:xfrm>
             <a:off x="1376280" y="1336680"/>
-            <a:ext cx="4802760" cy="3602520"/>
-          </a:xfrm>
-          <a:prstGeom prst="rect">
-            <a:avLst/>
-          </a:prstGeom>
-          <a:ln w="0">
-            <a:noFill/>
-          </a:ln>
-        </p:spPr>
-      </p:sp>
-      <p:sp>
-        <p:nvSpPr>
-          <p:cNvPr id="384" name="PlaceHolder 2"/>
+            <a:ext cx="4802400" cy="3602160"/>
+          </a:xfrm>
+          <a:prstGeom prst="rect">
+            <a:avLst/>
+          </a:prstGeom>
+          <a:ln w="0">
+            <a:noFill/>
+          </a:ln>
+        </p:spPr>
+      </p:sp>
+      <p:sp>
+        <p:nvSpPr>
+          <p:cNvPr id="422" name="PlaceHolder 2"/>
           <p:cNvSpPr>
             <a:spLocks noGrp="1"/>
           </p:cNvSpPr>
@@ -776,7 +897,7 @@
         <p:spPr>
           <a:xfrm>
             <a:off x="756000" y="5145120"/>
-            <a:ext cx="6042960" cy="4205160"/>
+            <a:ext cx="6042600" cy="4204800"/>
           </a:xfrm>
           <a:prstGeom prst="rect">
             <a:avLst/>
@@ -799,14 +920,14 @@
       </p:sp>
       <p:sp>
         <p:nvSpPr>
-          <p:cNvPr id="385" name="CustomShape 66"/>
+          <p:cNvPr id="423" name="CustomShape 66"/>
           <p:cNvSpPr/>
           <p:nvPr/>
         </p:nvSpPr>
         <p:spPr>
           <a:xfrm>
             <a:off x="0" y="10155240"/>
-            <a:ext cx="3271320" cy="531720"/>
+            <a:ext cx="3270960" cy="531360"/>
           </a:xfrm>
           <a:prstGeom prst="rect">
             <a:avLst/>
@@ -873,7 +994,7 @@
       </p:grpSpPr>
       <p:sp>
         <p:nvSpPr>
-          <p:cNvPr id="386" name="PlaceHolder 1"/>
+          <p:cNvPr id="424" name="PlaceHolder 1"/>
           <p:cNvSpPr>
             <a:spLocks noGrp="1"/>
           </p:cNvSpPr>
@@ -884,19 +1005,19 @@
         <p:spPr>
           <a:xfrm>
             <a:off x="1376280" y="1336680"/>
-            <a:ext cx="4802760" cy="3602520"/>
-          </a:xfrm>
-          <a:prstGeom prst="rect">
-            <a:avLst/>
-          </a:prstGeom>
-          <a:ln w="0">
-            <a:noFill/>
-          </a:ln>
-        </p:spPr>
-      </p:sp>
-      <p:sp>
-        <p:nvSpPr>
-          <p:cNvPr id="387" name="PlaceHolder 2"/>
+            <a:ext cx="4802400" cy="3602160"/>
+          </a:xfrm>
+          <a:prstGeom prst="rect">
+            <a:avLst/>
+          </a:prstGeom>
+          <a:ln w="0">
+            <a:noFill/>
+          </a:ln>
+        </p:spPr>
+      </p:sp>
+      <p:sp>
+        <p:nvSpPr>
+          <p:cNvPr id="425" name="PlaceHolder 2"/>
           <p:cNvSpPr>
             <a:spLocks noGrp="1"/>
           </p:cNvSpPr>
@@ -907,7 +1028,7 @@
         <p:spPr>
           <a:xfrm>
             <a:off x="756000" y="5145120"/>
-            <a:ext cx="6042960" cy="4205160"/>
+            <a:ext cx="6042600" cy="4204800"/>
           </a:xfrm>
           <a:prstGeom prst="rect">
             <a:avLst/>
@@ -930,14 +1051,14 @@
       </p:sp>
       <p:sp>
         <p:nvSpPr>
-          <p:cNvPr id="388" name="CustomShape 41"/>
+          <p:cNvPr id="426" name="CustomShape 41"/>
           <p:cNvSpPr/>
           <p:nvPr/>
         </p:nvSpPr>
         <p:spPr>
           <a:xfrm>
             <a:off x="0" y="10155240"/>
-            <a:ext cx="3271320" cy="531720"/>
+            <a:ext cx="3270960" cy="531360"/>
           </a:xfrm>
           <a:prstGeom prst="rect">
             <a:avLst/>
@@ -1004,7 +1125,7 @@
       </p:grpSpPr>
       <p:sp>
         <p:nvSpPr>
-          <p:cNvPr id="389" name="PlaceHolder 1"/>
+          <p:cNvPr id="427" name="PlaceHolder 1"/>
           <p:cNvSpPr>
             <a:spLocks noGrp="1"/>
           </p:cNvSpPr>
@@ -1015,19 +1136,19 @@
         <p:spPr>
           <a:xfrm>
             <a:off x="1376280" y="1336680"/>
-            <a:ext cx="4802760" cy="3602520"/>
-          </a:xfrm>
-          <a:prstGeom prst="rect">
-            <a:avLst/>
-          </a:prstGeom>
-          <a:ln w="0">
-            <a:noFill/>
-          </a:ln>
-        </p:spPr>
-      </p:sp>
-      <p:sp>
-        <p:nvSpPr>
-          <p:cNvPr id="390" name="PlaceHolder 2"/>
+            <a:ext cx="4802400" cy="3602160"/>
+          </a:xfrm>
+          <a:prstGeom prst="rect">
+            <a:avLst/>
+          </a:prstGeom>
+          <a:ln w="0">
+            <a:noFill/>
+          </a:ln>
+        </p:spPr>
+      </p:sp>
+      <p:sp>
+        <p:nvSpPr>
+          <p:cNvPr id="428" name="PlaceHolder 2"/>
           <p:cNvSpPr>
             <a:spLocks noGrp="1"/>
           </p:cNvSpPr>
@@ -1038,7 +1159,7 @@
         <p:spPr>
           <a:xfrm>
             <a:off x="756000" y="5145120"/>
-            <a:ext cx="6042960" cy="4205160"/>
+            <a:ext cx="6042600" cy="4204800"/>
           </a:xfrm>
           <a:prstGeom prst="rect">
             <a:avLst/>
@@ -1061,14 +1182,14 @@
       </p:sp>
       <p:sp>
         <p:nvSpPr>
-          <p:cNvPr id="391" name="CustomShape 58"/>
+          <p:cNvPr id="429" name="CustomShape 58"/>
           <p:cNvSpPr/>
           <p:nvPr/>
         </p:nvSpPr>
         <p:spPr>
           <a:xfrm>
             <a:off x="0" y="10155240"/>
-            <a:ext cx="3271320" cy="531720"/>
+            <a:ext cx="3270960" cy="531360"/>
           </a:xfrm>
           <a:prstGeom prst="rect">
             <a:avLst/>
@@ -1135,7 +1256,7 @@
       </p:grpSpPr>
       <p:sp>
         <p:nvSpPr>
-          <p:cNvPr id="392" name="PlaceHolder 1"/>
+          <p:cNvPr id="430" name="PlaceHolder 1"/>
           <p:cNvSpPr>
             <a:spLocks noGrp="1"/>
           </p:cNvSpPr>
@@ -1146,19 +1267,19 @@
         <p:spPr>
           <a:xfrm>
             <a:off x="1376280" y="1336680"/>
-            <a:ext cx="4802760" cy="3602520"/>
-          </a:xfrm>
-          <a:prstGeom prst="rect">
-            <a:avLst/>
-          </a:prstGeom>
-          <a:ln w="0">
-            <a:noFill/>
-          </a:ln>
-        </p:spPr>
-      </p:sp>
-      <p:sp>
-        <p:nvSpPr>
-          <p:cNvPr id="393" name="PlaceHolder 2"/>
+            <a:ext cx="4802400" cy="3602160"/>
+          </a:xfrm>
+          <a:prstGeom prst="rect">
+            <a:avLst/>
+          </a:prstGeom>
+          <a:ln w="0">
+            <a:noFill/>
+          </a:ln>
+        </p:spPr>
+      </p:sp>
+      <p:sp>
+        <p:nvSpPr>
+          <p:cNvPr id="431" name="PlaceHolder 2"/>
           <p:cNvSpPr>
             <a:spLocks noGrp="1"/>
           </p:cNvSpPr>
@@ -1169,7 +1290,7 @@
         <p:spPr>
           <a:xfrm>
             <a:off x="756000" y="5145120"/>
-            <a:ext cx="6042960" cy="4205160"/>
+            <a:ext cx="6042600" cy="4204800"/>
           </a:xfrm>
           <a:prstGeom prst="rect">
             <a:avLst/>
@@ -1192,14 +1313,14 @@
       </p:sp>
       <p:sp>
         <p:nvSpPr>
-          <p:cNvPr id="394" name="CustomShape 62"/>
+          <p:cNvPr id="432" name="CustomShape 62"/>
           <p:cNvSpPr/>
           <p:nvPr/>
         </p:nvSpPr>
         <p:spPr>
           <a:xfrm>
             <a:off x="0" y="10155240"/>
-            <a:ext cx="3271320" cy="531720"/>
+            <a:ext cx="3270960" cy="531360"/>
           </a:xfrm>
           <a:prstGeom prst="rect">
             <a:avLst/>
@@ -1266,7 +1387,7 @@
       </p:grpSpPr>
       <p:sp>
         <p:nvSpPr>
-          <p:cNvPr id="395" name="PlaceHolder 1"/>
+          <p:cNvPr id="433" name="PlaceHolder 1"/>
           <p:cNvSpPr>
             <a:spLocks noGrp="1"/>
           </p:cNvSpPr>
@@ -1277,19 +1398,19 @@
         <p:spPr>
           <a:xfrm>
             <a:off x="1376280" y="1336680"/>
-            <a:ext cx="4802760" cy="3602520"/>
-          </a:xfrm>
-          <a:prstGeom prst="rect">
-            <a:avLst/>
-          </a:prstGeom>
-          <a:ln w="0">
-            <a:noFill/>
-          </a:ln>
-        </p:spPr>
-      </p:sp>
-      <p:sp>
-        <p:nvSpPr>
-          <p:cNvPr id="396" name="PlaceHolder 2"/>
+            <a:ext cx="4802400" cy="3602160"/>
+          </a:xfrm>
+          <a:prstGeom prst="rect">
+            <a:avLst/>
+          </a:prstGeom>
+          <a:ln w="0">
+            <a:noFill/>
+          </a:ln>
+        </p:spPr>
+      </p:sp>
+      <p:sp>
+        <p:nvSpPr>
+          <p:cNvPr id="434" name="PlaceHolder 2"/>
           <p:cNvSpPr>
             <a:spLocks noGrp="1"/>
           </p:cNvSpPr>
@@ -1300,7 +1421,7 @@
         <p:spPr>
           <a:xfrm>
             <a:off x="756000" y="5145120"/>
-            <a:ext cx="6042960" cy="4205160"/>
+            <a:ext cx="6042600" cy="4204800"/>
           </a:xfrm>
           <a:prstGeom prst="rect">
             <a:avLst/>
@@ -1323,14 +1444,14 @@
       </p:sp>
       <p:sp>
         <p:nvSpPr>
-          <p:cNvPr id="397" name="CustomShape 70"/>
+          <p:cNvPr id="435" name="CustomShape 70"/>
           <p:cNvSpPr/>
           <p:nvPr/>
         </p:nvSpPr>
         <p:spPr>
           <a:xfrm>
             <a:off x="0" y="10155240"/>
-            <a:ext cx="3271320" cy="531720"/>
+            <a:ext cx="3270960" cy="531360"/>
           </a:xfrm>
           <a:prstGeom prst="rect">
             <a:avLst/>
@@ -1397,7 +1518,7 @@
       </p:grpSpPr>
       <p:sp>
         <p:nvSpPr>
-          <p:cNvPr id="398" name="PlaceHolder 1"/>
+          <p:cNvPr id="436" name="PlaceHolder 1"/>
           <p:cNvSpPr>
             <a:spLocks noGrp="1"/>
           </p:cNvSpPr>
@@ -1408,19 +1529,19 @@
         <p:spPr>
           <a:xfrm>
             <a:off x="1376280" y="1336680"/>
-            <a:ext cx="4802760" cy="3602520"/>
-          </a:xfrm>
-          <a:prstGeom prst="rect">
-            <a:avLst/>
-          </a:prstGeom>
-          <a:ln w="0">
-            <a:noFill/>
-          </a:ln>
-        </p:spPr>
-      </p:sp>
-      <p:sp>
-        <p:nvSpPr>
-          <p:cNvPr id="399" name="PlaceHolder 2"/>
+            <a:ext cx="4802400" cy="3602160"/>
+          </a:xfrm>
+          <a:prstGeom prst="rect">
+            <a:avLst/>
+          </a:prstGeom>
+          <a:ln w="0">
+            <a:noFill/>
+          </a:ln>
+        </p:spPr>
+      </p:sp>
+      <p:sp>
+        <p:nvSpPr>
+          <p:cNvPr id="437" name="PlaceHolder 2"/>
           <p:cNvSpPr>
             <a:spLocks noGrp="1"/>
           </p:cNvSpPr>
@@ -1431,7 +1552,7 @@
         <p:spPr>
           <a:xfrm>
             <a:off x="756000" y="5145120"/>
-            <a:ext cx="6042960" cy="4205160"/>
+            <a:ext cx="6042600" cy="4204800"/>
           </a:xfrm>
           <a:prstGeom prst="rect">
             <a:avLst/>
@@ -1454,14 +1575,14 @@
       </p:sp>
       <p:sp>
         <p:nvSpPr>
-          <p:cNvPr id="400" name="CustomShape 74"/>
+          <p:cNvPr id="438" name="CustomShape 74"/>
           <p:cNvSpPr/>
           <p:nvPr/>
         </p:nvSpPr>
         <p:spPr>
           <a:xfrm>
             <a:off x="0" y="10155240"/>
-            <a:ext cx="3271320" cy="531720"/>
+            <a:ext cx="3270960" cy="531360"/>
           </a:xfrm>
           <a:prstGeom prst="rect">
             <a:avLst/>
@@ -1528,7 +1649,7 @@
       </p:grpSpPr>
       <p:sp>
         <p:nvSpPr>
-          <p:cNvPr id="353" name="PlaceHolder 1"/>
+          <p:cNvPr id="391" name="PlaceHolder 1"/>
           <p:cNvSpPr>
             <a:spLocks noGrp="1"/>
           </p:cNvSpPr>
@@ -1539,19 +1660,19 @@
         <p:spPr>
           <a:xfrm>
             <a:off x="1376280" y="1336680"/>
-            <a:ext cx="4801320" cy="3601080"/>
-          </a:xfrm>
-          <a:prstGeom prst="rect">
-            <a:avLst/>
-          </a:prstGeom>
-          <a:ln w="0">
-            <a:noFill/>
-          </a:ln>
-        </p:spPr>
-      </p:sp>
-      <p:sp>
-        <p:nvSpPr>
-          <p:cNvPr id="354" name="PlaceHolder 2"/>
+            <a:ext cx="4800960" cy="3600720"/>
+          </a:xfrm>
+          <a:prstGeom prst="rect">
+            <a:avLst/>
+          </a:prstGeom>
+          <a:ln w="0">
+            <a:noFill/>
+          </a:ln>
+        </p:spPr>
+      </p:sp>
+      <p:sp>
+        <p:nvSpPr>
+          <p:cNvPr id="392" name="PlaceHolder 2"/>
           <p:cNvSpPr>
             <a:spLocks noGrp="1"/>
           </p:cNvSpPr>
@@ -1562,7 +1683,7 @@
         <p:spPr>
           <a:xfrm>
             <a:off x="756000" y="5145120"/>
-            <a:ext cx="6041520" cy="4203720"/>
+            <a:ext cx="6041160" cy="4203360"/>
           </a:xfrm>
           <a:prstGeom prst="rect">
             <a:avLst/>
@@ -1585,14 +1706,14 @@
       </p:sp>
       <p:sp>
         <p:nvSpPr>
-          <p:cNvPr id="355" name="CustomShape 3"/>
+          <p:cNvPr id="393" name="CustomShape 3"/>
           <p:cNvSpPr/>
           <p:nvPr/>
         </p:nvSpPr>
         <p:spPr>
           <a:xfrm>
             <a:off x="0" y="10155240"/>
-            <a:ext cx="3269880" cy="530280"/>
+            <a:ext cx="3269520" cy="529920"/>
           </a:xfrm>
           <a:prstGeom prst="rect">
             <a:avLst/>
@@ -1659,7 +1780,7 @@
       </p:grpSpPr>
       <p:sp>
         <p:nvSpPr>
-          <p:cNvPr id="356" name="PlaceHolder 1"/>
+          <p:cNvPr id="394" name="PlaceHolder 1"/>
           <p:cNvSpPr>
             <a:spLocks noGrp="1"/>
           </p:cNvSpPr>
@@ -1670,19 +1791,19 @@
         <p:spPr>
           <a:xfrm>
             <a:off x="1376280" y="1336680"/>
-            <a:ext cx="4795560" cy="3595320"/>
-          </a:xfrm>
-          <a:prstGeom prst="rect">
-            <a:avLst/>
-          </a:prstGeom>
-          <a:ln w="0">
-            <a:noFill/>
-          </a:ln>
-        </p:spPr>
-      </p:sp>
-      <p:sp>
-        <p:nvSpPr>
-          <p:cNvPr id="357" name="PlaceHolder 2"/>
+            <a:ext cx="4795200" cy="3594960"/>
+          </a:xfrm>
+          <a:prstGeom prst="rect">
+            <a:avLst/>
+          </a:prstGeom>
+          <a:ln w="0">
+            <a:noFill/>
+          </a:ln>
+        </p:spPr>
+      </p:sp>
+      <p:sp>
+        <p:nvSpPr>
+          <p:cNvPr id="395" name="PlaceHolder 2"/>
           <p:cNvSpPr>
             <a:spLocks noGrp="1"/>
           </p:cNvSpPr>
@@ -1693,7 +1814,7 @@
         <p:spPr>
           <a:xfrm>
             <a:off x="756000" y="5145120"/>
-            <a:ext cx="6035040" cy="4197240"/>
+            <a:ext cx="6034680" cy="4196880"/>
           </a:xfrm>
           <a:prstGeom prst="rect">
             <a:avLst/>
@@ -1716,14 +1837,14 @@
       </p:sp>
       <p:sp>
         <p:nvSpPr>
-          <p:cNvPr id="358" name="CustomShape 6"/>
+          <p:cNvPr id="396" name="CustomShape 6"/>
           <p:cNvSpPr/>
           <p:nvPr/>
         </p:nvSpPr>
         <p:spPr>
           <a:xfrm>
             <a:off x="0" y="10155240"/>
-            <a:ext cx="3263400" cy="523800"/>
+            <a:ext cx="3263040" cy="523440"/>
           </a:xfrm>
           <a:prstGeom prst="rect">
             <a:avLst/>
@@ -1790,7 +1911,7 @@
       </p:grpSpPr>
       <p:sp>
         <p:nvSpPr>
-          <p:cNvPr id="359" name="PlaceHolder 1"/>
+          <p:cNvPr id="397" name="PlaceHolder 1"/>
           <p:cNvSpPr>
             <a:spLocks noGrp="1"/>
           </p:cNvSpPr>
@@ -1801,19 +1922,19 @@
         <p:spPr>
           <a:xfrm>
             <a:off x="1376280" y="1336680"/>
-            <a:ext cx="4795560" cy="3595320"/>
-          </a:xfrm>
-          <a:prstGeom prst="rect">
-            <a:avLst/>
-          </a:prstGeom>
-          <a:ln w="0">
-            <a:noFill/>
-          </a:ln>
-        </p:spPr>
-      </p:sp>
-      <p:sp>
-        <p:nvSpPr>
-          <p:cNvPr id="360" name="PlaceHolder 2"/>
+            <a:ext cx="4795200" cy="3594960"/>
+          </a:xfrm>
+          <a:prstGeom prst="rect">
+            <a:avLst/>
+          </a:prstGeom>
+          <a:ln w="0">
+            <a:noFill/>
+          </a:ln>
+        </p:spPr>
+      </p:sp>
+      <p:sp>
+        <p:nvSpPr>
+          <p:cNvPr id="398" name="PlaceHolder 2"/>
           <p:cNvSpPr>
             <a:spLocks noGrp="1"/>
           </p:cNvSpPr>
@@ -1824,7 +1945,7 @@
         <p:spPr>
           <a:xfrm>
             <a:off x="756000" y="5145120"/>
-            <a:ext cx="6035040" cy="4197240"/>
+            <a:ext cx="6034680" cy="4196880"/>
           </a:xfrm>
           <a:prstGeom prst="rect">
             <a:avLst/>
@@ -1847,14 +1968,14 @@
       </p:sp>
       <p:sp>
         <p:nvSpPr>
-          <p:cNvPr id="361" name="CustomShape 18"/>
+          <p:cNvPr id="399" name="CustomShape 18"/>
           <p:cNvSpPr/>
           <p:nvPr/>
         </p:nvSpPr>
         <p:spPr>
           <a:xfrm>
             <a:off x="0" y="10155240"/>
-            <a:ext cx="3263400" cy="523800"/>
+            <a:ext cx="3263040" cy="523440"/>
           </a:xfrm>
           <a:prstGeom prst="rect">
             <a:avLst/>
@@ -1921,7 +2042,7 @@
       </p:grpSpPr>
       <p:sp>
         <p:nvSpPr>
-          <p:cNvPr id="362" name="PlaceHolder 1"/>
+          <p:cNvPr id="400" name="PlaceHolder 1"/>
           <p:cNvSpPr>
             <a:spLocks noGrp="1"/>
           </p:cNvSpPr>
@@ -1932,19 +2053,19 @@
         <p:spPr>
           <a:xfrm>
             <a:off x="1376280" y="1336680"/>
-            <a:ext cx="4795560" cy="3595320"/>
-          </a:xfrm>
-          <a:prstGeom prst="rect">
-            <a:avLst/>
-          </a:prstGeom>
-          <a:ln w="0">
-            <a:noFill/>
-          </a:ln>
-        </p:spPr>
-      </p:sp>
-      <p:sp>
-        <p:nvSpPr>
-          <p:cNvPr id="363" name="PlaceHolder 2"/>
+            <a:ext cx="4795200" cy="3594960"/>
+          </a:xfrm>
+          <a:prstGeom prst="rect">
+            <a:avLst/>
+          </a:prstGeom>
+          <a:ln w="0">
+            <a:noFill/>
+          </a:ln>
+        </p:spPr>
+      </p:sp>
+      <p:sp>
+        <p:nvSpPr>
+          <p:cNvPr id="401" name="PlaceHolder 2"/>
           <p:cNvSpPr>
             <a:spLocks noGrp="1"/>
           </p:cNvSpPr>
@@ -1955,7 +2076,7 @@
         <p:spPr>
           <a:xfrm>
             <a:off x="756000" y="5145120"/>
-            <a:ext cx="6035040" cy="4197240"/>
+            <a:ext cx="6034680" cy="4196880"/>
           </a:xfrm>
           <a:prstGeom prst="rect">
             <a:avLst/>
@@ -1978,14 +2099,14 @@
       </p:sp>
       <p:sp>
         <p:nvSpPr>
-          <p:cNvPr id="364" name="CustomShape 16"/>
+          <p:cNvPr id="402" name="CustomShape 16"/>
           <p:cNvSpPr/>
           <p:nvPr/>
         </p:nvSpPr>
         <p:spPr>
           <a:xfrm>
             <a:off x="0" y="10155240"/>
-            <a:ext cx="3263400" cy="523800"/>
+            <a:ext cx="3263040" cy="523440"/>
           </a:xfrm>
           <a:prstGeom prst="rect">
             <a:avLst/>
@@ -2052,7 +2173,7 @@
       </p:grpSpPr>
       <p:sp>
         <p:nvSpPr>
-          <p:cNvPr id="365" name="PlaceHolder 1"/>
+          <p:cNvPr id="403" name="PlaceHolder 1"/>
           <p:cNvSpPr>
             <a:spLocks noGrp="1"/>
           </p:cNvSpPr>
@@ -2063,19 +2184,19 @@
         <p:spPr>
           <a:xfrm>
             <a:off x="1376280" y="1336680"/>
-            <a:ext cx="4795560" cy="3595320"/>
-          </a:xfrm>
-          <a:prstGeom prst="rect">
-            <a:avLst/>
-          </a:prstGeom>
-          <a:ln w="0">
-            <a:noFill/>
-          </a:ln>
-        </p:spPr>
-      </p:sp>
-      <p:sp>
-        <p:nvSpPr>
-          <p:cNvPr id="366" name="PlaceHolder 2"/>
+            <a:ext cx="4795200" cy="3594960"/>
+          </a:xfrm>
+          <a:prstGeom prst="rect">
+            <a:avLst/>
+          </a:prstGeom>
+          <a:ln w="0">
+            <a:noFill/>
+          </a:ln>
+        </p:spPr>
+      </p:sp>
+      <p:sp>
+        <p:nvSpPr>
+          <p:cNvPr id="404" name="PlaceHolder 2"/>
           <p:cNvSpPr>
             <a:spLocks noGrp="1"/>
           </p:cNvSpPr>
@@ -2086,7 +2207,7 @@
         <p:spPr>
           <a:xfrm>
             <a:off x="756000" y="5145120"/>
-            <a:ext cx="6035040" cy="4197240"/>
+            <a:ext cx="6034680" cy="4196880"/>
           </a:xfrm>
           <a:prstGeom prst="rect">
             <a:avLst/>
@@ -2109,14 +2230,14 @@
       </p:sp>
       <p:sp>
         <p:nvSpPr>
-          <p:cNvPr id="367" name="CustomShape 22"/>
+          <p:cNvPr id="405" name="CustomShape 22"/>
           <p:cNvSpPr/>
           <p:nvPr/>
         </p:nvSpPr>
         <p:spPr>
           <a:xfrm>
             <a:off x="0" y="10155240"/>
-            <a:ext cx="3263400" cy="523800"/>
+            <a:ext cx="3263040" cy="523440"/>
           </a:xfrm>
           <a:prstGeom prst="rect">
             <a:avLst/>
@@ -2183,7 +2304,7 @@
       </p:grpSpPr>
       <p:sp>
         <p:nvSpPr>
-          <p:cNvPr id="368" name="PlaceHolder 1"/>
+          <p:cNvPr id="406" name="PlaceHolder 1"/>
           <p:cNvSpPr>
             <a:spLocks noGrp="1"/>
           </p:cNvSpPr>
@@ -2194,19 +2315,19 @@
         <p:spPr>
           <a:xfrm>
             <a:off x="1376280" y="1336680"/>
-            <a:ext cx="4795560" cy="3595320"/>
-          </a:xfrm>
-          <a:prstGeom prst="rect">
-            <a:avLst/>
-          </a:prstGeom>
-          <a:ln w="0">
-            <a:noFill/>
-          </a:ln>
-        </p:spPr>
-      </p:sp>
-      <p:sp>
-        <p:nvSpPr>
-          <p:cNvPr id="369" name="PlaceHolder 2"/>
+            <a:ext cx="4795200" cy="3594960"/>
+          </a:xfrm>
+          <a:prstGeom prst="rect">
+            <a:avLst/>
+          </a:prstGeom>
+          <a:ln w="0">
+            <a:noFill/>
+          </a:ln>
+        </p:spPr>
+      </p:sp>
+      <p:sp>
+        <p:nvSpPr>
+          <p:cNvPr id="407" name="PlaceHolder 2"/>
           <p:cNvSpPr>
             <a:spLocks noGrp="1"/>
           </p:cNvSpPr>
@@ -2217,7 +2338,7 @@
         <p:spPr>
           <a:xfrm>
             <a:off x="756000" y="5145120"/>
-            <a:ext cx="6035040" cy="4197240"/>
+            <a:ext cx="6034680" cy="4196880"/>
           </a:xfrm>
           <a:prstGeom prst="rect">
             <a:avLst/>
@@ -2240,14 +2361,14 @@
       </p:sp>
       <p:sp>
         <p:nvSpPr>
-          <p:cNvPr id="370" name="CustomShape 27"/>
+          <p:cNvPr id="408" name="CustomShape 27"/>
           <p:cNvSpPr/>
           <p:nvPr/>
         </p:nvSpPr>
         <p:spPr>
           <a:xfrm>
             <a:off x="0" y="10155240"/>
-            <a:ext cx="3263400" cy="523800"/>
+            <a:ext cx="3263040" cy="523440"/>
           </a:xfrm>
           <a:prstGeom prst="rect">
             <a:avLst/>
@@ -2314,7 +2435,7 @@
       </p:grpSpPr>
       <p:sp>
         <p:nvSpPr>
-          <p:cNvPr id="371" name="PlaceHolder 1"/>
+          <p:cNvPr id="409" name="PlaceHolder 1"/>
           <p:cNvSpPr>
             <a:spLocks noGrp="1"/>
           </p:cNvSpPr>
@@ -2325,19 +2446,19 @@
         <p:spPr>
           <a:xfrm>
             <a:off x="1376280" y="1336680"/>
-            <a:ext cx="4795560" cy="3595320"/>
-          </a:xfrm>
-          <a:prstGeom prst="rect">
-            <a:avLst/>
-          </a:prstGeom>
-          <a:ln w="0">
-            <a:noFill/>
-          </a:ln>
-        </p:spPr>
-      </p:sp>
-      <p:sp>
-        <p:nvSpPr>
-          <p:cNvPr id="372" name="PlaceHolder 2"/>
+            <a:ext cx="4795200" cy="3594960"/>
+          </a:xfrm>
+          <a:prstGeom prst="rect">
+            <a:avLst/>
+          </a:prstGeom>
+          <a:ln w="0">
+            <a:noFill/>
+          </a:ln>
+        </p:spPr>
+      </p:sp>
+      <p:sp>
+        <p:nvSpPr>
+          <p:cNvPr id="410" name="PlaceHolder 2"/>
           <p:cNvSpPr>
             <a:spLocks noGrp="1"/>
           </p:cNvSpPr>
@@ -2348,7 +2469,7 @@
         <p:spPr>
           <a:xfrm>
             <a:off x="756000" y="5145120"/>
-            <a:ext cx="6035040" cy="4197240"/>
+            <a:ext cx="6034680" cy="4196880"/>
           </a:xfrm>
           <a:prstGeom prst="rect">
             <a:avLst/>
@@ -2371,14 +2492,14 @@
       </p:sp>
       <p:sp>
         <p:nvSpPr>
-          <p:cNvPr id="373" name="CustomShape 47"/>
+          <p:cNvPr id="411" name="CustomShape 47"/>
           <p:cNvSpPr/>
           <p:nvPr/>
         </p:nvSpPr>
         <p:spPr>
           <a:xfrm>
             <a:off x="0" y="10155240"/>
-            <a:ext cx="3263400" cy="523800"/>
+            <a:ext cx="3263040" cy="523440"/>
           </a:xfrm>
           <a:prstGeom prst="rect">
             <a:avLst/>
@@ -2445,7 +2566,7 @@
       </p:grpSpPr>
       <p:sp>
         <p:nvSpPr>
-          <p:cNvPr id="374" name="PlaceHolder 1"/>
+          <p:cNvPr id="412" name="PlaceHolder 1"/>
           <p:cNvSpPr>
             <a:spLocks noGrp="1"/>
           </p:cNvSpPr>
@@ -2456,19 +2577,19 @@
         <p:spPr>
           <a:xfrm>
             <a:off x="1376280" y="1336680"/>
-            <a:ext cx="4795560" cy="3595320"/>
-          </a:xfrm>
-          <a:prstGeom prst="rect">
-            <a:avLst/>
-          </a:prstGeom>
-          <a:ln w="0">
-            <a:noFill/>
-          </a:ln>
-        </p:spPr>
-      </p:sp>
-      <p:sp>
-        <p:nvSpPr>
-          <p:cNvPr id="375" name="PlaceHolder 2"/>
+            <a:ext cx="4795200" cy="3594960"/>
+          </a:xfrm>
+          <a:prstGeom prst="rect">
+            <a:avLst/>
+          </a:prstGeom>
+          <a:ln w="0">
+            <a:noFill/>
+          </a:ln>
+        </p:spPr>
+      </p:sp>
+      <p:sp>
+        <p:nvSpPr>
+          <p:cNvPr id="413" name="PlaceHolder 2"/>
           <p:cNvSpPr>
             <a:spLocks noGrp="1"/>
           </p:cNvSpPr>
@@ -2479,7 +2600,7 @@
         <p:spPr>
           <a:xfrm>
             <a:off x="756000" y="5145120"/>
-            <a:ext cx="6035040" cy="4197240"/>
+            <a:ext cx="6034680" cy="4196880"/>
           </a:xfrm>
           <a:prstGeom prst="rect">
             <a:avLst/>
@@ -2502,14 +2623,14 @@
       </p:sp>
       <p:sp>
         <p:nvSpPr>
-          <p:cNvPr id="376" name="CustomShape 32"/>
+          <p:cNvPr id="414" name="CustomShape 32"/>
           <p:cNvSpPr/>
           <p:nvPr/>
         </p:nvSpPr>
         <p:spPr>
           <a:xfrm>
             <a:off x="0" y="10155240"/>
-            <a:ext cx="3263400" cy="523800"/>
+            <a:ext cx="3263040" cy="523440"/>
           </a:xfrm>
           <a:prstGeom prst="rect">
             <a:avLst/>
@@ -9694,6 +9815,945 @@
 </p:sldLayout>
 </file>
 
+<file path=ppt/slideLayouts/slideLayout61.xml><?xml version="1.0" encoding="utf-8"?>
+<p:sldLayout xmlns:a="http://schemas.openxmlformats.org/drawingml/2006/main" xmlns:p="http://schemas.openxmlformats.org/presentationml/2006/main" xmlns:r="http://schemas.openxmlformats.org/officeDocument/2006/relationships" xmlns:p14="http://schemas.microsoft.com/office/powerpoint/2010/main" xmlns:p15="http://schemas.microsoft.com/office/powerpoint/2012/main" xmlns:mc="http://schemas.openxmlformats.org/markup-compatibility/2006" type="blank" preserve="1">
+  <p:cSld name="Blank Slide">
+    <p:spTree>
+      <p:nvGrpSpPr>
+        <p:cNvPr id="1" name=""/>
+        <p:cNvGrpSpPr/>
+        <p:nvPr/>
+      </p:nvGrpSpPr>
+      <p:grpSpPr>
+        <a:xfrm>
+          <a:off x="0" y="0"/>
+          <a:ext cx="0" cy="0"/>
+          <a:chOff x="0" y="0"/>
+          <a:chExt cx="0" cy="0"/>
+        </a:xfrm>
+      </p:grpSpPr>
+    </p:spTree>
+  </p:cSld>
+</p:sldLayout>
+</file>
+
+<file path=ppt/slideLayouts/slideLayout62.xml><?xml version="1.0" encoding="utf-8"?>
+<p:sldLayout xmlns:a="http://schemas.openxmlformats.org/drawingml/2006/main" xmlns:p="http://schemas.openxmlformats.org/presentationml/2006/main" xmlns:r="http://schemas.openxmlformats.org/officeDocument/2006/relationships" xmlns:p14="http://schemas.microsoft.com/office/powerpoint/2010/main" xmlns:p15="http://schemas.microsoft.com/office/powerpoint/2012/main" xmlns:mc="http://schemas.openxmlformats.org/markup-compatibility/2006" type="tx" preserve="1">
+  <p:cSld name="Title Slide">
+    <p:spTree>
+      <p:nvGrpSpPr>
+        <p:cNvPr id="1" name=""/>
+        <p:cNvGrpSpPr/>
+        <p:nvPr/>
+      </p:nvGrpSpPr>
+      <p:grpSpPr>
+        <a:xfrm>
+          <a:off x="0" y="0"/>
+          <a:ext cx="0" cy="0"/>
+          <a:chOff x="0" y="0"/>
+          <a:chExt cx="0" cy="0"/>
+        </a:xfrm>
+      </p:grpSpPr>
+      <p:sp>
+        <p:nvSpPr>
+          <p:cNvPr id="213" name="PlaceHolder 1"/>
+          <p:cNvSpPr>
+            <a:spLocks noGrp="1"/>
+          </p:cNvSpPr>
+          <p:nvPr>
+            <p:ph type="title"/>
+          </p:nvPr>
+        </p:nvSpPr>
+        <p:spPr>
+          <a:xfrm>
+            <a:off x="504000" y="301320"/>
+            <a:ext cx="9072000" cy="1261800"/>
+          </a:xfrm>
+          <a:prstGeom prst="rect">
+            <a:avLst/>
+          </a:prstGeom>
+          <a:noFill/>
+          <a:ln w="0">
+            <a:noFill/>
+          </a:ln>
+        </p:spPr>
+        <p:txBody>
+          <a:bodyPr lIns="0" rIns="0" tIns="0" bIns="0" anchor="ctr">
+            <a:noAutofit/>
+          </a:bodyPr>
+          <a:p>
+            <a:pPr algn="ctr">
+              <a:buNone/>
+            </a:pPr>
+            <a:endParaRPr b="0" lang="en-US" sz="4400" spc="-1" strike="noStrike">
+              <a:latin typeface="Arial"/>
+            </a:endParaRPr>
+          </a:p>
+        </p:txBody>
+      </p:sp>
+      <p:sp>
+        <p:nvSpPr>
+          <p:cNvPr id="214" name="PlaceHolder 2"/>
+          <p:cNvSpPr>
+            <a:spLocks noGrp="1"/>
+          </p:cNvSpPr>
+          <p:nvPr>
+            <p:ph type="subTitle"/>
+          </p:nvPr>
+        </p:nvSpPr>
+        <p:spPr>
+          <a:xfrm>
+            <a:off x="504000" y="1768680"/>
+            <a:ext cx="9072000" cy="4384080"/>
+          </a:xfrm>
+          <a:prstGeom prst="rect">
+            <a:avLst/>
+          </a:prstGeom>
+          <a:noFill/>
+          <a:ln w="0">
+            <a:noFill/>
+          </a:ln>
+        </p:spPr>
+        <p:txBody>
+          <a:bodyPr lIns="0" rIns="0" tIns="0" bIns="0" anchor="ctr">
+            <a:noAutofit/>
+          </a:bodyPr>
+          <a:p>
+            <a:pPr algn="ctr">
+              <a:buNone/>
+            </a:pPr>
+            <a:endParaRPr b="0" lang="en-US" sz="3200" spc="-1" strike="noStrike">
+              <a:latin typeface="Arial"/>
+            </a:endParaRPr>
+          </a:p>
+        </p:txBody>
+      </p:sp>
+    </p:spTree>
+  </p:cSld>
+</p:sldLayout>
+</file>
+
+<file path=ppt/slideLayouts/slideLayout63.xml><?xml version="1.0" encoding="utf-8"?>
+<p:sldLayout xmlns:a="http://schemas.openxmlformats.org/drawingml/2006/main" xmlns:p="http://schemas.openxmlformats.org/presentationml/2006/main" xmlns:r="http://schemas.openxmlformats.org/officeDocument/2006/relationships" xmlns:p14="http://schemas.microsoft.com/office/powerpoint/2010/main" xmlns:p15="http://schemas.microsoft.com/office/powerpoint/2012/main" xmlns:mc="http://schemas.openxmlformats.org/markup-compatibility/2006" type="obj" preserve="1">
+  <p:cSld name="Title, Content">
+    <p:spTree>
+      <p:nvGrpSpPr>
+        <p:cNvPr id="1" name=""/>
+        <p:cNvGrpSpPr/>
+        <p:nvPr/>
+      </p:nvGrpSpPr>
+      <p:grpSpPr>
+        <a:xfrm>
+          <a:off x="0" y="0"/>
+          <a:ext cx="0" cy="0"/>
+          <a:chOff x="0" y="0"/>
+          <a:chExt cx="0" cy="0"/>
+        </a:xfrm>
+      </p:grpSpPr>
+      <p:sp>
+        <p:nvSpPr>
+          <p:cNvPr id="215" name="PlaceHolder 1"/>
+          <p:cNvSpPr>
+            <a:spLocks noGrp="1"/>
+          </p:cNvSpPr>
+          <p:nvPr>
+            <p:ph type="title"/>
+          </p:nvPr>
+        </p:nvSpPr>
+        <p:spPr>
+          <a:xfrm>
+            <a:off x="504000" y="301320"/>
+            <a:ext cx="9072000" cy="1261800"/>
+          </a:xfrm>
+          <a:prstGeom prst="rect">
+            <a:avLst/>
+          </a:prstGeom>
+          <a:noFill/>
+          <a:ln w="0">
+            <a:noFill/>
+          </a:ln>
+        </p:spPr>
+        <p:txBody>
+          <a:bodyPr lIns="0" rIns="0" tIns="0" bIns="0" anchor="ctr">
+            <a:noAutofit/>
+          </a:bodyPr>
+          <a:p>
+            <a:pPr algn="ctr">
+              <a:buNone/>
+            </a:pPr>
+            <a:endParaRPr b="0" lang="en-US" sz="4400" spc="-1" strike="noStrike">
+              <a:latin typeface="Arial"/>
+            </a:endParaRPr>
+          </a:p>
+        </p:txBody>
+      </p:sp>
+      <p:sp>
+        <p:nvSpPr>
+          <p:cNvPr id="216" name="PlaceHolder 2"/>
+          <p:cNvSpPr>
+            <a:spLocks noGrp="1"/>
+          </p:cNvSpPr>
+          <p:nvPr>
+            <p:ph/>
+          </p:nvPr>
+        </p:nvSpPr>
+        <p:spPr>
+          <a:xfrm>
+            <a:off x="504000" y="1768680"/>
+            <a:ext cx="9072000" cy="4384080"/>
+          </a:xfrm>
+          <a:prstGeom prst="rect">
+            <a:avLst/>
+          </a:prstGeom>
+          <a:noFill/>
+          <a:ln w="0">
+            <a:noFill/>
+          </a:ln>
+        </p:spPr>
+        <p:txBody>
+          <a:bodyPr lIns="0" rIns="0" tIns="0" bIns="0" anchor="t">
+            <a:normAutofit/>
+          </a:bodyPr>
+          <a:p>
+            <a:endParaRPr b="0" lang="en-US" sz="3200" spc="-1" strike="noStrike">
+              <a:latin typeface="Arial"/>
+            </a:endParaRPr>
+          </a:p>
+        </p:txBody>
+      </p:sp>
+    </p:spTree>
+  </p:cSld>
+</p:sldLayout>
+</file>
+
+<file path=ppt/slideLayouts/slideLayout64.xml><?xml version="1.0" encoding="utf-8"?>
+<p:sldLayout xmlns:a="http://schemas.openxmlformats.org/drawingml/2006/main" xmlns:p="http://schemas.openxmlformats.org/presentationml/2006/main" xmlns:r="http://schemas.openxmlformats.org/officeDocument/2006/relationships" xmlns:p14="http://schemas.microsoft.com/office/powerpoint/2010/main" xmlns:p15="http://schemas.microsoft.com/office/powerpoint/2012/main" xmlns:mc="http://schemas.openxmlformats.org/markup-compatibility/2006" type="twoObj" preserve="1">
+  <p:cSld name="Title, 2 Content">
+    <p:spTree>
+      <p:nvGrpSpPr>
+        <p:cNvPr id="1" name=""/>
+        <p:cNvGrpSpPr/>
+        <p:nvPr/>
+      </p:nvGrpSpPr>
+      <p:grpSpPr>
+        <a:xfrm>
+          <a:off x="0" y="0"/>
+          <a:ext cx="0" cy="0"/>
+          <a:chOff x="0" y="0"/>
+          <a:chExt cx="0" cy="0"/>
+        </a:xfrm>
+      </p:grpSpPr>
+      <p:sp>
+        <p:nvSpPr>
+          <p:cNvPr id="217" name="PlaceHolder 1"/>
+          <p:cNvSpPr>
+            <a:spLocks noGrp="1"/>
+          </p:cNvSpPr>
+          <p:nvPr>
+            <p:ph type="title"/>
+          </p:nvPr>
+        </p:nvSpPr>
+        <p:spPr>
+          <a:xfrm>
+            <a:off x="504000" y="301320"/>
+            <a:ext cx="9072000" cy="1261800"/>
+          </a:xfrm>
+          <a:prstGeom prst="rect">
+            <a:avLst/>
+          </a:prstGeom>
+          <a:noFill/>
+          <a:ln w="0">
+            <a:noFill/>
+          </a:ln>
+        </p:spPr>
+        <p:txBody>
+          <a:bodyPr lIns="0" rIns="0" tIns="0" bIns="0" anchor="ctr">
+            <a:noAutofit/>
+          </a:bodyPr>
+          <a:p>
+            <a:pPr algn="ctr">
+              <a:buNone/>
+            </a:pPr>
+            <a:endParaRPr b="0" lang="en-US" sz="4400" spc="-1" strike="noStrike">
+              <a:latin typeface="Arial"/>
+            </a:endParaRPr>
+          </a:p>
+        </p:txBody>
+      </p:sp>
+      <p:sp>
+        <p:nvSpPr>
+          <p:cNvPr id="218" name="PlaceHolder 2"/>
+          <p:cNvSpPr>
+            <a:spLocks noGrp="1"/>
+          </p:cNvSpPr>
+          <p:nvPr>
+            <p:ph/>
+          </p:nvPr>
+        </p:nvSpPr>
+        <p:spPr>
+          <a:xfrm>
+            <a:off x="504000" y="1768680"/>
+            <a:ext cx="4426920" cy="4384080"/>
+          </a:xfrm>
+          <a:prstGeom prst="rect">
+            <a:avLst/>
+          </a:prstGeom>
+          <a:noFill/>
+          <a:ln w="0">
+            <a:noFill/>
+          </a:ln>
+        </p:spPr>
+        <p:txBody>
+          <a:bodyPr lIns="0" rIns="0" tIns="0" bIns="0" anchor="t">
+            <a:normAutofit/>
+          </a:bodyPr>
+          <a:p>
+            <a:endParaRPr b="0" lang="en-US" sz="3200" spc="-1" strike="noStrike">
+              <a:latin typeface="Arial"/>
+            </a:endParaRPr>
+          </a:p>
+        </p:txBody>
+      </p:sp>
+      <p:sp>
+        <p:nvSpPr>
+          <p:cNvPr id="219" name="PlaceHolder 3"/>
+          <p:cNvSpPr>
+            <a:spLocks noGrp="1"/>
+          </p:cNvSpPr>
+          <p:nvPr>
+            <p:ph/>
+          </p:nvPr>
+        </p:nvSpPr>
+        <p:spPr>
+          <a:xfrm>
+            <a:off x="5152680" y="1768680"/>
+            <a:ext cx="4426920" cy="4384080"/>
+          </a:xfrm>
+          <a:prstGeom prst="rect">
+            <a:avLst/>
+          </a:prstGeom>
+          <a:noFill/>
+          <a:ln w="0">
+            <a:noFill/>
+          </a:ln>
+        </p:spPr>
+        <p:txBody>
+          <a:bodyPr lIns="0" rIns="0" tIns="0" bIns="0" anchor="t">
+            <a:normAutofit/>
+          </a:bodyPr>
+          <a:p>
+            <a:endParaRPr b="0" lang="en-US" sz="3200" spc="-1" strike="noStrike">
+              <a:latin typeface="Arial"/>
+            </a:endParaRPr>
+          </a:p>
+        </p:txBody>
+      </p:sp>
+    </p:spTree>
+  </p:cSld>
+</p:sldLayout>
+</file>
+
+<file path=ppt/slideLayouts/slideLayout65.xml><?xml version="1.0" encoding="utf-8"?>
+<p:sldLayout xmlns:a="http://schemas.openxmlformats.org/drawingml/2006/main" xmlns:p="http://schemas.openxmlformats.org/presentationml/2006/main" xmlns:r="http://schemas.openxmlformats.org/officeDocument/2006/relationships" xmlns:p14="http://schemas.microsoft.com/office/powerpoint/2010/main" xmlns:p15="http://schemas.microsoft.com/office/powerpoint/2012/main" xmlns:mc="http://schemas.openxmlformats.org/markup-compatibility/2006" type="titleOnly" preserve="1">
+  <p:cSld name="Title Only">
+    <p:spTree>
+      <p:nvGrpSpPr>
+        <p:cNvPr id="1" name=""/>
+        <p:cNvGrpSpPr/>
+        <p:nvPr/>
+      </p:nvGrpSpPr>
+      <p:grpSpPr>
+        <a:xfrm>
+          <a:off x="0" y="0"/>
+          <a:ext cx="0" cy="0"/>
+          <a:chOff x="0" y="0"/>
+          <a:chExt cx="0" cy="0"/>
+        </a:xfrm>
+      </p:grpSpPr>
+      <p:sp>
+        <p:nvSpPr>
+          <p:cNvPr id="220" name="PlaceHolder 1"/>
+          <p:cNvSpPr>
+            <a:spLocks noGrp="1"/>
+          </p:cNvSpPr>
+          <p:nvPr>
+            <p:ph type="title"/>
+          </p:nvPr>
+        </p:nvSpPr>
+        <p:spPr>
+          <a:xfrm>
+            <a:off x="504000" y="301320"/>
+            <a:ext cx="9072000" cy="1261800"/>
+          </a:xfrm>
+          <a:prstGeom prst="rect">
+            <a:avLst/>
+          </a:prstGeom>
+          <a:noFill/>
+          <a:ln w="0">
+            <a:noFill/>
+          </a:ln>
+        </p:spPr>
+        <p:txBody>
+          <a:bodyPr lIns="0" rIns="0" tIns="0" bIns="0" anchor="ctr">
+            <a:noAutofit/>
+          </a:bodyPr>
+          <a:p>
+            <a:pPr algn="ctr">
+              <a:buNone/>
+            </a:pPr>
+            <a:endParaRPr b="0" lang="en-US" sz="4400" spc="-1" strike="noStrike">
+              <a:latin typeface="Arial"/>
+            </a:endParaRPr>
+          </a:p>
+        </p:txBody>
+      </p:sp>
+    </p:spTree>
+  </p:cSld>
+</p:sldLayout>
+</file>
+
+<file path=ppt/slideLayouts/slideLayout66.xml><?xml version="1.0" encoding="utf-8"?>
+<p:sldLayout xmlns:a="http://schemas.openxmlformats.org/drawingml/2006/main" xmlns:p="http://schemas.openxmlformats.org/presentationml/2006/main" xmlns:r="http://schemas.openxmlformats.org/officeDocument/2006/relationships" xmlns:p14="http://schemas.microsoft.com/office/powerpoint/2010/main" xmlns:p15="http://schemas.microsoft.com/office/powerpoint/2012/main" xmlns:mc="http://schemas.openxmlformats.org/markup-compatibility/2006" type="objOnly" preserve="1">
+  <p:cSld name="Centered Text">
+    <p:spTree>
+      <p:nvGrpSpPr>
+        <p:cNvPr id="1" name=""/>
+        <p:cNvGrpSpPr/>
+        <p:nvPr/>
+      </p:nvGrpSpPr>
+      <p:grpSpPr>
+        <a:xfrm>
+          <a:off x="0" y="0"/>
+          <a:ext cx="0" cy="0"/>
+          <a:chOff x="0" y="0"/>
+          <a:chExt cx="0" cy="0"/>
+        </a:xfrm>
+      </p:grpSpPr>
+      <p:sp>
+        <p:nvSpPr>
+          <p:cNvPr id="221" name="PlaceHolder 1"/>
+          <p:cNvSpPr>
+            <a:spLocks noGrp="1"/>
+          </p:cNvSpPr>
+          <p:nvPr>
+            <p:ph type="subTitle"/>
+          </p:nvPr>
+        </p:nvSpPr>
+        <p:spPr>
+          <a:xfrm>
+            <a:off x="504000" y="301320"/>
+            <a:ext cx="9072000" cy="5850360"/>
+          </a:xfrm>
+          <a:prstGeom prst="rect">
+            <a:avLst/>
+          </a:prstGeom>
+          <a:noFill/>
+          <a:ln w="0">
+            <a:noFill/>
+          </a:ln>
+        </p:spPr>
+        <p:txBody>
+          <a:bodyPr lIns="0" rIns="0" tIns="0" bIns="0" anchor="ctr">
+            <a:noAutofit/>
+          </a:bodyPr>
+          <a:p>
+            <a:pPr algn="ctr">
+              <a:buNone/>
+            </a:pPr>
+            <a:endParaRPr b="0" lang="en-US" sz="3200" spc="-1" strike="noStrike">
+              <a:latin typeface="Arial"/>
+            </a:endParaRPr>
+          </a:p>
+        </p:txBody>
+      </p:sp>
+    </p:spTree>
+  </p:cSld>
+</p:sldLayout>
+</file>
+
+<file path=ppt/slideLayouts/slideLayout67.xml><?xml version="1.0" encoding="utf-8"?>
+<p:sldLayout xmlns:a="http://schemas.openxmlformats.org/drawingml/2006/main" xmlns:p="http://schemas.openxmlformats.org/presentationml/2006/main" xmlns:r="http://schemas.openxmlformats.org/officeDocument/2006/relationships" xmlns:p14="http://schemas.microsoft.com/office/powerpoint/2010/main" xmlns:p15="http://schemas.microsoft.com/office/powerpoint/2012/main" xmlns:mc="http://schemas.openxmlformats.org/markup-compatibility/2006" type="twoObjAndObj" preserve="1">
+  <p:cSld name="Title, 2 Content and Content">
+    <p:spTree>
+      <p:nvGrpSpPr>
+        <p:cNvPr id="1" name=""/>
+        <p:cNvGrpSpPr/>
+        <p:nvPr/>
+      </p:nvGrpSpPr>
+      <p:grpSpPr>
+        <a:xfrm>
+          <a:off x="0" y="0"/>
+          <a:ext cx="0" cy="0"/>
+          <a:chOff x="0" y="0"/>
+          <a:chExt cx="0" cy="0"/>
+        </a:xfrm>
+      </p:grpSpPr>
+      <p:sp>
+        <p:nvSpPr>
+          <p:cNvPr id="222" name="PlaceHolder 1"/>
+          <p:cNvSpPr>
+            <a:spLocks noGrp="1"/>
+          </p:cNvSpPr>
+          <p:nvPr>
+            <p:ph type="title"/>
+          </p:nvPr>
+        </p:nvSpPr>
+        <p:spPr>
+          <a:xfrm>
+            <a:off x="504000" y="301320"/>
+            <a:ext cx="9072000" cy="1261800"/>
+          </a:xfrm>
+          <a:prstGeom prst="rect">
+            <a:avLst/>
+          </a:prstGeom>
+          <a:noFill/>
+          <a:ln w="0">
+            <a:noFill/>
+          </a:ln>
+        </p:spPr>
+        <p:txBody>
+          <a:bodyPr lIns="0" rIns="0" tIns="0" bIns="0" anchor="ctr">
+            <a:noAutofit/>
+          </a:bodyPr>
+          <a:p>
+            <a:pPr algn="ctr">
+              <a:buNone/>
+            </a:pPr>
+            <a:endParaRPr b="0" lang="en-US" sz="4400" spc="-1" strike="noStrike">
+              <a:latin typeface="Arial"/>
+            </a:endParaRPr>
+          </a:p>
+        </p:txBody>
+      </p:sp>
+      <p:sp>
+        <p:nvSpPr>
+          <p:cNvPr id="223" name="PlaceHolder 2"/>
+          <p:cNvSpPr>
+            <a:spLocks noGrp="1"/>
+          </p:cNvSpPr>
+          <p:nvPr>
+            <p:ph/>
+          </p:nvPr>
+        </p:nvSpPr>
+        <p:spPr>
+          <a:xfrm>
+            <a:off x="504000" y="1768680"/>
+            <a:ext cx="4426920" cy="2090880"/>
+          </a:xfrm>
+          <a:prstGeom prst="rect">
+            <a:avLst/>
+          </a:prstGeom>
+          <a:noFill/>
+          <a:ln w="0">
+            <a:noFill/>
+          </a:ln>
+        </p:spPr>
+        <p:txBody>
+          <a:bodyPr lIns="0" rIns="0" tIns="0" bIns="0" anchor="t">
+            <a:normAutofit/>
+          </a:bodyPr>
+          <a:p>
+            <a:endParaRPr b="0" lang="en-US" sz="3200" spc="-1" strike="noStrike">
+              <a:latin typeface="Arial"/>
+            </a:endParaRPr>
+          </a:p>
+        </p:txBody>
+      </p:sp>
+      <p:sp>
+        <p:nvSpPr>
+          <p:cNvPr id="224" name="PlaceHolder 3"/>
+          <p:cNvSpPr>
+            <a:spLocks noGrp="1"/>
+          </p:cNvSpPr>
+          <p:nvPr>
+            <p:ph/>
+          </p:nvPr>
+        </p:nvSpPr>
+        <p:spPr>
+          <a:xfrm>
+            <a:off x="5152680" y="1768680"/>
+            <a:ext cx="4426920" cy="4384080"/>
+          </a:xfrm>
+          <a:prstGeom prst="rect">
+            <a:avLst/>
+          </a:prstGeom>
+          <a:noFill/>
+          <a:ln w="0">
+            <a:noFill/>
+          </a:ln>
+        </p:spPr>
+        <p:txBody>
+          <a:bodyPr lIns="0" rIns="0" tIns="0" bIns="0" anchor="t">
+            <a:normAutofit/>
+          </a:bodyPr>
+          <a:p>
+            <a:endParaRPr b="0" lang="en-US" sz="3200" spc="-1" strike="noStrike">
+              <a:latin typeface="Arial"/>
+            </a:endParaRPr>
+          </a:p>
+        </p:txBody>
+      </p:sp>
+      <p:sp>
+        <p:nvSpPr>
+          <p:cNvPr id="225" name="PlaceHolder 4"/>
+          <p:cNvSpPr>
+            <a:spLocks noGrp="1"/>
+          </p:cNvSpPr>
+          <p:nvPr>
+            <p:ph/>
+          </p:nvPr>
+        </p:nvSpPr>
+        <p:spPr>
+          <a:xfrm>
+            <a:off x="504000" y="4058640"/>
+            <a:ext cx="4426920" cy="2090880"/>
+          </a:xfrm>
+          <a:prstGeom prst="rect">
+            <a:avLst/>
+          </a:prstGeom>
+          <a:noFill/>
+          <a:ln w="0">
+            <a:noFill/>
+          </a:ln>
+        </p:spPr>
+        <p:txBody>
+          <a:bodyPr lIns="0" rIns="0" tIns="0" bIns="0" anchor="t">
+            <a:normAutofit/>
+          </a:bodyPr>
+          <a:p>
+            <a:endParaRPr b="0" lang="en-US" sz="3200" spc="-1" strike="noStrike">
+              <a:latin typeface="Arial"/>
+            </a:endParaRPr>
+          </a:p>
+        </p:txBody>
+      </p:sp>
+    </p:spTree>
+  </p:cSld>
+</p:sldLayout>
+</file>
+
+<file path=ppt/slideLayouts/slideLayout68.xml><?xml version="1.0" encoding="utf-8"?>
+<p:sldLayout xmlns:a="http://schemas.openxmlformats.org/drawingml/2006/main" xmlns:p="http://schemas.openxmlformats.org/presentationml/2006/main" xmlns:r="http://schemas.openxmlformats.org/officeDocument/2006/relationships" xmlns:p14="http://schemas.microsoft.com/office/powerpoint/2010/main" xmlns:p15="http://schemas.microsoft.com/office/powerpoint/2012/main" xmlns:mc="http://schemas.openxmlformats.org/markup-compatibility/2006" type="objAndTwoObj" preserve="1">
+  <p:cSld name="Title Content and 2 Content">
+    <p:spTree>
+      <p:nvGrpSpPr>
+        <p:cNvPr id="1" name=""/>
+        <p:cNvGrpSpPr/>
+        <p:nvPr/>
+      </p:nvGrpSpPr>
+      <p:grpSpPr>
+        <a:xfrm>
+          <a:off x="0" y="0"/>
+          <a:ext cx="0" cy="0"/>
+          <a:chOff x="0" y="0"/>
+          <a:chExt cx="0" cy="0"/>
+        </a:xfrm>
+      </p:grpSpPr>
+      <p:sp>
+        <p:nvSpPr>
+          <p:cNvPr id="226" name="PlaceHolder 1"/>
+          <p:cNvSpPr>
+            <a:spLocks noGrp="1"/>
+          </p:cNvSpPr>
+          <p:nvPr>
+            <p:ph type="title"/>
+          </p:nvPr>
+        </p:nvSpPr>
+        <p:spPr>
+          <a:xfrm>
+            <a:off x="504000" y="301320"/>
+            <a:ext cx="9072000" cy="1261800"/>
+          </a:xfrm>
+          <a:prstGeom prst="rect">
+            <a:avLst/>
+          </a:prstGeom>
+          <a:noFill/>
+          <a:ln w="0">
+            <a:noFill/>
+          </a:ln>
+        </p:spPr>
+        <p:txBody>
+          <a:bodyPr lIns="0" rIns="0" tIns="0" bIns="0" anchor="ctr">
+            <a:noAutofit/>
+          </a:bodyPr>
+          <a:p>
+            <a:pPr algn="ctr">
+              <a:buNone/>
+            </a:pPr>
+            <a:endParaRPr b="0" lang="en-US" sz="4400" spc="-1" strike="noStrike">
+              <a:latin typeface="Arial"/>
+            </a:endParaRPr>
+          </a:p>
+        </p:txBody>
+      </p:sp>
+      <p:sp>
+        <p:nvSpPr>
+          <p:cNvPr id="227" name="PlaceHolder 2"/>
+          <p:cNvSpPr>
+            <a:spLocks noGrp="1"/>
+          </p:cNvSpPr>
+          <p:nvPr>
+            <p:ph/>
+          </p:nvPr>
+        </p:nvSpPr>
+        <p:spPr>
+          <a:xfrm>
+            <a:off x="504000" y="1768680"/>
+            <a:ext cx="4426920" cy="4384080"/>
+          </a:xfrm>
+          <a:prstGeom prst="rect">
+            <a:avLst/>
+          </a:prstGeom>
+          <a:noFill/>
+          <a:ln w="0">
+            <a:noFill/>
+          </a:ln>
+        </p:spPr>
+        <p:txBody>
+          <a:bodyPr lIns="0" rIns="0" tIns="0" bIns="0" anchor="t">
+            <a:normAutofit/>
+          </a:bodyPr>
+          <a:p>
+            <a:endParaRPr b="0" lang="en-US" sz="3200" spc="-1" strike="noStrike">
+              <a:latin typeface="Arial"/>
+            </a:endParaRPr>
+          </a:p>
+        </p:txBody>
+      </p:sp>
+      <p:sp>
+        <p:nvSpPr>
+          <p:cNvPr id="228" name="PlaceHolder 3"/>
+          <p:cNvSpPr>
+            <a:spLocks noGrp="1"/>
+          </p:cNvSpPr>
+          <p:nvPr>
+            <p:ph/>
+          </p:nvPr>
+        </p:nvSpPr>
+        <p:spPr>
+          <a:xfrm>
+            <a:off x="5152680" y="1768680"/>
+            <a:ext cx="4426920" cy="2090880"/>
+          </a:xfrm>
+          <a:prstGeom prst="rect">
+            <a:avLst/>
+          </a:prstGeom>
+          <a:noFill/>
+          <a:ln w="0">
+            <a:noFill/>
+          </a:ln>
+        </p:spPr>
+        <p:txBody>
+          <a:bodyPr lIns="0" rIns="0" tIns="0" bIns="0" anchor="t">
+            <a:normAutofit/>
+          </a:bodyPr>
+          <a:p>
+            <a:endParaRPr b="0" lang="en-US" sz="3200" spc="-1" strike="noStrike">
+              <a:latin typeface="Arial"/>
+            </a:endParaRPr>
+          </a:p>
+        </p:txBody>
+      </p:sp>
+      <p:sp>
+        <p:nvSpPr>
+          <p:cNvPr id="229" name="PlaceHolder 4"/>
+          <p:cNvSpPr>
+            <a:spLocks noGrp="1"/>
+          </p:cNvSpPr>
+          <p:nvPr>
+            <p:ph/>
+          </p:nvPr>
+        </p:nvSpPr>
+        <p:spPr>
+          <a:xfrm>
+            <a:off x="5152680" y="4058640"/>
+            <a:ext cx="4426920" cy="2090880"/>
+          </a:xfrm>
+          <a:prstGeom prst="rect">
+            <a:avLst/>
+          </a:prstGeom>
+          <a:noFill/>
+          <a:ln w="0">
+            <a:noFill/>
+          </a:ln>
+        </p:spPr>
+        <p:txBody>
+          <a:bodyPr lIns="0" rIns="0" tIns="0" bIns="0" anchor="t">
+            <a:normAutofit/>
+          </a:bodyPr>
+          <a:p>
+            <a:endParaRPr b="0" lang="en-US" sz="3200" spc="-1" strike="noStrike">
+              <a:latin typeface="Arial"/>
+            </a:endParaRPr>
+          </a:p>
+        </p:txBody>
+      </p:sp>
+    </p:spTree>
+  </p:cSld>
+</p:sldLayout>
+</file>
+
+<file path=ppt/slideLayouts/slideLayout69.xml><?xml version="1.0" encoding="utf-8"?>
+<p:sldLayout xmlns:a="http://schemas.openxmlformats.org/drawingml/2006/main" xmlns:p="http://schemas.openxmlformats.org/presentationml/2006/main" xmlns:r="http://schemas.openxmlformats.org/officeDocument/2006/relationships" xmlns:p14="http://schemas.microsoft.com/office/powerpoint/2010/main" xmlns:p15="http://schemas.microsoft.com/office/powerpoint/2012/main" xmlns:mc="http://schemas.openxmlformats.org/markup-compatibility/2006" type="twoObjOverTx" preserve="1">
+  <p:cSld name="Title, 2 Content over Content">
+    <p:spTree>
+      <p:nvGrpSpPr>
+        <p:cNvPr id="1" name=""/>
+        <p:cNvGrpSpPr/>
+        <p:nvPr/>
+      </p:nvGrpSpPr>
+      <p:grpSpPr>
+        <a:xfrm>
+          <a:off x="0" y="0"/>
+          <a:ext cx="0" cy="0"/>
+          <a:chOff x="0" y="0"/>
+          <a:chExt cx="0" cy="0"/>
+        </a:xfrm>
+      </p:grpSpPr>
+      <p:sp>
+        <p:nvSpPr>
+          <p:cNvPr id="230" name="PlaceHolder 1"/>
+          <p:cNvSpPr>
+            <a:spLocks noGrp="1"/>
+          </p:cNvSpPr>
+          <p:nvPr>
+            <p:ph type="title"/>
+          </p:nvPr>
+        </p:nvSpPr>
+        <p:spPr>
+          <a:xfrm>
+            <a:off x="504000" y="301320"/>
+            <a:ext cx="9072000" cy="1261800"/>
+          </a:xfrm>
+          <a:prstGeom prst="rect">
+            <a:avLst/>
+          </a:prstGeom>
+          <a:noFill/>
+          <a:ln w="0">
+            <a:noFill/>
+          </a:ln>
+        </p:spPr>
+        <p:txBody>
+          <a:bodyPr lIns="0" rIns="0" tIns="0" bIns="0" anchor="ctr">
+            <a:noAutofit/>
+          </a:bodyPr>
+          <a:p>
+            <a:pPr algn="ctr">
+              <a:buNone/>
+            </a:pPr>
+            <a:endParaRPr b="0" lang="en-US" sz="4400" spc="-1" strike="noStrike">
+              <a:latin typeface="Arial"/>
+            </a:endParaRPr>
+          </a:p>
+        </p:txBody>
+      </p:sp>
+      <p:sp>
+        <p:nvSpPr>
+          <p:cNvPr id="231" name="PlaceHolder 2"/>
+          <p:cNvSpPr>
+            <a:spLocks noGrp="1"/>
+          </p:cNvSpPr>
+          <p:nvPr>
+            <p:ph/>
+          </p:nvPr>
+        </p:nvSpPr>
+        <p:spPr>
+          <a:xfrm>
+            <a:off x="504000" y="1768680"/>
+            <a:ext cx="4426920" cy="2090880"/>
+          </a:xfrm>
+          <a:prstGeom prst="rect">
+            <a:avLst/>
+          </a:prstGeom>
+          <a:noFill/>
+          <a:ln w="0">
+            <a:noFill/>
+          </a:ln>
+        </p:spPr>
+        <p:txBody>
+          <a:bodyPr lIns="0" rIns="0" tIns="0" bIns="0" anchor="t">
+            <a:normAutofit/>
+          </a:bodyPr>
+          <a:p>
+            <a:endParaRPr b="0" lang="en-US" sz="3200" spc="-1" strike="noStrike">
+              <a:latin typeface="Arial"/>
+            </a:endParaRPr>
+          </a:p>
+        </p:txBody>
+      </p:sp>
+      <p:sp>
+        <p:nvSpPr>
+          <p:cNvPr id="232" name="PlaceHolder 3"/>
+          <p:cNvSpPr>
+            <a:spLocks noGrp="1"/>
+          </p:cNvSpPr>
+          <p:nvPr>
+            <p:ph/>
+          </p:nvPr>
+        </p:nvSpPr>
+        <p:spPr>
+          <a:xfrm>
+            <a:off x="5152680" y="1768680"/>
+            <a:ext cx="4426920" cy="2090880"/>
+          </a:xfrm>
+          <a:prstGeom prst="rect">
+            <a:avLst/>
+          </a:prstGeom>
+          <a:noFill/>
+          <a:ln w="0">
+            <a:noFill/>
+          </a:ln>
+        </p:spPr>
+        <p:txBody>
+          <a:bodyPr lIns="0" rIns="0" tIns="0" bIns="0" anchor="t">
+            <a:normAutofit/>
+          </a:bodyPr>
+          <a:p>
+            <a:endParaRPr b="0" lang="en-US" sz="3200" spc="-1" strike="noStrike">
+              <a:latin typeface="Arial"/>
+            </a:endParaRPr>
+          </a:p>
+        </p:txBody>
+      </p:sp>
+      <p:sp>
+        <p:nvSpPr>
+          <p:cNvPr id="233" name="PlaceHolder 4"/>
+          <p:cNvSpPr>
+            <a:spLocks noGrp="1"/>
+          </p:cNvSpPr>
+          <p:nvPr>
+            <p:ph/>
+          </p:nvPr>
+        </p:nvSpPr>
+        <p:spPr>
+          <a:xfrm>
+            <a:off x="504000" y="4058640"/>
+            <a:ext cx="9072000" cy="2090880"/>
+          </a:xfrm>
+          <a:prstGeom prst="rect">
+            <a:avLst/>
+          </a:prstGeom>
+          <a:noFill/>
+          <a:ln w="0">
+            <a:noFill/>
+          </a:ln>
+        </p:spPr>
+        <p:txBody>
+          <a:bodyPr lIns="0" rIns="0" tIns="0" bIns="0" anchor="t">
+            <a:normAutofit/>
+          </a:bodyPr>
+          <a:p>
+            <a:endParaRPr b="0" lang="en-US" sz="3200" spc="-1" strike="noStrike">
+              <a:latin typeface="Arial"/>
+            </a:endParaRPr>
+          </a:p>
+        </p:txBody>
+      </p:sp>
+    </p:spTree>
+  </p:cSld>
+</p:sldLayout>
+</file>
+
 <file path=ppt/slideLayouts/slideLayout7.xml><?xml version="1.0" encoding="utf-8"?>
 <p:sldLayout xmlns:a="http://schemas.openxmlformats.org/drawingml/2006/main" xmlns:p="http://schemas.openxmlformats.org/presentationml/2006/main" xmlns:r="http://schemas.openxmlformats.org/officeDocument/2006/relationships" xmlns:p14="http://schemas.microsoft.com/office/powerpoint/2010/main" xmlns:p15="http://schemas.microsoft.com/office/powerpoint/2012/main" xmlns:mc="http://schemas.openxmlformats.org/markup-compatibility/2006" type="twoObjAndObj" preserve="1">
   <p:cSld name="Title, 2 Content and Content">
@@ -9830,6 +10890,591 @@
           <a:xfrm>
             <a:off x="504000" y="4058640"/>
             <a:ext cx="4426920" cy="2090880"/>
+          </a:xfrm>
+          <a:prstGeom prst="rect">
+            <a:avLst/>
+          </a:prstGeom>
+          <a:noFill/>
+          <a:ln w="0">
+            <a:noFill/>
+          </a:ln>
+        </p:spPr>
+        <p:txBody>
+          <a:bodyPr lIns="0" rIns="0" tIns="0" bIns="0" anchor="t">
+            <a:normAutofit/>
+          </a:bodyPr>
+          <a:p>
+            <a:endParaRPr b="0" lang="en-US" sz="3200" spc="-1" strike="noStrike">
+              <a:latin typeface="Arial"/>
+            </a:endParaRPr>
+          </a:p>
+        </p:txBody>
+      </p:sp>
+    </p:spTree>
+  </p:cSld>
+</p:sldLayout>
+</file>
+
+<file path=ppt/slideLayouts/slideLayout70.xml><?xml version="1.0" encoding="utf-8"?>
+<p:sldLayout xmlns:a="http://schemas.openxmlformats.org/drawingml/2006/main" xmlns:p="http://schemas.openxmlformats.org/presentationml/2006/main" xmlns:r="http://schemas.openxmlformats.org/officeDocument/2006/relationships" xmlns:p14="http://schemas.microsoft.com/office/powerpoint/2010/main" xmlns:p15="http://schemas.microsoft.com/office/powerpoint/2012/main" xmlns:mc="http://schemas.openxmlformats.org/markup-compatibility/2006" type="objOverTx" preserve="1">
+  <p:cSld name="Title, Content over Content">
+    <p:spTree>
+      <p:nvGrpSpPr>
+        <p:cNvPr id="1" name=""/>
+        <p:cNvGrpSpPr/>
+        <p:nvPr/>
+      </p:nvGrpSpPr>
+      <p:grpSpPr>
+        <a:xfrm>
+          <a:off x="0" y="0"/>
+          <a:ext cx="0" cy="0"/>
+          <a:chOff x="0" y="0"/>
+          <a:chExt cx="0" cy="0"/>
+        </a:xfrm>
+      </p:grpSpPr>
+      <p:sp>
+        <p:nvSpPr>
+          <p:cNvPr id="234" name="PlaceHolder 1"/>
+          <p:cNvSpPr>
+            <a:spLocks noGrp="1"/>
+          </p:cNvSpPr>
+          <p:nvPr>
+            <p:ph type="title"/>
+          </p:nvPr>
+        </p:nvSpPr>
+        <p:spPr>
+          <a:xfrm>
+            <a:off x="504000" y="301320"/>
+            <a:ext cx="9072000" cy="1261800"/>
+          </a:xfrm>
+          <a:prstGeom prst="rect">
+            <a:avLst/>
+          </a:prstGeom>
+          <a:noFill/>
+          <a:ln w="0">
+            <a:noFill/>
+          </a:ln>
+        </p:spPr>
+        <p:txBody>
+          <a:bodyPr lIns="0" rIns="0" tIns="0" bIns="0" anchor="ctr">
+            <a:noAutofit/>
+          </a:bodyPr>
+          <a:p>
+            <a:pPr algn="ctr">
+              <a:buNone/>
+            </a:pPr>
+            <a:endParaRPr b="0" lang="en-US" sz="4400" spc="-1" strike="noStrike">
+              <a:latin typeface="Arial"/>
+            </a:endParaRPr>
+          </a:p>
+        </p:txBody>
+      </p:sp>
+      <p:sp>
+        <p:nvSpPr>
+          <p:cNvPr id="235" name="PlaceHolder 2"/>
+          <p:cNvSpPr>
+            <a:spLocks noGrp="1"/>
+          </p:cNvSpPr>
+          <p:nvPr>
+            <p:ph/>
+          </p:nvPr>
+        </p:nvSpPr>
+        <p:spPr>
+          <a:xfrm>
+            <a:off x="504000" y="1768680"/>
+            <a:ext cx="9072000" cy="2090880"/>
+          </a:xfrm>
+          <a:prstGeom prst="rect">
+            <a:avLst/>
+          </a:prstGeom>
+          <a:noFill/>
+          <a:ln w="0">
+            <a:noFill/>
+          </a:ln>
+        </p:spPr>
+        <p:txBody>
+          <a:bodyPr lIns="0" rIns="0" tIns="0" bIns="0" anchor="t">
+            <a:normAutofit/>
+          </a:bodyPr>
+          <a:p>
+            <a:endParaRPr b="0" lang="en-US" sz="3200" spc="-1" strike="noStrike">
+              <a:latin typeface="Arial"/>
+            </a:endParaRPr>
+          </a:p>
+        </p:txBody>
+      </p:sp>
+      <p:sp>
+        <p:nvSpPr>
+          <p:cNvPr id="236" name="PlaceHolder 3"/>
+          <p:cNvSpPr>
+            <a:spLocks noGrp="1"/>
+          </p:cNvSpPr>
+          <p:nvPr>
+            <p:ph/>
+          </p:nvPr>
+        </p:nvSpPr>
+        <p:spPr>
+          <a:xfrm>
+            <a:off x="504000" y="4058640"/>
+            <a:ext cx="9072000" cy="2090880"/>
+          </a:xfrm>
+          <a:prstGeom prst="rect">
+            <a:avLst/>
+          </a:prstGeom>
+          <a:noFill/>
+          <a:ln w="0">
+            <a:noFill/>
+          </a:ln>
+        </p:spPr>
+        <p:txBody>
+          <a:bodyPr lIns="0" rIns="0" tIns="0" bIns="0" anchor="t">
+            <a:normAutofit/>
+          </a:bodyPr>
+          <a:p>
+            <a:endParaRPr b="0" lang="en-US" sz="3200" spc="-1" strike="noStrike">
+              <a:latin typeface="Arial"/>
+            </a:endParaRPr>
+          </a:p>
+        </p:txBody>
+      </p:sp>
+    </p:spTree>
+  </p:cSld>
+</p:sldLayout>
+</file>
+
+<file path=ppt/slideLayouts/slideLayout71.xml><?xml version="1.0" encoding="utf-8"?>
+<p:sldLayout xmlns:a="http://schemas.openxmlformats.org/drawingml/2006/main" xmlns:p="http://schemas.openxmlformats.org/presentationml/2006/main" xmlns:r="http://schemas.openxmlformats.org/officeDocument/2006/relationships" xmlns:p14="http://schemas.microsoft.com/office/powerpoint/2010/main" xmlns:p15="http://schemas.microsoft.com/office/powerpoint/2012/main" xmlns:mc="http://schemas.openxmlformats.org/markup-compatibility/2006" type="fourObj" preserve="1">
+  <p:cSld name="Title, 4 Content">
+    <p:spTree>
+      <p:nvGrpSpPr>
+        <p:cNvPr id="1" name=""/>
+        <p:cNvGrpSpPr/>
+        <p:nvPr/>
+      </p:nvGrpSpPr>
+      <p:grpSpPr>
+        <a:xfrm>
+          <a:off x="0" y="0"/>
+          <a:ext cx="0" cy="0"/>
+          <a:chOff x="0" y="0"/>
+          <a:chExt cx="0" cy="0"/>
+        </a:xfrm>
+      </p:grpSpPr>
+      <p:sp>
+        <p:nvSpPr>
+          <p:cNvPr id="237" name="PlaceHolder 1"/>
+          <p:cNvSpPr>
+            <a:spLocks noGrp="1"/>
+          </p:cNvSpPr>
+          <p:nvPr>
+            <p:ph type="title"/>
+          </p:nvPr>
+        </p:nvSpPr>
+        <p:spPr>
+          <a:xfrm>
+            <a:off x="504000" y="301320"/>
+            <a:ext cx="9072000" cy="1261800"/>
+          </a:xfrm>
+          <a:prstGeom prst="rect">
+            <a:avLst/>
+          </a:prstGeom>
+          <a:noFill/>
+          <a:ln w="0">
+            <a:noFill/>
+          </a:ln>
+        </p:spPr>
+        <p:txBody>
+          <a:bodyPr lIns="0" rIns="0" tIns="0" bIns="0" anchor="ctr">
+            <a:noAutofit/>
+          </a:bodyPr>
+          <a:p>
+            <a:pPr algn="ctr">
+              <a:buNone/>
+            </a:pPr>
+            <a:endParaRPr b="0" lang="en-US" sz="4400" spc="-1" strike="noStrike">
+              <a:latin typeface="Arial"/>
+            </a:endParaRPr>
+          </a:p>
+        </p:txBody>
+      </p:sp>
+      <p:sp>
+        <p:nvSpPr>
+          <p:cNvPr id="238" name="PlaceHolder 2"/>
+          <p:cNvSpPr>
+            <a:spLocks noGrp="1"/>
+          </p:cNvSpPr>
+          <p:nvPr>
+            <p:ph/>
+          </p:nvPr>
+        </p:nvSpPr>
+        <p:spPr>
+          <a:xfrm>
+            <a:off x="504000" y="1768680"/>
+            <a:ext cx="4426920" cy="2090880"/>
+          </a:xfrm>
+          <a:prstGeom prst="rect">
+            <a:avLst/>
+          </a:prstGeom>
+          <a:noFill/>
+          <a:ln w="0">
+            <a:noFill/>
+          </a:ln>
+        </p:spPr>
+        <p:txBody>
+          <a:bodyPr lIns="0" rIns="0" tIns="0" bIns="0" anchor="t">
+            <a:normAutofit/>
+          </a:bodyPr>
+          <a:p>
+            <a:endParaRPr b="0" lang="en-US" sz="3200" spc="-1" strike="noStrike">
+              <a:latin typeface="Arial"/>
+            </a:endParaRPr>
+          </a:p>
+        </p:txBody>
+      </p:sp>
+      <p:sp>
+        <p:nvSpPr>
+          <p:cNvPr id="239" name="PlaceHolder 3"/>
+          <p:cNvSpPr>
+            <a:spLocks noGrp="1"/>
+          </p:cNvSpPr>
+          <p:nvPr>
+            <p:ph/>
+          </p:nvPr>
+        </p:nvSpPr>
+        <p:spPr>
+          <a:xfrm>
+            <a:off x="5152680" y="1768680"/>
+            <a:ext cx="4426920" cy="2090880"/>
+          </a:xfrm>
+          <a:prstGeom prst="rect">
+            <a:avLst/>
+          </a:prstGeom>
+          <a:noFill/>
+          <a:ln w="0">
+            <a:noFill/>
+          </a:ln>
+        </p:spPr>
+        <p:txBody>
+          <a:bodyPr lIns="0" rIns="0" tIns="0" bIns="0" anchor="t">
+            <a:normAutofit/>
+          </a:bodyPr>
+          <a:p>
+            <a:endParaRPr b="0" lang="en-US" sz="3200" spc="-1" strike="noStrike">
+              <a:latin typeface="Arial"/>
+            </a:endParaRPr>
+          </a:p>
+        </p:txBody>
+      </p:sp>
+      <p:sp>
+        <p:nvSpPr>
+          <p:cNvPr id="240" name="PlaceHolder 4"/>
+          <p:cNvSpPr>
+            <a:spLocks noGrp="1"/>
+          </p:cNvSpPr>
+          <p:nvPr>
+            <p:ph/>
+          </p:nvPr>
+        </p:nvSpPr>
+        <p:spPr>
+          <a:xfrm>
+            <a:off x="504000" y="4058640"/>
+            <a:ext cx="4426920" cy="2090880"/>
+          </a:xfrm>
+          <a:prstGeom prst="rect">
+            <a:avLst/>
+          </a:prstGeom>
+          <a:noFill/>
+          <a:ln w="0">
+            <a:noFill/>
+          </a:ln>
+        </p:spPr>
+        <p:txBody>
+          <a:bodyPr lIns="0" rIns="0" tIns="0" bIns="0" anchor="t">
+            <a:normAutofit/>
+          </a:bodyPr>
+          <a:p>
+            <a:endParaRPr b="0" lang="en-US" sz="3200" spc="-1" strike="noStrike">
+              <a:latin typeface="Arial"/>
+            </a:endParaRPr>
+          </a:p>
+        </p:txBody>
+      </p:sp>
+      <p:sp>
+        <p:nvSpPr>
+          <p:cNvPr id="241" name="PlaceHolder 5"/>
+          <p:cNvSpPr>
+            <a:spLocks noGrp="1"/>
+          </p:cNvSpPr>
+          <p:nvPr>
+            <p:ph/>
+          </p:nvPr>
+        </p:nvSpPr>
+        <p:spPr>
+          <a:xfrm>
+            <a:off x="5152680" y="4058640"/>
+            <a:ext cx="4426920" cy="2090880"/>
+          </a:xfrm>
+          <a:prstGeom prst="rect">
+            <a:avLst/>
+          </a:prstGeom>
+          <a:noFill/>
+          <a:ln w="0">
+            <a:noFill/>
+          </a:ln>
+        </p:spPr>
+        <p:txBody>
+          <a:bodyPr lIns="0" rIns="0" tIns="0" bIns="0" anchor="t">
+            <a:normAutofit/>
+          </a:bodyPr>
+          <a:p>
+            <a:endParaRPr b="0" lang="en-US" sz="3200" spc="-1" strike="noStrike">
+              <a:latin typeface="Arial"/>
+            </a:endParaRPr>
+          </a:p>
+        </p:txBody>
+      </p:sp>
+    </p:spTree>
+  </p:cSld>
+</p:sldLayout>
+</file>
+
+<file path=ppt/slideLayouts/slideLayout72.xml><?xml version="1.0" encoding="utf-8"?>
+<p:sldLayout xmlns:a="http://schemas.openxmlformats.org/drawingml/2006/main" xmlns:p="http://schemas.openxmlformats.org/presentationml/2006/main" xmlns:r="http://schemas.openxmlformats.org/officeDocument/2006/relationships" xmlns:p14="http://schemas.microsoft.com/office/powerpoint/2010/main" xmlns:p15="http://schemas.microsoft.com/office/powerpoint/2012/main" xmlns:mc="http://schemas.openxmlformats.org/markup-compatibility/2006" type="blank" preserve="1">
+  <p:cSld name="Title, 6 Content">
+    <p:spTree>
+      <p:nvGrpSpPr>
+        <p:cNvPr id="1" name=""/>
+        <p:cNvGrpSpPr/>
+        <p:nvPr/>
+      </p:nvGrpSpPr>
+      <p:grpSpPr>
+        <a:xfrm>
+          <a:off x="0" y="0"/>
+          <a:ext cx="0" cy="0"/>
+          <a:chOff x="0" y="0"/>
+          <a:chExt cx="0" cy="0"/>
+        </a:xfrm>
+      </p:grpSpPr>
+      <p:sp>
+        <p:nvSpPr>
+          <p:cNvPr id="242" name="PlaceHolder 1"/>
+          <p:cNvSpPr>
+            <a:spLocks noGrp="1"/>
+          </p:cNvSpPr>
+          <p:nvPr>
+            <p:ph type="title"/>
+          </p:nvPr>
+        </p:nvSpPr>
+        <p:spPr>
+          <a:xfrm>
+            <a:off x="504000" y="301320"/>
+            <a:ext cx="9072000" cy="1261800"/>
+          </a:xfrm>
+          <a:prstGeom prst="rect">
+            <a:avLst/>
+          </a:prstGeom>
+          <a:noFill/>
+          <a:ln w="0">
+            <a:noFill/>
+          </a:ln>
+        </p:spPr>
+        <p:txBody>
+          <a:bodyPr lIns="0" rIns="0" tIns="0" bIns="0" anchor="ctr">
+            <a:noAutofit/>
+          </a:bodyPr>
+          <a:p>
+            <a:pPr algn="ctr">
+              <a:buNone/>
+            </a:pPr>
+            <a:endParaRPr b="0" lang="en-US" sz="4400" spc="-1" strike="noStrike">
+              <a:latin typeface="Arial"/>
+            </a:endParaRPr>
+          </a:p>
+        </p:txBody>
+      </p:sp>
+      <p:sp>
+        <p:nvSpPr>
+          <p:cNvPr id="243" name="PlaceHolder 2"/>
+          <p:cNvSpPr>
+            <a:spLocks noGrp="1"/>
+          </p:cNvSpPr>
+          <p:nvPr>
+            <p:ph/>
+          </p:nvPr>
+        </p:nvSpPr>
+        <p:spPr>
+          <a:xfrm>
+            <a:off x="504000" y="1768680"/>
+            <a:ext cx="2921040" cy="2090880"/>
+          </a:xfrm>
+          <a:prstGeom prst="rect">
+            <a:avLst/>
+          </a:prstGeom>
+          <a:noFill/>
+          <a:ln w="0">
+            <a:noFill/>
+          </a:ln>
+        </p:spPr>
+        <p:txBody>
+          <a:bodyPr lIns="0" rIns="0" tIns="0" bIns="0" anchor="t">
+            <a:normAutofit/>
+          </a:bodyPr>
+          <a:p>
+            <a:endParaRPr b="0" lang="en-US" sz="3200" spc="-1" strike="noStrike">
+              <a:latin typeface="Arial"/>
+            </a:endParaRPr>
+          </a:p>
+        </p:txBody>
+      </p:sp>
+      <p:sp>
+        <p:nvSpPr>
+          <p:cNvPr id="244" name="PlaceHolder 3"/>
+          <p:cNvSpPr>
+            <a:spLocks noGrp="1"/>
+          </p:cNvSpPr>
+          <p:nvPr>
+            <p:ph/>
+          </p:nvPr>
+        </p:nvSpPr>
+        <p:spPr>
+          <a:xfrm>
+            <a:off x="3571560" y="1768680"/>
+            <a:ext cx="2921040" cy="2090880"/>
+          </a:xfrm>
+          <a:prstGeom prst="rect">
+            <a:avLst/>
+          </a:prstGeom>
+          <a:noFill/>
+          <a:ln w="0">
+            <a:noFill/>
+          </a:ln>
+        </p:spPr>
+        <p:txBody>
+          <a:bodyPr lIns="0" rIns="0" tIns="0" bIns="0" anchor="t">
+            <a:normAutofit/>
+          </a:bodyPr>
+          <a:p>
+            <a:endParaRPr b="0" lang="en-US" sz="3200" spc="-1" strike="noStrike">
+              <a:latin typeface="Arial"/>
+            </a:endParaRPr>
+          </a:p>
+        </p:txBody>
+      </p:sp>
+      <p:sp>
+        <p:nvSpPr>
+          <p:cNvPr id="245" name="PlaceHolder 4"/>
+          <p:cNvSpPr>
+            <a:spLocks noGrp="1"/>
+          </p:cNvSpPr>
+          <p:nvPr>
+            <p:ph/>
+          </p:nvPr>
+        </p:nvSpPr>
+        <p:spPr>
+          <a:xfrm>
+            <a:off x="6639120" y="1768680"/>
+            <a:ext cx="2921040" cy="2090880"/>
+          </a:xfrm>
+          <a:prstGeom prst="rect">
+            <a:avLst/>
+          </a:prstGeom>
+          <a:noFill/>
+          <a:ln w="0">
+            <a:noFill/>
+          </a:ln>
+        </p:spPr>
+        <p:txBody>
+          <a:bodyPr lIns="0" rIns="0" tIns="0" bIns="0" anchor="t">
+            <a:normAutofit/>
+          </a:bodyPr>
+          <a:p>
+            <a:endParaRPr b="0" lang="en-US" sz="3200" spc="-1" strike="noStrike">
+              <a:latin typeface="Arial"/>
+            </a:endParaRPr>
+          </a:p>
+        </p:txBody>
+      </p:sp>
+      <p:sp>
+        <p:nvSpPr>
+          <p:cNvPr id="246" name="PlaceHolder 5"/>
+          <p:cNvSpPr>
+            <a:spLocks noGrp="1"/>
+          </p:cNvSpPr>
+          <p:nvPr>
+            <p:ph/>
+          </p:nvPr>
+        </p:nvSpPr>
+        <p:spPr>
+          <a:xfrm>
+            <a:off x="504000" y="4058640"/>
+            <a:ext cx="2921040" cy="2090880"/>
+          </a:xfrm>
+          <a:prstGeom prst="rect">
+            <a:avLst/>
+          </a:prstGeom>
+          <a:noFill/>
+          <a:ln w="0">
+            <a:noFill/>
+          </a:ln>
+        </p:spPr>
+        <p:txBody>
+          <a:bodyPr lIns="0" rIns="0" tIns="0" bIns="0" anchor="t">
+            <a:normAutofit/>
+          </a:bodyPr>
+          <a:p>
+            <a:endParaRPr b="0" lang="en-US" sz="3200" spc="-1" strike="noStrike">
+              <a:latin typeface="Arial"/>
+            </a:endParaRPr>
+          </a:p>
+        </p:txBody>
+      </p:sp>
+      <p:sp>
+        <p:nvSpPr>
+          <p:cNvPr id="247" name="PlaceHolder 6"/>
+          <p:cNvSpPr>
+            <a:spLocks noGrp="1"/>
+          </p:cNvSpPr>
+          <p:nvPr>
+            <p:ph/>
+          </p:nvPr>
+        </p:nvSpPr>
+        <p:spPr>
+          <a:xfrm>
+            <a:off x="3571560" y="4058640"/>
+            <a:ext cx="2921040" cy="2090880"/>
+          </a:xfrm>
+          <a:prstGeom prst="rect">
+            <a:avLst/>
+          </a:prstGeom>
+          <a:noFill/>
+          <a:ln w="0">
+            <a:noFill/>
+          </a:ln>
+        </p:spPr>
+        <p:txBody>
+          <a:bodyPr lIns="0" rIns="0" tIns="0" bIns="0" anchor="t">
+            <a:normAutofit/>
+          </a:bodyPr>
+          <a:p>
+            <a:endParaRPr b="0" lang="en-US" sz="3200" spc="-1" strike="noStrike">
+              <a:latin typeface="Arial"/>
+            </a:endParaRPr>
+          </a:p>
+        </p:txBody>
+      </p:sp>
+      <p:sp>
+        <p:nvSpPr>
+          <p:cNvPr id="248" name="PlaceHolder 7"/>
+          <p:cNvSpPr>
+            <a:spLocks noGrp="1"/>
+          </p:cNvSpPr>
+          <p:nvPr>
+            <p:ph/>
+          </p:nvPr>
+        </p:nvSpPr>
+        <p:spPr>
+          <a:xfrm>
+            <a:off x="6639120" y="4058640"/>
+            <a:ext cx="2921040" cy="2090880"/>
           </a:xfrm>
           <a:prstGeom prst="rect">
             <a:avLst/>
@@ -10210,7 +11855,7 @@
         <p:spPr>
           <a:xfrm>
             <a:off x="0" y="3150000"/>
-            <a:ext cx="9713880" cy="1253880"/>
+            <a:ext cx="9713520" cy="1253520"/>
           </a:xfrm>
           <a:prstGeom prst="rect">
             <a:avLst/>
@@ -10264,7 +11909,13 @@
               <a:rPr b="0" lang="en-US" sz="4400" spc="-1" strike="noStrike">
                 <a:latin typeface="Arial"/>
               </a:rPr>
-              <a:t>Click to edit the title text format</a:t>
+              <a:t>Click to edit the title </a:t>
+            </a:r>
+            <a:r>
+              <a:rPr b="0" lang="en-US" sz="4400" spc="-1" strike="noStrike">
+                <a:latin typeface="Arial"/>
+              </a:rPr>
+              <a:t>text format</a:t>
             </a:r>
             <a:endParaRPr b="0" lang="en-US" sz="4400" spc="-1" strike="noStrike">
               <a:latin typeface="Arial"/>
@@ -10508,7 +12159,7 @@
         <p:spPr>
           <a:xfrm>
             <a:off x="0" y="180000"/>
-            <a:ext cx="9713880" cy="1253880"/>
+            <a:ext cx="9713520" cy="1253520"/>
           </a:xfrm>
           <a:prstGeom prst="rect">
             <a:avLst/>
@@ -10536,7 +12187,7 @@
         <p:spPr>
           <a:xfrm>
             <a:off x="7560000" y="6840000"/>
-            <a:ext cx="2513880" cy="533880"/>
+            <a:ext cx="2513520" cy="533520"/>
           </a:xfrm>
           <a:prstGeom prst="rect">
             <a:avLst/>
@@ -10564,7 +12215,7 @@
         <p:spPr>
           <a:xfrm>
             <a:off x="900000" y="6840000"/>
-            <a:ext cx="6473880" cy="533880"/>
+            <a:ext cx="6473520" cy="533520"/>
           </a:xfrm>
           <a:prstGeom prst="rect">
             <a:avLst/>
@@ -10592,7 +12243,7 @@
         <p:spPr>
           <a:xfrm>
             <a:off x="180000" y="6840000"/>
-            <a:ext cx="533880" cy="533880"/>
+            <a:ext cx="533520" cy="533520"/>
           </a:xfrm>
           <a:prstGeom prst="rect">
             <a:avLst/>
@@ -10644,7 +12295,13 @@
               <a:rPr b="0" lang="en-US" sz="4400" spc="-1" strike="noStrike">
                 <a:latin typeface="Arial"/>
               </a:rPr>
-              <a:t>Click to edit the title text format</a:t>
+              <a:t>Click to edit the title text </a:t>
+            </a:r>
+            <a:r>
+              <a:rPr b="0" lang="en-US" sz="4400" spc="-1" strike="noStrike">
+                <a:latin typeface="Arial"/>
+              </a:rPr>
+              <a:t>format</a:t>
             </a:r>
             <a:endParaRPr b="0" lang="en-US" sz="4400" spc="-1" strike="noStrike">
               <a:latin typeface="Arial"/>
@@ -10888,7 +12545,7 @@
         <p:spPr>
           <a:xfrm>
             <a:off x="0" y="180000"/>
-            <a:ext cx="9707400" cy="1247400"/>
+            <a:ext cx="9707040" cy="1247040"/>
           </a:xfrm>
           <a:prstGeom prst="rect">
             <a:avLst/>
@@ -10916,7 +12573,7 @@
         <p:spPr>
           <a:xfrm>
             <a:off x="7560000" y="6840000"/>
-            <a:ext cx="2507400" cy="527400"/>
+            <a:ext cx="2507040" cy="527040"/>
           </a:xfrm>
           <a:prstGeom prst="rect">
             <a:avLst/>
@@ -10944,7 +12601,7 @@
         <p:spPr>
           <a:xfrm>
             <a:off x="900000" y="6840000"/>
-            <a:ext cx="6467400" cy="527400"/>
+            <a:ext cx="6467040" cy="527040"/>
           </a:xfrm>
           <a:prstGeom prst="rect">
             <a:avLst/>
@@ -10972,7 +12629,7 @@
         <p:spPr>
           <a:xfrm>
             <a:off x="180000" y="6840000"/>
-            <a:ext cx="527400" cy="527400"/>
+            <a:ext cx="527040" cy="527040"/>
           </a:xfrm>
           <a:prstGeom prst="rect">
             <a:avLst/>
@@ -11024,7 +12681,13 @@
               <a:rPr b="0" lang="en-US" sz="4400" spc="-1" strike="noStrike">
                 <a:latin typeface="Arial"/>
               </a:rPr>
-              <a:t>Click to edit the title text format</a:t>
+              <a:t>Click to edit the title text </a:t>
+            </a:r>
+            <a:r>
+              <a:rPr b="0" lang="en-US" sz="4400" spc="-1" strike="noStrike">
+                <a:latin typeface="Arial"/>
+              </a:rPr>
+              <a:t>format</a:t>
             </a:r>
             <a:endParaRPr b="0" lang="en-US" sz="4400" spc="-1" strike="noStrike">
               <a:latin typeface="Arial"/>
@@ -11268,7 +12931,7 @@
         <p:spPr>
           <a:xfrm>
             <a:off x="0" y="180000"/>
-            <a:ext cx="9707400" cy="1247400"/>
+            <a:ext cx="9707040" cy="1247040"/>
           </a:xfrm>
           <a:prstGeom prst="rect">
             <a:avLst/>
@@ -11296,7 +12959,7 @@
         <p:spPr>
           <a:xfrm>
             <a:off x="7560000" y="6840000"/>
-            <a:ext cx="2507400" cy="527400"/>
+            <a:ext cx="2507040" cy="527040"/>
           </a:xfrm>
           <a:prstGeom prst="rect">
             <a:avLst/>
@@ -11324,7 +12987,7 @@
         <p:spPr>
           <a:xfrm>
             <a:off x="900000" y="6840000"/>
-            <a:ext cx="6467400" cy="527400"/>
+            <a:ext cx="6467040" cy="527040"/>
           </a:xfrm>
           <a:prstGeom prst="rect">
             <a:avLst/>
@@ -11352,7 +13015,7 @@
         <p:spPr>
           <a:xfrm>
             <a:off x="180000" y="6840000"/>
-            <a:ext cx="527400" cy="527400"/>
+            <a:ext cx="527040" cy="527040"/>
           </a:xfrm>
           <a:prstGeom prst="rect">
             <a:avLst/>
@@ -11648,7 +13311,7 @@
         <p:spPr>
           <a:xfrm>
             <a:off x="0" y="180000"/>
-            <a:ext cx="9707400" cy="1247400"/>
+            <a:ext cx="9707040" cy="1247040"/>
           </a:xfrm>
           <a:prstGeom prst="rect">
             <a:avLst/>
@@ -11676,7 +13339,7 @@
         <p:spPr>
           <a:xfrm>
             <a:off x="7560000" y="6840000"/>
-            <a:ext cx="2507400" cy="527400"/>
+            <a:ext cx="2507040" cy="527040"/>
           </a:xfrm>
           <a:prstGeom prst="rect">
             <a:avLst/>
@@ -11704,7 +13367,7 @@
         <p:spPr>
           <a:xfrm>
             <a:off x="900000" y="6840000"/>
-            <a:ext cx="6467400" cy="527400"/>
+            <a:ext cx="6467040" cy="527040"/>
           </a:xfrm>
           <a:prstGeom prst="rect">
             <a:avLst/>
@@ -11732,7 +13395,7 @@
         <p:spPr>
           <a:xfrm>
             <a:off x="180000" y="6840000"/>
-            <a:ext cx="527400" cy="527400"/>
+            <a:ext cx="527040" cy="527040"/>
           </a:xfrm>
           <a:prstGeom prst="rect">
             <a:avLst/>
@@ -11991,6 +13654,476 @@
     <p:sldLayoutId id="2147483710" r:id="rId11"/>
     <p:sldLayoutId id="2147483711" r:id="rId12"/>
     <p:sldLayoutId id="2147483712" r:id="rId13"/>
+  </p:sldLayoutIdLst>
+</p:sldMaster>
+</file>
+
+<file path=ppt/slideMasters/slideMaster6.xml><?xml version="1.0" encoding="utf-8"?>
+<p:sldMaster xmlns:a="http://schemas.openxmlformats.org/drawingml/2006/main" xmlns:p="http://schemas.openxmlformats.org/presentationml/2006/main" xmlns:r="http://schemas.openxmlformats.org/officeDocument/2006/relationships" xmlns:p14="http://schemas.microsoft.com/office/powerpoint/2010/main" xmlns:p15="http://schemas.microsoft.com/office/powerpoint/2012/main" xmlns:mc="http://schemas.openxmlformats.org/markup-compatibility/2006">
+  <p:cSld>
+    <p:bg>
+      <p:bgPr>
+        <a:solidFill>
+          <a:srgbClr val="ffffff"/>
+        </a:solidFill>
+      </p:bgPr>
+    </p:bg>
+    <p:spTree>
+      <p:nvGrpSpPr>
+        <p:cNvPr id="1" name=""/>
+        <p:cNvGrpSpPr/>
+        <p:nvPr/>
+      </p:nvGrpSpPr>
+      <p:grpSpPr>
+        <a:xfrm>
+          <a:off x="0" y="0"/>
+          <a:ext cx="0" cy="0"/>
+          <a:chOff x="0" y="0"/>
+          <a:chExt cx="0" cy="0"/>
+        </a:xfrm>
+      </p:grpSpPr>
+      <p:sp>
+        <p:nvSpPr>
+          <p:cNvPr id="207" name="CustomShape 1"/>
+          <p:cNvSpPr/>
+          <p:nvPr/>
+        </p:nvSpPr>
+        <p:spPr>
+          <a:xfrm>
+            <a:off x="0" y="180000"/>
+            <a:ext cx="9705960" cy="1245960"/>
+          </a:xfrm>
+          <a:prstGeom prst="rect">
+            <a:avLst/>
+          </a:prstGeom>
+          <a:solidFill>
+            <a:srgbClr val="e74c3c"/>
+          </a:solidFill>
+          <a:ln w="72000">
+            <a:noFill/>
+          </a:ln>
+        </p:spPr>
+        <p:style>
+          <a:lnRef idx="0"/>
+          <a:fillRef idx="0"/>
+          <a:effectRef idx="0"/>
+          <a:fontRef idx="minor"/>
+        </p:style>
+      </p:sp>
+      <p:sp>
+        <p:nvSpPr>
+          <p:cNvPr id="208" name="CustomShape 2"/>
+          <p:cNvSpPr/>
+          <p:nvPr/>
+        </p:nvSpPr>
+        <p:spPr>
+          <a:xfrm>
+            <a:off x="7560000" y="6840000"/>
+            <a:ext cx="2505960" cy="525960"/>
+          </a:xfrm>
+          <a:prstGeom prst="rect">
+            <a:avLst/>
+          </a:prstGeom>
+          <a:solidFill>
+            <a:srgbClr val="e74c3c"/>
+          </a:solidFill>
+          <a:ln w="72000">
+            <a:noFill/>
+          </a:ln>
+        </p:spPr>
+        <p:style>
+          <a:lnRef idx="0"/>
+          <a:fillRef idx="0"/>
+          <a:effectRef idx="0"/>
+          <a:fontRef idx="minor"/>
+        </p:style>
+      </p:sp>
+      <p:sp>
+        <p:nvSpPr>
+          <p:cNvPr id="209" name="CustomShape 3"/>
+          <p:cNvSpPr/>
+          <p:nvPr/>
+        </p:nvSpPr>
+        <p:spPr>
+          <a:xfrm>
+            <a:off x="900000" y="6840000"/>
+            <a:ext cx="6465960" cy="525960"/>
+          </a:xfrm>
+          <a:prstGeom prst="rect">
+            <a:avLst/>
+          </a:prstGeom>
+          <a:solidFill>
+            <a:srgbClr val="bdc3c7"/>
+          </a:solidFill>
+          <a:ln w="72000">
+            <a:noFill/>
+          </a:ln>
+        </p:spPr>
+        <p:style>
+          <a:lnRef idx="0"/>
+          <a:fillRef idx="0"/>
+          <a:effectRef idx="0"/>
+          <a:fontRef idx="minor"/>
+        </p:style>
+      </p:sp>
+      <p:sp>
+        <p:nvSpPr>
+          <p:cNvPr id="210" name="CustomShape 4"/>
+          <p:cNvSpPr/>
+          <p:nvPr/>
+        </p:nvSpPr>
+        <p:spPr>
+          <a:xfrm>
+            <a:off x="180000" y="6840000"/>
+            <a:ext cx="525960" cy="525960"/>
+          </a:xfrm>
+          <a:prstGeom prst="rect">
+            <a:avLst/>
+          </a:prstGeom>
+          <a:noFill/>
+          <a:ln w="72000">
+            <a:noFill/>
+          </a:ln>
+        </p:spPr>
+        <p:style>
+          <a:lnRef idx="0"/>
+          <a:fillRef idx="0"/>
+          <a:effectRef idx="0"/>
+          <a:fontRef idx="minor"/>
+        </p:style>
+      </p:sp>
+      <p:sp>
+        <p:nvSpPr>
+          <p:cNvPr id="211" name="PlaceHolder 1"/>
+          <p:cNvSpPr>
+            <a:spLocks noGrp="1"/>
+          </p:cNvSpPr>
+          <p:nvPr>
+            <p:ph type="title"/>
+          </p:nvPr>
+        </p:nvSpPr>
+        <p:spPr>
+          <a:xfrm>
+            <a:off x="504000" y="301320"/>
+            <a:ext cx="9072000" cy="1261800"/>
+          </a:xfrm>
+          <a:prstGeom prst="rect">
+            <a:avLst/>
+          </a:prstGeom>
+          <a:noFill/>
+          <a:ln w="0">
+            <a:noFill/>
+          </a:ln>
+        </p:spPr>
+        <p:txBody>
+          <a:bodyPr lIns="0" rIns="0" tIns="0" bIns="0" anchor="ctr">
+            <a:noAutofit/>
+          </a:bodyPr>
+          <a:p>
+            <a:pPr algn="ctr">
+              <a:buNone/>
+            </a:pPr>
+            <a:r>
+              <a:rPr b="0" lang="en-US" sz="4400" spc="-1" strike="noStrike">
+                <a:latin typeface="Arial"/>
+              </a:rPr>
+              <a:t>Cl</a:t>
+            </a:r>
+            <a:r>
+              <a:rPr b="0" lang="en-US" sz="4400" spc="-1" strike="noStrike">
+                <a:latin typeface="Arial"/>
+              </a:rPr>
+              <a:t>ic</a:t>
+            </a:r>
+            <a:r>
+              <a:rPr b="0" lang="en-US" sz="4400" spc="-1" strike="noStrike">
+                <a:latin typeface="Arial"/>
+              </a:rPr>
+              <a:t>k </a:t>
+            </a:r>
+            <a:r>
+              <a:rPr b="0" lang="en-US" sz="4400" spc="-1" strike="noStrike">
+                <a:latin typeface="Arial"/>
+              </a:rPr>
+              <a:t>to </a:t>
+            </a:r>
+            <a:r>
+              <a:rPr b="0" lang="en-US" sz="4400" spc="-1" strike="noStrike">
+                <a:latin typeface="Arial"/>
+              </a:rPr>
+              <a:t>e</a:t>
+            </a:r>
+            <a:r>
+              <a:rPr b="0" lang="en-US" sz="4400" spc="-1" strike="noStrike">
+                <a:latin typeface="Arial"/>
+              </a:rPr>
+              <a:t>dit </a:t>
+            </a:r>
+            <a:r>
+              <a:rPr b="0" lang="en-US" sz="4400" spc="-1" strike="noStrike">
+                <a:latin typeface="Arial"/>
+              </a:rPr>
+              <a:t>th</a:t>
+            </a:r>
+            <a:r>
+              <a:rPr b="0" lang="en-US" sz="4400" spc="-1" strike="noStrike">
+                <a:latin typeface="Arial"/>
+              </a:rPr>
+              <a:t>e </a:t>
+            </a:r>
+            <a:r>
+              <a:rPr b="0" lang="en-US" sz="4400" spc="-1" strike="noStrike">
+                <a:latin typeface="Arial"/>
+              </a:rPr>
+              <a:t>titl</a:t>
+            </a:r>
+            <a:r>
+              <a:rPr b="0" lang="en-US" sz="4400" spc="-1" strike="noStrike">
+                <a:latin typeface="Arial"/>
+              </a:rPr>
+              <a:t>e </a:t>
+            </a:r>
+            <a:r>
+              <a:rPr b="0" lang="en-US" sz="4400" spc="-1" strike="noStrike">
+                <a:latin typeface="Arial"/>
+              </a:rPr>
+              <a:t>te</a:t>
+            </a:r>
+            <a:r>
+              <a:rPr b="0" lang="en-US" sz="4400" spc="-1" strike="noStrike">
+                <a:latin typeface="Arial"/>
+              </a:rPr>
+              <a:t>xt </a:t>
+            </a:r>
+            <a:r>
+              <a:rPr b="0" lang="en-US" sz="4400" spc="-1" strike="noStrike">
+                <a:latin typeface="Arial"/>
+              </a:rPr>
+              <a:t>fo</a:t>
+            </a:r>
+            <a:r>
+              <a:rPr b="0" lang="en-US" sz="4400" spc="-1" strike="noStrike">
+                <a:latin typeface="Arial"/>
+              </a:rPr>
+              <a:t>r</a:t>
+            </a:r>
+            <a:r>
+              <a:rPr b="0" lang="en-US" sz="4400" spc="-1" strike="noStrike">
+                <a:latin typeface="Arial"/>
+              </a:rPr>
+              <a:t>m</a:t>
+            </a:r>
+            <a:r>
+              <a:rPr b="0" lang="en-US" sz="4400" spc="-1" strike="noStrike">
+                <a:latin typeface="Arial"/>
+              </a:rPr>
+              <a:t>at</a:t>
+            </a:r>
+            <a:endParaRPr b="0" lang="en-US" sz="4400" spc="-1" strike="noStrike">
+              <a:latin typeface="Arial"/>
+            </a:endParaRPr>
+          </a:p>
+        </p:txBody>
+      </p:sp>
+      <p:sp>
+        <p:nvSpPr>
+          <p:cNvPr id="212" name="PlaceHolder 2"/>
+          <p:cNvSpPr>
+            <a:spLocks noGrp="1"/>
+          </p:cNvSpPr>
+          <p:nvPr>
+            <p:ph type="body"/>
+          </p:nvPr>
+        </p:nvSpPr>
+        <p:spPr>
+          <a:xfrm>
+            <a:off x="504000" y="1768680"/>
+            <a:ext cx="9072000" cy="4384080"/>
+          </a:xfrm>
+          <a:prstGeom prst="rect">
+            <a:avLst/>
+          </a:prstGeom>
+          <a:noFill/>
+          <a:ln w="0">
+            <a:noFill/>
+          </a:ln>
+        </p:spPr>
+        <p:txBody>
+          <a:bodyPr lIns="0" rIns="0" tIns="0" bIns="0" anchor="t">
+            <a:normAutofit/>
+          </a:bodyPr>
+          <a:p>
+            <a:pPr marL="432000" indent="-324000">
+              <a:spcBef>
+                <a:spcPts val="1417"/>
+              </a:spcBef>
+              <a:buClr>
+                <a:srgbClr val="000000"/>
+              </a:buClr>
+              <a:buSzPct val="45000"/>
+              <a:buFont typeface="Wingdings" charset="2"/>
+              <a:buChar char=""/>
+            </a:pPr>
+            <a:r>
+              <a:rPr b="0" lang="en-US" sz="3200" spc="-1" strike="noStrike">
+                <a:latin typeface="Arial"/>
+              </a:rPr>
+              <a:t>Click to edit the outline text format</a:t>
+            </a:r>
+            <a:endParaRPr b="0" lang="en-US" sz="3200" spc="-1" strike="noStrike">
+              <a:latin typeface="Arial"/>
+            </a:endParaRPr>
+          </a:p>
+          <a:p>
+            <a:pPr lvl="1" marL="864000" indent="-324000">
+              <a:spcBef>
+                <a:spcPts val="1134"/>
+              </a:spcBef>
+              <a:buClr>
+                <a:srgbClr val="000000"/>
+              </a:buClr>
+              <a:buSzPct val="75000"/>
+              <a:buFont typeface="Symbol" charset="2"/>
+              <a:buChar char=""/>
+            </a:pPr>
+            <a:r>
+              <a:rPr b="0" lang="en-US" sz="2800" spc="-1" strike="noStrike">
+                <a:latin typeface="Arial"/>
+              </a:rPr>
+              <a:t>Second Outline Level</a:t>
+            </a:r>
+            <a:endParaRPr b="0" lang="en-US" sz="2800" spc="-1" strike="noStrike">
+              <a:latin typeface="Arial"/>
+            </a:endParaRPr>
+          </a:p>
+          <a:p>
+            <a:pPr lvl="2" marL="1296000" indent="-288000">
+              <a:spcBef>
+                <a:spcPts val="850"/>
+              </a:spcBef>
+              <a:buClr>
+                <a:srgbClr val="000000"/>
+              </a:buClr>
+              <a:buSzPct val="45000"/>
+              <a:buFont typeface="Wingdings" charset="2"/>
+              <a:buChar char=""/>
+            </a:pPr>
+            <a:r>
+              <a:rPr b="0" lang="en-US" sz="2400" spc="-1" strike="noStrike">
+                <a:latin typeface="Arial"/>
+              </a:rPr>
+              <a:t>Third Outline Level</a:t>
+            </a:r>
+            <a:endParaRPr b="0" lang="en-US" sz="2400" spc="-1" strike="noStrike">
+              <a:latin typeface="Arial"/>
+            </a:endParaRPr>
+          </a:p>
+          <a:p>
+            <a:pPr lvl="3" marL="1728000" indent="-216000">
+              <a:spcBef>
+                <a:spcPts val="567"/>
+              </a:spcBef>
+              <a:buClr>
+                <a:srgbClr val="000000"/>
+              </a:buClr>
+              <a:buSzPct val="75000"/>
+              <a:buFont typeface="Symbol" charset="2"/>
+              <a:buChar char=""/>
+            </a:pPr>
+            <a:r>
+              <a:rPr b="0" lang="en-US" sz="2000" spc="-1" strike="noStrike">
+                <a:latin typeface="Arial"/>
+              </a:rPr>
+              <a:t>Fourth Outline Level</a:t>
+            </a:r>
+            <a:endParaRPr b="0" lang="en-US" sz="2000" spc="-1" strike="noStrike">
+              <a:latin typeface="Arial"/>
+            </a:endParaRPr>
+          </a:p>
+          <a:p>
+            <a:pPr lvl="4" marL="2160000" indent="-216000">
+              <a:spcBef>
+                <a:spcPts val="283"/>
+              </a:spcBef>
+              <a:buClr>
+                <a:srgbClr val="000000"/>
+              </a:buClr>
+              <a:buSzPct val="45000"/>
+              <a:buFont typeface="Wingdings" charset="2"/>
+              <a:buChar char=""/>
+            </a:pPr>
+            <a:r>
+              <a:rPr b="0" lang="en-US" sz="2000" spc="-1" strike="noStrike">
+                <a:latin typeface="Arial"/>
+              </a:rPr>
+              <a:t>Fifth Outline Level</a:t>
+            </a:r>
+            <a:endParaRPr b="0" lang="en-US" sz="2000" spc="-1" strike="noStrike">
+              <a:latin typeface="Arial"/>
+            </a:endParaRPr>
+          </a:p>
+          <a:p>
+            <a:pPr lvl="5" marL="2592000" indent="-216000">
+              <a:spcBef>
+                <a:spcPts val="283"/>
+              </a:spcBef>
+              <a:buClr>
+                <a:srgbClr val="000000"/>
+              </a:buClr>
+              <a:buSzPct val="45000"/>
+              <a:buFont typeface="Wingdings" charset="2"/>
+              <a:buChar char=""/>
+            </a:pPr>
+            <a:r>
+              <a:rPr b="0" lang="en-US" sz="2000" spc="-1" strike="noStrike">
+                <a:latin typeface="Arial"/>
+              </a:rPr>
+              <a:t>Sixth Outline Level</a:t>
+            </a:r>
+            <a:endParaRPr b="0" lang="en-US" sz="2000" spc="-1" strike="noStrike">
+              <a:latin typeface="Arial"/>
+            </a:endParaRPr>
+          </a:p>
+          <a:p>
+            <a:pPr lvl="6" marL="3024000" indent="-216000">
+              <a:spcBef>
+                <a:spcPts val="283"/>
+              </a:spcBef>
+              <a:buClr>
+                <a:srgbClr val="000000"/>
+              </a:buClr>
+              <a:buSzPct val="45000"/>
+              <a:buFont typeface="Wingdings" charset="2"/>
+              <a:buChar char=""/>
+            </a:pPr>
+            <a:r>
+              <a:rPr b="0" lang="en-US" sz="2000" spc="-1" strike="noStrike">
+                <a:latin typeface="Arial"/>
+              </a:rPr>
+              <a:t>Seventh Outline Level</a:t>
+            </a:r>
+            <a:endParaRPr b="0" lang="en-US" sz="2000" spc="-1" strike="noStrike">
+              <a:latin typeface="Arial"/>
+            </a:endParaRPr>
+          </a:p>
+        </p:txBody>
+      </p:sp>
+    </p:spTree>
+  </p:cSld>
+  <p:clrMap bg1="lt1" bg2="lt2" tx1="dk1" tx2="dk2" accent1="accent1" accent2="accent2" accent3="accent3" accent4="accent4" accent5="accent5" accent6="accent6" hlink="hlink" folHlink="folHlink"/>
+  <p:sldLayoutIdLst>
+    <p:sldLayoutId id="2147483714" r:id="rId2"/>
+    <p:sldLayoutId id="2147483715" r:id="rId3"/>
+    <p:sldLayoutId id="2147483716" r:id="rId4"/>
+    <p:sldLayoutId id="2147483717" r:id="rId5"/>
+    <p:sldLayoutId id="2147483718" r:id="rId6"/>
+    <p:sldLayoutId id="2147483719" r:id="rId7"/>
+    <p:sldLayoutId id="2147483720" r:id="rId8"/>
+    <p:sldLayoutId id="2147483721" r:id="rId9"/>
+    <p:sldLayoutId id="2147483722" r:id="rId10"/>
+    <p:sldLayoutId id="2147483723" r:id="rId11"/>
+    <p:sldLayoutId id="2147483724" r:id="rId12"/>
+    <p:sldLayoutId id="2147483725" r:id="rId13"/>
   </p:sldLayoutIdLst>
 </p:sldMaster>
 </file>
@@ -12014,14 +14147,14 @@
       </p:grpSpPr>
       <p:sp>
         <p:nvSpPr>
-          <p:cNvPr id="213" name="CustomShape 1"/>
+          <p:cNvPr id="255" name="CustomShape 1"/>
           <p:cNvSpPr/>
           <p:nvPr/>
         </p:nvSpPr>
         <p:spPr>
           <a:xfrm>
             <a:off x="360000" y="3330000"/>
-            <a:ext cx="9353880" cy="893880"/>
+            <a:ext cx="9353520" cy="893520"/>
           </a:xfrm>
           <a:prstGeom prst="rect">
             <a:avLst/>
@@ -12066,14 +14199,14 @@
       </p:sp>
       <p:sp>
         <p:nvSpPr>
-          <p:cNvPr id="214" name="CustomShape 2"/>
+          <p:cNvPr id="256" name="CustomShape 2"/>
           <p:cNvSpPr/>
           <p:nvPr/>
         </p:nvSpPr>
         <p:spPr>
           <a:xfrm>
             <a:off x="540000" y="4680000"/>
-            <a:ext cx="9173880" cy="2513880"/>
+            <a:ext cx="9173520" cy="2513520"/>
           </a:xfrm>
           <a:prstGeom prst="rect">
             <a:avLst/>
@@ -12305,14 +14438,14 @@
       </p:grpSpPr>
       <p:sp>
         <p:nvSpPr>
-          <p:cNvPr id="284" name="CustomShape 49"/>
+          <p:cNvPr id="322" name="CustomShape 49"/>
           <p:cNvSpPr/>
           <p:nvPr/>
         </p:nvSpPr>
         <p:spPr>
           <a:xfrm>
             <a:off x="360000" y="360000"/>
-            <a:ext cx="9347400" cy="887400"/>
+            <a:ext cx="9347040" cy="887040"/>
           </a:xfrm>
           <a:prstGeom prst="rect">
             <a:avLst/>
@@ -12357,14 +14490,14 @@
       </p:sp>
       <p:sp>
         <p:nvSpPr>
-          <p:cNvPr id="285" name="CustomShape 50"/>
+          <p:cNvPr id="323" name="CustomShape 50"/>
           <p:cNvSpPr/>
           <p:nvPr/>
         </p:nvSpPr>
         <p:spPr>
           <a:xfrm>
             <a:off x="360000" y="1447920"/>
-            <a:ext cx="9167400" cy="4667400"/>
+            <a:ext cx="9167040" cy="4667040"/>
           </a:xfrm>
           <a:prstGeom prst="rect">
             <a:avLst/>
@@ -12426,14 +14559,14 @@
       </p:sp>
       <p:sp>
         <p:nvSpPr>
-          <p:cNvPr id="286" name="CustomShape 51"/>
+          <p:cNvPr id="324" name="CustomShape 51"/>
           <p:cNvSpPr/>
           <p:nvPr/>
         </p:nvSpPr>
         <p:spPr>
           <a:xfrm>
             <a:off x="897120" y="6886080"/>
-            <a:ext cx="6434640" cy="352440"/>
+            <a:ext cx="6434280" cy="352080"/>
           </a:xfrm>
           <a:prstGeom prst="rect">
             <a:avLst/>
@@ -12478,14 +14611,14 @@
       </p:sp>
       <p:sp>
         <p:nvSpPr>
-          <p:cNvPr id="287" name="CustomShape 52"/>
+          <p:cNvPr id="325" name="CustomShape 52"/>
           <p:cNvSpPr/>
           <p:nvPr/>
         </p:nvSpPr>
         <p:spPr>
           <a:xfrm>
             <a:off x="7608600" y="6886080"/>
-            <a:ext cx="2272680" cy="352440"/>
+            <a:ext cx="2272320" cy="352080"/>
           </a:xfrm>
           <a:prstGeom prst="rect">
             <a:avLst/>
@@ -12530,14 +14663,14 @@
       </p:sp>
       <p:sp>
         <p:nvSpPr>
-          <p:cNvPr id="288" name="CustomShape 53"/>
+          <p:cNvPr id="326" name="CustomShape 53"/>
           <p:cNvSpPr/>
           <p:nvPr/>
         </p:nvSpPr>
         <p:spPr>
           <a:xfrm>
             <a:off x="360000" y="1447920"/>
-            <a:ext cx="9167400" cy="4667400"/>
+            <a:ext cx="9167040" cy="4667040"/>
           </a:xfrm>
           <a:prstGeom prst="rect">
             <a:avLst/>
@@ -12669,7 +14802,7 @@
       </p:sp>
       <p:pic>
         <p:nvPicPr>
-          <p:cNvPr id="289" name="" descr=""/>
+          <p:cNvPr id="327" name="" descr=""/>
           <p:cNvPicPr/>
           <p:nvPr/>
         </p:nvPicPr>
@@ -12680,7 +14813,7 @@
         <p:spPr>
           <a:xfrm>
             <a:off x="4107600" y="2606760"/>
-            <a:ext cx="2407680" cy="2648520"/>
+            <a:ext cx="2407320" cy="2648160"/>
           </a:xfrm>
           <a:prstGeom prst="rect">
             <a:avLst/>
@@ -12692,14 +14825,14 @@
       </p:pic>
       <p:sp>
         <p:nvSpPr>
-          <p:cNvPr id="290" name="CustomShape 55"/>
+          <p:cNvPr id="328" name="CustomShape 55"/>
           <p:cNvSpPr/>
           <p:nvPr/>
         </p:nvSpPr>
         <p:spPr>
           <a:xfrm>
             <a:off x="360000" y="1447920"/>
-            <a:ext cx="9167400" cy="4667400"/>
+            <a:ext cx="9167040" cy="4667040"/>
           </a:xfrm>
           <a:prstGeom prst="rect">
             <a:avLst/>
@@ -12766,7 +14899,7 @@
                 <a:latin typeface="Latin Modern Sans"/>
                 <a:ea typeface="DejaVu Sans"/>
               </a:rPr>
-              <a:t>Distâncias</a:t>
+              <a:t>Distâncias multidimensionais</a:t>
             </a:r>
             <a:endParaRPr b="0" lang="en-US" sz="2000" spc="-1" strike="noStrike">
               <a:latin typeface="Arial"/>
@@ -12818,7 +14951,7 @@
       </p:sp>
       <p:pic>
         <p:nvPicPr>
-          <p:cNvPr id="291" name="" descr=""/>
+          <p:cNvPr id="329" name="" descr=""/>
           <p:cNvPicPr/>
           <p:nvPr/>
         </p:nvPicPr>
@@ -12829,7 +14962,7 @@
         <p:spPr>
           <a:xfrm>
             <a:off x="622440" y="2570760"/>
-            <a:ext cx="2400840" cy="2648520"/>
+            <a:ext cx="2400480" cy="2648160"/>
           </a:xfrm>
           <a:prstGeom prst="rect">
             <a:avLst/>
@@ -12841,7 +14974,7 @@
       </p:pic>
       <p:pic>
         <p:nvPicPr>
-          <p:cNvPr id="292" name="" descr=""/>
+          <p:cNvPr id="330" name="" descr=""/>
           <p:cNvPicPr/>
           <p:nvPr/>
         </p:nvPicPr>
@@ -12852,7 +14985,7 @@
         <p:spPr>
           <a:xfrm>
             <a:off x="397440" y="5220000"/>
-            <a:ext cx="3021840" cy="1259280"/>
+            <a:ext cx="3021480" cy="1258920"/>
           </a:xfrm>
           <a:prstGeom prst="rect">
             <a:avLst/>
@@ -12864,7 +14997,7 @@
       </p:pic>
       <p:pic>
         <p:nvPicPr>
-          <p:cNvPr id="293" name="" descr=""/>
+          <p:cNvPr id="331" name="" descr=""/>
           <p:cNvPicPr/>
           <p:nvPr/>
         </p:nvPicPr>
@@ -12875,7 +15008,7 @@
         <p:spPr>
           <a:xfrm>
             <a:off x="4320000" y="5628960"/>
-            <a:ext cx="1979280" cy="670320"/>
+            <a:ext cx="1978920" cy="669960"/>
           </a:xfrm>
           <a:prstGeom prst="rect">
             <a:avLst/>
@@ -12887,7 +15020,7 @@
       </p:pic>
       <p:pic>
         <p:nvPicPr>
-          <p:cNvPr id="294" name="" descr=""/>
+          <p:cNvPr id="332" name="" descr=""/>
           <p:cNvPicPr/>
           <p:nvPr/>
         </p:nvPicPr>
@@ -12898,7 +15031,7 @@
         <p:spPr>
           <a:xfrm>
             <a:off x="7091280" y="2845080"/>
-            <a:ext cx="2628000" cy="1294200"/>
+            <a:ext cx="2627640" cy="1293840"/>
           </a:xfrm>
           <a:prstGeom prst="rect">
             <a:avLst/>
@@ -12910,7 +15043,7 @@
       </p:pic>
       <p:pic>
         <p:nvPicPr>
-          <p:cNvPr id="295" name="" descr=""/>
+          <p:cNvPr id="333" name="" descr=""/>
           <p:cNvPicPr/>
           <p:nvPr/>
         </p:nvPicPr>
@@ -12921,7 +15054,7 @@
         <p:spPr>
           <a:xfrm>
             <a:off x="7562160" y="4243320"/>
-            <a:ext cx="1437120" cy="255960"/>
+            <a:ext cx="1436760" cy="255600"/>
           </a:xfrm>
           <a:prstGeom prst="rect">
             <a:avLst/>
@@ -12963,7 +15096,7 @@
       </p:grpSpPr>
       <p:pic>
         <p:nvPicPr>
-          <p:cNvPr id="296" name="" descr=""/>
+          <p:cNvPr id="334" name="" descr=""/>
           <p:cNvPicPr/>
           <p:nvPr/>
         </p:nvPicPr>
@@ -12975,7 +15108,7 @@
         <p:spPr>
           <a:xfrm>
             <a:off x="2340000" y="4140000"/>
-            <a:ext cx="6678000" cy="2519280"/>
+            <a:ext cx="6677640" cy="2518920"/>
           </a:xfrm>
           <a:prstGeom prst="rect">
             <a:avLst/>
@@ -12987,14 +15120,14 @@
       </p:pic>
       <p:sp>
         <p:nvSpPr>
-          <p:cNvPr id="297" name="CustomShape 33"/>
+          <p:cNvPr id="335" name="CustomShape 33"/>
           <p:cNvSpPr/>
           <p:nvPr/>
         </p:nvSpPr>
         <p:spPr>
           <a:xfrm>
             <a:off x="360000" y="360000"/>
-            <a:ext cx="9347400" cy="887400"/>
+            <a:ext cx="9347040" cy="887040"/>
           </a:xfrm>
           <a:prstGeom prst="rect">
             <a:avLst/>
@@ -13039,14 +15172,14 @@
       </p:sp>
       <p:sp>
         <p:nvSpPr>
-          <p:cNvPr id="298" name="CustomShape 34"/>
+          <p:cNvPr id="336" name="CustomShape 34"/>
           <p:cNvSpPr/>
           <p:nvPr/>
         </p:nvSpPr>
         <p:spPr>
           <a:xfrm>
             <a:off x="360000" y="1447920"/>
-            <a:ext cx="9167400" cy="4667400"/>
+            <a:ext cx="9167040" cy="4667040"/>
           </a:xfrm>
           <a:prstGeom prst="rect">
             <a:avLst/>
@@ -13295,14 +15428,14 @@
       </p:sp>
       <p:sp>
         <p:nvSpPr>
-          <p:cNvPr id="299" name="CustomShape 35"/>
+          <p:cNvPr id="337" name="CustomShape 35"/>
           <p:cNvSpPr/>
           <p:nvPr/>
         </p:nvSpPr>
         <p:spPr>
           <a:xfrm>
             <a:off x="897120" y="6886080"/>
-            <a:ext cx="6434640" cy="352440"/>
+            <a:ext cx="6434280" cy="352080"/>
           </a:xfrm>
           <a:prstGeom prst="rect">
             <a:avLst/>
@@ -13347,14 +15480,14 @@
       </p:sp>
       <p:sp>
         <p:nvSpPr>
-          <p:cNvPr id="300" name="CustomShape 36"/>
+          <p:cNvPr id="338" name="CustomShape 36"/>
           <p:cNvSpPr/>
           <p:nvPr/>
         </p:nvSpPr>
         <p:spPr>
           <a:xfrm>
             <a:off x="7608600" y="6886080"/>
-            <a:ext cx="2272680" cy="352440"/>
+            <a:ext cx="2272320" cy="352080"/>
           </a:xfrm>
           <a:prstGeom prst="rect">
             <a:avLst/>
@@ -13399,7 +15532,7 @@
       </p:sp>
       <p:pic>
         <p:nvPicPr>
-          <p:cNvPr id="301" name="" descr=""/>
+          <p:cNvPr id="339" name="" descr=""/>
           <p:cNvPicPr/>
           <p:nvPr/>
         </p:nvPicPr>
@@ -13410,7 +15543,7 @@
         <p:spPr>
           <a:xfrm>
             <a:off x="2880000" y="3240000"/>
-            <a:ext cx="6028560" cy="432360"/>
+            <a:ext cx="6028200" cy="432000"/>
           </a:xfrm>
           <a:prstGeom prst="rect">
             <a:avLst/>
@@ -13452,14 +15585,14 @@
       </p:grpSpPr>
       <p:sp>
         <p:nvSpPr>
-          <p:cNvPr id="302" name="CustomShape 63"/>
+          <p:cNvPr id="340" name="CustomShape 63"/>
           <p:cNvSpPr/>
           <p:nvPr/>
         </p:nvSpPr>
         <p:spPr>
           <a:xfrm>
             <a:off x="360000" y="360000"/>
-            <a:ext cx="9355320" cy="895320"/>
+            <a:ext cx="9354960" cy="894960"/>
           </a:xfrm>
           <a:prstGeom prst="rect">
             <a:avLst/>
@@ -13507,14 +15640,14 @@
       </p:sp>
       <p:sp>
         <p:nvSpPr>
-          <p:cNvPr id="303" name="AutoShape 3"/>
+          <p:cNvPr id="341" name="AutoShape 3"/>
           <p:cNvSpPr/>
           <p:nvPr/>
         </p:nvSpPr>
         <p:spPr>
           <a:xfrm>
             <a:off x="4888080" y="3627360"/>
-            <a:ext cx="303840" cy="303840"/>
+            <a:ext cx="303480" cy="303480"/>
           </a:xfrm>
           <a:prstGeom prst="rect">
             <a:avLst/>
@@ -13533,14 +15666,14 @@
       </p:sp>
       <p:sp>
         <p:nvSpPr>
-          <p:cNvPr id="304" name="CustomShape 64"/>
+          <p:cNvPr id="342" name="CustomShape 64"/>
           <p:cNvSpPr/>
           <p:nvPr/>
         </p:nvSpPr>
         <p:spPr>
           <a:xfrm>
             <a:off x="7608600" y="6886080"/>
-            <a:ext cx="2280600" cy="360360"/>
+            <a:ext cx="2280240" cy="360000"/>
           </a:xfrm>
           <a:prstGeom prst="rect">
             <a:avLst/>
@@ -13585,14 +15718,14 @@
       </p:sp>
       <p:sp>
         <p:nvSpPr>
-          <p:cNvPr id="305" name="CustomShape 65"/>
+          <p:cNvPr id="343" name="CustomShape 65"/>
           <p:cNvSpPr/>
           <p:nvPr/>
         </p:nvSpPr>
         <p:spPr>
           <a:xfrm>
             <a:off x="897120" y="6886080"/>
-            <a:ext cx="6442560" cy="360360"/>
+            <a:ext cx="6442200" cy="360000"/>
           </a:xfrm>
           <a:prstGeom prst="rect">
             <a:avLst/>
@@ -13640,14 +15773,14 @@
       </p:sp>
       <p:sp>
         <p:nvSpPr>
-          <p:cNvPr id="306" name="CaixaDeTexto 6"/>
+          <p:cNvPr id="344" name="CaixaDeTexto 6"/>
           <p:cNvSpPr/>
           <p:nvPr/>
         </p:nvSpPr>
         <p:spPr>
           <a:xfrm>
             <a:off x="200160" y="1693440"/>
-            <a:ext cx="7520760" cy="4748760"/>
+            <a:ext cx="7520400" cy="4748760"/>
           </a:xfrm>
           <a:prstGeom prst="rect">
             <a:avLst/>
@@ -13983,7 +16116,7 @@
       </p:sp>
       <p:pic>
         <p:nvPicPr>
-          <p:cNvPr id="307" name="" descr=""/>
+          <p:cNvPr id="345" name="" descr=""/>
           <p:cNvPicPr/>
           <p:nvPr/>
         </p:nvPicPr>
@@ -13994,7 +16127,7 @@
         <p:spPr>
           <a:xfrm>
             <a:off x="3780000" y="1980000"/>
-            <a:ext cx="5826600" cy="3959280"/>
+            <a:ext cx="5826240" cy="3958920"/>
           </a:xfrm>
           <a:prstGeom prst="rect">
             <a:avLst/>
@@ -14036,7 +16169,7 @@
       </p:grpSpPr>
       <p:pic>
         <p:nvPicPr>
-          <p:cNvPr id="308" name="Imagem 6" descr=""/>
+          <p:cNvPr id="346" name="Imagem 6" descr=""/>
           <p:cNvPicPr/>
           <p:nvPr/>
         </p:nvPicPr>
@@ -14047,7 +16180,7 @@
         <p:spPr>
           <a:xfrm>
             <a:off x="6120000" y="1870920"/>
-            <a:ext cx="3239280" cy="2279520"/>
+            <a:ext cx="3238920" cy="2279160"/>
           </a:xfrm>
           <a:prstGeom prst="rect">
             <a:avLst/>
@@ -14059,14 +16192,14 @@
       </p:pic>
       <p:sp>
         <p:nvSpPr>
-          <p:cNvPr id="309" name="CustomShape 38"/>
+          <p:cNvPr id="347" name="CustomShape 38"/>
           <p:cNvSpPr/>
           <p:nvPr/>
         </p:nvSpPr>
         <p:spPr>
           <a:xfrm>
             <a:off x="360000" y="360000"/>
-            <a:ext cx="9355320" cy="895320"/>
+            <a:ext cx="9354960" cy="894960"/>
           </a:xfrm>
           <a:prstGeom prst="rect">
             <a:avLst/>
@@ -14114,14 +16247,14 @@
       </p:sp>
       <p:sp>
         <p:nvSpPr>
-          <p:cNvPr id="310" name="CaixaDeTexto 1"/>
+          <p:cNvPr id="348" name="CaixaDeTexto 1"/>
           <p:cNvSpPr/>
           <p:nvPr/>
         </p:nvSpPr>
         <p:spPr>
           <a:xfrm>
             <a:off x="200160" y="1693440"/>
-            <a:ext cx="7520760" cy="2466360"/>
+            <a:ext cx="7520400" cy="2466360"/>
           </a:xfrm>
           <a:prstGeom prst="rect">
             <a:avLst/>
@@ -14296,14 +16429,14 @@
       </p:sp>
       <p:sp>
         <p:nvSpPr>
-          <p:cNvPr id="311" name="AutoShape 2"/>
+          <p:cNvPr id="349" name="AutoShape 2"/>
           <p:cNvSpPr/>
           <p:nvPr/>
         </p:nvSpPr>
         <p:spPr>
           <a:xfrm>
             <a:off x="4888080" y="3627360"/>
-            <a:ext cx="303840" cy="303840"/>
+            <a:ext cx="303480" cy="303480"/>
           </a:xfrm>
           <a:prstGeom prst="rect">
             <a:avLst/>
@@ -14322,7 +16455,7 @@
       </p:sp>
       <p:pic>
         <p:nvPicPr>
-          <p:cNvPr id="312" name="Imagem 2" descr=""/>
+          <p:cNvPr id="350" name="Imagem 2" descr=""/>
           <p:cNvPicPr/>
           <p:nvPr/>
         </p:nvPicPr>
@@ -14333,7 +16466,7 @@
         <p:spPr>
           <a:xfrm>
             <a:off x="1024200" y="2495520"/>
-            <a:ext cx="3538800" cy="622800"/>
+            <a:ext cx="3538440" cy="622440"/>
           </a:xfrm>
           <a:prstGeom prst="rect">
             <a:avLst/>
@@ -14345,14 +16478,14 @@
       </p:pic>
       <p:sp>
         <p:nvSpPr>
-          <p:cNvPr id="313" name="CaixaDeTexto 4"/>
+          <p:cNvPr id="351" name="CaixaDeTexto 4"/>
           <p:cNvSpPr/>
           <p:nvPr/>
         </p:nvSpPr>
         <p:spPr>
           <a:xfrm>
             <a:off x="200160" y="4215240"/>
-            <a:ext cx="5037480" cy="1735560"/>
+            <a:ext cx="5037120" cy="1735560"/>
           </a:xfrm>
           <a:prstGeom prst="rect">
             <a:avLst/>
@@ -14518,7 +16651,7 @@
       </p:sp>
       <p:pic>
         <p:nvPicPr>
-          <p:cNvPr id="314" name="Picture 2" descr=""/>
+          <p:cNvPr id="352" name="Picture 2" descr=""/>
           <p:cNvPicPr/>
           <p:nvPr/>
         </p:nvPicPr>
@@ -14529,7 +16662,7 @@
         <p:spPr>
           <a:xfrm>
             <a:off x="5940000" y="4185720"/>
-            <a:ext cx="3563280" cy="2473560"/>
+            <a:ext cx="3562920" cy="2473200"/>
           </a:xfrm>
           <a:prstGeom prst="rect">
             <a:avLst/>
@@ -14541,7 +16674,7 @@
       </p:pic>
       <p:sp>
         <p:nvSpPr>
-          <p:cNvPr id="315" name="Conector reto 2"/>
+          <p:cNvPr id="353" name="Conector reto 2"/>
           <p:cNvSpPr/>
           <p:nvPr/>
         </p:nvSpPr>
@@ -14575,14 +16708,14 @@
       </p:sp>
       <p:sp>
         <p:nvSpPr>
-          <p:cNvPr id="316" name="CustomShape 39"/>
+          <p:cNvPr id="354" name="CustomShape 39"/>
           <p:cNvSpPr/>
           <p:nvPr/>
         </p:nvSpPr>
         <p:spPr>
           <a:xfrm>
             <a:off x="7608600" y="6886080"/>
-            <a:ext cx="2280600" cy="360360"/>
+            <a:ext cx="2280240" cy="360000"/>
           </a:xfrm>
           <a:prstGeom prst="rect">
             <a:avLst/>
@@ -14627,14 +16760,14 @@
       </p:sp>
       <p:sp>
         <p:nvSpPr>
-          <p:cNvPr id="317" name="CustomShape 40"/>
+          <p:cNvPr id="355" name="CustomShape 40"/>
           <p:cNvSpPr/>
           <p:nvPr/>
         </p:nvSpPr>
         <p:spPr>
           <a:xfrm>
             <a:off x="897120" y="6886080"/>
-            <a:ext cx="6442560" cy="360360"/>
+            <a:ext cx="6442200" cy="360000"/>
           </a:xfrm>
           <a:prstGeom prst="rect">
             <a:avLst/>
@@ -14712,14 +16845,14 @@
       </p:grpSpPr>
       <p:sp>
         <p:nvSpPr>
-          <p:cNvPr id="318" name="CaixaDeTexto 2"/>
+          <p:cNvPr id="356" name="CaixaDeTexto 2"/>
           <p:cNvSpPr/>
           <p:nvPr/>
         </p:nvSpPr>
         <p:spPr>
           <a:xfrm>
             <a:off x="200160" y="1693440"/>
-            <a:ext cx="6279120" cy="2832840"/>
+            <a:ext cx="6278760" cy="2832840"/>
           </a:xfrm>
           <a:prstGeom prst="rect">
             <a:avLst/>
@@ -14909,14 +17042,14 @@
       </p:sp>
       <p:sp>
         <p:nvSpPr>
-          <p:cNvPr id="319" name="AutoShape 1"/>
+          <p:cNvPr id="357" name="AutoShape 1"/>
           <p:cNvSpPr/>
           <p:nvPr/>
         </p:nvSpPr>
         <p:spPr>
           <a:xfrm>
             <a:off x="4888080" y="3627360"/>
-            <a:ext cx="303840" cy="303840"/>
+            <a:ext cx="303480" cy="303480"/>
           </a:xfrm>
           <a:prstGeom prst="rect">
             <a:avLst/>
@@ -14935,14 +17068,14 @@
       </p:sp>
       <p:sp>
         <p:nvSpPr>
-          <p:cNvPr id="320" name="CaixaDeTexto 3"/>
+          <p:cNvPr id="358" name="CaixaDeTexto 3"/>
           <p:cNvSpPr/>
           <p:nvPr/>
         </p:nvSpPr>
         <p:spPr>
           <a:xfrm>
             <a:off x="200160" y="4215240"/>
-            <a:ext cx="5615280" cy="2558520"/>
+            <a:ext cx="5614920" cy="2558520"/>
           </a:xfrm>
           <a:prstGeom prst="rect">
             <a:avLst/>
@@ -15104,7 +17237,7 @@
       </p:sp>
       <p:sp>
         <p:nvSpPr>
-          <p:cNvPr id="321" name="Conector reto 1"/>
+          <p:cNvPr id="359" name="Conector reto 1"/>
           <p:cNvSpPr/>
           <p:nvPr/>
         </p:nvSpPr>
@@ -15138,7 +17271,7 @@
       </p:sp>
       <p:pic>
         <p:nvPicPr>
-          <p:cNvPr id="322" name="Imagem 3" descr=""/>
+          <p:cNvPr id="360" name="Imagem 3" descr=""/>
           <p:cNvPicPr/>
           <p:nvPr/>
         </p:nvPicPr>
@@ -15149,7 +17282,7 @@
         <p:spPr>
           <a:xfrm>
             <a:off x="1018440" y="2880000"/>
-            <a:ext cx="2400840" cy="634320"/>
+            <a:ext cx="2400480" cy="633960"/>
           </a:xfrm>
           <a:prstGeom prst="rect">
             <a:avLst/>
@@ -15161,7 +17294,7 @@
       </p:pic>
       <p:pic>
         <p:nvPicPr>
-          <p:cNvPr id="323" name="Picture 1" descr=""/>
+          <p:cNvPr id="361" name="Picture 1" descr=""/>
           <p:cNvPicPr/>
           <p:nvPr/>
         </p:nvPicPr>
@@ -15172,7 +17305,7 @@
         <p:spPr>
           <a:xfrm>
             <a:off x="1980000" y="5760000"/>
-            <a:ext cx="2132640" cy="536760"/>
+            <a:ext cx="2132280" cy="536400"/>
           </a:xfrm>
           <a:prstGeom prst="rect">
             <a:avLst/>
@@ -15184,7 +17317,7 @@
       </p:pic>
       <p:pic>
         <p:nvPicPr>
-          <p:cNvPr id="324" name="Imagem 7" descr=""/>
+          <p:cNvPr id="362" name="Imagem 7" descr=""/>
           <p:cNvPicPr/>
           <p:nvPr/>
         </p:nvPicPr>
@@ -15195,7 +17328,7 @@
         <p:spPr>
           <a:xfrm>
             <a:off x="5552280" y="2340000"/>
-            <a:ext cx="4347000" cy="3059280"/>
+            <a:ext cx="4346640" cy="3058920"/>
           </a:xfrm>
           <a:prstGeom prst="rect">
             <a:avLst/>
@@ -15207,14 +17340,14 @@
       </p:pic>
       <p:sp>
         <p:nvSpPr>
-          <p:cNvPr id="325" name="CustomShape 42"/>
+          <p:cNvPr id="363" name="CustomShape 42"/>
           <p:cNvSpPr/>
           <p:nvPr/>
         </p:nvSpPr>
         <p:spPr>
           <a:xfrm>
             <a:off x="7608600" y="6886080"/>
-            <a:ext cx="2280600" cy="360360"/>
+            <a:ext cx="2280240" cy="360000"/>
           </a:xfrm>
           <a:prstGeom prst="rect">
             <a:avLst/>
@@ -15259,14 +17392,14 @@
       </p:sp>
       <p:sp>
         <p:nvSpPr>
-          <p:cNvPr id="326" name="CustomShape 56"/>
+          <p:cNvPr id="364" name="CustomShape 56"/>
           <p:cNvSpPr/>
           <p:nvPr/>
         </p:nvSpPr>
         <p:spPr>
           <a:xfrm>
             <a:off x="897120" y="6886080"/>
-            <a:ext cx="6442560" cy="360360"/>
+            <a:ext cx="6442200" cy="360000"/>
           </a:xfrm>
           <a:prstGeom prst="rect">
             <a:avLst/>
@@ -15314,14 +17447,14 @@
       </p:sp>
       <p:sp>
         <p:nvSpPr>
-          <p:cNvPr id="327" name="CustomShape 57"/>
+          <p:cNvPr id="365" name="CustomShape 57"/>
           <p:cNvSpPr/>
           <p:nvPr/>
         </p:nvSpPr>
         <p:spPr>
           <a:xfrm>
             <a:off x="360000" y="360000"/>
-            <a:ext cx="9355320" cy="895320"/>
+            <a:ext cx="9354960" cy="894960"/>
           </a:xfrm>
           <a:prstGeom prst="rect">
             <a:avLst/>
@@ -15399,14 +17532,14 @@
       </p:grpSpPr>
       <p:sp>
         <p:nvSpPr>
-          <p:cNvPr id="328" name="CaixaDeTexto 5"/>
+          <p:cNvPr id="366" name="CaixaDeTexto 5"/>
           <p:cNvSpPr/>
           <p:nvPr/>
         </p:nvSpPr>
         <p:spPr>
           <a:xfrm>
             <a:off x="200160" y="1693440"/>
-            <a:ext cx="7520760" cy="2832840"/>
+            <a:ext cx="7520400" cy="2832840"/>
           </a:xfrm>
           <a:prstGeom prst="rect">
             <a:avLst/>
@@ -15602,14 +17735,14 @@
       </p:sp>
       <p:sp>
         <p:nvSpPr>
-          <p:cNvPr id="329" name="AutoShape 4"/>
+          <p:cNvPr id="367" name="AutoShape 4"/>
           <p:cNvSpPr/>
           <p:nvPr/>
         </p:nvSpPr>
         <p:spPr>
           <a:xfrm>
             <a:off x="4888080" y="3627360"/>
-            <a:ext cx="303840" cy="303840"/>
+            <a:ext cx="303480" cy="303480"/>
           </a:xfrm>
           <a:prstGeom prst="rect">
             <a:avLst/>
@@ -15628,7 +17761,7 @@
       </p:sp>
       <p:pic>
         <p:nvPicPr>
-          <p:cNvPr id="330" name="Imagem 4" descr=""/>
+          <p:cNvPr id="368" name="Imagem 4" descr=""/>
           <p:cNvPicPr/>
           <p:nvPr/>
         </p:nvPicPr>
@@ -15639,7 +17772,7 @@
         <p:spPr>
           <a:xfrm>
             <a:off x="5640480" y="2520000"/>
-            <a:ext cx="4078800" cy="2870640"/>
+            <a:ext cx="4078440" cy="2870280"/>
           </a:xfrm>
           <a:prstGeom prst="rect">
             <a:avLst/>
@@ -15651,14 +17784,14 @@
       </p:pic>
       <p:sp>
         <p:nvSpPr>
-          <p:cNvPr id="331" name="CaixaDeTexto 8"/>
+          <p:cNvPr id="369" name="CaixaDeTexto 8"/>
           <p:cNvSpPr/>
           <p:nvPr/>
         </p:nvSpPr>
         <p:spPr>
           <a:xfrm>
             <a:off x="4140000" y="5691600"/>
-            <a:ext cx="5610600" cy="607680"/>
+            <a:ext cx="5610240" cy="607680"/>
           </a:xfrm>
           <a:prstGeom prst="rect">
             <a:avLst/>
@@ -15713,7 +17846,7 @@
       </p:sp>
       <p:sp>
         <p:nvSpPr>
-          <p:cNvPr id="332" name="Conector reto 4"/>
+          <p:cNvPr id="370" name="Conector reto 4"/>
           <p:cNvSpPr/>
           <p:nvPr/>
         </p:nvSpPr>
@@ -15747,7 +17880,7 @@
       </p:sp>
       <p:pic>
         <p:nvPicPr>
-          <p:cNvPr id="333" name="Imagem 5" descr=""/>
+          <p:cNvPr id="371" name="Imagem 5" descr=""/>
           <p:cNvPicPr/>
           <p:nvPr/>
         </p:nvPicPr>
@@ -15758,7 +17891,7 @@
         <p:spPr>
           <a:xfrm>
             <a:off x="1092240" y="2855520"/>
-            <a:ext cx="3383640" cy="522720"/>
+            <a:ext cx="3383280" cy="522360"/>
           </a:xfrm>
           <a:prstGeom prst="rect">
             <a:avLst/>
@@ -15770,14 +17903,14 @@
       </p:pic>
       <p:sp>
         <p:nvSpPr>
-          <p:cNvPr id="334" name="CaixaDeTexto 9"/>
+          <p:cNvPr id="372" name="CaixaDeTexto 9"/>
           <p:cNvSpPr/>
           <p:nvPr/>
         </p:nvSpPr>
         <p:spPr>
           <a:xfrm>
             <a:off x="200160" y="4444200"/>
-            <a:ext cx="5040720" cy="2284200"/>
+            <a:ext cx="5040360" cy="2284200"/>
           </a:xfrm>
           <a:prstGeom prst="rect">
             <a:avLst/>
@@ -15959,14 +18092,14 @@
       </p:sp>
       <p:sp>
         <p:nvSpPr>
-          <p:cNvPr id="335" name="CustomShape 59"/>
+          <p:cNvPr id="373" name="CustomShape 59"/>
           <p:cNvSpPr/>
           <p:nvPr/>
         </p:nvSpPr>
         <p:spPr>
           <a:xfrm>
             <a:off x="7608600" y="6886080"/>
-            <a:ext cx="2280600" cy="360360"/>
+            <a:ext cx="2280240" cy="360000"/>
           </a:xfrm>
           <a:prstGeom prst="rect">
             <a:avLst/>
@@ -16011,14 +18144,14 @@
       </p:sp>
       <p:sp>
         <p:nvSpPr>
-          <p:cNvPr id="336" name="CustomShape 60"/>
+          <p:cNvPr id="374" name="CustomShape 60"/>
           <p:cNvSpPr/>
           <p:nvPr/>
         </p:nvSpPr>
         <p:spPr>
           <a:xfrm>
             <a:off x="897120" y="6886080"/>
-            <a:ext cx="6442560" cy="360360"/>
+            <a:ext cx="6442200" cy="360000"/>
           </a:xfrm>
           <a:prstGeom prst="rect">
             <a:avLst/>
@@ -16066,14 +18199,14 @@
       </p:sp>
       <p:sp>
         <p:nvSpPr>
-          <p:cNvPr id="337" name="CustomShape 61"/>
+          <p:cNvPr id="375" name="CustomShape 61"/>
           <p:cNvSpPr/>
           <p:nvPr/>
         </p:nvSpPr>
         <p:spPr>
           <a:xfrm>
             <a:off x="360000" y="360000"/>
-            <a:ext cx="9355320" cy="895320"/>
+            <a:ext cx="9354960" cy="894960"/>
           </a:xfrm>
           <a:prstGeom prst="rect">
             <a:avLst/>
@@ -16151,14 +18284,14 @@
       </p:grpSpPr>
       <p:sp>
         <p:nvSpPr>
-          <p:cNvPr id="338" name="CaixaDeTexto 7"/>
+          <p:cNvPr id="376" name="CaixaDeTexto 7"/>
           <p:cNvSpPr/>
           <p:nvPr/>
         </p:nvSpPr>
         <p:spPr>
           <a:xfrm>
             <a:off x="200160" y="1693440"/>
-            <a:ext cx="7520760" cy="1735560"/>
+            <a:ext cx="7520400" cy="1735560"/>
           </a:xfrm>
           <a:prstGeom prst="rect">
             <a:avLst/>
@@ -16278,14 +18411,14 @@
       </p:sp>
       <p:sp>
         <p:nvSpPr>
-          <p:cNvPr id="339" name="AutoShape 5"/>
+          <p:cNvPr id="377" name="AutoShape 5"/>
           <p:cNvSpPr/>
           <p:nvPr/>
         </p:nvSpPr>
         <p:spPr>
           <a:xfrm>
             <a:off x="4888080" y="3627360"/>
-            <a:ext cx="303840" cy="303840"/>
+            <a:ext cx="303480" cy="303480"/>
           </a:xfrm>
           <a:prstGeom prst="rect">
             <a:avLst/>
@@ -16304,14 +18437,14 @@
       </p:sp>
       <p:sp>
         <p:nvSpPr>
-          <p:cNvPr id="340" name="CaixaDeTexto 10"/>
+          <p:cNvPr id="378" name="CaixaDeTexto 10"/>
           <p:cNvSpPr/>
           <p:nvPr/>
         </p:nvSpPr>
         <p:spPr>
           <a:xfrm>
             <a:off x="4140000" y="5691600"/>
-            <a:ext cx="5610600" cy="607680"/>
+            <a:ext cx="5610240" cy="607320"/>
           </a:xfrm>
           <a:prstGeom prst="rect">
             <a:avLst/>
@@ -16330,14 +18463,14 @@
       </p:sp>
       <p:sp>
         <p:nvSpPr>
-          <p:cNvPr id="341" name="CustomShape 67"/>
+          <p:cNvPr id="379" name="CustomShape 67"/>
           <p:cNvSpPr/>
           <p:nvPr/>
         </p:nvSpPr>
         <p:spPr>
           <a:xfrm>
             <a:off x="7608600" y="6886080"/>
-            <a:ext cx="2280600" cy="360360"/>
+            <a:ext cx="2280240" cy="360000"/>
           </a:xfrm>
           <a:prstGeom prst="rect">
             <a:avLst/>
@@ -16382,14 +18515,14 @@
       </p:sp>
       <p:sp>
         <p:nvSpPr>
-          <p:cNvPr id="342" name="CustomShape 68"/>
+          <p:cNvPr id="380" name="CustomShape 68"/>
           <p:cNvSpPr/>
           <p:nvPr/>
         </p:nvSpPr>
         <p:spPr>
           <a:xfrm>
             <a:off x="897120" y="6886080"/>
-            <a:ext cx="6442560" cy="360360"/>
+            <a:ext cx="6442200" cy="360000"/>
           </a:xfrm>
           <a:prstGeom prst="rect">
             <a:avLst/>
@@ -16437,14 +18570,14 @@
       </p:sp>
       <p:sp>
         <p:nvSpPr>
-          <p:cNvPr id="343" name="CustomShape 69"/>
+          <p:cNvPr id="381" name="CustomShape 69"/>
           <p:cNvSpPr/>
           <p:nvPr/>
         </p:nvSpPr>
         <p:spPr>
           <a:xfrm>
             <a:off x="360000" y="360000"/>
-            <a:ext cx="9355320" cy="895320"/>
+            <a:ext cx="9354960" cy="894960"/>
           </a:xfrm>
           <a:prstGeom prst="rect">
             <a:avLst/>
@@ -16522,14 +18655,14 @@
       </p:grpSpPr>
       <p:sp>
         <p:nvSpPr>
-          <p:cNvPr id="344" name="CaixaDeTexto 11"/>
+          <p:cNvPr id="382" name="CaixaDeTexto 11"/>
           <p:cNvSpPr/>
           <p:nvPr/>
         </p:nvSpPr>
         <p:spPr>
           <a:xfrm>
             <a:off x="200160" y="1693440"/>
-            <a:ext cx="7520760" cy="3930120"/>
+            <a:ext cx="7520400" cy="3930120"/>
           </a:xfrm>
           <a:prstGeom prst="rect">
             <a:avLst/>
@@ -16741,14 +18874,14 @@
       </p:sp>
       <p:sp>
         <p:nvSpPr>
-          <p:cNvPr id="345" name="AutoShape 6"/>
+          <p:cNvPr id="383" name="AutoShape 6"/>
           <p:cNvSpPr/>
           <p:nvPr/>
         </p:nvSpPr>
         <p:spPr>
           <a:xfrm>
             <a:off x="4888080" y="3627360"/>
-            <a:ext cx="303840" cy="303840"/>
+            <a:ext cx="303480" cy="303480"/>
           </a:xfrm>
           <a:prstGeom prst="rect">
             <a:avLst/>
@@ -16767,14 +18900,14 @@
       </p:sp>
       <p:sp>
         <p:nvSpPr>
-          <p:cNvPr id="346" name="CaixaDeTexto 12"/>
+          <p:cNvPr id="384" name="CaixaDeTexto 12"/>
           <p:cNvSpPr/>
           <p:nvPr/>
         </p:nvSpPr>
         <p:spPr>
           <a:xfrm>
             <a:off x="4140000" y="5691600"/>
-            <a:ext cx="5610600" cy="607680"/>
+            <a:ext cx="5610240" cy="607320"/>
           </a:xfrm>
           <a:prstGeom prst="rect">
             <a:avLst/>
@@ -16793,14 +18926,14 @@
       </p:sp>
       <p:sp>
         <p:nvSpPr>
-          <p:cNvPr id="347" name="CustomShape 71"/>
+          <p:cNvPr id="385" name="CustomShape 71"/>
           <p:cNvSpPr/>
           <p:nvPr/>
         </p:nvSpPr>
         <p:spPr>
           <a:xfrm>
             <a:off x="7608600" y="6886080"/>
-            <a:ext cx="2280600" cy="360360"/>
+            <a:ext cx="2280240" cy="360000"/>
           </a:xfrm>
           <a:prstGeom prst="rect">
             <a:avLst/>
@@ -16845,14 +18978,14 @@
       </p:sp>
       <p:sp>
         <p:nvSpPr>
-          <p:cNvPr id="348" name="CustomShape 72"/>
+          <p:cNvPr id="386" name="CustomShape 72"/>
           <p:cNvSpPr/>
           <p:nvPr/>
         </p:nvSpPr>
         <p:spPr>
           <a:xfrm>
             <a:off x="897120" y="6886080"/>
-            <a:ext cx="6442560" cy="360360"/>
+            <a:ext cx="6442200" cy="360000"/>
           </a:xfrm>
           <a:prstGeom prst="rect">
             <a:avLst/>
@@ -16900,14 +19033,14 @@
       </p:sp>
       <p:sp>
         <p:nvSpPr>
-          <p:cNvPr id="349" name="CustomShape 73"/>
+          <p:cNvPr id="387" name="CustomShape 73"/>
           <p:cNvSpPr/>
           <p:nvPr/>
         </p:nvSpPr>
         <p:spPr>
           <a:xfrm>
             <a:off x="360000" y="360000"/>
-            <a:ext cx="9355320" cy="895320"/>
+            <a:ext cx="9354960" cy="894960"/>
           </a:xfrm>
           <a:prstGeom prst="rect">
             <a:avLst/>
@@ -16985,14 +19118,14 @@
       </p:grpSpPr>
       <p:sp>
         <p:nvSpPr>
-          <p:cNvPr id="215" name="CustomShape 1"/>
+          <p:cNvPr id="257" name="CustomShape 1"/>
           <p:cNvSpPr/>
           <p:nvPr/>
         </p:nvSpPr>
         <p:spPr>
           <a:xfrm>
             <a:off x="360000" y="360000"/>
-            <a:ext cx="9353880" cy="893880"/>
+            <a:ext cx="9353520" cy="893520"/>
           </a:xfrm>
           <a:prstGeom prst="rect">
             <a:avLst/>
@@ -17037,14 +19170,14 @@
       </p:sp>
       <p:sp>
         <p:nvSpPr>
-          <p:cNvPr id="216" name="CustomShape 4"/>
+          <p:cNvPr id="258" name="CustomShape 4"/>
           <p:cNvSpPr/>
           <p:nvPr/>
         </p:nvSpPr>
         <p:spPr>
           <a:xfrm>
             <a:off x="360000" y="1980000"/>
-            <a:ext cx="9173880" cy="4673880"/>
+            <a:ext cx="9173520" cy="4673520"/>
           </a:xfrm>
           <a:prstGeom prst="rect">
             <a:avLst/>
@@ -17241,14 +19374,14 @@
       </p:sp>
       <p:sp>
         <p:nvSpPr>
-          <p:cNvPr id="217" name="CustomShape 2"/>
+          <p:cNvPr id="259" name="CustomShape 2"/>
           <p:cNvSpPr/>
           <p:nvPr/>
         </p:nvSpPr>
         <p:spPr>
           <a:xfrm>
             <a:off x="897120" y="6886080"/>
-            <a:ext cx="6441120" cy="358920"/>
+            <a:ext cx="6440760" cy="358560"/>
           </a:xfrm>
           <a:prstGeom prst="rect">
             <a:avLst/>
@@ -17293,14 +19426,14 @@
       </p:sp>
       <p:sp>
         <p:nvSpPr>
-          <p:cNvPr id="218" name="CustomShape 3"/>
+          <p:cNvPr id="260" name="CustomShape 3"/>
           <p:cNvSpPr/>
           <p:nvPr/>
         </p:nvSpPr>
         <p:spPr>
           <a:xfrm>
             <a:off x="7608600" y="6886080"/>
-            <a:ext cx="2279160" cy="358920"/>
+            <a:ext cx="2278800" cy="358560"/>
           </a:xfrm>
           <a:prstGeom prst="rect">
             <a:avLst/>
@@ -17345,7 +19478,7 @@
       </p:sp>
       <p:pic>
         <p:nvPicPr>
-          <p:cNvPr id="219" name="" descr=""/>
+          <p:cNvPr id="261" name="" descr=""/>
           <p:cNvPicPr/>
           <p:nvPr/>
         </p:nvPicPr>
@@ -17355,8 +19488,8 @@
         </p:blipFill>
         <p:spPr>
           <a:xfrm>
-            <a:off x="2045520" y="3960000"/>
-            <a:ext cx="6132600" cy="1855440"/>
+            <a:off x="2244960" y="4227480"/>
+            <a:ext cx="5627880" cy="1847160"/>
           </a:xfrm>
           <a:prstGeom prst="rect">
             <a:avLst/>
@@ -17366,96 +19499,6 @@
           </a:ln>
         </p:spPr>
       </p:pic>
-      <p:sp>
-        <p:nvSpPr>
-          <p:cNvPr id="220" name=""/>
-          <p:cNvSpPr/>
-          <p:nvPr/>
-        </p:nvSpPr>
-        <p:spPr>
-          <a:xfrm>
-            <a:off x="2520360" y="5508360"/>
-            <a:ext cx="268560" cy="268560"/>
-          </a:xfrm>
-          <a:prstGeom prst="ellipse">
-            <a:avLst/>
-          </a:prstGeom>
-          <a:solidFill>
-            <a:srgbClr val="00a933"/>
-          </a:solidFill>
-          <a:ln w="0">
-            <a:solidFill>
-              <a:srgbClr val="3465a4"/>
-            </a:solidFill>
-          </a:ln>
-        </p:spPr>
-        <p:style>
-          <a:lnRef idx="0"/>
-          <a:fillRef idx="0"/>
-          <a:effectRef idx="0"/>
-          <a:fontRef idx="minor"/>
-        </p:style>
-      </p:sp>
-      <p:sp>
-        <p:nvSpPr>
-          <p:cNvPr id="221" name=""/>
-          <p:cNvSpPr/>
-          <p:nvPr/>
-        </p:nvSpPr>
-        <p:spPr>
-          <a:xfrm>
-            <a:off x="2016360" y="5508360"/>
-            <a:ext cx="268560" cy="268560"/>
-          </a:xfrm>
-          <a:prstGeom prst="ellipse">
-            <a:avLst/>
-          </a:prstGeom>
-          <a:solidFill>
-            <a:srgbClr val="00a933"/>
-          </a:solidFill>
-          <a:ln w="0">
-            <a:solidFill>
-              <a:srgbClr val="3465a4"/>
-            </a:solidFill>
-          </a:ln>
-        </p:spPr>
-        <p:style>
-          <a:lnRef idx="0"/>
-          <a:fillRef idx="0"/>
-          <a:effectRef idx="0"/>
-          <a:fontRef idx="minor"/>
-        </p:style>
-      </p:sp>
-      <p:sp>
-        <p:nvSpPr>
-          <p:cNvPr id="222" name=""/>
-          <p:cNvSpPr/>
-          <p:nvPr/>
-        </p:nvSpPr>
-        <p:spPr>
-          <a:xfrm>
-            <a:off x="3886200" y="3657600"/>
-            <a:ext cx="4572000" cy="2743200"/>
-          </a:xfrm>
-          <a:prstGeom prst="rect">
-            <a:avLst/>
-          </a:prstGeom>
-          <a:solidFill>
-            <a:srgbClr val="729fcf"/>
-          </a:solidFill>
-          <a:ln w="0">
-            <a:solidFill>
-              <a:srgbClr val="3465a4"/>
-            </a:solidFill>
-          </a:ln>
-        </p:spPr>
-        <p:style>
-          <a:lnRef idx="0"/>
-          <a:fillRef idx="0"/>
-          <a:effectRef idx="0"/>
-          <a:fontRef idx="minor"/>
-        </p:style>
-      </p:sp>
     </p:spTree>
   </p:cSld>
   <mc:AlternateContent>
@@ -17488,14 +19531,14 @@
       </p:grpSpPr>
       <p:sp>
         <p:nvSpPr>
-          <p:cNvPr id="223" name="CustomShape 10"/>
+          <p:cNvPr id="262" name="CustomShape 10"/>
           <p:cNvSpPr/>
           <p:nvPr/>
         </p:nvSpPr>
         <p:spPr>
           <a:xfrm>
             <a:off x="360000" y="360000"/>
-            <a:ext cx="9347400" cy="887400"/>
+            <a:ext cx="9347040" cy="887040"/>
           </a:xfrm>
           <a:prstGeom prst="rect">
             <a:avLst/>
@@ -17540,14 +19583,14 @@
       </p:sp>
       <p:sp>
         <p:nvSpPr>
-          <p:cNvPr id="224" name="CustomShape 13"/>
+          <p:cNvPr id="263" name="CustomShape 13"/>
           <p:cNvSpPr/>
           <p:nvPr/>
         </p:nvSpPr>
         <p:spPr>
           <a:xfrm>
             <a:off x="897120" y="6886080"/>
-            <a:ext cx="6434640" cy="352440"/>
+            <a:ext cx="6434280" cy="352080"/>
           </a:xfrm>
           <a:prstGeom prst="rect">
             <a:avLst/>
@@ -17592,14 +19635,14 @@
       </p:sp>
       <p:sp>
         <p:nvSpPr>
-          <p:cNvPr id="225" name="CustomShape 14"/>
+          <p:cNvPr id="264" name="CustomShape 14"/>
           <p:cNvSpPr/>
           <p:nvPr/>
         </p:nvSpPr>
         <p:spPr>
           <a:xfrm>
             <a:off x="7608600" y="6886080"/>
-            <a:ext cx="2272680" cy="352440"/>
+            <a:ext cx="2272320" cy="352080"/>
           </a:xfrm>
           <a:prstGeom prst="rect">
             <a:avLst/>
@@ -17644,7 +19687,7 @@
       </p:sp>
       <p:pic>
         <p:nvPicPr>
-          <p:cNvPr id="226" name="" descr=""/>
+          <p:cNvPr id="265" name="" descr=""/>
           <p:cNvPicPr/>
           <p:nvPr/>
         </p:nvPicPr>
@@ -17655,7 +19698,7 @@
         <p:spPr>
           <a:xfrm>
             <a:off x="652320" y="2123640"/>
-            <a:ext cx="8628120" cy="4647240"/>
+            <a:ext cx="8627760" cy="4646880"/>
           </a:xfrm>
           <a:prstGeom prst="rect">
             <a:avLst/>
@@ -17667,14 +19710,14 @@
       </p:pic>
       <p:sp>
         <p:nvSpPr>
-          <p:cNvPr id="227" name=""/>
+          <p:cNvPr id="266" name=""/>
           <p:cNvSpPr/>
           <p:nvPr/>
         </p:nvSpPr>
         <p:spPr>
           <a:xfrm>
             <a:off x="342720" y="1529280"/>
-            <a:ext cx="6777000" cy="385200"/>
+            <a:ext cx="6776640" cy="384840"/>
           </a:xfrm>
           <a:prstGeom prst="rect">
             <a:avLst/>
@@ -17749,14 +19792,14 @@
       </p:grpSpPr>
       <p:sp>
         <p:nvSpPr>
-          <p:cNvPr id="228" name="CustomShape 11"/>
+          <p:cNvPr id="267" name="CustomShape 11"/>
           <p:cNvSpPr/>
           <p:nvPr/>
         </p:nvSpPr>
         <p:spPr>
           <a:xfrm>
             <a:off x="360000" y="360000"/>
-            <a:ext cx="9347400" cy="887400"/>
+            <a:ext cx="9347040" cy="887040"/>
           </a:xfrm>
           <a:prstGeom prst="rect">
             <a:avLst/>
@@ -17801,14 +19844,14 @@
       </p:sp>
       <p:sp>
         <p:nvSpPr>
-          <p:cNvPr id="229" name="CustomShape 12"/>
+          <p:cNvPr id="268" name="CustomShape 12"/>
           <p:cNvSpPr/>
           <p:nvPr/>
         </p:nvSpPr>
         <p:spPr>
           <a:xfrm>
             <a:off x="897120" y="6886080"/>
-            <a:ext cx="6434640" cy="352440"/>
+            <a:ext cx="6434280" cy="352080"/>
           </a:xfrm>
           <a:prstGeom prst="rect">
             <a:avLst/>
@@ -17853,14 +19896,14 @@
       </p:sp>
       <p:sp>
         <p:nvSpPr>
-          <p:cNvPr id="230" name="CustomShape 17"/>
+          <p:cNvPr id="269" name="CustomShape 17"/>
           <p:cNvSpPr/>
           <p:nvPr/>
         </p:nvSpPr>
         <p:spPr>
           <a:xfrm>
             <a:off x="7608600" y="6886080"/>
-            <a:ext cx="2272680" cy="352440"/>
+            <a:ext cx="2272320" cy="352080"/>
           </a:xfrm>
           <a:prstGeom prst="rect">
             <a:avLst/>
@@ -17905,7 +19948,7 @@
       </p:sp>
       <p:pic>
         <p:nvPicPr>
-          <p:cNvPr id="231" name="" descr=""/>
+          <p:cNvPr id="270" name="" descr=""/>
           <p:cNvPicPr/>
           <p:nvPr/>
         </p:nvPicPr>
@@ -17917,7 +19960,7 @@
         <p:spPr>
           <a:xfrm>
             <a:off x="540000" y="2768400"/>
-            <a:ext cx="2583360" cy="2682720"/>
+            <a:ext cx="2583000" cy="2682360"/>
           </a:xfrm>
           <a:prstGeom prst="rect">
             <a:avLst/>
@@ -17927,2410 +19970,16 @@
           </a:ln>
         </p:spPr>
       </p:pic>
-      <p:graphicFrame>
-        <p:nvGraphicFramePr>
-          <p:cNvPr id="232" name=""/>
-          <p:cNvGraphicFramePr/>
-          <p:nvPr/>
-        </p:nvGraphicFramePr>
-        <p:xfrm rot="10800000">
-          <a:off x="-3183840" y="-2657520"/>
-          <a:ext cx="6473520" cy="4573440"/>
-        </p:xfrm>
-        <a:graphic>
-          <a:graphicData uri="http://schemas.openxmlformats.org/drawingml/2006/table">
-            <a:tbl>
-              <a:tblPr/>
-              <a:tblGrid>
-                <a:gridCol w="789840"/>
-                <a:gridCol w="886680"/>
-                <a:gridCol w="1183320"/>
-                <a:gridCol w="1141560"/>
-                <a:gridCol w="1144800"/>
-                <a:gridCol w="1327680"/>
-              </a:tblGrid>
-              <a:tr h="347760">
-                <a:tc>
-                  <a:txBody>
-                    <a:bodyPr lIns="90000" rIns="90000" anchor="t">
-                      <a:noAutofit/>
-                    </a:bodyPr>
-                    <a:p>
-                      <a:pPr algn="ctr">
-                        <a:lnSpc>
-                          <a:spcPct val="100000"/>
-                        </a:lnSpc>
-                        <a:buNone/>
-                      </a:pPr>
-                      <a:r>
-                        <a:rPr b="1" lang="pt-BR" sz="1800" spc="-1" strike="noStrike">
-                          <a:latin typeface="Arial"/>
-                        </a:rPr>
-                        <a:t>Tam</a:t>
-                      </a:r>
-                      <a:endParaRPr b="0" lang="en-US" sz="1800" spc="-1" strike="noStrike">
-                        <a:latin typeface="Arial"/>
-                      </a:endParaRPr>
-                    </a:p>
-                  </a:txBody>
-                  <a:tcPr anchor="t" marL="90000" marR="90000">
-                    <a:lnL w="720">
-                      <a:solidFill>
-                        <a:srgbClr val="ffffff"/>
-                      </a:solidFill>
-                    </a:lnL>
-                    <a:lnR w="720">
-                      <a:solidFill>
-                        <a:srgbClr val="ffffff"/>
-                      </a:solidFill>
-                    </a:lnR>
-                    <a:lnT w="720">
-                      <a:solidFill>
-                        <a:srgbClr val="ffffff"/>
-                      </a:solidFill>
-                    </a:lnT>
-                    <a:lnB w="720">
-                      <a:solidFill>
-                        <a:srgbClr val="ffffff"/>
-                      </a:solidFill>
-                    </a:lnB>
-                    <a:solidFill>
-                      <a:srgbClr val="b3b3b3"/>
-                    </a:solidFill>
-                  </a:tcPr>
-                </a:tc>
-                <a:tc>
-                  <a:txBody>
-                    <a:bodyPr lIns="90000" rIns="90000" anchor="t">
-                      <a:noAutofit/>
-                    </a:bodyPr>
-                    <a:p>
-                      <a:pPr algn="ctr">
-                        <a:lnSpc>
-                          <a:spcPct val="100000"/>
-                        </a:lnSpc>
-                        <a:buNone/>
-                      </a:pPr>
-                      <a:r>
-                        <a:rPr b="1" lang="pt-BR" sz="1800" spc="-1" strike="noStrike">
-                          <a:latin typeface="Arial"/>
-                        </a:rPr>
-                        <a:t>Pelo</a:t>
-                      </a:r>
-                      <a:endParaRPr b="0" lang="en-US" sz="1800" spc="-1" strike="noStrike">
-                        <a:latin typeface="Arial"/>
-                      </a:endParaRPr>
-                    </a:p>
-                  </a:txBody>
-                  <a:tcPr anchor="t" marL="90000" marR="90000">
-                    <a:lnL w="720">
-                      <a:solidFill>
-                        <a:srgbClr val="ffffff"/>
-                      </a:solidFill>
-                    </a:lnL>
-                    <a:lnR w="720">
-                      <a:solidFill>
-                        <a:srgbClr val="ffffff"/>
-                      </a:solidFill>
-                    </a:lnR>
-                    <a:lnT w="720">
-                      <a:solidFill>
-                        <a:srgbClr val="ffffff"/>
-                      </a:solidFill>
-                    </a:lnT>
-                    <a:lnB w="720">
-                      <a:solidFill>
-                        <a:srgbClr val="ffffff"/>
-                      </a:solidFill>
-                    </a:lnB>
-                    <a:solidFill>
-                      <a:srgbClr val="b3b3b3"/>
-                    </a:solidFill>
-                  </a:tcPr>
-                </a:tc>
-                <a:tc>
-                  <a:txBody>
-                    <a:bodyPr lIns="90000" rIns="90000" anchor="t">
-                      <a:noAutofit/>
-                    </a:bodyPr>
-                    <a:p>
-                      <a:pPr algn="ctr">
-                        <a:lnSpc>
-                          <a:spcPct val="100000"/>
-                        </a:lnSpc>
-                        <a:buNone/>
-                      </a:pPr>
-                      <a:r>
-                        <a:rPr b="1" lang="pt-BR" sz="1800" spc="-1" strike="noStrike">
-                          <a:latin typeface="Arial"/>
-                        </a:rPr>
-                        <a:t>Cor</a:t>
-                      </a:r>
-                      <a:endParaRPr b="0" lang="en-US" sz="1800" spc="-1" strike="noStrike">
-                        <a:latin typeface="Arial"/>
-                      </a:endParaRPr>
-                    </a:p>
-                  </a:txBody>
-                  <a:tcPr anchor="t" marL="90000" marR="90000">
-                    <a:lnL w="720">
-                      <a:solidFill>
-                        <a:srgbClr val="ffffff"/>
-                      </a:solidFill>
-                    </a:lnL>
-                    <a:lnR w="720">
-                      <a:solidFill>
-                        <a:srgbClr val="ffffff"/>
-                      </a:solidFill>
-                    </a:lnR>
-                    <a:lnT w="720">
-                      <a:solidFill>
-                        <a:srgbClr val="ffffff"/>
-                      </a:solidFill>
-                    </a:lnT>
-                    <a:lnB w="720">
-                      <a:solidFill>
-                        <a:srgbClr val="ffffff"/>
-                      </a:solidFill>
-                    </a:lnB>
-                    <a:solidFill>
-                      <a:srgbClr val="b3b3b3"/>
-                    </a:solidFill>
-                  </a:tcPr>
-                </a:tc>
-                <a:tc>
-                  <a:txBody>
-                    <a:bodyPr lIns="90000" rIns="90000" anchor="t">
-                      <a:noAutofit/>
-                    </a:bodyPr>
-                    <a:p>
-                      <a:pPr algn="ctr">
-                        <a:lnSpc>
-                          <a:spcPct val="100000"/>
-                        </a:lnSpc>
-                        <a:buNone/>
-                      </a:pPr>
-                      <a:r>
-                        <a:rPr b="1" lang="pt-BR" sz="1800" spc="-1" strike="noStrike">
-                          <a:latin typeface="Arial"/>
-                        </a:rPr>
-                        <a:t>Orelha</a:t>
-                      </a:r>
-                      <a:endParaRPr b="0" lang="en-US" sz="1800" spc="-1" strike="noStrike">
-                        <a:latin typeface="Arial"/>
-                      </a:endParaRPr>
-                    </a:p>
-                  </a:txBody>
-                  <a:tcPr anchor="t" marL="90000" marR="90000">
-                    <a:lnL w="720">
-                      <a:solidFill>
-                        <a:srgbClr val="ffffff"/>
-                      </a:solidFill>
-                    </a:lnL>
-                    <a:lnR w="720">
-                      <a:solidFill>
-                        <a:srgbClr val="ffffff"/>
-                      </a:solidFill>
-                    </a:lnR>
-                    <a:lnT w="720">
-                      <a:solidFill>
-                        <a:srgbClr val="ffffff"/>
-                      </a:solidFill>
-                    </a:lnT>
-                    <a:lnB w="720">
-                      <a:solidFill>
-                        <a:srgbClr val="ffffff"/>
-                      </a:solidFill>
-                    </a:lnB>
-                    <a:solidFill>
-                      <a:srgbClr val="b3b3b3"/>
-                    </a:solidFill>
-                  </a:tcPr>
-                </a:tc>
-                <a:tc>
-                  <a:txBody>
-                    <a:bodyPr lIns="90000" rIns="90000" anchor="t">
-                      <a:noAutofit/>
-                    </a:bodyPr>
-                    <a:p>
-                      <a:pPr algn="ctr">
-                        <a:lnSpc>
-                          <a:spcPct val="100000"/>
-                        </a:lnSpc>
-                        <a:buNone/>
-                      </a:pPr>
-                      <a:r>
-                        <a:rPr b="1" lang="pt-BR" sz="1800" spc="-1" strike="noStrike">
-                          <a:latin typeface="Arial"/>
-                        </a:rPr>
-                        <a:t>Focinho</a:t>
-                      </a:r>
-                      <a:endParaRPr b="0" lang="en-US" sz="1800" spc="-1" strike="noStrike">
-                        <a:latin typeface="Arial"/>
-                      </a:endParaRPr>
-                    </a:p>
-                  </a:txBody>
-                  <a:tcPr anchor="t" marL="90000" marR="90000">
-                    <a:lnL w="720">
-                      <a:solidFill>
-                        <a:srgbClr val="ffffff"/>
-                      </a:solidFill>
-                    </a:lnL>
-                    <a:lnR w="720">
-                      <a:solidFill>
-                        <a:srgbClr val="ffffff"/>
-                      </a:solidFill>
-                    </a:lnR>
-                    <a:lnT w="720">
-                      <a:solidFill>
-                        <a:srgbClr val="ffffff"/>
-                      </a:solidFill>
-                    </a:lnT>
-                    <a:lnB w="720">
-                      <a:solidFill>
-                        <a:srgbClr val="ffffff"/>
-                      </a:solidFill>
-                    </a:lnB>
-                    <a:solidFill>
-                      <a:srgbClr val="b3b3b3"/>
-                    </a:solidFill>
-                  </a:tcPr>
-                </a:tc>
-                <a:tc>
-                  <a:txBody>
-                    <a:bodyPr lIns="90000" rIns="90000" anchor="t">
-                      <a:noAutofit/>
-                    </a:bodyPr>
-                    <a:p>
-                      <a:pPr algn="ctr">
-                        <a:lnSpc>
-                          <a:spcPct val="100000"/>
-                        </a:lnSpc>
-                        <a:buNone/>
-                      </a:pPr>
-                      <a:r>
-                        <a:rPr b="1" lang="pt-BR" sz="1800" spc="-1" strike="noStrike">
-                          <a:latin typeface="Arial"/>
-                        </a:rPr>
-                        <a:t>Raça</a:t>
-                      </a:r>
-                      <a:endParaRPr b="0" lang="en-US" sz="1800" spc="-1" strike="noStrike">
-                        <a:latin typeface="Arial"/>
-                      </a:endParaRPr>
-                    </a:p>
-                  </a:txBody>
-                  <a:tcPr anchor="t" marL="90000" marR="90000">
-                    <a:lnL w="720">
-                      <a:solidFill>
-                        <a:srgbClr val="ffffff"/>
-                      </a:solidFill>
-                    </a:lnL>
-                    <a:lnR w="720">
-                      <a:solidFill>
-                        <a:srgbClr val="ffffff"/>
-                      </a:solidFill>
-                    </a:lnR>
-                    <a:lnT w="720">
-                      <a:solidFill>
-                        <a:srgbClr val="ffffff"/>
-                      </a:solidFill>
-                    </a:lnT>
-                    <a:lnB w="720">
-                      <a:solidFill>
-                        <a:srgbClr val="ffffff"/>
-                      </a:solidFill>
-                    </a:lnB>
-                    <a:solidFill>
-                      <a:srgbClr val="b3b3b3"/>
-                    </a:solidFill>
-                  </a:tcPr>
-                </a:tc>
-              </a:tr>
-              <a:tr h="603720">
-                <a:tc>
-                  <a:txBody>
-                    <a:bodyPr lIns="90000" rIns="90000" anchor="t">
-                      <a:noAutofit/>
-                    </a:bodyPr>
-                    <a:p>
-                      <a:pPr algn="ctr">
-                        <a:lnSpc>
-                          <a:spcPct val="100000"/>
-                        </a:lnSpc>
-                        <a:buNone/>
-                      </a:pPr>
-                      <a:r>
-                        <a:rPr b="0" lang="pt-BR" sz="1800" spc="-1" strike="noStrike">
-                          <a:latin typeface="Arial"/>
-                        </a:rPr>
-                        <a:t>G</a:t>
-                      </a:r>
-                      <a:endParaRPr b="0" lang="en-US" sz="1800" spc="-1" strike="noStrike">
-                        <a:latin typeface="Arial"/>
-                      </a:endParaRPr>
-                    </a:p>
-                  </a:txBody>
-                  <a:tcPr anchor="t" marL="90000" marR="90000">
-                    <a:lnL w="720">
-                      <a:solidFill>
-                        <a:srgbClr val="ffffff"/>
-                      </a:solidFill>
-                    </a:lnL>
-                    <a:lnR w="720">
-                      <a:solidFill>
-                        <a:srgbClr val="ffffff"/>
-                      </a:solidFill>
-                    </a:lnR>
-                    <a:lnT w="720">
-                      <a:solidFill>
-                        <a:srgbClr val="ffffff"/>
-                      </a:solidFill>
-                    </a:lnT>
-                    <a:lnB w="720">
-                      <a:solidFill>
-                        <a:srgbClr val="ffffff"/>
-                      </a:solidFill>
-                    </a:lnB>
-                    <a:solidFill>
-                      <a:srgbClr val="cccccc"/>
-                    </a:solidFill>
-                  </a:tcPr>
-                </a:tc>
-                <a:tc>
-                  <a:txBody>
-                    <a:bodyPr lIns="90000" rIns="90000" anchor="t">
-                      <a:noAutofit/>
-                    </a:bodyPr>
-                    <a:p>
-                      <a:pPr algn="ctr">
-                        <a:lnSpc>
-                          <a:spcPct val="100000"/>
-                        </a:lnSpc>
-                        <a:buNone/>
-                      </a:pPr>
-                      <a:r>
-                        <a:rPr b="0" lang="pt-BR" sz="1800" spc="-1" strike="noStrike">
-                          <a:latin typeface="Arial"/>
-                        </a:rPr>
-                        <a:t>Curta</a:t>
-                      </a:r>
-                      <a:endParaRPr b="0" lang="en-US" sz="1800" spc="-1" strike="noStrike">
-                        <a:latin typeface="Arial"/>
-                      </a:endParaRPr>
-                    </a:p>
-                  </a:txBody>
-                  <a:tcPr anchor="t" marL="90000" marR="90000">
-                    <a:lnL w="720">
-                      <a:solidFill>
-                        <a:srgbClr val="ffffff"/>
-                      </a:solidFill>
-                    </a:lnL>
-                    <a:lnR w="720">
-                      <a:solidFill>
-                        <a:srgbClr val="ffffff"/>
-                      </a:solidFill>
-                    </a:lnR>
-                    <a:lnT w="720">
-                      <a:solidFill>
-                        <a:srgbClr val="ffffff"/>
-                      </a:solidFill>
-                    </a:lnT>
-                    <a:lnB w="720">
-                      <a:solidFill>
-                        <a:srgbClr val="ffffff"/>
-                      </a:solidFill>
-                    </a:lnB>
-                    <a:solidFill>
-                      <a:srgbClr val="cccccc"/>
-                    </a:solidFill>
-                  </a:tcPr>
-                </a:tc>
-                <a:tc>
-                  <a:txBody>
-                    <a:bodyPr lIns="90000" rIns="90000" anchor="t">
-                      <a:noAutofit/>
-                    </a:bodyPr>
-                    <a:p>
-                      <a:pPr algn="ctr">
-                        <a:lnSpc>
-                          <a:spcPct val="100000"/>
-                        </a:lnSpc>
-                        <a:buNone/>
-                      </a:pPr>
-                      <a:r>
-                        <a:rPr b="0" lang="pt-BR" sz="1800" spc="-1" strike="noStrike">
-                          <a:latin typeface="Arial"/>
-                        </a:rPr>
-                        <a:t>Branco/Cinza</a:t>
-                      </a:r>
-                      <a:endParaRPr b="0" lang="en-US" sz="1800" spc="-1" strike="noStrike">
-                        <a:latin typeface="Arial"/>
-                      </a:endParaRPr>
-                    </a:p>
-                  </a:txBody>
-                  <a:tcPr anchor="t" marL="90000" marR="90000">
-                    <a:lnL w="720">
-                      <a:solidFill>
-                        <a:srgbClr val="ffffff"/>
-                      </a:solidFill>
-                    </a:lnL>
-                    <a:lnR w="720">
-                      <a:solidFill>
-                        <a:srgbClr val="ffffff"/>
-                      </a:solidFill>
-                    </a:lnR>
-                    <a:lnT w="720">
-                      <a:solidFill>
-                        <a:srgbClr val="ffffff"/>
-                      </a:solidFill>
-                    </a:lnT>
-                    <a:lnB w="720">
-                      <a:solidFill>
-                        <a:srgbClr val="ffffff"/>
-                      </a:solidFill>
-                    </a:lnB>
-                    <a:solidFill>
-                      <a:srgbClr val="cccccc"/>
-                    </a:solidFill>
-                  </a:tcPr>
-                </a:tc>
-                <a:tc>
-                  <a:txBody>
-                    <a:bodyPr lIns="90000" rIns="90000" anchor="t">
-                      <a:noAutofit/>
-                    </a:bodyPr>
-                    <a:p>
-                      <a:pPr algn="ctr">
-                        <a:lnSpc>
-                          <a:spcPct val="100000"/>
-                        </a:lnSpc>
-                        <a:buNone/>
-                      </a:pPr>
-                      <a:r>
-                        <a:rPr b="0" lang="pt-BR" sz="1800" spc="-1" strike="noStrike">
-                          <a:latin typeface="Arial"/>
-                        </a:rPr>
-                        <a:t>Pontuda</a:t>
-                      </a:r>
-                      <a:endParaRPr b="0" lang="en-US" sz="1800" spc="-1" strike="noStrike">
-                        <a:latin typeface="Arial"/>
-                      </a:endParaRPr>
-                    </a:p>
-                  </a:txBody>
-                  <a:tcPr anchor="t" marL="90000" marR="90000">
-                    <a:lnL w="720">
-                      <a:solidFill>
-                        <a:srgbClr val="ffffff"/>
-                      </a:solidFill>
-                    </a:lnL>
-                    <a:lnR w="720">
-                      <a:solidFill>
-                        <a:srgbClr val="ffffff"/>
-                      </a:solidFill>
-                    </a:lnR>
-                    <a:lnT w="720">
-                      <a:solidFill>
-                        <a:srgbClr val="ffffff"/>
-                      </a:solidFill>
-                    </a:lnT>
-                    <a:lnB w="720">
-                      <a:solidFill>
-                        <a:srgbClr val="ffffff"/>
-                      </a:solidFill>
-                    </a:lnB>
-                    <a:solidFill>
-                      <a:srgbClr val="cccccc"/>
-                    </a:solidFill>
-                  </a:tcPr>
-                </a:tc>
-                <a:tc>
-                  <a:txBody>
-                    <a:bodyPr lIns="90000" rIns="90000" anchor="t">
-                      <a:noAutofit/>
-                    </a:bodyPr>
-                    <a:p>
-                      <a:pPr algn="ctr">
-                        <a:lnSpc>
-                          <a:spcPct val="100000"/>
-                        </a:lnSpc>
-                        <a:buNone/>
-                      </a:pPr>
-                      <a:r>
-                        <a:rPr b="0" lang="pt-BR" sz="1800" spc="-1" strike="noStrike">
-                          <a:latin typeface="Arial"/>
-                        </a:rPr>
-                        <a:t>Normal</a:t>
-                      </a:r>
-                      <a:endParaRPr b="0" lang="en-US" sz="1800" spc="-1" strike="noStrike">
-                        <a:latin typeface="Arial"/>
-                      </a:endParaRPr>
-                    </a:p>
-                  </a:txBody>
-                  <a:tcPr anchor="t" marL="90000" marR="90000">
-                    <a:lnL w="720">
-                      <a:solidFill>
-                        <a:srgbClr val="ffffff"/>
-                      </a:solidFill>
-                    </a:lnL>
-                    <a:lnR w="720">
-                      <a:solidFill>
-                        <a:srgbClr val="ffffff"/>
-                      </a:solidFill>
-                    </a:lnR>
-                    <a:lnT w="720">
-                      <a:solidFill>
-                        <a:srgbClr val="ffffff"/>
-                      </a:solidFill>
-                    </a:lnT>
-                    <a:lnB w="720">
-                      <a:solidFill>
-                        <a:srgbClr val="ffffff"/>
-                      </a:solidFill>
-                    </a:lnB>
-                    <a:solidFill>
-                      <a:srgbClr val="cccccc"/>
-                    </a:solidFill>
-                  </a:tcPr>
-                </a:tc>
-                <a:tc>
-                  <a:txBody>
-                    <a:bodyPr lIns="90000" rIns="90000" anchor="t">
-                      <a:noAutofit/>
-                    </a:bodyPr>
-                    <a:p>
-                      <a:pPr algn="ctr">
-                        <a:lnSpc>
-                          <a:spcPct val="100000"/>
-                        </a:lnSpc>
-                        <a:buNone/>
-                      </a:pPr>
-                      <a:r>
-                        <a:rPr b="0" lang="pt-BR" sz="1800" spc="-1" strike="noStrike">
-                          <a:latin typeface="Arial"/>
-                        </a:rPr>
-                        <a:t>Husky</a:t>
-                      </a:r>
-                      <a:endParaRPr b="0" lang="en-US" sz="1800" spc="-1" strike="noStrike">
-                        <a:latin typeface="Arial"/>
-                      </a:endParaRPr>
-                    </a:p>
-                  </a:txBody>
-                  <a:tcPr anchor="t" marL="90000" marR="90000">
-                    <a:lnL w="720">
-                      <a:solidFill>
-                        <a:srgbClr val="ffffff"/>
-                      </a:solidFill>
-                    </a:lnL>
-                    <a:lnR w="720">
-                      <a:solidFill>
-                        <a:srgbClr val="ffffff"/>
-                      </a:solidFill>
-                    </a:lnR>
-                    <a:lnT w="720">
-                      <a:solidFill>
-                        <a:srgbClr val="ffffff"/>
-                      </a:solidFill>
-                    </a:lnT>
-                    <a:lnB w="720">
-                      <a:solidFill>
-                        <a:srgbClr val="ffffff"/>
-                      </a:solidFill>
-                    </a:lnB>
-                    <a:solidFill>
-                      <a:srgbClr val="cccccc"/>
-                    </a:solidFill>
-                  </a:tcPr>
-                </a:tc>
-              </a:tr>
-              <a:tr h="603720">
-                <a:tc>
-                  <a:txBody>
-                    <a:bodyPr lIns="90000" rIns="90000" anchor="t">
-                      <a:noAutofit/>
-                    </a:bodyPr>
-                    <a:p>
-                      <a:pPr algn="ctr">
-                        <a:lnSpc>
-                          <a:spcPct val="100000"/>
-                        </a:lnSpc>
-                        <a:buNone/>
-                      </a:pPr>
-                      <a:r>
-                        <a:rPr b="0" lang="pt-BR" sz="1800" spc="-1" strike="noStrike">
-                          <a:latin typeface="Arial"/>
-                        </a:rPr>
-                        <a:t>P</a:t>
-                      </a:r>
-                      <a:endParaRPr b="0" lang="en-US" sz="1800" spc="-1" strike="noStrike">
-                        <a:latin typeface="Arial"/>
-                      </a:endParaRPr>
-                    </a:p>
-                  </a:txBody>
-                  <a:tcPr anchor="t" marL="90000" marR="90000">
-                    <a:lnL w="720">
-                      <a:solidFill>
-                        <a:srgbClr val="ffffff"/>
-                      </a:solidFill>
-                    </a:lnL>
-                    <a:lnR w="720">
-                      <a:solidFill>
-                        <a:srgbClr val="ffffff"/>
-                      </a:solidFill>
-                    </a:lnR>
-                    <a:lnT w="720">
-                      <a:solidFill>
-                        <a:srgbClr val="ffffff"/>
-                      </a:solidFill>
-                    </a:lnT>
-                    <a:lnB w="720">
-                      <a:solidFill>
-                        <a:srgbClr val="ffffff"/>
-                      </a:solidFill>
-                    </a:lnB>
-                    <a:solidFill>
-                      <a:srgbClr val="e6e6e6"/>
-                    </a:solidFill>
-                  </a:tcPr>
-                </a:tc>
-                <a:tc>
-                  <a:txBody>
-                    <a:bodyPr lIns="90000" rIns="90000" anchor="t">
-                      <a:noAutofit/>
-                    </a:bodyPr>
-                    <a:p>
-                      <a:pPr algn="ctr">
-                        <a:lnSpc>
-                          <a:spcPct val="100000"/>
-                        </a:lnSpc>
-                        <a:buNone/>
-                      </a:pPr>
-                      <a:r>
-                        <a:rPr b="0" lang="pt-BR" sz="1800" spc="-1" strike="noStrike">
-                          <a:latin typeface="Arial"/>
-                        </a:rPr>
-                        <a:t>Curta</a:t>
-                      </a:r>
-                      <a:endParaRPr b="0" lang="en-US" sz="1800" spc="-1" strike="noStrike">
-                        <a:latin typeface="Arial"/>
-                      </a:endParaRPr>
-                    </a:p>
-                  </a:txBody>
-                  <a:tcPr anchor="t" marL="90000" marR="90000">
-                    <a:lnL w="720">
-                      <a:solidFill>
-                        <a:srgbClr val="ffffff"/>
-                      </a:solidFill>
-                    </a:lnL>
-                    <a:lnR w="720">
-                      <a:solidFill>
-                        <a:srgbClr val="ffffff"/>
-                      </a:solidFill>
-                    </a:lnR>
-                    <a:lnT w="720">
-                      <a:solidFill>
-                        <a:srgbClr val="ffffff"/>
-                      </a:solidFill>
-                    </a:lnT>
-                    <a:lnB w="720">
-                      <a:solidFill>
-                        <a:srgbClr val="ffffff"/>
-                      </a:solidFill>
-                    </a:lnB>
-                    <a:solidFill>
-                      <a:srgbClr val="e6e6e6"/>
-                    </a:solidFill>
-                  </a:tcPr>
-                </a:tc>
-                <a:tc>
-                  <a:txBody>
-                    <a:bodyPr lIns="90000" rIns="90000" anchor="t">
-                      <a:noAutofit/>
-                    </a:bodyPr>
-                    <a:p>
-                      <a:pPr algn="ctr">
-                        <a:lnSpc>
-                          <a:spcPct val="100000"/>
-                        </a:lnSpc>
-                        <a:buNone/>
-                      </a:pPr>
-                      <a:r>
-                        <a:rPr b="0" lang="pt-BR" sz="1800" spc="-1" strike="noStrike">
-                          <a:latin typeface="Arial"/>
-                        </a:rPr>
-                        <a:t>Branco/Preta</a:t>
-                      </a:r>
-                      <a:endParaRPr b="0" lang="en-US" sz="1800" spc="-1" strike="noStrike">
-                        <a:latin typeface="Arial"/>
-                      </a:endParaRPr>
-                    </a:p>
-                  </a:txBody>
-                  <a:tcPr anchor="t" marL="90000" marR="90000">
-                    <a:lnL w="720">
-                      <a:solidFill>
-                        <a:srgbClr val="ffffff"/>
-                      </a:solidFill>
-                    </a:lnL>
-                    <a:lnR w="720">
-                      <a:solidFill>
-                        <a:srgbClr val="ffffff"/>
-                      </a:solidFill>
-                    </a:lnR>
-                    <a:lnT w="720">
-                      <a:solidFill>
-                        <a:srgbClr val="ffffff"/>
-                      </a:solidFill>
-                    </a:lnT>
-                    <a:lnB w="720">
-                      <a:solidFill>
-                        <a:srgbClr val="ffffff"/>
-                      </a:solidFill>
-                    </a:lnB>
-                    <a:solidFill>
-                      <a:srgbClr val="e6e6e6"/>
-                    </a:solidFill>
-                  </a:tcPr>
-                </a:tc>
-                <a:tc>
-                  <a:txBody>
-                    <a:bodyPr lIns="90000" rIns="90000" anchor="t">
-                      <a:noAutofit/>
-                    </a:bodyPr>
-                    <a:p>
-                      <a:pPr algn="ctr">
-                        <a:lnSpc>
-                          <a:spcPct val="100000"/>
-                        </a:lnSpc>
-                        <a:buNone/>
-                      </a:pPr>
-                      <a:r>
-                        <a:rPr b="0" lang="pt-BR" sz="1800" spc="-1" strike="noStrike">
-                          <a:latin typeface="Arial"/>
-                        </a:rPr>
-                        <a:t>Caída</a:t>
-                      </a:r>
-                      <a:endParaRPr b="0" lang="en-US" sz="1800" spc="-1" strike="noStrike">
-                        <a:latin typeface="Arial"/>
-                      </a:endParaRPr>
-                    </a:p>
-                  </a:txBody>
-                  <a:tcPr anchor="t" marL="90000" marR="90000">
-                    <a:lnL w="720">
-                      <a:solidFill>
-                        <a:srgbClr val="ffffff"/>
-                      </a:solidFill>
-                    </a:lnL>
-                    <a:lnR w="720">
-                      <a:solidFill>
-                        <a:srgbClr val="ffffff"/>
-                      </a:solidFill>
-                    </a:lnR>
-                    <a:lnT w="720">
-                      <a:solidFill>
-                        <a:srgbClr val="ffffff"/>
-                      </a:solidFill>
-                    </a:lnT>
-                    <a:lnB w="720">
-                      <a:solidFill>
-                        <a:srgbClr val="ffffff"/>
-                      </a:solidFill>
-                    </a:lnB>
-                    <a:solidFill>
-                      <a:srgbClr val="e6e6e6"/>
-                    </a:solidFill>
-                  </a:tcPr>
-                </a:tc>
-                <a:tc>
-                  <a:txBody>
-                    <a:bodyPr lIns="90000" rIns="90000" anchor="t">
-                      <a:noAutofit/>
-                    </a:bodyPr>
-                    <a:p>
-                      <a:pPr algn="ctr">
-                        <a:lnSpc>
-                          <a:spcPct val="100000"/>
-                        </a:lnSpc>
-                        <a:buNone/>
-                      </a:pPr>
-                      <a:r>
-                        <a:rPr b="0" lang="pt-BR" sz="1800" spc="-1" strike="noStrike">
-                          <a:latin typeface="Arial"/>
-                        </a:rPr>
-                        <a:t>Achatado</a:t>
-                      </a:r>
-                      <a:endParaRPr b="0" lang="en-US" sz="1800" spc="-1" strike="noStrike">
-                        <a:latin typeface="Arial"/>
-                      </a:endParaRPr>
-                    </a:p>
-                  </a:txBody>
-                  <a:tcPr anchor="t" marL="90000" marR="90000">
-                    <a:lnL w="720">
-                      <a:solidFill>
-                        <a:srgbClr val="ffffff"/>
-                      </a:solidFill>
-                    </a:lnL>
-                    <a:lnR w="720">
-                      <a:solidFill>
-                        <a:srgbClr val="ffffff"/>
-                      </a:solidFill>
-                    </a:lnR>
-                    <a:lnT w="720">
-                      <a:solidFill>
-                        <a:srgbClr val="ffffff"/>
-                      </a:solidFill>
-                    </a:lnT>
-                    <a:lnB w="720">
-                      <a:solidFill>
-                        <a:srgbClr val="ffffff"/>
-                      </a:solidFill>
-                    </a:lnB>
-                    <a:solidFill>
-                      <a:srgbClr val="e6e6e6"/>
-                    </a:solidFill>
-                  </a:tcPr>
-                </a:tc>
-                <a:tc>
-                  <a:txBody>
-                    <a:bodyPr lIns="90000" rIns="90000" anchor="t">
-                      <a:noAutofit/>
-                    </a:bodyPr>
-                    <a:p>
-                      <a:pPr algn="ctr">
-                        <a:lnSpc>
-                          <a:spcPct val="100000"/>
-                        </a:lnSpc>
-                        <a:buNone/>
-                      </a:pPr>
-                      <a:r>
-                        <a:rPr b="0" lang="pt-BR" sz="1800" spc="-1" strike="noStrike">
-                          <a:latin typeface="Arial"/>
-                        </a:rPr>
-                        <a:t>Pug</a:t>
-                      </a:r>
-                      <a:endParaRPr b="0" lang="en-US" sz="1800" spc="-1" strike="noStrike">
-                        <a:latin typeface="Arial"/>
-                      </a:endParaRPr>
-                    </a:p>
-                  </a:txBody>
-                  <a:tcPr anchor="t" marL="90000" marR="90000">
-                    <a:lnL w="720">
-                      <a:solidFill>
-                        <a:srgbClr val="ffffff"/>
-                      </a:solidFill>
-                    </a:lnL>
-                    <a:lnR w="720">
-                      <a:solidFill>
-                        <a:srgbClr val="ffffff"/>
-                      </a:solidFill>
-                    </a:lnR>
-                    <a:lnT w="720">
-                      <a:solidFill>
-                        <a:srgbClr val="ffffff"/>
-                      </a:solidFill>
-                    </a:lnT>
-                    <a:lnB w="720">
-                      <a:solidFill>
-                        <a:srgbClr val="ffffff"/>
-                      </a:solidFill>
-                    </a:lnB>
-                    <a:solidFill>
-                      <a:srgbClr val="e6e6e6"/>
-                    </a:solidFill>
-                  </a:tcPr>
-                </a:tc>
-              </a:tr>
-              <a:tr h="347760">
-                <a:tc>
-                  <a:txBody>
-                    <a:bodyPr lIns="90000" rIns="90000" anchor="t">
-                      <a:noAutofit/>
-                    </a:bodyPr>
-                    <a:p>
-                      <a:pPr algn="ctr">
-                        <a:lnSpc>
-                          <a:spcPct val="100000"/>
-                        </a:lnSpc>
-                        <a:buNone/>
-                      </a:pPr>
-                      <a:r>
-                        <a:rPr b="0" lang="pt-BR" sz="1800" spc="-1" strike="noStrike">
-                          <a:latin typeface="Arial"/>
-                        </a:rPr>
-                        <a:t>P</a:t>
-                      </a:r>
-                      <a:endParaRPr b="0" lang="en-US" sz="1800" spc="-1" strike="noStrike">
-                        <a:latin typeface="Arial"/>
-                      </a:endParaRPr>
-                    </a:p>
-                  </a:txBody>
-                  <a:tcPr anchor="t" marL="90000" marR="90000">
-                    <a:lnL w="720">
-                      <a:solidFill>
-                        <a:srgbClr val="ffffff"/>
-                      </a:solidFill>
-                    </a:lnL>
-                    <a:lnR w="720">
-                      <a:solidFill>
-                        <a:srgbClr val="ffffff"/>
-                      </a:solidFill>
-                    </a:lnR>
-                    <a:lnT w="720">
-                      <a:solidFill>
-                        <a:srgbClr val="ffffff"/>
-                      </a:solidFill>
-                    </a:lnT>
-                    <a:lnB w="720">
-                      <a:solidFill>
-                        <a:srgbClr val="ffffff"/>
-                      </a:solidFill>
-                    </a:lnB>
-                    <a:solidFill>
-                      <a:srgbClr val="cccccc"/>
-                    </a:solidFill>
-                  </a:tcPr>
-                </a:tc>
-                <a:tc>
-                  <a:txBody>
-                    <a:bodyPr lIns="90000" rIns="90000" anchor="t">
-                      <a:noAutofit/>
-                    </a:bodyPr>
-                    <a:p>
-                      <a:pPr algn="ctr">
-                        <a:lnSpc>
-                          <a:spcPct val="100000"/>
-                        </a:lnSpc>
-                        <a:buNone/>
-                      </a:pPr>
-                      <a:r>
-                        <a:rPr b="0" lang="pt-BR" sz="1800" spc="-1" strike="noStrike">
-                          <a:latin typeface="Arial"/>
-                        </a:rPr>
-                        <a:t>Curta</a:t>
-                      </a:r>
-                      <a:endParaRPr b="0" lang="en-US" sz="1800" spc="-1" strike="noStrike">
-                        <a:latin typeface="Arial"/>
-                      </a:endParaRPr>
-                    </a:p>
-                  </a:txBody>
-                  <a:tcPr anchor="t" marL="90000" marR="90000">
-                    <a:lnL w="720">
-                      <a:solidFill>
-                        <a:srgbClr val="ffffff"/>
-                      </a:solidFill>
-                    </a:lnL>
-                    <a:lnR w="720">
-                      <a:solidFill>
-                        <a:srgbClr val="ffffff"/>
-                      </a:solidFill>
-                    </a:lnR>
-                    <a:lnT w="720">
-                      <a:solidFill>
-                        <a:srgbClr val="ffffff"/>
-                      </a:solidFill>
-                    </a:lnT>
-                    <a:lnB w="720">
-                      <a:solidFill>
-                        <a:srgbClr val="ffffff"/>
-                      </a:solidFill>
-                    </a:lnB>
-                    <a:solidFill>
-                      <a:srgbClr val="cccccc"/>
-                    </a:solidFill>
-                  </a:tcPr>
-                </a:tc>
-                <a:tc>
-                  <a:txBody>
-                    <a:bodyPr lIns="90000" rIns="90000" anchor="t">
-                      <a:noAutofit/>
-                    </a:bodyPr>
-                    <a:p>
-                      <a:pPr algn="ctr">
-                        <a:lnSpc>
-                          <a:spcPct val="100000"/>
-                        </a:lnSpc>
-                        <a:buNone/>
-                      </a:pPr>
-                      <a:r>
-                        <a:rPr b="0" lang="pt-BR" sz="1800" spc="-1" strike="noStrike">
-                          <a:latin typeface="Arial"/>
-                        </a:rPr>
-                        <a:t>Caramelo</a:t>
-                      </a:r>
-                      <a:endParaRPr b="0" lang="en-US" sz="1800" spc="-1" strike="noStrike">
-                        <a:latin typeface="Arial"/>
-                      </a:endParaRPr>
-                    </a:p>
-                  </a:txBody>
-                  <a:tcPr anchor="t" marL="90000" marR="90000">
-                    <a:lnL w="720">
-                      <a:solidFill>
-                        <a:srgbClr val="ffffff"/>
-                      </a:solidFill>
-                    </a:lnL>
-                    <a:lnR w="720">
-                      <a:solidFill>
-                        <a:srgbClr val="ffffff"/>
-                      </a:solidFill>
-                    </a:lnR>
-                    <a:lnT w="720">
-                      <a:solidFill>
-                        <a:srgbClr val="ffffff"/>
-                      </a:solidFill>
-                    </a:lnT>
-                    <a:lnB w="720">
-                      <a:solidFill>
-                        <a:srgbClr val="ffffff"/>
-                      </a:solidFill>
-                    </a:lnB>
-                    <a:solidFill>
-                      <a:srgbClr val="cccccc"/>
-                    </a:solidFill>
-                  </a:tcPr>
-                </a:tc>
-                <a:tc>
-                  <a:txBody>
-                    <a:bodyPr lIns="90000" rIns="90000" anchor="t">
-                      <a:noAutofit/>
-                    </a:bodyPr>
-                    <a:p>
-                      <a:pPr algn="ctr">
-                        <a:lnSpc>
-                          <a:spcPct val="100000"/>
-                        </a:lnSpc>
-                        <a:buNone/>
-                      </a:pPr>
-                      <a:r>
-                        <a:rPr b="0" lang="pt-BR" sz="1800" spc="-1" strike="noStrike">
-                          <a:latin typeface="Arial"/>
-                        </a:rPr>
-                        <a:t>Pontuda</a:t>
-                      </a:r>
-                      <a:endParaRPr b="0" lang="en-US" sz="1800" spc="-1" strike="noStrike">
-                        <a:latin typeface="Arial"/>
-                      </a:endParaRPr>
-                    </a:p>
-                  </a:txBody>
-                  <a:tcPr anchor="t" marL="90000" marR="90000">
-                    <a:lnL w="720">
-                      <a:solidFill>
-                        <a:srgbClr val="ffffff"/>
-                      </a:solidFill>
-                    </a:lnL>
-                    <a:lnR w="720">
-                      <a:solidFill>
-                        <a:srgbClr val="ffffff"/>
-                      </a:solidFill>
-                    </a:lnR>
-                    <a:lnT w="720">
-                      <a:solidFill>
-                        <a:srgbClr val="ffffff"/>
-                      </a:solidFill>
-                    </a:lnT>
-                    <a:lnB w="720">
-                      <a:solidFill>
-                        <a:srgbClr val="ffffff"/>
-                      </a:solidFill>
-                    </a:lnB>
-                    <a:solidFill>
-                      <a:srgbClr val="cccccc"/>
-                    </a:solidFill>
-                  </a:tcPr>
-                </a:tc>
-                <a:tc>
-                  <a:txBody>
-                    <a:bodyPr lIns="90000" rIns="90000" anchor="t">
-                      <a:noAutofit/>
-                    </a:bodyPr>
-                    <a:p>
-                      <a:pPr algn="ctr">
-                        <a:lnSpc>
-                          <a:spcPct val="100000"/>
-                        </a:lnSpc>
-                        <a:buNone/>
-                      </a:pPr>
-                      <a:r>
-                        <a:rPr b="0" lang="pt-BR" sz="1800" spc="-1" strike="noStrike">
-                          <a:latin typeface="Arial"/>
-                        </a:rPr>
-                        <a:t>Normal</a:t>
-                      </a:r>
-                      <a:endParaRPr b="0" lang="en-US" sz="1800" spc="-1" strike="noStrike">
-                        <a:latin typeface="Arial"/>
-                      </a:endParaRPr>
-                    </a:p>
-                  </a:txBody>
-                  <a:tcPr anchor="t" marL="90000" marR="90000">
-                    <a:lnL w="720">
-                      <a:solidFill>
-                        <a:srgbClr val="ffffff"/>
-                      </a:solidFill>
-                    </a:lnL>
-                    <a:lnR w="720">
-                      <a:solidFill>
-                        <a:srgbClr val="ffffff"/>
-                      </a:solidFill>
-                    </a:lnR>
-                    <a:lnT w="720">
-                      <a:solidFill>
-                        <a:srgbClr val="ffffff"/>
-                      </a:solidFill>
-                    </a:lnT>
-                    <a:lnB w="720">
-                      <a:solidFill>
-                        <a:srgbClr val="ffffff"/>
-                      </a:solidFill>
-                    </a:lnB>
-                    <a:solidFill>
-                      <a:srgbClr val="cccccc"/>
-                    </a:solidFill>
-                  </a:tcPr>
-                </a:tc>
-                <a:tc>
-                  <a:txBody>
-                    <a:bodyPr lIns="90000" rIns="90000" anchor="t">
-                      <a:noAutofit/>
-                    </a:bodyPr>
-                    <a:p>
-                      <a:pPr algn="ctr">
-                        <a:lnSpc>
-                          <a:spcPct val="100000"/>
-                        </a:lnSpc>
-                        <a:buNone/>
-                      </a:pPr>
-                      <a:r>
-                        <a:rPr b="0" lang="pt-BR" sz="1800" spc="-1" strike="noStrike">
-                          <a:latin typeface="Arial"/>
-                        </a:rPr>
-                        <a:t>Chihuahua</a:t>
-                      </a:r>
-                      <a:endParaRPr b="0" lang="en-US" sz="1800" spc="-1" strike="noStrike">
-                        <a:latin typeface="Arial"/>
-                      </a:endParaRPr>
-                    </a:p>
-                  </a:txBody>
-                  <a:tcPr anchor="t" marL="90000" marR="90000">
-                    <a:lnL w="720">
-                      <a:solidFill>
-                        <a:srgbClr val="ffffff"/>
-                      </a:solidFill>
-                    </a:lnL>
-                    <a:lnR w="720">
-                      <a:solidFill>
-                        <a:srgbClr val="ffffff"/>
-                      </a:solidFill>
-                    </a:lnR>
-                    <a:lnT w="720">
-                      <a:solidFill>
-                        <a:srgbClr val="ffffff"/>
-                      </a:solidFill>
-                    </a:lnT>
-                    <a:lnB w="720">
-                      <a:solidFill>
-                        <a:srgbClr val="ffffff"/>
-                      </a:solidFill>
-                    </a:lnB>
-                    <a:solidFill>
-                      <a:srgbClr val="cccccc"/>
-                    </a:solidFill>
-                  </a:tcPr>
-                </a:tc>
-              </a:tr>
-              <a:tr h="603720">
-                <a:tc>
-                  <a:txBody>
-                    <a:bodyPr lIns="90000" rIns="90000" anchor="t">
-                      <a:noAutofit/>
-                    </a:bodyPr>
-                    <a:p>
-                      <a:pPr algn="ctr">
-                        <a:lnSpc>
-                          <a:spcPct val="100000"/>
-                        </a:lnSpc>
-                        <a:buNone/>
-                      </a:pPr>
-                      <a:r>
-                        <a:rPr b="0" lang="pt-BR" sz="1800" spc="-1" strike="noStrike">
-                          <a:latin typeface="Arial"/>
-                        </a:rPr>
-                        <a:t>M</a:t>
-                      </a:r>
-                      <a:endParaRPr b="0" lang="en-US" sz="1800" spc="-1" strike="noStrike">
-                        <a:latin typeface="Arial"/>
-                      </a:endParaRPr>
-                    </a:p>
-                  </a:txBody>
-                  <a:tcPr anchor="t" marL="90000" marR="90000">
-                    <a:lnL w="720">
-                      <a:solidFill>
-                        <a:srgbClr val="ffffff"/>
-                      </a:solidFill>
-                    </a:lnL>
-                    <a:lnR w="720">
-                      <a:solidFill>
-                        <a:srgbClr val="ffffff"/>
-                      </a:solidFill>
-                    </a:lnR>
-                    <a:lnT w="720">
-                      <a:solidFill>
-                        <a:srgbClr val="ffffff"/>
-                      </a:solidFill>
-                    </a:lnT>
-                    <a:lnB w="720">
-                      <a:solidFill>
-                        <a:srgbClr val="ffffff"/>
-                      </a:solidFill>
-                    </a:lnB>
-                    <a:solidFill>
-                      <a:srgbClr val="e6e6e6"/>
-                    </a:solidFill>
-                  </a:tcPr>
-                </a:tc>
-                <a:tc>
-                  <a:txBody>
-                    <a:bodyPr lIns="90000" rIns="90000" anchor="t">
-                      <a:noAutofit/>
-                    </a:bodyPr>
-                    <a:p>
-                      <a:pPr algn="ctr">
-                        <a:lnSpc>
-                          <a:spcPct val="100000"/>
-                        </a:lnSpc>
-                        <a:buNone/>
-                      </a:pPr>
-                      <a:r>
-                        <a:rPr b="0" lang="pt-BR" sz="1800" spc="-1" strike="noStrike">
-                          <a:latin typeface="Arial"/>
-                        </a:rPr>
-                        <a:t>Curta</a:t>
-                      </a:r>
-                      <a:endParaRPr b="0" lang="en-US" sz="1800" spc="-1" strike="noStrike">
-                        <a:latin typeface="Arial"/>
-                      </a:endParaRPr>
-                    </a:p>
-                  </a:txBody>
-                  <a:tcPr anchor="t" marL="90000" marR="90000">
-                    <a:lnL w="720">
-                      <a:solidFill>
-                        <a:srgbClr val="ffffff"/>
-                      </a:solidFill>
-                    </a:lnL>
-                    <a:lnR w="720">
-                      <a:solidFill>
-                        <a:srgbClr val="ffffff"/>
-                      </a:solidFill>
-                    </a:lnR>
-                    <a:lnT w="720">
-                      <a:solidFill>
-                        <a:srgbClr val="ffffff"/>
-                      </a:solidFill>
-                    </a:lnT>
-                    <a:lnB w="720">
-                      <a:solidFill>
-                        <a:srgbClr val="ffffff"/>
-                      </a:solidFill>
-                    </a:lnB>
-                    <a:solidFill>
-                      <a:srgbClr val="e6e6e6"/>
-                    </a:solidFill>
-                  </a:tcPr>
-                </a:tc>
-                <a:tc>
-                  <a:txBody>
-                    <a:bodyPr lIns="90000" rIns="90000" anchor="t">
-                      <a:noAutofit/>
-                    </a:bodyPr>
-                    <a:p>
-                      <a:pPr algn="ctr">
-                        <a:lnSpc>
-                          <a:spcPct val="100000"/>
-                        </a:lnSpc>
-                        <a:buNone/>
-                      </a:pPr>
-                      <a:r>
-                        <a:rPr b="0" lang="pt-BR" sz="1800" spc="-1" strike="noStrike">
-                          <a:latin typeface="Arial"/>
-                        </a:rPr>
-                        <a:t>Branco/Caramelo</a:t>
-                      </a:r>
-                      <a:endParaRPr b="0" lang="en-US" sz="1800" spc="-1" strike="noStrike">
-                        <a:latin typeface="Arial"/>
-                      </a:endParaRPr>
-                    </a:p>
-                  </a:txBody>
-                  <a:tcPr anchor="t" marL="90000" marR="90000">
-                    <a:lnL w="720">
-                      <a:solidFill>
-                        <a:srgbClr val="ffffff"/>
-                      </a:solidFill>
-                    </a:lnL>
-                    <a:lnR w="720">
-                      <a:solidFill>
-                        <a:srgbClr val="ffffff"/>
-                      </a:solidFill>
-                    </a:lnR>
-                    <a:lnT w="720">
-                      <a:solidFill>
-                        <a:srgbClr val="ffffff"/>
-                      </a:solidFill>
-                    </a:lnT>
-                    <a:lnB w="720">
-                      <a:solidFill>
-                        <a:srgbClr val="ffffff"/>
-                      </a:solidFill>
-                    </a:lnB>
-                    <a:solidFill>
-                      <a:srgbClr val="e6e6e6"/>
-                    </a:solidFill>
-                  </a:tcPr>
-                </a:tc>
-                <a:tc>
-                  <a:txBody>
-                    <a:bodyPr lIns="90000" rIns="90000" anchor="t">
-                      <a:noAutofit/>
-                    </a:bodyPr>
-                    <a:p>
-                      <a:pPr algn="ctr">
-                        <a:lnSpc>
-                          <a:spcPct val="100000"/>
-                        </a:lnSpc>
-                        <a:buNone/>
-                      </a:pPr>
-                      <a:r>
-                        <a:rPr b="0" lang="pt-BR" sz="1800" spc="-1" strike="noStrike">
-                          <a:latin typeface="Arial"/>
-                        </a:rPr>
-                        <a:t>Caída</a:t>
-                      </a:r>
-                      <a:endParaRPr b="0" lang="en-US" sz="1800" spc="-1" strike="noStrike">
-                        <a:latin typeface="Arial"/>
-                      </a:endParaRPr>
-                    </a:p>
-                  </a:txBody>
-                  <a:tcPr anchor="t" marL="90000" marR="90000">
-                    <a:lnL w="720">
-                      <a:solidFill>
-                        <a:srgbClr val="ffffff"/>
-                      </a:solidFill>
-                    </a:lnL>
-                    <a:lnR w="720">
-                      <a:solidFill>
-                        <a:srgbClr val="ffffff"/>
-                      </a:solidFill>
-                    </a:lnR>
-                    <a:lnT w="720">
-                      <a:solidFill>
-                        <a:srgbClr val="ffffff"/>
-                      </a:solidFill>
-                    </a:lnT>
-                    <a:lnB w="720">
-                      <a:solidFill>
-                        <a:srgbClr val="ffffff"/>
-                      </a:solidFill>
-                    </a:lnB>
-                    <a:solidFill>
-                      <a:srgbClr val="e6e6e6"/>
-                    </a:solidFill>
-                  </a:tcPr>
-                </a:tc>
-                <a:tc>
-                  <a:txBody>
-                    <a:bodyPr lIns="90000" rIns="90000" anchor="t">
-                      <a:noAutofit/>
-                    </a:bodyPr>
-                    <a:p>
-                      <a:pPr algn="ctr">
-                        <a:lnSpc>
-                          <a:spcPct val="100000"/>
-                        </a:lnSpc>
-                        <a:buNone/>
-                      </a:pPr>
-                      <a:r>
-                        <a:rPr b="0" lang="pt-BR" sz="1800" spc="-1" strike="noStrike">
-                          <a:latin typeface="Arial"/>
-                        </a:rPr>
-                        <a:t>Normal</a:t>
-                      </a:r>
-                      <a:endParaRPr b="0" lang="en-US" sz="1800" spc="-1" strike="noStrike">
-                        <a:latin typeface="Arial"/>
-                      </a:endParaRPr>
-                    </a:p>
-                  </a:txBody>
-                  <a:tcPr anchor="t" marL="90000" marR="90000">
-                    <a:lnL w="720">
-                      <a:solidFill>
-                        <a:srgbClr val="ffffff"/>
-                      </a:solidFill>
-                    </a:lnL>
-                    <a:lnR w="720">
-                      <a:solidFill>
-                        <a:srgbClr val="ffffff"/>
-                      </a:solidFill>
-                    </a:lnR>
-                    <a:lnT w="720">
-                      <a:solidFill>
-                        <a:srgbClr val="ffffff"/>
-                      </a:solidFill>
-                    </a:lnT>
-                    <a:lnB w="720">
-                      <a:solidFill>
-                        <a:srgbClr val="ffffff"/>
-                      </a:solidFill>
-                    </a:lnB>
-                    <a:solidFill>
-                      <a:srgbClr val="e6e6e6"/>
-                    </a:solidFill>
-                  </a:tcPr>
-                </a:tc>
-                <a:tc>
-                  <a:txBody>
-                    <a:bodyPr lIns="90000" rIns="90000" anchor="t">
-                      <a:noAutofit/>
-                    </a:bodyPr>
-                    <a:p>
-                      <a:pPr algn="ctr">
-                        <a:lnSpc>
-                          <a:spcPct val="100000"/>
-                        </a:lnSpc>
-                        <a:buNone/>
-                      </a:pPr>
-                      <a:r>
-                        <a:rPr b="0" lang="pt-BR" sz="1800" spc="-1" strike="noStrike">
-                          <a:latin typeface="Arial"/>
-                        </a:rPr>
-                        <a:t>Beagle</a:t>
-                      </a:r>
-                      <a:endParaRPr b="0" lang="en-US" sz="1800" spc="-1" strike="noStrike">
-                        <a:latin typeface="Arial"/>
-                      </a:endParaRPr>
-                    </a:p>
-                  </a:txBody>
-                  <a:tcPr anchor="t" marL="90000" marR="90000">
-                    <a:lnL w="720">
-                      <a:solidFill>
-                        <a:srgbClr val="ffffff"/>
-                      </a:solidFill>
-                    </a:lnL>
-                    <a:lnR w="720">
-                      <a:solidFill>
-                        <a:srgbClr val="ffffff"/>
-                      </a:solidFill>
-                    </a:lnR>
-                    <a:lnT w="720">
-                      <a:solidFill>
-                        <a:srgbClr val="ffffff"/>
-                      </a:solidFill>
-                    </a:lnT>
-                    <a:lnB w="720">
-                      <a:solidFill>
-                        <a:srgbClr val="ffffff"/>
-                      </a:solidFill>
-                    </a:lnB>
-                    <a:solidFill>
-                      <a:srgbClr val="e6e6e6"/>
-                    </a:solidFill>
-                  </a:tcPr>
-                </a:tc>
-              </a:tr>
-              <a:tr h="603720">
-                <a:tc>
-                  <a:txBody>
-                    <a:bodyPr lIns="90000" rIns="90000" anchor="t">
-                      <a:noAutofit/>
-                    </a:bodyPr>
-                    <a:p>
-                      <a:pPr algn="ctr">
-                        <a:lnSpc>
-                          <a:spcPct val="100000"/>
-                        </a:lnSpc>
-                        <a:buNone/>
-                      </a:pPr>
-                      <a:r>
-                        <a:rPr b="0" lang="pt-BR" sz="1800" spc="-1" strike="noStrike">
-                          <a:latin typeface="Arial"/>
-                        </a:rPr>
-                        <a:t>P</a:t>
-                      </a:r>
-                      <a:endParaRPr b="0" lang="en-US" sz="1800" spc="-1" strike="noStrike">
-                        <a:latin typeface="Arial"/>
-                      </a:endParaRPr>
-                    </a:p>
-                  </a:txBody>
-                  <a:tcPr anchor="t" marL="90000" marR="90000">
-                    <a:lnL w="720">
-                      <a:solidFill>
-                        <a:srgbClr val="ffffff"/>
-                      </a:solidFill>
-                    </a:lnL>
-                    <a:lnR w="720">
-                      <a:solidFill>
-                        <a:srgbClr val="ffffff"/>
-                      </a:solidFill>
-                    </a:lnR>
-                    <a:lnT w="720">
-                      <a:solidFill>
-                        <a:srgbClr val="ffffff"/>
-                      </a:solidFill>
-                    </a:lnT>
-                    <a:lnB w="720">
-                      <a:solidFill>
-                        <a:srgbClr val="ffffff"/>
-                      </a:solidFill>
-                    </a:lnB>
-                    <a:solidFill>
-                      <a:srgbClr val="cccccc"/>
-                    </a:solidFill>
-                  </a:tcPr>
-                </a:tc>
-                <a:tc>
-                  <a:txBody>
-                    <a:bodyPr lIns="90000" rIns="90000" anchor="t">
-                      <a:noAutofit/>
-                    </a:bodyPr>
-                    <a:p>
-                      <a:pPr algn="ctr">
-                        <a:lnSpc>
-                          <a:spcPct val="100000"/>
-                        </a:lnSpc>
-                        <a:buNone/>
-                      </a:pPr>
-                      <a:r>
-                        <a:rPr b="0" lang="pt-BR" sz="1800" spc="-1" strike="noStrike">
-                          <a:latin typeface="Arial"/>
-                        </a:rPr>
-                        <a:t>Longa</a:t>
-                      </a:r>
-                      <a:endParaRPr b="0" lang="en-US" sz="1800" spc="-1" strike="noStrike">
-                        <a:latin typeface="Arial"/>
-                      </a:endParaRPr>
-                    </a:p>
-                  </a:txBody>
-                  <a:tcPr anchor="t" marL="90000" marR="90000">
-                    <a:lnL w="720">
-                      <a:solidFill>
-                        <a:srgbClr val="ffffff"/>
-                      </a:solidFill>
-                    </a:lnL>
-                    <a:lnR w="720">
-                      <a:solidFill>
-                        <a:srgbClr val="ffffff"/>
-                      </a:solidFill>
-                    </a:lnR>
-                    <a:lnT w="720">
-                      <a:solidFill>
-                        <a:srgbClr val="ffffff"/>
-                      </a:solidFill>
-                    </a:lnT>
-                    <a:lnB w="720">
-                      <a:solidFill>
-                        <a:srgbClr val="ffffff"/>
-                      </a:solidFill>
-                    </a:lnB>
-                    <a:solidFill>
-                      <a:srgbClr val="cccccc"/>
-                    </a:solidFill>
-                  </a:tcPr>
-                </a:tc>
-                <a:tc>
-                  <a:txBody>
-                    <a:bodyPr lIns="90000" rIns="90000" anchor="t">
-                      <a:noAutofit/>
-                    </a:bodyPr>
-                    <a:p>
-                      <a:pPr algn="ctr">
-                        <a:lnSpc>
-                          <a:spcPct val="100000"/>
-                        </a:lnSpc>
-                        <a:buNone/>
-                      </a:pPr>
-                      <a:r>
-                        <a:rPr b="0" lang="pt-BR" sz="1800" spc="-1" strike="noStrike">
-                          <a:latin typeface="Arial"/>
-                        </a:rPr>
-                        <a:t>Preta/Caramelo</a:t>
-                      </a:r>
-                      <a:endParaRPr b="0" lang="en-US" sz="1800" spc="-1" strike="noStrike">
-                        <a:latin typeface="Arial"/>
-                      </a:endParaRPr>
-                    </a:p>
-                  </a:txBody>
-                  <a:tcPr anchor="t" marL="90000" marR="90000">
-                    <a:lnL w="720">
-                      <a:solidFill>
-                        <a:srgbClr val="ffffff"/>
-                      </a:solidFill>
-                    </a:lnL>
-                    <a:lnR w="720">
-                      <a:solidFill>
-                        <a:srgbClr val="ffffff"/>
-                      </a:solidFill>
-                    </a:lnR>
-                    <a:lnT w="720">
-                      <a:solidFill>
-                        <a:srgbClr val="ffffff"/>
-                      </a:solidFill>
-                    </a:lnT>
-                    <a:lnB w="720">
-                      <a:solidFill>
-                        <a:srgbClr val="ffffff"/>
-                      </a:solidFill>
-                    </a:lnB>
-                    <a:solidFill>
-                      <a:srgbClr val="cccccc"/>
-                    </a:solidFill>
-                  </a:tcPr>
-                </a:tc>
-                <a:tc>
-                  <a:txBody>
-                    <a:bodyPr lIns="90000" rIns="90000" anchor="t">
-                      <a:noAutofit/>
-                    </a:bodyPr>
-                    <a:p>
-                      <a:pPr algn="ctr">
-                        <a:lnSpc>
-                          <a:spcPct val="100000"/>
-                        </a:lnSpc>
-                        <a:buNone/>
-                      </a:pPr>
-                      <a:r>
-                        <a:rPr b="0" lang="pt-BR" sz="1800" spc="-1" strike="noStrike">
-                          <a:latin typeface="Arial"/>
-                        </a:rPr>
-                        <a:t>Pontuda</a:t>
-                      </a:r>
-                      <a:endParaRPr b="0" lang="en-US" sz="1800" spc="-1" strike="noStrike">
-                        <a:latin typeface="Arial"/>
-                      </a:endParaRPr>
-                    </a:p>
-                  </a:txBody>
-                  <a:tcPr anchor="t" marL="90000" marR="90000">
-                    <a:lnL w="720">
-                      <a:solidFill>
-                        <a:srgbClr val="ffffff"/>
-                      </a:solidFill>
-                    </a:lnL>
-                    <a:lnR w="720">
-                      <a:solidFill>
-                        <a:srgbClr val="ffffff"/>
-                      </a:solidFill>
-                    </a:lnR>
-                    <a:lnT w="720">
-                      <a:solidFill>
-                        <a:srgbClr val="ffffff"/>
-                      </a:solidFill>
-                    </a:lnT>
-                    <a:lnB w="720">
-                      <a:solidFill>
-                        <a:srgbClr val="ffffff"/>
-                      </a:solidFill>
-                    </a:lnB>
-                    <a:solidFill>
-                      <a:srgbClr val="cccccc"/>
-                    </a:solidFill>
-                  </a:tcPr>
-                </a:tc>
-                <a:tc>
-                  <a:txBody>
-                    <a:bodyPr lIns="90000" rIns="90000" anchor="t">
-                      <a:noAutofit/>
-                    </a:bodyPr>
-                    <a:p>
-                      <a:pPr algn="ctr">
-                        <a:lnSpc>
-                          <a:spcPct val="100000"/>
-                        </a:lnSpc>
-                        <a:buNone/>
-                      </a:pPr>
-                      <a:r>
-                        <a:rPr b="0" lang="pt-BR" sz="1800" spc="-1" strike="noStrike">
-                          <a:latin typeface="Arial"/>
-                        </a:rPr>
-                        <a:t>Normal</a:t>
-                      </a:r>
-                      <a:endParaRPr b="0" lang="en-US" sz="1800" spc="-1" strike="noStrike">
-                        <a:latin typeface="Arial"/>
-                      </a:endParaRPr>
-                    </a:p>
-                  </a:txBody>
-                  <a:tcPr anchor="t" marL="90000" marR="90000">
-                    <a:lnL w="720">
-                      <a:solidFill>
-                        <a:srgbClr val="ffffff"/>
-                      </a:solidFill>
-                    </a:lnL>
-                    <a:lnR w="720">
-                      <a:solidFill>
-                        <a:srgbClr val="ffffff"/>
-                      </a:solidFill>
-                    </a:lnR>
-                    <a:lnT w="720">
-                      <a:solidFill>
-                        <a:srgbClr val="ffffff"/>
-                      </a:solidFill>
-                    </a:lnT>
-                    <a:lnB w="720">
-                      <a:solidFill>
-                        <a:srgbClr val="ffffff"/>
-                      </a:solidFill>
-                    </a:lnB>
-                    <a:solidFill>
-                      <a:srgbClr val="cccccc"/>
-                    </a:solidFill>
-                  </a:tcPr>
-                </a:tc>
-                <a:tc>
-                  <a:txBody>
-                    <a:bodyPr lIns="90000" rIns="90000" anchor="t">
-                      <a:noAutofit/>
-                    </a:bodyPr>
-                    <a:p>
-                      <a:pPr algn="ctr">
-                        <a:lnSpc>
-                          <a:spcPct val="100000"/>
-                        </a:lnSpc>
-                        <a:buNone/>
-                      </a:pPr>
-                      <a:r>
-                        <a:rPr b="0" lang="pt-BR" sz="1800" spc="-1" strike="noStrike">
-                          <a:latin typeface="Arial"/>
-                        </a:rPr>
-                        <a:t>Yorkshire</a:t>
-                      </a:r>
-                      <a:endParaRPr b="0" lang="en-US" sz="1800" spc="-1" strike="noStrike">
-                        <a:latin typeface="Arial"/>
-                      </a:endParaRPr>
-                    </a:p>
-                  </a:txBody>
-                  <a:tcPr anchor="t" marL="90000" marR="90000">
-                    <a:lnL w="720">
-                      <a:solidFill>
-                        <a:srgbClr val="ffffff"/>
-                      </a:solidFill>
-                    </a:lnL>
-                    <a:lnR w="720">
-                      <a:solidFill>
-                        <a:srgbClr val="ffffff"/>
-                      </a:solidFill>
-                    </a:lnR>
-                    <a:lnT w="720">
-                      <a:solidFill>
-                        <a:srgbClr val="ffffff"/>
-                      </a:solidFill>
-                    </a:lnT>
-                    <a:lnB w="720">
-                      <a:solidFill>
-                        <a:srgbClr val="ffffff"/>
-                      </a:solidFill>
-                    </a:lnB>
-                    <a:solidFill>
-                      <a:srgbClr val="cccccc"/>
-                    </a:solidFill>
-                  </a:tcPr>
-                </a:tc>
-              </a:tr>
-              <a:tr h="603720">
-                <a:tc>
-                  <a:txBody>
-                    <a:bodyPr lIns="90000" rIns="90000" anchor="t">
-                      <a:noAutofit/>
-                    </a:bodyPr>
-                    <a:p>
-                      <a:pPr algn="ctr">
-                        <a:lnSpc>
-                          <a:spcPct val="100000"/>
-                        </a:lnSpc>
-                        <a:buNone/>
-                      </a:pPr>
-                      <a:r>
-                        <a:rPr b="0" lang="pt-BR" sz="1800" spc="-1" strike="noStrike">
-                          <a:latin typeface="Arial"/>
-                        </a:rPr>
-                        <a:t>G</a:t>
-                      </a:r>
-                      <a:endParaRPr b="0" lang="en-US" sz="1800" spc="-1" strike="noStrike">
-                        <a:latin typeface="Arial"/>
-                      </a:endParaRPr>
-                    </a:p>
-                  </a:txBody>
-                  <a:tcPr anchor="t" marL="90000" marR="90000">
-                    <a:lnL w="720">
-                      <a:solidFill>
-                        <a:srgbClr val="ffffff"/>
-                      </a:solidFill>
-                    </a:lnL>
-                    <a:lnR w="720">
-                      <a:solidFill>
-                        <a:srgbClr val="ffffff"/>
-                      </a:solidFill>
-                    </a:lnR>
-                    <a:lnT w="720">
-                      <a:solidFill>
-                        <a:srgbClr val="ffffff"/>
-                      </a:solidFill>
-                    </a:lnT>
-                    <a:lnB w="720">
-                      <a:solidFill>
-                        <a:srgbClr val="ffffff"/>
-                      </a:solidFill>
-                    </a:lnB>
-                    <a:solidFill>
-                      <a:srgbClr val="e6e6e6"/>
-                    </a:solidFill>
-                  </a:tcPr>
-                </a:tc>
-                <a:tc>
-                  <a:txBody>
-                    <a:bodyPr lIns="90000" rIns="90000" anchor="t">
-                      <a:noAutofit/>
-                    </a:bodyPr>
-                    <a:p>
-                      <a:pPr algn="ctr">
-                        <a:lnSpc>
-                          <a:spcPct val="100000"/>
-                        </a:lnSpc>
-                        <a:buNone/>
-                      </a:pPr>
-                      <a:r>
-                        <a:rPr b="0" lang="pt-BR" sz="1800" spc="-1" strike="noStrike">
-                          <a:latin typeface="Arial"/>
-                        </a:rPr>
-                        <a:t>Longa</a:t>
-                      </a:r>
-                      <a:endParaRPr b="0" lang="en-US" sz="1800" spc="-1" strike="noStrike">
-                        <a:latin typeface="Arial"/>
-                      </a:endParaRPr>
-                    </a:p>
-                  </a:txBody>
-                  <a:tcPr anchor="t" marL="90000" marR="90000">
-                    <a:lnL w="720">
-                      <a:solidFill>
-                        <a:srgbClr val="ffffff"/>
-                      </a:solidFill>
-                    </a:lnL>
-                    <a:lnR w="720">
-                      <a:solidFill>
-                        <a:srgbClr val="ffffff"/>
-                      </a:solidFill>
-                    </a:lnR>
-                    <a:lnT w="720">
-                      <a:solidFill>
-                        <a:srgbClr val="ffffff"/>
-                      </a:solidFill>
-                    </a:lnT>
-                    <a:lnB w="720">
-                      <a:solidFill>
-                        <a:srgbClr val="ffffff"/>
-                      </a:solidFill>
-                    </a:lnB>
-                    <a:solidFill>
-                      <a:srgbClr val="e6e6e6"/>
-                    </a:solidFill>
-                  </a:tcPr>
-                </a:tc>
-                <a:tc>
-                  <a:txBody>
-                    <a:bodyPr lIns="90000" rIns="90000" anchor="t">
-                      <a:noAutofit/>
-                    </a:bodyPr>
-                    <a:p>
-                      <a:pPr algn="ctr">
-                        <a:lnSpc>
-                          <a:spcPct val="100000"/>
-                        </a:lnSpc>
-                        <a:buNone/>
-                      </a:pPr>
-                      <a:r>
-                        <a:rPr b="0" lang="pt-BR" sz="1800" spc="-1" strike="noStrike">
-                          <a:latin typeface="Arial"/>
-                        </a:rPr>
-                        <a:t>Caramelo</a:t>
-                      </a:r>
-                      <a:endParaRPr b="0" lang="en-US" sz="1800" spc="-1" strike="noStrike">
-                        <a:latin typeface="Arial"/>
-                      </a:endParaRPr>
-                    </a:p>
-                  </a:txBody>
-                  <a:tcPr anchor="t" marL="90000" marR="90000">
-                    <a:lnL w="720">
-                      <a:solidFill>
-                        <a:srgbClr val="ffffff"/>
-                      </a:solidFill>
-                    </a:lnL>
-                    <a:lnR w="720">
-                      <a:solidFill>
-                        <a:srgbClr val="ffffff"/>
-                      </a:solidFill>
-                    </a:lnR>
-                    <a:lnT w="720">
-                      <a:solidFill>
-                        <a:srgbClr val="ffffff"/>
-                      </a:solidFill>
-                    </a:lnT>
-                    <a:lnB w="720">
-                      <a:solidFill>
-                        <a:srgbClr val="ffffff"/>
-                      </a:solidFill>
-                    </a:lnB>
-                    <a:solidFill>
-                      <a:srgbClr val="e6e6e6"/>
-                    </a:solidFill>
-                  </a:tcPr>
-                </a:tc>
-                <a:tc>
-                  <a:txBody>
-                    <a:bodyPr lIns="90000" rIns="90000" anchor="t">
-                      <a:noAutofit/>
-                    </a:bodyPr>
-                    <a:p>
-                      <a:pPr algn="ctr">
-                        <a:lnSpc>
-                          <a:spcPct val="100000"/>
-                        </a:lnSpc>
-                        <a:buNone/>
-                      </a:pPr>
-                      <a:r>
-                        <a:rPr b="0" lang="pt-BR" sz="1800" spc="-1" strike="noStrike">
-                          <a:latin typeface="Arial"/>
-                        </a:rPr>
-                        <a:t>Pontuda</a:t>
-                      </a:r>
-                      <a:endParaRPr b="0" lang="en-US" sz="1800" spc="-1" strike="noStrike">
-                        <a:latin typeface="Arial"/>
-                      </a:endParaRPr>
-                    </a:p>
-                  </a:txBody>
-                  <a:tcPr anchor="t" marL="90000" marR="90000">
-                    <a:lnL w="720">
-                      <a:solidFill>
-                        <a:srgbClr val="ffffff"/>
-                      </a:solidFill>
-                    </a:lnL>
-                    <a:lnR w="720">
-                      <a:solidFill>
-                        <a:srgbClr val="ffffff"/>
-                      </a:solidFill>
-                    </a:lnR>
-                    <a:lnT w="720">
-                      <a:solidFill>
-                        <a:srgbClr val="ffffff"/>
-                      </a:solidFill>
-                    </a:lnT>
-                    <a:lnB w="720">
-                      <a:solidFill>
-                        <a:srgbClr val="ffffff"/>
-                      </a:solidFill>
-                    </a:lnB>
-                    <a:solidFill>
-                      <a:srgbClr val="e6e6e6"/>
-                    </a:solidFill>
-                  </a:tcPr>
-                </a:tc>
-                <a:tc>
-                  <a:txBody>
-                    <a:bodyPr lIns="90000" rIns="90000" anchor="t">
-                      <a:noAutofit/>
-                    </a:bodyPr>
-                    <a:p>
-                      <a:pPr algn="ctr">
-                        <a:lnSpc>
-                          <a:spcPct val="100000"/>
-                        </a:lnSpc>
-                        <a:buNone/>
-                      </a:pPr>
-                      <a:r>
-                        <a:rPr b="0" lang="pt-BR" sz="1800" spc="-1" strike="noStrike">
-                          <a:latin typeface="Arial"/>
-                        </a:rPr>
-                        <a:t>Normal</a:t>
-                      </a:r>
-                      <a:endParaRPr b="0" lang="en-US" sz="1800" spc="-1" strike="noStrike">
-                        <a:latin typeface="Arial"/>
-                      </a:endParaRPr>
-                    </a:p>
-                  </a:txBody>
-                  <a:tcPr anchor="t" marL="90000" marR="90000">
-                    <a:lnL w="720">
-                      <a:solidFill>
-                        <a:srgbClr val="ffffff"/>
-                      </a:solidFill>
-                    </a:lnL>
-                    <a:lnR w="720">
-                      <a:solidFill>
-                        <a:srgbClr val="ffffff"/>
-                      </a:solidFill>
-                    </a:lnR>
-                    <a:lnT w="720">
-                      <a:solidFill>
-                        <a:srgbClr val="ffffff"/>
-                      </a:solidFill>
-                    </a:lnT>
-                    <a:lnB w="720">
-                      <a:solidFill>
-                        <a:srgbClr val="ffffff"/>
-                      </a:solidFill>
-                    </a:lnB>
-                    <a:solidFill>
-                      <a:srgbClr val="e6e6e6"/>
-                    </a:solidFill>
-                  </a:tcPr>
-                </a:tc>
-                <a:tc>
-                  <a:txBody>
-                    <a:bodyPr lIns="90000" rIns="90000" anchor="t">
-                      <a:noAutofit/>
-                    </a:bodyPr>
-                    <a:p>
-                      <a:pPr algn="ctr">
-                        <a:lnSpc>
-                          <a:spcPct val="100000"/>
-                        </a:lnSpc>
-                        <a:buNone/>
-                      </a:pPr>
-                      <a:r>
-                        <a:rPr b="0" lang="pt-BR" sz="1800" spc="-1" strike="noStrike">
-                          <a:latin typeface="Arial"/>
-                        </a:rPr>
-                        <a:t>Pastor Alemão</a:t>
-                      </a:r>
-                      <a:endParaRPr b="0" lang="en-US" sz="1800" spc="-1" strike="noStrike">
-                        <a:latin typeface="Arial"/>
-                      </a:endParaRPr>
-                    </a:p>
-                  </a:txBody>
-                  <a:tcPr anchor="t" marL="90000" marR="90000">
-                    <a:lnL w="720">
-                      <a:solidFill>
-                        <a:srgbClr val="ffffff"/>
-                      </a:solidFill>
-                    </a:lnL>
-                    <a:lnR w="720">
-                      <a:solidFill>
-                        <a:srgbClr val="ffffff"/>
-                      </a:solidFill>
-                    </a:lnR>
-                    <a:lnT w="720">
-                      <a:solidFill>
-                        <a:srgbClr val="ffffff"/>
-                      </a:solidFill>
-                    </a:lnT>
-                    <a:lnB w="720">
-                      <a:solidFill>
-                        <a:srgbClr val="ffffff"/>
-                      </a:solidFill>
-                    </a:lnB>
-                    <a:solidFill>
-                      <a:srgbClr val="e6e6e6"/>
-                    </a:solidFill>
-                  </a:tcPr>
-                </a:tc>
-              </a:tr>
-              <a:tr h="859680">
-                <a:tc>
-                  <a:txBody>
-                    <a:bodyPr lIns="90000" rIns="90000" anchor="t">
-                      <a:noAutofit/>
-                    </a:bodyPr>
-                    <a:p>
-                      <a:pPr algn="ctr">
-                        <a:lnSpc>
-                          <a:spcPct val="100000"/>
-                        </a:lnSpc>
-                        <a:buNone/>
-                      </a:pPr>
-                      <a:r>
-                        <a:rPr b="0" lang="pt-BR" sz="1800" spc="-1" strike="noStrike">
-                          <a:latin typeface="Arial"/>
-                        </a:rPr>
-                        <a:t>G</a:t>
-                      </a:r>
-                      <a:endParaRPr b="0" lang="en-US" sz="1800" spc="-1" strike="noStrike">
-                        <a:latin typeface="Arial"/>
-                      </a:endParaRPr>
-                    </a:p>
-                  </a:txBody>
-                  <a:tcPr anchor="t" marL="90000" marR="90000">
-                    <a:lnL w="720">
-                      <a:solidFill>
-                        <a:srgbClr val="ffffff"/>
-                      </a:solidFill>
-                    </a:lnL>
-                    <a:lnR w="720">
-                      <a:solidFill>
-                        <a:srgbClr val="ffffff"/>
-                      </a:solidFill>
-                    </a:lnR>
-                    <a:lnT w="720">
-                      <a:solidFill>
-                        <a:srgbClr val="ffffff"/>
-                      </a:solidFill>
-                    </a:lnT>
-                    <a:lnB w="720">
-                      <a:solidFill>
-                        <a:srgbClr val="ffffff"/>
-                      </a:solidFill>
-                    </a:lnB>
-                    <a:solidFill>
-                      <a:srgbClr val="cccccc"/>
-                    </a:solidFill>
-                  </a:tcPr>
-                </a:tc>
-                <a:tc>
-                  <a:txBody>
-                    <a:bodyPr lIns="90000" rIns="90000" anchor="t">
-                      <a:noAutofit/>
-                    </a:bodyPr>
-                    <a:p>
-                      <a:pPr algn="ctr">
-                        <a:lnSpc>
-                          <a:spcPct val="100000"/>
-                        </a:lnSpc>
-                        <a:buNone/>
-                      </a:pPr>
-                      <a:r>
-                        <a:rPr b="0" lang="pt-BR" sz="1800" spc="-1" strike="noStrike">
-                          <a:latin typeface="Arial"/>
-                        </a:rPr>
-                        <a:t>Curta</a:t>
-                      </a:r>
-                      <a:endParaRPr b="0" lang="en-US" sz="1800" spc="-1" strike="noStrike">
-                        <a:latin typeface="Arial"/>
-                      </a:endParaRPr>
-                    </a:p>
-                  </a:txBody>
-                  <a:tcPr anchor="t" marL="90000" marR="90000">
-                    <a:lnL w="720">
-                      <a:solidFill>
-                        <a:srgbClr val="ffffff"/>
-                      </a:solidFill>
-                    </a:lnL>
-                    <a:lnR w="720">
-                      <a:solidFill>
-                        <a:srgbClr val="ffffff"/>
-                      </a:solidFill>
-                    </a:lnR>
-                    <a:lnT w="720">
-                      <a:solidFill>
-                        <a:srgbClr val="ffffff"/>
-                      </a:solidFill>
-                    </a:lnT>
-                    <a:lnB w="720">
-                      <a:solidFill>
-                        <a:srgbClr val="ffffff"/>
-                      </a:solidFill>
-                    </a:lnB>
-                    <a:solidFill>
-                      <a:srgbClr val="cccccc"/>
-                    </a:solidFill>
-                  </a:tcPr>
-                </a:tc>
-                <a:tc>
-                  <a:txBody>
-                    <a:bodyPr lIns="90000" rIns="90000" anchor="t">
-                      <a:noAutofit/>
-                    </a:bodyPr>
-                    <a:p>
-                      <a:pPr algn="ctr">
-                        <a:lnSpc>
-                          <a:spcPct val="100000"/>
-                        </a:lnSpc>
-                        <a:buNone/>
-                      </a:pPr>
-                      <a:r>
-                        <a:rPr b="0" lang="pt-BR" sz="1800" spc="-1" strike="noStrike">
-                          <a:latin typeface="Arial"/>
-                        </a:rPr>
-                        <a:t>Branco/Caramelo/Preta</a:t>
-                      </a:r>
-                      <a:endParaRPr b="0" lang="en-US" sz="1800" spc="-1" strike="noStrike">
-                        <a:latin typeface="Arial"/>
-                      </a:endParaRPr>
-                    </a:p>
-                  </a:txBody>
-                  <a:tcPr anchor="t" marL="90000" marR="90000">
-                    <a:lnL w="720">
-                      <a:solidFill>
-                        <a:srgbClr val="ffffff"/>
-                      </a:solidFill>
-                    </a:lnL>
-                    <a:lnR w="720">
-                      <a:solidFill>
-                        <a:srgbClr val="ffffff"/>
-                      </a:solidFill>
-                    </a:lnR>
-                    <a:lnT w="720">
-                      <a:solidFill>
-                        <a:srgbClr val="ffffff"/>
-                      </a:solidFill>
-                    </a:lnT>
-                    <a:lnB w="720">
-                      <a:solidFill>
-                        <a:srgbClr val="ffffff"/>
-                      </a:solidFill>
-                    </a:lnB>
-                    <a:solidFill>
-                      <a:srgbClr val="cccccc"/>
-                    </a:solidFill>
-                  </a:tcPr>
-                </a:tc>
-                <a:tc>
-                  <a:txBody>
-                    <a:bodyPr lIns="90000" rIns="90000" anchor="t">
-                      <a:noAutofit/>
-                    </a:bodyPr>
-                    <a:p>
-                      <a:pPr algn="ctr">
-                        <a:lnSpc>
-                          <a:spcPct val="100000"/>
-                        </a:lnSpc>
-                        <a:buNone/>
-                      </a:pPr>
-                      <a:r>
-                        <a:rPr b="0" lang="pt-BR" sz="1800" spc="-1" strike="noStrike">
-                          <a:latin typeface="Arial"/>
-                        </a:rPr>
-                        <a:t>Caída</a:t>
-                      </a:r>
-                      <a:endParaRPr b="0" lang="en-US" sz="1800" spc="-1" strike="noStrike">
-                        <a:latin typeface="Arial"/>
-                      </a:endParaRPr>
-                    </a:p>
-                  </a:txBody>
-                  <a:tcPr anchor="t" marL="90000" marR="90000">
-                    <a:lnL w="720">
-                      <a:solidFill>
-                        <a:srgbClr val="ffffff"/>
-                      </a:solidFill>
-                    </a:lnL>
-                    <a:lnR w="720">
-                      <a:solidFill>
-                        <a:srgbClr val="ffffff"/>
-                      </a:solidFill>
-                    </a:lnR>
-                    <a:lnT w="720">
-                      <a:solidFill>
-                        <a:srgbClr val="ffffff"/>
-                      </a:solidFill>
-                    </a:lnT>
-                    <a:lnB w="720">
-                      <a:solidFill>
-                        <a:srgbClr val="ffffff"/>
-                      </a:solidFill>
-                    </a:lnB>
-                    <a:solidFill>
-                      <a:srgbClr val="cccccc"/>
-                    </a:solidFill>
-                  </a:tcPr>
-                </a:tc>
-                <a:tc>
-                  <a:txBody>
-                    <a:bodyPr lIns="90000" rIns="90000" anchor="t">
-                      <a:noAutofit/>
-                    </a:bodyPr>
-                    <a:p>
-                      <a:pPr algn="ctr">
-                        <a:lnSpc>
-                          <a:spcPct val="100000"/>
-                        </a:lnSpc>
-                        <a:buNone/>
-                      </a:pPr>
-                      <a:r>
-                        <a:rPr b="0" lang="pt-BR" sz="1800" spc="-1" strike="noStrike">
-                          <a:latin typeface="Arial"/>
-                        </a:rPr>
-                        <a:t>Normal</a:t>
-                      </a:r>
-                      <a:endParaRPr b="0" lang="en-US" sz="1800" spc="-1" strike="noStrike">
-                        <a:latin typeface="Arial"/>
-                      </a:endParaRPr>
-                    </a:p>
-                  </a:txBody>
-                  <a:tcPr anchor="t" marL="90000" marR="90000">
-                    <a:lnL w="720">
-                      <a:solidFill>
-                        <a:srgbClr val="ffffff"/>
-                      </a:solidFill>
-                    </a:lnL>
-                    <a:lnR w="720">
-                      <a:solidFill>
-                        <a:srgbClr val="ffffff"/>
-                      </a:solidFill>
-                    </a:lnR>
-                    <a:lnT w="720">
-                      <a:solidFill>
-                        <a:srgbClr val="ffffff"/>
-                      </a:solidFill>
-                    </a:lnT>
-                    <a:lnB w="720">
-                      <a:solidFill>
-                        <a:srgbClr val="ffffff"/>
-                      </a:solidFill>
-                    </a:lnB>
-                    <a:solidFill>
-                      <a:srgbClr val="cccccc"/>
-                    </a:solidFill>
-                  </a:tcPr>
-                </a:tc>
-                <a:tc>
-                  <a:txBody>
-                    <a:bodyPr lIns="90000" rIns="90000" anchor="t">
-                      <a:noAutofit/>
-                    </a:bodyPr>
-                    <a:p>
-                      <a:pPr algn="ctr">
-                        <a:lnSpc>
-                          <a:spcPct val="100000"/>
-                        </a:lnSpc>
-                        <a:buNone/>
-                      </a:pPr>
-                      <a:r>
-                        <a:rPr b="0" lang="pt-BR" sz="1800" spc="-1" strike="noStrike">
-                          <a:latin typeface="Arial"/>
-                        </a:rPr>
-                        <a:t>Labrador</a:t>
-                      </a:r>
-                      <a:endParaRPr b="0" lang="en-US" sz="1800" spc="-1" strike="noStrike">
-                        <a:latin typeface="Arial"/>
-                      </a:endParaRPr>
-                    </a:p>
-                  </a:txBody>
-                  <a:tcPr anchor="t" marL="90000" marR="90000">
-                    <a:lnL w="720">
-                      <a:solidFill>
-                        <a:srgbClr val="ffffff"/>
-                      </a:solidFill>
-                    </a:lnL>
-                    <a:lnR w="720">
-                      <a:solidFill>
-                        <a:srgbClr val="ffffff"/>
-                      </a:solidFill>
-                    </a:lnR>
-                    <a:lnT w="720">
-                      <a:solidFill>
-                        <a:srgbClr val="ffffff"/>
-                      </a:solidFill>
-                    </a:lnT>
-                    <a:lnB w="720">
-                      <a:solidFill>
-                        <a:srgbClr val="ffffff"/>
-                      </a:solidFill>
-                    </a:lnB>
-                    <a:solidFill>
-                      <a:srgbClr val="cccccc"/>
-                    </a:solidFill>
-                  </a:tcPr>
-                </a:tc>
-              </a:tr>
-            </a:tbl>
-          </a:graphicData>
-        </a:graphic>
-      </p:graphicFrame>
-      <p:sp>
-        <p:nvSpPr>
-          <p:cNvPr id="233" name=""/>
+      <p:sp>
+        <p:nvSpPr>
+          <p:cNvPr id="271" name=""/>
           <p:cNvSpPr/>
           <p:nvPr/>
         </p:nvSpPr>
         <p:spPr>
           <a:xfrm>
             <a:off x="525240" y="1594800"/>
-            <a:ext cx="6777000" cy="385200"/>
+            <a:ext cx="6776640" cy="384840"/>
           </a:xfrm>
           <a:prstGeom prst="rect">
             <a:avLst/>
@@ -20373,6 +20022,29 @@
           </a:p>
         </p:txBody>
       </p:sp>
+      <p:pic>
+        <p:nvPicPr>
+          <p:cNvPr id="272" name="" descr=""/>
+          <p:cNvPicPr/>
+          <p:nvPr/>
+        </p:nvPicPr>
+        <p:blipFill>
+          <a:blip r:embed="rId2"/>
+          <a:stretch/>
+        </p:blipFill>
+        <p:spPr>
+          <a:xfrm>
+            <a:off x="4258440" y="2429640"/>
+            <a:ext cx="4656960" cy="3285360"/>
+          </a:xfrm>
+          <a:prstGeom prst="rect">
+            <a:avLst/>
+          </a:prstGeom>
+          <a:ln w="0">
+            <a:noFill/>
+          </a:ln>
+        </p:spPr>
+      </p:pic>
     </p:spTree>
   </p:cSld>
   <mc:AlternateContent>
@@ -20405,14 +20077,14 @@
       </p:grpSpPr>
       <p:sp>
         <p:nvSpPr>
-          <p:cNvPr id="234" name="CustomShape 5"/>
+          <p:cNvPr id="273" name="CustomShape 5"/>
           <p:cNvSpPr/>
           <p:nvPr/>
         </p:nvSpPr>
         <p:spPr>
           <a:xfrm>
             <a:off x="360000" y="360000"/>
-            <a:ext cx="9347400" cy="887400"/>
+            <a:ext cx="9347040" cy="887040"/>
           </a:xfrm>
           <a:prstGeom prst="rect">
             <a:avLst/>
@@ -20457,14 +20129,14 @@
       </p:sp>
       <p:sp>
         <p:nvSpPr>
-          <p:cNvPr id="235" name="CustomShape 7"/>
+          <p:cNvPr id="274" name="CustomShape 7"/>
           <p:cNvSpPr/>
           <p:nvPr/>
         </p:nvSpPr>
         <p:spPr>
           <a:xfrm>
             <a:off x="360000" y="1447920"/>
-            <a:ext cx="9167400" cy="4667400"/>
+            <a:ext cx="9167040" cy="4667040"/>
           </a:xfrm>
           <a:prstGeom prst="rect">
             <a:avLst/>
@@ -20656,14 +20328,14 @@
       </p:sp>
       <p:sp>
         <p:nvSpPr>
-          <p:cNvPr id="236" name="CustomShape 9"/>
+          <p:cNvPr id="275" name="CustomShape 9"/>
           <p:cNvSpPr/>
           <p:nvPr/>
         </p:nvSpPr>
         <p:spPr>
           <a:xfrm>
             <a:off x="897120" y="6886080"/>
-            <a:ext cx="6434640" cy="352440"/>
+            <a:ext cx="6434280" cy="352080"/>
           </a:xfrm>
           <a:prstGeom prst="rect">
             <a:avLst/>
@@ -20708,14 +20380,14 @@
       </p:sp>
       <p:sp>
         <p:nvSpPr>
-          <p:cNvPr id="237" name="CustomShape 15"/>
+          <p:cNvPr id="276" name="CustomShape 15"/>
           <p:cNvSpPr/>
           <p:nvPr/>
         </p:nvSpPr>
         <p:spPr>
           <a:xfrm>
             <a:off x="7608600" y="6886080"/>
-            <a:ext cx="2272680" cy="352440"/>
+            <a:ext cx="2272320" cy="352080"/>
           </a:xfrm>
           <a:prstGeom prst="rect">
             <a:avLst/>
@@ -20760,7 +20432,7 @@
       </p:sp>
       <p:pic>
         <p:nvPicPr>
-          <p:cNvPr id="238" name="" descr=""/>
+          <p:cNvPr id="277" name="" descr=""/>
           <p:cNvPicPr/>
           <p:nvPr/>
         </p:nvPicPr>
@@ -20771,7 +20443,7 @@
         <p:spPr>
           <a:xfrm>
             <a:off x="1265400" y="3934080"/>
-            <a:ext cx="3355560" cy="2488680"/>
+            <a:ext cx="3355200" cy="2488320"/>
           </a:xfrm>
           <a:prstGeom prst="rect">
             <a:avLst/>
@@ -20783,7 +20455,7 @@
       </p:pic>
       <p:pic>
         <p:nvPicPr>
-          <p:cNvPr id="239" name="" descr=""/>
+          <p:cNvPr id="278" name="" descr=""/>
           <p:cNvPicPr/>
           <p:nvPr/>
         </p:nvPicPr>
@@ -20794,7 +20466,7 @@
         <p:spPr>
           <a:xfrm>
             <a:off x="4862880" y="3642840"/>
-            <a:ext cx="4817880" cy="3246480"/>
+            <a:ext cx="4817520" cy="3246120"/>
           </a:xfrm>
           <a:prstGeom prst="rect">
             <a:avLst/>
@@ -20836,14 +20508,14 @@
       </p:grpSpPr>
       <p:sp>
         <p:nvSpPr>
-          <p:cNvPr id="240" name="CustomShape 8"/>
+          <p:cNvPr id="279" name="CustomShape 8"/>
           <p:cNvSpPr/>
           <p:nvPr/>
         </p:nvSpPr>
         <p:spPr>
           <a:xfrm>
             <a:off x="360000" y="360000"/>
-            <a:ext cx="9347400" cy="887400"/>
+            <a:ext cx="9347040" cy="887040"/>
           </a:xfrm>
           <a:prstGeom prst="rect">
             <a:avLst/>
@@ -20888,14 +20560,14 @@
       </p:sp>
       <p:sp>
         <p:nvSpPr>
-          <p:cNvPr id="241" name="CustomShape 19"/>
+          <p:cNvPr id="280" name="CustomShape 19"/>
           <p:cNvSpPr/>
           <p:nvPr/>
         </p:nvSpPr>
         <p:spPr>
           <a:xfrm>
             <a:off x="360000" y="1447920"/>
-            <a:ext cx="9167400" cy="4667400"/>
+            <a:ext cx="9167040" cy="4667040"/>
           </a:xfrm>
           <a:prstGeom prst="rect">
             <a:avLst/>
@@ -21000,14 +20672,14 @@
       </p:sp>
       <p:sp>
         <p:nvSpPr>
-          <p:cNvPr id="242" name="CustomShape 20"/>
+          <p:cNvPr id="281" name="CustomShape 20"/>
           <p:cNvSpPr/>
           <p:nvPr/>
         </p:nvSpPr>
         <p:spPr>
           <a:xfrm>
             <a:off x="897120" y="6886080"/>
-            <a:ext cx="6434640" cy="352440"/>
+            <a:ext cx="6434280" cy="352080"/>
           </a:xfrm>
           <a:prstGeom prst="rect">
             <a:avLst/>
@@ -21052,14 +20724,14 @@
       </p:sp>
       <p:sp>
         <p:nvSpPr>
-          <p:cNvPr id="243" name="CustomShape 21"/>
+          <p:cNvPr id="282" name="CustomShape 21"/>
           <p:cNvSpPr/>
           <p:nvPr/>
         </p:nvSpPr>
         <p:spPr>
           <a:xfrm>
             <a:off x="7608600" y="6886080"/>
-            <a:ext cx="2272680" cy="352440"/>
+            <a:ext cx="2272320" cy="352080"/>
           </a:xfrm>
           <a:prstGeom prst="rect">
             <a:avLst/>
@@ -21104,7 +20776,7 @@
       </p:sp>
       <p:pic>
         <p:nvPicPr>
-          <p:cNvPr id="244" name="" descr=""/>
+          <p:cNvPr id="283" name="" descr=""/>
           <p:cNvPicPr/>
           <p:nvPr/>
         </p:nvPicPr>
@@ -21115,7 +20787,7 @@
         <p:spPr>
           <a:xfrm>
             <a:off x="2520360" y="2482200"/>
-            <a:ext cx="4678920" cy="3997080"/>
+            <a:ext cx="4678560" cy="3996720"/>
           </a:xfrm>
           <a:prstGeom prst="rect">
             <a:avLst/>
@@ -21157,14 +20829,14 @@
       </p:grpSpPr>
       <p:sp>
         <p:nvSpPr>
-          <p:cNvPr id="245" name="CustomShape 23"/>
+          <p:cNvPr id="284" name="CustomShape 23"/>
           <p:cNvSpPr/>
           <p:nvPr/>
         </p:nvSpPr>
         <p:spPr>
           <a:xfrm>
             <a:off x="360000" y="360000"/>
-            <a:ext cx="9347400" cy="887400"/>
+            <a:ext cx="9347040" cy="887040"/>
           </a:xfrm>
           <a:prstGeom prst="rect">
             <a:avLst/>
@@ -21209,14 +20881,14 @@
       </p:sp>
       <p:sp>
         <p:nvSpPr>
-          <p:cNvPr id="246" name="CustomShape 24"/>
+          <p:cNvPr id="285" name="CustomShape 24"/>
           <p:cNvSpPr/>
           <p:nvPr/>
         </p:nvSpPr>
         <p:spPr>
           <a:xfrm>
             <a:off x="360000" y="1447920"/>
-            <a:ext cx="9167400" cy="4667400"/>
+            <a:ext cx="9167040" cy="4667040"/>
           </a:xfrm>
           <a:prstGeom prst="rect">
             <a:avLst/>
@@ -21335,14 +21007,14 @@
       </p:sp>
       <p:sp>
         <p:nvSpPr>
-          <p:cNvPr id="247" name="CustomShape 25"/>
+          <p:cNvPr id="286" name="CustomShape 25"/>
           <p:cNvSpPr/>
           <p:nvPr/>
         </p:nvSpPr>
         <p:spPr>
           <a:xfrm>
             <a:off x="897120" y="6886080"/>
-            <a:ext cx="6434640" cy="352440"/>
+            <a:ext cx="6434280" cy="352080"/>
           </a:xfrm>
           <a:prstGeom prst="rect">
             <a:avLst/>
@@ -21387,14 +21059,14 @@
       </p:sp>
       <p:sp>
         <p:nvSpPr>
-          <p:cNvPr id="248" name="CustomShape 26"/>
+          <p:cNvPr id="287" name="CustomShape 26"/>
           <p:cNvSpPr/>
           <p:nvPr/>
         </p:nvSpPr>
         <p:spPr>
           <a:xfrm>
             <a:off x="7608600" y="6886080"/>
-            <a:ext cx="2272680" cy="352440"/>
+            <a:ext cx="2272320" cy="352080"/>
           </a:xfrm>
           <a:prstGeom prst="rect">
             <a:avLst/>
@@ -21439,7 +21111,7 @@
       </p:sp>
       <p:pic>
         <p:nvPicPr>
-          <p:cNvPr id="249" name="" descr=""/>
+          <p:cNvPr id="288" name="" descr=""/>
           <p:cNvPicPr/>
           <p:nvPr/>
         </p:nvPicPr>
@@ -21449,8 +21121,8 @@
         </p:blipFill>
         <p:spPr>
           <a:xfrm>
-            <a:off x="1474200" y="3206880"/>
-            <a:ext cx="3574800" cy="3359520"/>
+            <a:off x="5498280" y="2713680"/>
+            <a:ext cx="1955520" cy="468000"/>
           </a:xfrm>
           <a:prstGeom prst="rect">
             <a:avLst/>
@@ -21462,19 +21134,18 @@
       </p:pic>
       <p:pic>
         <p:nvPicPr>
-          <p:cNvPr id="250" name="" descr=""/>
+          <p:cNvPr id="289" name="" descr=""/>
           <p:cNvPicPr/>
           <p:nvPr/>
         </p:nvPicPr>
         <p:blipFill>
           <a:blip r:embed="rId2"/>
-          <a:srcRect l="0" t="60389" r="0" b="0"/>
           <a:stretch/>
         </p:blipFill>
         <p:spPr>
           <a:xfrm>
-            <a:off x="3623760" y="4358520"/>
-            <a:ext cx="5639400" cy="807480"/>
+            <a:off x="1474920" y="3207600"/>
+            <a:ext cx="7790040" cy="3361320"/>
           </a:xfrm>
           <a:prstGeom prst="rect">
             <a:avLst/>
@@ -21486,7 +21157,7 @@
       </p:pic>
       <p:pic>
         <p:nvPicPr>
-          <p:cNvPr id="251" name="" descr=""/>
+          <p:cNvPr id="290" name="" descr=""/>
           <p:cNvPicPr/>
           <p:nvPr/>
         </p:nvPicPr>
@@ -21496,31 +21167,8 @@
         </p:blipFill>
         <p:spPr>
           <a:xfrm>
-            <a:off x="5498280" y="2713680"/>
-            <a:ext cx="1955880" cy="468360"/>
-          </a:xfrm>
-          <a:prstGeom prst="rect">
-            <a:avLst/>
-          </a:prstGeom>
-          <a:ln w="0">
-            <a:noFill/>
-          </a:ln>
-        </p:spPr>
-      </p:pic>
-      <p:pic>
-        <p:nvPicPr>
-          <p:cNvPr id="252" name="" descr=""/>
-          <p:cNvPicPr/>
-          <p:nvPr/>
-        </p:nvPicPr>
-        <p:blipFill>
-          <a:blip r:embed="rId4"/>
-          <a:stretch/>
-        </p:blipFill>
-        <p:spPr>
-          <a:xfrm>
             <a:off x="5094000" y="3539160"/>
-            <a:ext cx="2752920" cy="712080"/>
+            <a:ext cx="2752560" cy="711720"/>
           </a:xfrm>
           <a:prstGeom prst="rect">
             <a:avLst/>
@@ -21562,14 +21210,14 @@
       </p:grpSpPr>
       <p:sp>
         <p:nvSpPr>
-          <p:cNvPr id="253" name="CustomShape 43"/>
+          <p:cNvPr id="291" name="CustomShape 43"/>
           <p:cNvSpPr/>
           <p:nvPr/>
         </p:nvSpPr>
         <p:spPr>
           <a:xfrm>
             <a:off x="360000" y="360000"/>
-            <a:ext cx="9347400" cy="887400"/>
+            <a:ext cx="9347040" cy="887040"/>
           </a:xfrm>
           <a:prstGeom prst="rect">
             <a:avLst/>
@@ -21614,14 +21262,14 @@
       </p:sp>
       <p:sp>
         <p:nvSpPr>
-          <p:cNvPr id="254" name="CustomShape 44"/>
+          <p:cNvPr id="292" name="CustomShape 44"/>
           <p:cNvSpPr/>
           <p:nvPr/>
         </p:nvSpPr>
         <p:spPr>
           <a:xfrm>
             <a:off x="360000" y="1447920"/>
-            <a:ext cx="9167400" cy="4667400"/>
+            <a:ext cx="9167040" cy="4667040"/>
           </a:xfrm>
           <a:prstGeom prst="rect">
             <a:avLst/>
@@ -21726,14 +21374,14 @@
       </p:sp>
       <p:sp>
         <p:nvSpPr>
-          <p:cNvPr id="255" name="CustomShape 45"/>
+          <p:cNvPr id="293" name="CustomShape 45"/>
           <p:cNvSpPr/>
           <p:nvPr/>
         </p:nvSpPr>
         <p:spPr>
           <a:xfrm>
             <a:off x="897120" y="6886080"/>
-            <a:ext cx="6434640" cy="352440"/>
+            <a:ext cx="6434280" cy="352080"/>
           </a:xfrm>
           <a:prstGeom prst="rect">
             <a:avLst/>
@@ -21778,14 +21426,14 @@
       </p:sp>
       <p:sp>
         <p:nvSpPr>
-          <p:cNvPr id="256" name="CustomShape 46"/>
+          <p:cNvPr id="294" name="CustomShape 46"/>
           <p:cNvSpPr/>
           <p:nvPr/>
         </p:nvSpPr>
         <p:spPr>
           <a:xfrm>
             <a:off x="7608600" y="6886080"/>
-            <a:ext cx="2272680" cy="352440"/>
+            <a:ext cx="2272320" cy="352080"/>
           </a:xfrm>
           <a:prstGeom prst="rect">
             <a:avLst/>
@@ -21830,7 +21478,7 @@
       </p:sp>
       <p:pic>
         <p:nvPicPr>
-          <p:cNvPr id="257" name="" descr=""/>
+          <p:cNvPr id="295" name="" descr=""/>
           <p:cNvPicPr/>
           <p:nvPr/>
         </p:nvPicPr>
@@ -21841,7 +21489,7 @@
         <p:spPr>
           <a:xfrm>
             <a:off x="2675160" y="2603160"/>
-            <a:ext cx="7002360" cy="1558440"/>
+            <a:ext cx="7002000" cy="1558080"/>
           </a:xfrm>
           <a:prstGeom prst="rect">
             <a:avLst/>
@@ -21853,7 +21501,7 @@
       </p:pic>
       <p:pic>
         <p:nvPicPr>
-          <p:cNvPr id="258" name="" descr=""/>
+          <p:cNvPr id="296" name="" descr=""/>
           <p:cNvPicPr/>
           <p:nvPr/>
         </p:nvPicPr>
@@ -21864,7 +21512,7 @@
         <p:spPr>
           <a:xfrm>
             <a:off x="484200" y="3418560"/>
-            <a:ext cx="3716640" cy="3215160"/>
+            <a:ext cx="3716280" cy="3214800"/>
           </a:xfrm>
           <a:prstGeom prst="rect">
             <a:avLst/>
@@ -21876,7 +21524,7 @@
       </p:pic>
       <p:sp>
         <p:nvSpPr>
-          <p:cNvPr id="259" name=""/>
+          <p:cNvPr id="297" name=""/>
           <p:cNvSpPr/>
           <p:nvPr/>
         </p:nvSpPr>
@@ -21937,14 +21585,14 @@
       </p:grpSpPr>
       <p:sp>
         <p:nvSpPr>
-          <p:cNvPr id="260" name="CustomShape 28"/>
+          <p:cNvPr id="298" name="CustomShape 28"/>
           <p:cNvSpPr/>
           <p:nvPr/>
         </p:nvSpPr>
         <p:spPr>
           <a:xfrm>
             <a:off x="360000" y="360000"/>
-            <a:ext cx="9347400" cy="887400"/>
+            <a:ext cx="9347040" cy="887040"/>
           </a:xfrm>
           <a:prstGeom prst="rect">
             <a:avLst/>
@@ -21989,14 +21637,14 @@
       </p:sp>
       <p:sp>
         <p:nvSpPr>
-          <p:cNvPr id="261" name="CustomShape 29"/>
+          <p:cNvPr id="299" name="CustomShape 29"/>
           <p:cNvSpPr/>
           <p:nvPr/>
         </p:nvSpPr>
         <p:spPr>
           <a:xfrm>
             <a:off x="360000" y="1447920"/>
-            <a:ext cx="9167400" cy="4667400"/>
+            <a:ext cx="9167040" cy="4667040"/>
           </a:xfrm>
           <a:prstGeom prst="rect">
             <a:avLst/>
@@ -22058,14 +21706,14 @@
       </p:sp>
       <p:sp>
         <p:nvSpPr>
-          <p:cNvPr id="262" name="CustomShape 30"/>
+          <p:cNvPr id="300" name="CustomShape 30"/>
           <p:cNvSpPr/>
           <p:nvPr/>
         </p:nvSpPr>
         <p:spPr>
           <a:xfrm>
             <a:off x="897120" y="6886080"/>
-            <a:ext cx="6434640" cy="352440"/>
+            <a:ext cx="6434280" cy="352080"/>
           </a:xfrm>
           <a:prstGeom prst="rect">
             <a:avLst/>
@@ -22110,14 +21758,14 @@
       </p:sp>
       <p:sp>
         <p:nvSpPr>
-          <p:cNvPr id="263" name="CustomShape 31"/>
+          <p:cNvPr id="301" name="CustomShape 31"/>
           <p:cNvSpPr/>
           <p:nvPr/>
         </p:nvSpPr>
         <p:spPr>
           <a:xfrm>
             <a:off x="7608600" y="6886080"/>
-            <a:ext cx="2272680" cy="352440"/>
+            <a:ext cx="2272320" cy="352080"/>
           </a:xfrm>
           <a:prstGeom prst="rect">
             <a:avLst/>
@@ -22162,14 +21810,14 @@
       </p:sp>
       <p:sp>
         <p:nvSpPr>
-          <p:cNvPr id="264" name=""/>
+          <p:cNvPr id="302" name=""/>
           <p:cNvSpPr/>
           <p:nvPr/>
         </p:nvSpPr>
         <p:spPr>
           <a:xfrm>
             <a:off x="1962000" y="3637080"/>
-            <a:ext cx="6299640" cy="1112760"/>
+            <a:ext cx="6299280" cy="1112400"/>
           </a:xfrm>
           <a:prstGeom prst="rect">
             <a:avLst/>
@@ -22188,14 +21836,14 @@
       </p:sp>
       <p:sp>
         <p:nvSpPr>
-          <p:cNvPr id="265" name="CustomShape 48"/>
+          <p:cNvPr id="303" name="CustomShape 48"/>
           <p:cNvSpPr/>
           <p:nvPr/>
         </p:nvSpPr>
         <p:spPr>
           <a:xfrm>
             <a:off x="360000" y="1447920"/>
-            <a:ext cx="9167400" cy="4667400"/>
+            <a:ext cx="9167040" cy="4667040"/>
           </a:xfrm>
           <a:prstGeom prst="rect">
             <a:avLst/>
@@ -22372,35 +22020,35 @@
       </p:sp>
       <p:grpSp>
         <p:nvGrpSpPr>
-          <p:cNvPr id="266" name=""/>
+          <p:cNvPr id="304" name=""/>
           <p:cNvGrpSpPr/>
           <p:nvPr/>
         </p:nvGrpSpPr>
         <p:grpSpPr>
           <a:xfrm>
             <a:off x="4176000" y="2431440"/>
-            <a:ext cx="5219280" cy="4319280"/>
+            <a:ext cx="5218920" cy="4318920"/>
             <a:chOff x="4176000" y="2431440"/>
-            <a:chExt cx="5219280" cy="4319280"/>
+            <a:chExt cx="5218920" cy="4318920"/>
           </a:xfrm>
         </p:grpSpPr>
         <p:grpSp>
           <p:nvGrpSpPr>
-            <p:cNvPr id="267" name=""/>
+            <p:cNvPr id="305" name=""/>
             <p:cNvGrpSpPr/>
             <p:nvPr/>
           </p:nvGrpSpPr>
           <p:grpSpPr>
             <a:xfrm>
               <a:off x="4176000" y="2431440"/>
-              <a:ext cx="5219280" cy="4319280"/>
+              <a:ext cx="5218920" cy="4318920"/>
               <a:chOff x="4176000" y="2431440"/>
-              <a:chExt cx="5219280" cy="4319280"/>
+              <a:chExt cx="5218920" cy="4318920"/>
             </a:xfrm>
           </p:grpSpPr>
           <p:pic>
             <p:nvPicPr>
-              <p:cNvPr id="268" name="" descr=""/>
+              <p:cNvPr id="306" name="" descr=""/>
               <p:cNvPicPr/>
               <p:nvPr/>
             </p:nvPicPr>
@@ -22412,7 +22060,7 @@
             <p:spPr>
               <a:xfrm>
                 <a:off x="4176000" y="2431440"/>
-                <a:ext cx="5219280" cy="4319280"/>
+                <a:ext cx="5218920" cy="4318920"/>
               </a:xfrm>
               <a:prstGeom prst="rect">
                 <a:avLst/>
@@ -22424,7 +22072,7 @@
           </p:pic>
           <p:pic>
             <p:nvPicPr>
-              <p:cNvPr id="269" name="" descr=""/>
+              <p:cNvPr id="307" name="" descr=""/>
               <p:cNvPicPr/>
               <p:nvPr/>
             </p:nvPicPr>
@@ -22435,7 +22083,7 @@
             <p:spPr>
               <a:xfrm>
                 <a:off x="5144400" y="2522880"/>
-                <a:ext cx="4033080" cy="3561120"/>
+                <a:ext cx="4032720" cy="3560760"/>
               </a:xfrm>
               <a:prstGeom prst="rect">
                 <a:avLst/>
@@ -22448,28 +22096,28 @@
         </p:grpSp>
         <p:grpSp>
           <p:nvGrpSpPr>
-            <p:cNvPr id="270" name=""/>
+            <p:cNvPr id="308" name=""/>
             <p:cNvGrpSpPr/>
             <p:nvPr/>
           </p:nvGrpSpPr>
           <p:grpSpPr>
             <a:xfrm>
               <a:off x="7167240" y="4802040"/>
-              <a:ext cx="1688040" cy="377280"/>
+              <a:ext cx="1687680" cy="376920"/>
               <a:chOff x="7167240" y="4802040"/>
-              <a:chExt cx="1688040" cy="377280"/>
+              <a:chExt cx="1687680" cy="376920"/>
             </a:xfrm>
           </p:grpSpPr>
           <p:sp>
             <p:nvSpPr>
-              <p:cNvPr id="271" name=""/>
+              <p:cNvPr id="309" name=""/>
               <p:cNvSpPr/>
               <p:nvPr/>
             </p:nvSpPr>
             <p:spPr>
               <a:xfrm>
                 <a:off x="7167240" y="4802040"/>
-                <a:ext cx="1688040" cy="377280"/>
+                <a:ext cx="1687680" cy="376920"/>
               </a:xfrm>
               <a:prstGeom prst="rect">
                 <a:avLst/>
@@ -22524,7 +22172,7 @@
           </p:sp>
           <p:pic>
             <p:nvPicPr>
-              <p:cNvPr id="272" name="" descr=""/>
+              <p:cNvPr id="310" name="" descr=""/>
               <p:cNvPicPr/>
               <p:nvPr/>
             </p:nvPicPr>
@@ -22535,7 +22183,7 @@
             <p:spPr>
               <a:xfrm>
                 <a:off x="7850160" y="4906080"/>
-                <a:ext cx="232200" cy="163080"/>
+                <a:ext cx="231840" cy="162720"/>
               </a:xfrm>
               <a:prstGeom prst="rect">
                 <a:avLst/>
@@ -22547,7 +22195,7 @@
           </p:pic>
           <p:pic>
             <p:nvPicPr>
-              <p:cNvPr id="273" name="" descr=""/>
+              <p:cNvPr id="311" name="" descr=""/>
               <p:cNvPicPr/>
               <p:nvPr/>
             </p:nvPicPr>
@@ -22558,7 +22206,7 @@
             <p:spPr>
               <a:xfrm>
                 <a:off x="8085600" y="4906080"/>
-                <a:ext cx="232560" cy="163080"/>
+                <a:ext cx="232200" cy="162720"/>
               </a:xfrm>
               <a:prstGeom prst="rect">
                 <a:avLst/>
@@ -22570,14 +22218,14 @@
           </p:pic>
           <p:sp>
             <p:nvSpPr>
-              <p:cNvPr id="274" name=""/>
+              <p:cNvPr id="312" name=""/>
               <p:cNvSpPr/>
               <p:nvPr/>
             </p:nvSpPr>
             <p:spPr>
               <a:xfrm>
                 <a:off x="8318880" y="4906080"/>
-                <a:ext cx="217440" cy="190440"/>
+                <a:ext cx="217080" cy="190080"/>
               </a:xfrm>
               <a:prstGeom prst="rect">
                 <a:avLst/>
@@ -22639,35 +22287,35 @@
         </p:grpSp>
         <p:grpSp>
           <p:nvGrpSpPr>
-            <p:cNvPr id="275" name=""/>
+            <p:cNvPr id="313" name=""/>
             <p:cNvGrpSpPr/>
             <p:nvPr/>
           </p:nvGrpSpPr>
           <p:grpSpPr>
             <a:xfrm>
               <a:off x="6526800" y="5391000"/>
-              <a:ext cx="2045520" cy="377640"/>
+              <a:ext cx="2045160" cy="377280"/>
               <a:chOff x="6526800" y="5391000"/>
-              <a:chExt cx="2045520" cy="377640"/>
+              <a:chExt cx="2045160" cy="377280"/>
             </a:xfrm>
           </p:grpSpPr>
           <p:grpSp>
             <p:nvGrpSpPr>
-              <p:cNvPr id="276" name=""/>
+              <p:cNvPr id="314" name=""/>
               <p:cNvGrpSpPr/>
               <p:nvPr/>
             </p:nvGrpSpPr>
             <p:grpSpPr>
               <a:xfrm>
                 <a:off x="7252560" y="5498640"/>
-                <a:ext cx="1059120" cy="191520"/>
+                <a:ext cx="1058760" cy="191160"/>
                 <a:chOff x="7252560" y="5498640"/>
-                <a:chExt cx="1059120" cy="191520"/>
+                <a:chExt cx="1058760" cy="191160"/>
               </a:xfrm>
             </p:grpSpPr>
             <p:pic>
               <p:nvPicPr>
-                <p:cNvPr id="277" name="" descr=""/>
+                <p:cNvPr id="315" name="" descr=""/>
                 <p:cNvPicPr/>
                 <p:nvPr/>
               </p:nvPicPr>
@@ -22678,7 +22326,7 @@
               <p:spPr>
                 <a:xfrm>
                   <a:off x="7252560" y="5498640"/>
-                  <a:ext cx="222480" cy="163080"/>
+                  <a:ext cx="222120" cy="162720"/>
                 </a:xfrm>
                 <a:prstGeom prst="rect">
                   <a:avLst/>
@@ -22690,7 +22338,7 @@
             </p:pic>
             <p:pic>
               <p:nvPicPr>
-                <p:cNvPr id="278" name="" descr=""/>
+                <p:cNvPr id="316" name="" descr=""/>
                 <p:cNvPicPr/>
                 <p:nvPr/>
               </p:nvPicPr>
@@ -22701,7 +22349,7 @@
               <p:spPr>
                 <a:xfrm>
                   <a:off x="7477920" y="5498640"/>
-                  <a:ext cx="222840" cy="163080"/>
+                  <a:ext cx="222480" cy="162720"/>
                 </a:xfrm>
                 <a:prstGeom prst="rect">
                   <a:avLst/>
@@ -22713,7 +22361,7 @@
             </p:pic>
             <p:pic>
               <p:nvPicPr>
-                <p:cNvPr id="279" name="" descr=""/>
+                <p:cNvPr id="317" name="" descr=""/>
                 <p:cNvPicPr/>
                 <p:nvPr/>
               </p:nvPicPr>
@@ -22724,7 +22372,7 @@
               <p:spPr>
                 <a:xfrm>
                   <a:off x="7701480" y="5498640"/>
-                  <a:ext cx="208800" cy="190800"/>
+                  <a:ext cx="208440" cy="190440"/>
                 </a:xfrm>
                 <a:prstGeom prst="rect">
                   <a:avLst/>
@@ -22736,7 +22384,7 @@
             </p:pic>
             <p:pic>
               <p:nvPicPr>
-                <p:cNvPr id="280" name="" descr=""/>
+                <p:cNvPr id="318" name="" descr=""/>
                 <p:cNvPicPr/>
                 <p:nvPr/>
               </p:nvPicPr>
@@ -22747,7 +22395,7 @@
               <p:spPr>
                 <a:xfrm>
                   <a:off x="7902720" y="5499000"/>
-                  <a:ext cx="208440" cy="190800"/>
+                  <a:ext cx="208080" cy="190440"/>
                 </a:xfrm>
                 <a:prstGeom prst="rect">
                   <a:avLst/>
@@ -22759,7 +22407,7 @@
             </p:pic>
             <p:pic>
               <p:nvPicPr>
-                <p:cNvPr id="281" name="" descr=""/>
+                <p:cNvPr id="319" name="" descr=""/>
                 <p:cNvPicPr/>
                 <p:nvPr/>
               </p:nvPicPr>
@@ -22770,7 +22418,7 @@
               <p:spPr>
                 <a:xfrm>
                   <a:off x="8103240" y="5499360"/>
-                  <a:ext cx="208440" cy="190800"/>
+                  <a:ext cx="208080" cy="190440"/>
                 </a:xfrm>
                 <a:prstGeom prst="rect">
                   <a:avLst/>
@@ -22783,14 +22431,14 @@
           </p:grpSp>
           <p:sp>
             <p:nvSpPr>
-              <p:cNvPr id="282" name=""/>
+              <p:cNvPr id="320" name=""/>
               <p:cNvSpPr/>
               <p:nvPr/>
             </p:nvSpPr>
             <p:spPr>
               <a:xfrm>
                 <a:off x="6526800" y="5391000"/>
-                <a:ext cx="2045520" cy="377640"/>
+                <a:ext cx="2045160" cy="377280"/>
               </a:xfrm>
               <a:prstGeom prst="rect">
                 <a:avLst/>
@@ -22846,14 +22494,14 @@
         </p:grpSp>
         <p:sp>
           <p:nvSpPr>
-            <p:cNvPr id="283" name=""/>
+            <p:cNvPr id="321" name=""/>
             <p:cNvSpPr/>
             <p:nvPr/>
           </p:nvSpPr>
           <p:spPr>
             <a:xfrm>
               <a:off x="7126200" y="4375440"/>
-              <a:ext cx="577080" cy="359280"/>
+              <a:ext cx="576720" cy="358920"/>
             </a:xfrm>
             <a:prstGeom prst="rect">
               <a:avLst/>
@@ -24264,4 +23912,230 @@
     </a:fmtScheme>
   </a:themeElements>
 </a:theme>
+</file>
+
+<file path=ppt/theme/theme7.xml><?xml version="1.0" encoding="utf-8"?>
+<a:theme xmlns:a="http://schemas.openxmlformats.org/drawingml/2006/main" name="Office Theme">
+  <a:themeElements>
+    <a:clrScheme name="Office">
+      <a:dk1>
+        <a:sysClr val="windowText" lastClr="000000"/>
+      </a:dk1>
+      <a:lt1>
+        <a:sysClr val="window" lastClr="FFFFFF"/>
+      </a:lt1>
+      <a:dk2>
+        <a:srgbClr val="1f497d"/>
+      </a:dk2>
+      <a:lt2>
+        <a:srgbClr val="eeece1"/>
+      </a:lt2>
+      <a:accent1>
+        <a:srgbClr val="4f81bd"/>
+      </a:accent1>
+      <a:accent2>
+        <a:srgbClr val="c0504d"/>
+      </a:accent2>
+      <a:accent3>
+        <a:srgbClr val="9bbb59"/>
+      </a:accent3>
+      <a:accent4>
+        <a:srgbClr val="8064a2"/>
+      </a:accent4>
+      <a:accent5>
+        <a:srgbClr val="4bacc6"/>
+      </a:accent5>
+      <a:accent6>
+        <a:srgbClr val="f79646"/>
+      </a:accent6>
+      <a:hlink>
+        <a:srgbClr val="0000ff"/>
+      </a:hlink>
+      <a:folHlink>
+        <a:srgbClr val="800080"/>
+      </a:folHlink>
+    </a:clrScheme>
+    <a:fontScheme name="Office">
+      <a:majorFont>
+        <a:latin typeface="Arial"/>
+        <a:ea typeface="DejaVu Sans"/>
+        <a:cs typeface="DejaVu Sans"/>
+      </a:majorFont>
+      <a:minorFont>
+        <a:latin typeface="Arial"/>
+        <a:ea typeface="DejaVu Sans"/>
+        <a:cs typeface="DejaVu Sans"/>
+      </a:minorFont>
+    </a:fontScheme>
+    <a:fmtScheme name="Office">
+      <a:fillStyleLst>
+        <a:solidFill>
+          <a:schemeClr val="phClr"/>
+        </a:solidFill>
+        <a:gradFill rotWithShape="1">
+          <a:gsLst>
+            <a:gs pos="0">
+              <a:schemeClr val="phClr">
+                <a:tint val="50000"/>
+                <a:satMod val="300000"/>
+              </a:schemeClr>
+            </a:gs>
+            <a:gs pos="35000">
+              <a:schemeClr val="phClr">
+                <a:tint val="37000"/>
+                <a:satMod val="300000"/>
+              </a:schemeClr>
+            </a:gs>
+            <a:gs pos="100000">
+              <a:schemeClr val="phClr">
+                <a:tint val="15000"/>
+                <a:satMod val="350000"/>
+              </a:schemeClr>
+            </a:gs>
+          </a:gsLst>
+          <a:lin ang="16200000" scaled="1"/>
+        </a:gradFill>
+        <a:gradFill rotWithShape="1">
+          <a:gsLst>
+            <a:gs pos="0">
+              <a:schemeClr val="phClr">
+                <a:shade val="51000"/>
+                <a:satMod val="130000"/>
+              </a:schemeClr>
+            </a:gs>
+            <a:gs pos="80000">
+              <a:schemeClr val="phClr">
+                <a:shade val="93000"/>
+                <a:satMod val="130000"/>
+              </a:schemeClr>
+            </a:gs>
+            <a:gs pos="100000">
+              <a:schemeClr val="phClr">
+                <a:shade val="94000"/>
+                <a:satMod val="135000"/>
+              </a:schemeClr>
+            </a:gs>
+          </a:gsLst>
+          <a:lin ang="16200000" scaled="0"/>
+        </a:gradFill>
+      </a:fillStyleLst>
+      <a:lnStyleLst>
+        <a:ln w="9525" cap="flat" cmpd="sng" algn="ctr">
+          <a:solidFill>
+            <a:schemeClr val="phClr">
+              <a:shade val="95000"/>
+              <a:satMod val="105000"/>
+            </a:schemeClr>
+          </a:solidFill>
+          <a:prstDash val="solid"/>
+          <a:miter/>
+        </a:ln>
+        <a:ln w="25400" cap="flat" cmpd="sng" algn="ctr">
+          <a:solidFill>
+            <a:schemeClr val="phClr"/>
+          </a:solidFill>
+          <a:prstDash val="solid"/>
+          <a:miter/>
+        </a:ln>
+        <a:ln w="38100" cap="flat" cmpd="sng" algn="ctr">
+          <a:solidFill>
+            <a:schemeClr val="phClr"/>
+          </a:solidFill>
+          <a:prstDash val="solid"/>
+          <a:miter/>
+        </a:ln>
+      </a:lnStyleLst>
+      <a:effectStyleLst>
+        <a:effectStyle>
+          <a:effectLst>
+            <a:outerShdw blurRad="40000" dist="20000" dir="5400000" rotWithShape="0">
+              <a:srgbClr val="000000">
+                <a:alpha val="38000"/>
+              </a:srgbClr>
+            </a:outerShdw>
+          </a:effectLst>
+        </a:effectStyle>
+        <a:effectStyle>
+          <a:effectLst>
+            <a:outerShdw blurRad="40000" dist="23000" dir="5400000" rotWithShape="0">
+              <a:srgbClr val="000000">
+                <a:alpha val="35000"/>
+              </a:srgbClr>
+            </a:outerShdw>
+          </a:effectLst>
+        </a:effectStyle>
+        <a:effectStyle>
+          <a:effectLst>
+            <a:outerShdw blurRad="40000" dist="23000" dir="5400000" rotWithShape="0">
+              <a:srgbClr val="000000">
+                <a:alpha val="35000"/>
+              </a:srgbClr>
+            </a:outerShdw>
+          </a:effectLst>
+          <a:scene3d>
+            <a:camera prst="orthographicFront">
+              <a:rot lat="0" lon="0" rev="0"/>
+            </a:camera>
+            <a:lightRig rig="threePt" dir="t">
+              <a:rot lat="0" lon="0" rev="1200000"/>
+            </a:lightRig>
+          </a:scene3d>
+          <a:sp3d>
+            <a:bevelT w="63500" h="25400"/>
+          </a:sp3d>
+        </a:effectStyle>
+      </a:effectStyleLst>
+      <a:bgFillStyleLst>
+        <a:solidFill>
+          <a:schemeClr val="phClr"/>
+        </a:solidFill>
+        <a:gradFill rotWithShape="1">
+          <a:gsLst>
+            <a:gs pos="0">
+              <a:schemeClr val="phClr">
+                <a:tint val="40000"/>
+                <a:satMod val="350000"/>
+              </a:schemeClr>
+            </a:gs>
+            <a:gs pos="40000">
+              <a:schemeClr val="phClr">
+                <a:tint val="45000"/>
+                <a:shade val="99000"/>
+                <a:satMod val="350000"/>
+              </a:schemeClr>
+            </a:gs>
+            <a:gs pos="100000">
+              <a:schemeClr val="phClr">
+                <a:shade val="20000"/>
+                <a:satMod val="255000"/>
+              </a:schemeClr>
+            </a:gs>
+          </a:gsLst>
+          <a:path path="circle">
+            <a:fillToRect l="50000" t="-80000" r="50000" b="180000"/>
+          </a:path>
+        </a:gradFill>
+        <a:gradFill rotWithShape="1">
+          <a:gsLst>
+            <a:gs pos="0">
+              <a:schemeClr val="phClr">
+                <a:tint val="80000"/>
+                <a:satMod val="300000"/>
+              </a:schemeClr>
+            </a:gs>
+            <a:gs pos="100000">
+              <a:schemeClr val="phClr">
+                <a:shade val="30000"/>
+                <a:satMod val="200000"/>
+              </a:schemeClr>
+            </a:gs>
+          </a:gsLst>
+          <a:path path="circle">
+            <a:fillToRect l="50000" t="50000" r="50000" b="50000"/>
+          </a:path>
+        </a:gradFill>
+      </a:bgFillStyleLst>
+    </a:fmtScheme>
+  </a:themeElements>
+</a:theme>
 </file>